--- a/4 FOURTH COURSE/Semester 8/ДИПЛОМ/Отчеты/Презентация_Бекиш Е.П. 2025.pptx
+++ b/4 FOURTH COURSE/Semester 8/ДИПЛОМ/Отчеты/Презентация_Бекиш Е.П. 2025.pptx
@@ -5,7 +5,7 @@
     <p:sldMasterId id="2147483648" r:id="rId1"/>
   </p:sldMasterIdLst>
   <p:notesMasterIdLst>
-    <p:notesMasterId r:id="rId20"/>
+    <p:notesMasterId r:id="rId21"/>
   </p:notesMasterIdLst>
   <p:sldIdLst>
     <p:sldId id="258" r:id="rId2"/>
@@ -19,13 +19,14 @@
     <p:sldId id="328" r:id="rId10"/>
     <p:sldId id="329" r:id="rId11"/>
     <p:sldId id="330" r:id="rId12"/>
-    <p:sldId id="331" r:id="rId13"/>
-    <p:sldId id="332" r:id="rId14"/>
-    <p:sldId id="333" r:id="rId15"/>
-    <p:sldId id="334" r:id="rId16"/>
-    <p:sldId id="335" r:id="rId17"/>
-    <p:sldId id="336" r:id="rId18"/>
-    <p:sldId id="337" r:id="rId19"/>
+    <p:sldId id="338" r:id="rId13"/>
+    <p:sldId id="331" r:id="rId14"/>
+    <p:sldId id="332" r:id="rId15"/>
+    <p:sldId id="333" r:id="rId16"/>
+    <p:sldId id="334" r:id="rId17"/>
+    <p:sldId id="335" r:id="rId18"/>
+    <p:sldId id="336" r:id="rId19"/>
+    <p:sldId id="337" r:id="rId20"/>
   </p:sldIdLst>
   <p:sldSz cx="12192000" cy="6858000"/>
   <p:notesSz cx="6858000" cy="9144000"/>
@@ -124,6 +125,11 @@
       </a:defRPr>
     </a:lvl9pPr>
   </p:defaultTextStyle>
+  <p:extLst>
+    <p:ext uri="{EFAFB233-063F-42B5-8137-9DF3F51BA10A}">
+      <p15:sldGuideLst xmlns:p15="http://schemas.microsoft.com/office/powerpoint/2012/main"/>
+    </p:ext>
+  </p:extLst>
 </p:presentation>
 </file>
 
@@ -209,7 +215,7 @@
           <a:p>
             <a:fld id="{580F5BFA-D483-41BD-8D49-AC442DC68376}" type="datetimeFigureOut">
               <a:rPr lang="ru-RU" smtClean="0"/>
-              <a:t>10.06.2025</a:t>
+              <a:t>16.06.2025</a:t>
             </a:fld>
             <a:endParaRPr lang="ru-RU"/>
           </a:p>
@@ -623,7 +629,7 @@
           <a:p>
             <a:fld id="{C1C91D50-5AC6-4343-86C8-9B6F6DA071FD}" type="datetimeFigureOut">
               <a:rPr lang="ru-RU" smtClean="0"/>
-              <a:t>10.06.2025</a:t>
+              <a:t>16.06.2025</a:t>
             </a:fld>
             <a:endParaRPr lang="ru-RU"/>
           </a:p>
@@ -821,7 +827,7 @@
           <a:p>
             <a:fld id="{C1C91D50-5AC6-4343-86C8-9B6F6DA071FD}" type="datetimeFigureOut">
               <a:rPr lang="ru-RU" smtClean="0"/>
-              <a:t>10.06.2025</a:t>
+              <a:t>16.06.2025</a:t>
             </a:fld>
             <a:endParaRPr lang="ru-RU"/>
           </a:p>
@@ -1029,7 +1035,7 @@
           <a:p>
             <a:fld id="{C1C91D50-5AC6-4343-86C8-9B6F6DA071FD}" type="datetimeFigureOut">
               <a:rPr lang="ru-RU" smtClean="0"/>
-              <a:t>10.06.2025</a:t>
+              <a:t>16.06.2025</a:t>
             </a:fld>
             <a:endParaRPr lang="ru-RU"/>
           </a:p>
@@ -1645,7 +1651,7 @@
           <a:p>
             <a:fld id="{C1C91D50-5AC6-4343-86C8-9B6F6DA071FD}" type="datetimeFigureOut">
               <a:rPr lang="ru-RU" smtClean="0"/>
-              <a:t>10.06.2025</a:t>
+              <a:t>16.06.2025</a:t>
             </a:fld>
             <a:endParaRPr lang="ru-RU"/>
           </a:p>
@@ -1920,7 +1926,7 @@
           <a:p>
             <a:fld id="{C1C91D50-5AC6-4343-86C8-9B6F6DA071FD}" type="datetimeFigureOut">
               <a:rPr lang="ru-RU" smtClean="0"/>
-              <a:t>10.06.2025</a:t>
+              <a:t>16.06.2025</a:t>
             </a:fld>
             <a:endParaRPr lang="ru-RU"/>
           </a:p>
@@ -2185,7 +2191,7 @@
           <a:p>
             <a:fld id="{C1C91D50-5AC6-4343-86C8-9B6F6DA071FD}" type="datetimeFigureOut">
               <a:rPr lang="ru-RU" smtClean="0"/>
-              <a:t>10.06.2025</a:t>
+              <a:t>16.06.2025</a:t>
             </a:fld>
             <a:endParaRPr lang="ru-RU"/>
           </a:p>
@@ -2597,7 +2603,7 @@
           <a:p>
             <a:fld id="{C1C91D50-5AC6-4343-86C8-9B6F6DA071FD}" type="datetimeFigureOut">
               <a:rPr lang="ru-RU" smtClean="0"/>
-              <a:t>10.06.2025</a:t>
+              <a:t>16.06.2025</a:t>
             </a:fld>
             <a:endParaRPr lang="ru-RU"/>
           </a:p>
@@ -2738,7 +2744,7 @@
           <a:p>
             <a:fld id="{C1C91D50-5AC6-4343-86C8-9B6F6DA071FD}" type="datetimeFigureOut">
               <a:rPr lang="ru-RU" smtClean="0"/>
-              <a:t>10.06.2025</a:t>
+              <a:t>16.06.2025</a:t>
             </a:fld>
             <a:endParaRPr lang="ru-RU"/>
           </a:p>
@@ -2851,7 +2857,7 @@
           <a:p>
             <a:fld id="{C1C91D50-5AC6-4343-86C8-9B6F6DA071FD}" type="datetimeFigureOut">
               <a:rPr lang="ru-RU" smtClean="0"/>
-              <a:t>10.06.2025</a:t>
+              <a:t>16.06.2025</a:t>
             </a:fld>
             <a:endParaRPr lang="ru-RU"/>
           </a:p>
@@ -3162,7 +3168,7 @@
           <a:p>
             <a:fld id="{C1C91D50-5AC6-4343-86C8-9B6F6DA071FD}" type="datetimeFigureOut">
               <a:rPr lang="ru-RU" smtClean="0"/>
-              <a:t>10.06.2025</a:t>
+              <a:t>16.06.2025</a:t>
             </a:fld>
             <a:endParaRPr lang="ru-RU"/>
           </a:p>
@@ -3450,7 +3456,7 @@
           <a:p>
             <a:fld id="{C1C91D50-5AC6-4343-86C8-9B6F6DA071FD}" type="datetimeFigureOut">
               <a:rPr lang="ru-RU" smtClean="0"/>
-              <a:t>10.06.2025</a:t>
+              <a:t>16.06.2025</a:t>
             </a:fld>
             <a:endParaRPr lang="ru-RU"/>
           </a:p>
@@ -3691,7 +3697,7 @@
           <a:p>
             <a:fld id="{C1C91D50-5AC6-4343-86C8-9B6F6DA071FD}" type="datetimeFigureOut">
               <a:rPr lang="ru-RU" smtClean="0"/>
-              <a:t>10.06.2025</a:t>
+              <a:t>16.06.2025</a:t>
             </a:fld>
             <a:endParaRPr lang="ru-RU"/>
           </a:p>
@@ -4693,7 +4699,7 @@
                 <a:latin typeface="Times New Roman" panose="02020603050405020304" pitchFamily="18" charset="0"/>
                 <a:cs typeface="Times New Roman" panose="02020603050405020304" pitchFamily="18" charset="0"/>
               </a:rPr>
-              <a:t>Программный комплекс интеллектуального поиска в корпоративных базах знаний</a:t>
+              <a:t>Программный комплекс интеллектуального поиска в корпоративных документах</a:t>
             </a:r>
             <a:endParaRPr sz="3200" b="1" spc="-15" dirty="0">
               <a:solidFill>
@@ -6058,7 +6064,7 @@
                 <a:latin typeface="Times New Roman" panose="02020603050405020304" pitchFamily="18" charset="0"/>
                 <a:cs typeface="Times New Roman" panose="02020603050405020304" pitchFamily="18" charset="0"/>
               </a:rPr>
-              <a:t>Макеты интерфейса</a:t>
+              <a:t>Диаграмма пакетов</a:t>
             </a:r>
             <a:endParaRPr lang="ru-RU" sz="2400" b="1" dirty="0"/>
           </a:p>
@@ -6327,7 +6333,7 @@
           <p:cNvPr id="13" name="Рисунок 12">
             <a:extLst>
               <a:ext uri="{FF2B5EF4-FFF2-40B4-BE49-F238E27FC236}">
-                <a16:creationId xmlns:a16="http://schemas.microsoft.com/office/drawing/2014/main" id="{65E03A62-8508-45BA-83C6-3D0C28668046}"/>
+                <a16:creationId xmlns:a16="http://schemas.microsoft.com/office/drawing/2014/main" id="{94BC8D67-80E1-4604-B76C-31FEEEFCC8BE}"/>
               </a:ext>
             </a:extLst>
           </p:cNvPr>
@@ -6342,92 +6348,8 @@
         </p:blipFill>
         <p:spPr>
           <a:xfrm>
-            <a:off x="6261612" y="1400175"/>
-            <a:ext cx="4932362" cy="2376266"/>
-          </a:xfrm>
-          <a:prstGeom prst="rect">
-            <a:avLst/>
-          </a:prstGeom>
-        </p:spPr>
-      </p:pic>
-      <p:pic>
-        <p:nvPicPr>
-          <p:cNvPr id="14" name="Рисунок 13">
-            <a:extLst>
-              <a:ext uri="{FF2B5EF4-FFF2-40B4-BE49-F238E27FC236}">
-                <a16:creationId xmlns:a16="http://schemas.microsoft.com/office/drawing/2014/main" id="{11BDDD47-A5F4-4101-A059-5A27FEDA4985}"/>
-              </a:ext>
-            </a:extLst>
-          </p:cNvPr>
-          <p:cNvPicPr/>
-          <p:nvPr/>
-        </p:nvPicPr>
-        <p:blipFill>
-          <a:blip r:embed="rId4"/>
-          <a:stretch>
-            <a:fillRect/>
-          </a:stretch>
-        </p:blipFill>
-        <p:spPr>
-          <a:xfrm>
-            <a:off x="1329249" y="1400174"/>
-            <a:ext cx="4932363" cy="2376267"/>
-          </a:xfrm>
-          <a:prstGeom prst="rect">
-            <a:avLst/>
-          </a:prstGeom>
-        </p:spPr>
-      </p:pic>
-      <p:pic>
-        <p:nvPicPr>
-          <p:cNvPr id="15" name="Рисунок 14">
-            <a:extLst>
-              <a:ext uri="{FF2B5EF4-FFF2-40B4-BE49-F238E27FC236}">
-                <a16:creationId xmlns:a16="http://schemas.microsoft.com/office/drawing/2014/main" id="{3E6475D4-5BFF-4F82-B459-F9B13C38A538}"/>
-              </a:ext>
-            </a:extLst>
-          </p:cNvPr>
-          <p:cNvPicPr/>
-          <p:nvPr/>
-        </p:nvPicPr>
-        <p:blipFill>
-          <a:blip r:embed="rId5"/>
-          <a:stretch>
-            <a:fillRect/>
-          </a:stretch>
-        </p:blipFill>
-        <p:spPr>
-          <a:xfrm>
-            <a:off x="1329249" y="3773649"/>
-            <a:ext cx="4932362" cy="2376267"/>
-          </a:xfrm>
-          <a:prstGeom prst="rect">
-            <a:avLst/>
-          </a:prstGeom>
-        </p:spPr>
-      </p:pic>
-      <p:pic>
-        <p:nvPicPr>
-          <p:cNvPr id="17" name="Рисунок 16">
-            <a:extLst>
-              <a:ext uri="{FF2B5EF4-FFF2-40B4-BE49-F238E27FC236}">
-                <a16:creationId xmlns:a16="http://schemas.microsoft.com/office/drawing/2014/main" id="{A2C767BA-7527-4727-8578-7AC32F1DDAA6}"/>
-              </a:ext>
-            </a:extLst>
-          </p:cNvPr>
-          <p:cNvPicPr/>
-          <p:nvPr/>
-        </p:nvPicPr>
-        <p:blipFill>
-          <a:blip r:embed="rId6"/>
-          <a:stretch>
-            <a:fillRect/>
-          </a:stretch>
-        </p:blipFill>
-        <p:spPr>
-          <a:xfrm>
-            <a:off x="6261611" y="3772253"/>
-            <a:ext cx="4932363" cy="2376267"/>
+            <a:off x="1925637" y="1341365"/>
+            <a:ext cx="8180388" cy="4794574"/>
           </a:xfrm>
           <a:prstGeom prst="rect">
             <a:avLst/>
@@ -6437,7 +6359,7 @@
     </p:spTree>
     <p:extLst>
       <p:ext uri="{BB962C8B-B14F-4D97-AF65-F5344CB8AC3E}">
-        <p14:creationId xmlns:p14="http://schemas.microsoft.com/office/powerpoint/2010/main" val="114794431"/>
+        <p14:creationId xmlns:p14="http://schemas.microsoft.com/office/powerpoint/2010/main" val="2733110833"/>
       </p:ext>
     </p:extLst>
   </p:cSld>
@@ -6497,7 +6419,7 @@
                 <a:latin typeface="Times New Roman" panose="02020603050405020304" pitchFamily="18" charset="0"/>
                 <a:cs typeface="Times New Roman" panose="02020603050405020304" pitchFamily="18" charset="0"/>
               </a:rPr>
-              <a:t>Тестирование</a:t>
+              <a:t>Проектирование</a:t>
             </a:r>
             <a:br>
               <a:rPr lang="ru-RU" sz="3600" b="1" spc="-5" dirty="0">
@@ -6505,6 +6427,16 @@
                 <a:cs typeface="Times New Roman" panose="02020603050405020304" pitchFamily="18" charset="0"/>
               </a:rPr>
             </a:br>
+            <a:r>
+              <a:rPr lang="ru-RU" sz="2400" b="1" spc="15" dirty="0">
+                <a:solidFill>
+                  <a:srgbClr val="92D050"/>
+                </a:solidFill>
+                <a:latin typeface="Times New Roman" panose="02020603050405020304" pitchFamily="18" charset="0"/>
+                <a:cs typeface="Times New Roman" panose="02020603050405020304" pitchFamily="18" charset="0"/>
+              </a:rPr>
+              <a:t>Макеты интерфейса</a:t>
+            </a:r>
             <a:endParaRPr lang="ru-RU" sz="2400" b="1" dirty="0"/>
           </a:p>
         </p:txBody>
@@ -6769,10 +6701,10 @@
       </p:sp>
       <p:pic>
         <p:nvPicPr>
-          <p:cNvPr id="18" name="Рисунок 17">
-            <a:extLst>
-              <a:ext uri="{FF2B5EF4-FFF2-40B4-BE49-F238E27FC236}">
-                <a16:creationId xmlns:a16="http://schemas.microsoft.com/office/drawing/2014/main" id="{4BF04640-3784-47A4-A04F-8EE2D5BBBFBD}"/>
+          <p:cNvPr id="13" name="Рисунок 12">
+            <a:extLst>
+              <a:ext uri="{FF2B5EF4-FFF2-40B4-BE49-F238E27FC236}">
+                <a16:creationId xmlns:a16="http://schemas.microsoft.com/office/drawing/2014/main" id="{65E03A62-8508-45BA-83C6-3D0C28668046}"/>
               </a:ext>
             </a:extLst>
           </p:cNvPr>
@@ -6787,8 +6719,8 @@
         </p:blipFill>
         <p:spPr>
           <a:xfrm>
-            <a:off x="715962" y="1209869"/>
-            <a:ext cx="5380038" cy="2409826"/>
+            <a:off x="6261612" y="1400175"/>
+            <a:ext cx="4932362" cy="2376266"/>
           </a:xfrm>
           <a:prstGeom prst="rect">
             <a:avLst/>
@@ -6797,10 +6729,10 @@
       </p:pic>
       <p:pic>
         <p:nvPicPr>
-          <p:cNvPr id="19" name="Рисунок 18">
-            <a:extLst>
-              <a:ext uri="{FF2B5EF4-FFF2-40B4-BE49-F238E27FC236}">
-                <a16:creationId xmlns:a16="http://schemas.microsoft.com/office/drawing/2014/main" id="{99621BA3-9AD9-414F-9328-99BF5D20CB1F}"/>
+          <p:cNvPr id="14" name="Рисунок 13">
+            <a:extLst>
+              <a:ext uri="{FF2B5EF4-FFF2-40B4-BE49-F238E27FC236}">
+                <a16:creationId xmlns:a16="http://schemas.microsoft.com/office/drawing/2014/main" id="{11BDDD47-A5F4-4101-A059-5A27FEDA4985}"/>
               </a:ext>
             </a:extLst>
           </p:cNvPr>
@@ -6815,8 +6747,8 @@
         </p:blipFill>
         <p:spPr>
           <a:xfrm>
-            <a:off x="6313045" y="1209869"/>
-            <a:ext cx="5380038" cy="2409826"/>
+            <a:off x="1329249" y="1400174"/>
+            <a:ext cx="4932363" cy="2376267"/>
           </a:xfrm>
           <a:prstGeom prst="rect">
             <a:avLst/>
@@ -6825,10 +6757,10 @@
       </p:pic>
       <p:pic>
         <p:nvPicPr>
-          <p:cNvPr id="20" name="Рисунок 19">
-            <a:extLst>
-              <a:ext uri="{FF2B5EF4-FFF2-40B4-BE49-F238E27FC236}">
-                <a16:creationId xmlns:a16="http://schemas.microsoft.com/office/drawing/2014/main" id="{D1819226-E609-4AA1-BAFE-F3D45F35AA7A}"/>
+          <p:cNvPr id="15" name="Рисунок 14">
+            <a:extLst>
+              <a:ext uri="{FF2B5EF4-FFF2-40B4-BE49-F238E27FC236}">
+                <a16:creationId xmlns:a16="http://schemas.microsoft.com/office/drawing/2014/main" id="{3E6475D4-5BFF-4F82-B459-F9B13C38A538}"/>
               </a:ext>
             </a:extLst>
           </p:cNvPr>
@@ -6843,8 +6775,36 @@
         </p:blipFill>
         <p:spPr>
           <a:xfrm>
-            <a:off x="3215389" y="3710090"/>
-            <a:ext cx="5940425" cy="2924810"/>
+            <a:off x="1329249" y="3773649"/>
+            <a:ext cx="4932362" cy="2376267"/>
+          </a:xfrm>
+          <a:prstGeom prst="rect">
+            <a:avLst/>
+          </a:prstGeom>
+        </p:spPr>
+      </p:pic>
+      <p:pic>
+        <p:nvPicPr>
+          <p:cNvPr id="17" name="Рисунок 16">
+            <a:extLst>
+              <a:ext uri="{FF2B5EF4-FFF2-40B4-BE49-F238E27FC236}">
+                <a16:creationId xmlns:a16="http://schemas.microsoft.com/office/drawing/2014/main" id="{A2C767BA-7527-4727-8578-7AC32F1DDAA6}"/>
+              </a:ext>
+            </a:extLst>
+          </p:cNvPr>
+          <p:cNvPicPr/>
+          <p:nvPr/>
+        </p:nvPicPr>
+        <p:blipFill>
+          <a:blip r:embed="rId6"/>
+          <a:stretch>
+            <a:fillRect/>
+          </a:stretch>
+        </p:blipFill>
+        <p:spPr>
+          <a:xfrm>
+            <a:off x="6261611" y="3772253"/>
+            <a:ext cx="4932363" cy="2376267"/>
           </a:xfrm>
           <a:prstGeom prst="rect">
             <a:avLst/>
@@ -6854,7 +6814,7 @@
     </p:spTree>
     <p:extLst>
       <p:ext uri="{BB962C8B-B14F-4D97-AF65-F5344CB8AC3E}">
-        <p14:creationId xmlns:p14="http://schemas.microsoft.com/office/powerpoint/2010/main" val="3933491286"/>
+        <p14:creationId xmlns:p14="http://schemas.microsoft.com/office/powerpoint/2010/main" val="114794431"/>
       </p:ext>
     </p:extLst>
   </p:cSld>
@@ -7186,10 +7146,10 @@
       </p:sp>
       <p:pic>
         <p:nvPicPr>
-          <p:cNvPr id="13" name="Рисунок 12">
-            <a:extLst>
-              <a:ext uri="{FF2B5EF4-FFF2-40B4-BE49-F238E27FC236}">
-                <a16:creationId xmlns:a16="http://schemas.microsoft.com/office/drawing/2014/main" id="{36D87430-8F75-4BE5-A52D-1A1F560F34DA}"/>
+          <p:cNvPr id="18" name="Рисунок 17">
+            <a:extLst>
+              <a:ext uri="{FF2B5EF4-FFF2-40B4-BE49-F238E27FC236}">
+                <a16:creationId xmlns:a16="http://schemas.microsoft.com/office/drawing/2014/main" id="{4BF04640-3784-47A4-A04F-8EE2D5BBBFBD}"/>
               </a:ext>
             </a:extLst>
           </p:cNvPr>
@@ -7204,8 +7164,8 @@
         </p:blipFill>
         <p:spPr>
           <a:xfrm>
-            <a:off x="1188545" y="1201271"/>
-            <a:ext cx="4787153" cy="2554942"/>
+            <a:off x="715962" y="1209869"/>
+            <a:ext cx="5380038" cy="2409826"/>
           </a:xfrm>
           <a:prstGeom prst="rect">
             <a:avLst/>
@@ -7214,10 +7174,10 @@
       </p:pic>
       <p:pic>
         <p:nvPicPr>
-          <p:cNvPr id="14" name="Рисунок 13">
-            <a:extLst>
-              <a:ext uri="{FF2B5EF4-FFF2-40B4-BE49-F238E27FC236}">
-                <a16:creationId xmlns:a16="http://schemas.microsoft.com/office/drawing/2014/main" id="{5063EDF0-73CE-47E9-9E8E-7F078BD393E2}"/>
+          <p:cNvPr id="19" name="Рисунок 18">
+            <a:extLst>
+              <a:ext uri="{FF2B5EF4-FFF2-40B4-BE49-F238E27FC236}">
+                <a16:creationId xmlns:a16="http://schemas.microsoft.com/office/drawing/2014/main" id="{99621BA3-9AD9-414F-9328-99BF5D20CB1F}"/>
               </a:ext>
             </a:extLst>
           </p:cNvPr>
@@ -7232,8 +7192,8 @@
         </p:blipFill>
         <p:spPr>
           <a:xfrm>
-            <a:off x="6325321" y="1201271"/>
-            <a:ext cx="4787154" cy="2554942"/>
+            <a:off x="6313045" y="1209869"/>
+            <a:ext cx="5380038" cy="2409826"/>
           </a:xfrm>
           <a:prstGeom prst="rect">
             <a:avLst/>
@@ -7242,10 +7202,10 @@
       </p:pic>
       <p:pic>
         <p:nvPicPr>
-          <p:cNvPr id="15" name="Рисунок 14">
-            <a:extLst>
-              <a:ext uri="{FF2B5EF4-FFF2-40B4-BE49-F238E27FC236}">
-                <a16:creationId xmlns:a16="http://schemas.microsoft.com/office/drawing/2014/main" id="{562A3025-979F-4562-B593-26F8E4F43BCA}"/>
+          <p:cNvPr id="20" name="Рисунок 19">
+            <a:extLst>
+              <a:ext uri="{FF2B5EF4-FFF2-40B4-BE49-F238E27FC236}">
+                <a16:creationId xmlns:a16="http://schemas.microsoft.com/office/drawing/2014/main" id="{D1819226-E609-4AA1-BAFE-F3D45F35AA7A}"/>
               </a:ext>
             </a:extLst>
           </p:cNvPr>
@@ -7260,8 +7220,8 @@
         </p:blipFill>
         <p:spPr>
           <a:xfrm>
-            <a:off x="3702423" y="3836069"/>
-            <a:ext cx="4787154" cy="2554943"/>
+            <a:off x="3215389" y="3710090"/>
+            <a:ext cx="5940425" cy="2924810"/>
           </a:xfrm>
           <a:prstGeom prst="rect">
             <a:avLst/>
@@ -7271,7 +7231,7 @@
     </p:spTree>
     <p:extLst>
       <p:ext uri="{BB962C8B-B14F-4D97-AF65-F5344CB8AC3E}">
-        <p14:creationId xmlns:p14="http://schemas.microsoft.com/office/powerpoint/2010/main" val="3633498959"/>
+        <p14:creationId xmlns:p14="http://schemas.microsoft.com/office/powerpoint/2010/main" val="3933491286"/>
       </p:ext>
     </p:extLst>
   </p:cSld>
@@ -7606,7 +7566,7 @@
           <p:cNvPr id="13" name="Рисунок 12">
             <a:extLst>
               <a:ext uri="{FF2B5EF4-FFF2-40B4-BE49-F238E27FC236}">
-                <a16:creationId xmlns:a16="http://schemas.microsoft.com/office/drawing/2014/main" id="{F69D46CE-F247-4456-8997-E5897EEE1BB2}"/>
+                <a16:creationId xmlns:a16="http://schemas.microsoft.com/office/drawing/2014/main" id="{36D87430-8F75-4BE5-A52D-1A1F560F34DA}"/>
               </a:ext>
             </a:extLst>
           </p:cNvPr>
@@ -7621,8 +7581,8 @@
         </p:blipFill>
         <p:spPr>
           <a:xfrm>
-            <a:off x="1335742" y="1373020"/>
-            <a:ext cx="4673506" cy="2550589"/>
+            <a:off x="1188545" y="1201271"/>
+            <a:ext cx="4787153" cy="2554942"/>
           </a:xfrm>
           <a:prstGeom prst="rect">
             <a:avLst/>
@@ -7634,7 +7594,7 @@
           <p:cNvPr id="14" name="Рисунок 13">
             <a:extLst>
               <a:ext uri="{FF2B5EF4-FFF2-40B4-BE49-F238E27FC236}">
-                <a16:creationId xmlns:a16="http://schemas.microsoft.com/office/drawing/2014/main" id="{7AFD2142-6B04-459A-8E8C-7232E8615733}"/>
+                <a16:creationId xmlns:a16="http://schemas.microsoft.com/office/drawing/2014/main" id="{5063EDF0-73CE-47E9-9E8E-7F078BD393E2}"/>
               </a:ext>
             </a:extLst>
           </p:cNvPr>
@@ -7649,8 +7609,8 @@
         </p:blipFill>
         <p:spPr>
           <a:xfrm>
-            <a:off x="6282344" y="1373020"/>
-            <a:ext cx="4673506" cy="2550589"/>
+            <a:off x="6325321" y="1201271"/>
+            <a:ext cx="4787154" cy="2554942"/>
           </a:xfrm>
           <a:prstGeom prst="rect">
             <a:avLst/>
@@ -7662,7 +7622,7 @@
           <p:cNvPr id="15" name="Рисунок 14">
             <a:extLst>
               <a:ext uri="{FF2B5EF4-FFF2-40B4-BE49-F238E27FC236}">
-                <a16:creationId xmlns:a16="http://schemas.microsoft.com/office/drawing/2014/main" id="{AAD508C4-E406-4247-AA2F-E0103EECD92D}"/>
+                <a16:creationId xmlns:a16="http://schemas.microsoft.com/office/drawing/2014/main" id="{562A3025-979F-4562-B593-26F8E4F43BCA}"/>
               </a:ext>
             </a:extLst>
           </p:cNvPr>
@@ -7677,8 +7637,8 @@
         </p:blipFill>
         <p:spPr>
           <a:xfrm>
-            <a:off x="3567814" y="3978065"/>
-            <a:ext cx="4673506" cy="2550590"/>
+            <a:off x="3702423" y="3836069"/>
+            <a:ext cx="4787154" cy="2554943"/>
           </a:xfrm>
           <a:prstGeom prst="rect">
             <a:avLst/>
@@ -7688,7 +7648,7 @@
     </p:spTree>
     <p:extLst>
       <p:ext uri="{BB962C8B-B14F-4D97-AF65-F5344CB8AC3E}">
-        <p14:creationId xmlns:p14="http://schemas.microsoft.com/office/powerpoint/2010/main" val="2123573189"/>
+        <p14:creationId xmlns:p14="http://schemas.microsoft.com/office/powerpoint/2010/main" val="3633498959"/>
       </p:ext>
     </p:extLst>
   </p:cSld>
@@ -8020,10 +7980,10 @@
       </p:sp>
       <p:pic>
         <p:nvPicPr>
-          <p:cNvPr id="17" name="Рисунок 16">
-            <a:extLst>
-              <a:ext uri="{FF2B5EF4-FFF2-40B4-BE49-F238E27FC236}">
-                <a16:creationId xmlns:a16="http://schemas.microsoft.com/office/drawing/2014/main" id="{38C47E5F-0F85-41BC-AC0E-44801C6736A5}"/>
+          <p:cNvPr id="13" name="Рисунок 12">
+            <a:extLst>
+              <a:ext uri="{FF2B5EF4-FFF2-40B4-BE49-F238E27FC236}">
+                <a16:creationId xmlns:a16="http://schemas.microsoft.com/office/drawing/2014/main" id="{F69D46CE-F247-4456-8997-E5897EEE1BB2}"/>
               </a:ext>
             </a:extLst>
           </p:cNvPr>
@@ -8038,8 +7998,8 @@
         </p:blipFill>
         <p:spPr>
           <a:xfrm>
-            <a:off x="609599" y="1965838"/>
-            <a:ext cx="5268015" cy="2926324"/>
+            <a:off x="1335742" y="1373020"/>
+            <a:ext cx="4673506" cy="2550589"/>
           </a:xfrm>
           <a:prstGeom prst="rect">
             <a:avLst/>
@@ -8048,10 +8008,10 @@
       </p:pic>
       <p:pic>
         <p:nvPicPr>
-          <p:cNvPr id="18" name="Рисунок 17">
-            <a:extLst>
-              <a:ext uri="{FF2B5EF4-FFF2-40B4-BE49-F238E27FC236}">
-                <a16:creationId xmlns:a16="http://schemas.microsoft.com/office/drawing/2014/main" id="{9AA4EFC4-9555-4E5A-AFA2-3BCBAB4E41B8}"/>
+          <p:cNvPr id="14" name="Рисунок 13">
+            <a:extLst>
+              <a:ext uri="{FF2B5EF4-FFF2-40B4-BE49-F238E27FC236}">
+                <a16:creationId xmlns:a16="http://schemas.microsoft.com/office/drawing/2014/main" id="{7AFD2142-6B04-459A-8E8C-7232E8615733}"/>
               </a:ext>
             </a:extLst>
           </p:cNvPr>
@@ -8066,8 +8026,36 @@
         </p:blipFill>
         <p:spPr>
           <a:xfrm>
-            <a:off x="6425068" y="1965838"/>
-            <a:ext cx="5268015" cy="2937509"/>
+            <a:off x="6282344" y="1373020"/>
+            <a:ext cx="4673506" cy="2550589"/>
+          </a:xfrm>
+          <a:prstGeom prst="rect">
+            <a:avLst/>
+          </a:prstGeom>
+        </p:spPr>
+      </p:pic>
+      <p:pic>
+        <p:nvPicPr>
+          <p:cNvPr id="15" name="Рисунок 14">
+            <a:extLst>
+              <a:ext uri="{FF2B5EF4-FFF2-40B4-BE49-F238E27FC236}">
+                <a16:creationId xmlns:a16="http://schemas.microsoft.com/office/drawing/2014/main" id="{AAD508C4-E406-4247-AA2F-E0103EECD92D}"/>
+              </a:ext>
+            </a:extLst>
+          </p:cNvPr>
+          <p:cNvPicPr/>
+          <p:nvPr/>
+        </p:nvPicPr>
+        <p:blipFill>
+          <a:blip r:embed="rId5"/>
+          <a:stretch>
+            <a:fillRect/>
+          </a:stretch>
+        </p:blipFill>
+        <p:spPr>
+          <a:xfrm>
+            <a:off x="3567814" y="3978065"/>
+            <a:ext cx="4673506" cy="2550590"/>
           </a:xfrm>
           <a:prstGeom prst="rect">
             <a:avLst/>
@@ -8077,7 +8065,7 @@
     </p:spTree>
     <p:extLst>
       <p:ext uri="{BB962C8B-B14F-4D97-AF65-F5344CB8AC3E}">
-        <p14:creationId xmlns:p14="http://schemas.microsoft.com/office/powerpoint/2010/main" val="3717579639"/>
+        <p14:creationId xmlns:p14="http://schemas.microsoft.com/office/powerpoint/2010/main" val="2123573189"/>
       </p:ext>
     </p:extLst>
   </p:cSld>
@@ -8409,10 +8397,10 @@
       </p:sp>
       <p:pic>
         <p:nvPicPr>
-          <p:cNvPr id="9" name="Рисунок 8">
-            <a:extLst>
-              <a:ext uri="{FF2B5EF4-FFF2-40B4-BE49-F238E27FC236}">
-                <a16:creationId xmlns:a16="http://schemas.microsoft.com/office/drawing/2014/main" id="{C6D10A58-38FD-4210-A9BB-894E415D8EBC}"/>
+          <p:cNvPr id="17" name="Рисунок 16">
+            <a:extLst>
+              <a:ext uri="{FF2B5EF4-FFF2-40B4-BE49-F238E27FC236}">
+                <a16:creationId xmlns:a16="http://schemas.microsoft.com/office/drawing/2014/main" id="{38C47E5F-0F85-41BC-AC0E-44801C6736A5}"/>
               </a:ext>
             </a:extLst>
           </p:cNvPr>
@@ -8427,8 +8415,8 @@
         </p:blipFill>
         <p:spPr>
           <a:xfrm>
-            <a:off x="609599" y="2126615"/>
-            <a:ext cx="4763154" cy="2604770"/>
+            <a:off x="609599" y="1965838"/>
+            <a:ext cx="5268015" cy="2926324"/>
           </a:xfrm>
           <a:prstGeom prst="rect">
             <a:avLst/>
@@ -8437,10 +8425,10 @@
       </p:pic>
       <p:pic>
         <p:nvPicPr>
-          <p:cNvPr id="13" name="Рисунок 12">
-            <a:extLst>
-              <a:ext uri="{FF2B5EF4-FFF2-40B4-BE49-F238E27FC236}">
-                <a16:creationId xmlns:a16="http://schemas.microsoft.com/office/drawing/2014/main" id="{BAC3F6D1-92C1-4FEE-9852-55F75C16FA00}"/>
+          <p:cNvPr id="18" name="Рисунок 17">
+            <a:extLst>
+              <a:ext uri="{FF2B5EF4-FFF2-40B4-BE49-F238E27FC236}">
+                <a16:creationId xmlns:a16="http://schemas.microsoft.com/office/drawing/2014/main" id="{9AA4EFC4-9555-4E5A-AFA2-3BCBAB4E41B8}"/>
               </a:ext>
             </a:extLst>
           </p:cNvPr>
@@ -8455,8 +8443,8 @@
         </p:blipFill>
         <p:spPr>
           <a:xfrm>
-            <a:off x="6143135" y="2126615"/>
-            <a:ext cx="5345859" cy="2604770"/>
+            <a:off x="6425068" y="1965838"/>
+            <a:ext cx="5268015" cy="2937509"/>
           </a:xfrm>
           <a:prstGeom prst="rect">
             <a:avLst/>
@@ -8466,7 +8454,7 @@
     </p:spTree>
     <p:extLst>
       <p:ext uri="{BB962C8B-B14F-4D97-AF65-F5344CB8AC3E}">
-        <p14:creationId xmlns:p14="http://schemas.microsoft.com/office/powerpoint/2010/main" val="2062955737"/>
+        <p14:creationId xmlns:p14="http://schemas.microsoft.com/office/powerpoint/2010/main" val="3717579639"/>
       </p:ext>
     </p:extLst>
   </p:cSld>
@@ -8526,7 +8514,7 @@
                 <a:latin typeface="Times New Roman" panose="02020603050405020304" pitchFamily="18" charset="0"/>
                 <a:cs typeface="Times New Roman" panose="02020603050405020304" pitchFamily="18" charset="0"/>
               </a:rPr>
-              <a:t>Заключение</a:t>
+              <a:t>Тестирование</a:t>
             </a:r>
             <a:br>
               <a:rPr lang="ru-RU" sz="3600" b="1" spc="-5" dirty="0">
@@ -8535,937 +8523,6 @@
               </a:rPr>
             </a:br>
             <a:endParaRPr lang="ru-RU" sz="2400" b="1" dirty="0"/>
-          </a:p>
-        </p:txBody>
-      </p:sp>
-      <p:sp>
-        <p:nvSpPr>
-          <p:cNvPr id="14" name="TextBox 13">
-            <a:extLst>
-              <a:ext uri="{FF2B5EF4-FFF2-40B4-BE49-F238E27FC236}">
-                <a16:creationId xmlns:a16="http://schemas.microsoft.com/office/drawing/2014/main" id="{995A966E-DA39-4785-B3BF-7857AC9AC00F}"/>
-              </a:ext>
-            </a:extLst>
-          </p:cNvPr>
-          <p:cNvSpPr txBox="1"/>
-          <p:nvPr/>
-        </p:nvSpPr>
-        <p:spPr>
-          <a:xfrm>
-            <a:off x="609599" y="1689062"/>
-            <a:ext cx="10363201" cy="3820533"/>
-          </a:xfrm>
-          <a:prstGeom prst="rect">
-            <a:avLst/>
-          </a:prstGeom>
-          <a:noFill/>
-        </p:spPr>
-        <p:txBody>
-          <a:bodyPr wrap="square">
-            <a:spAutoFit/>
-          </a:bodyPr>
-          <a:lstStyle/>
-          <a:p>
-            <a:pPr marL="12700" marR="5080" algn="just">
-              <a:lnSpc>
-                <a:spcPct val="150000"/>
-              </a:lnSpc>
-              <a:spcBef>
-                <a:spcPts val="100"/>
-              </a:spcBef>
-            </a:pPr>
-            <a:r>
-              <a:rPr lang="ru-RU" dirty="0">
-                <a:latin typeface="Times New Roman" panose="02020603050405020304" pitchFamily="18" charset="0"/>
-                <a:cs typeface="Times New Roman" panose="02020603050405020304" pitchFamily="18" charset="0"/>
-              </a:rPr>
-              <a:t>	В ходе выполнения работы был разработан программный комплекс интеллектуального поиска в корпоративных базах знаний, который позволяет повысить эффективность работы с информационными данными, что поможет ускорить бизнес-процессы.</a:t>
-            </a:r>
-          </a:p>
-          <a:p>
-            <a:pPr marL="12700" marR="5080" algn="just">
-              <a:lnSpc>
-                <a:spcPct val="150000"/>
-              </a:lnSpc>
-              <a:spcBef>
-                <a:spcPts val="100"/>
-              </a:spcBef>
-            </a:pPr>
-            <a:r>
-              <a:rPr lang="ru-RU" dirty="0">
-                <a:latin typeface="Times New Roman" panose="02020603050405020304" pitchFamily="18" charset="0"/>
-                <a:cs typeface="Times New Roman" panose="02020603050405020304" pitchFamily="18" charset="0"/>
-              </a:rPr>
-              <a:t>	Дальнейшее развитие программного комплекса планируется в рамках магистерской диссертации.</a:t>
-            </a:r>
-          </a:p>
-          <a:p>
-            <a:pPr marL="12700" marR="5080" algn="just">
-              <a:lnSpc>
-                <a:spcPct val="150000"/>
-              </a:lnSpc>
-              <a:spcBef>
-                <a:spcPts val="100"/>
-              </a:spcBef>
-            </a:pPr>
-            <a:r>
-              <a:rPr lang="ru-RU" dirty="0">
-                <a:latin typeface="Times New Roman" panose="02020603050405020304" pitchFamily="18" charset="0"/>
-                <a:cs typeface="Times New Roman" panose="02020603050405020304" pitchFamily="18" charset="0"/>
-              </a:rPr>
-              <a:t>	По теме бакалаврской работы была подготовлена статья</a:t>
-            </a:r>
-            <a:r>
-              <a:rPr lang="en-US" dirty="0">
-                <a:latin typeface="Times New Roman" panose="02020603050405020304" pitchFamily="18" charset="0"/>
-                <a:cs typeface="Times New Roman" panose="02020603050405020304" pitchFamily="18" charset="0"/>
-              </a:rPr>
-              <a:t>:</a:t>
-            </a:r>
-            <a:endParaRPr lang="ru-RU" dirty="0">
-              <a:latin typeface="Times New Roman" panose="02020603050405020304" pitchFamily="18" charset="0"/>
-              <a:cs typeface="Times New Roman" panose="02020603050405020304" pitchFamily="18" charset="0"/>
-            </a:endParaRPr>
-          </a:p>
-          <a:p>
-            <a:pPr marL="298450" marR="5080" indent="-285750" algn="just">
-              <a:lnSpc>
-                <a:spcPct val="150000"/>
-              </a:lnSpc>
-              <a:spcBef>
-                <a:spcPts val="100"/>
-              </a:spcBef>
-              <a:buFont typeface="Arial" panose="020B0604020202020204" pitchFamily="34" charset="0"/>
-              <a:buChar char="•"/>
-            </a:pPr>
-            <a:r>
-              <a:rPr lang="ru-RU" dirty="0">
-                <a:latin typeface="Times New Roman" panose="02020603050405020304" pitchFamily="18" charset="0"/>
-                <a:cs typeface="Times New Roman" panose="02020603050405020304" pitchFamily="18" charset="0"/>
-              </a:rPr>
-              <a:t>Бекиш Е.П. Система интеллектуального поиска в корпоративных базах знаний // </a:t>
-            </a:r>
-            <a:r>
-              <a:rPr lang="ru-RU" sz="1800" dirty="0">
-                <a:solidFill>
-                  <a:srgbClr val="000000"/>
-                </a:solidFill>
-                <a:effectLst/>
-                <a:latin typeface="Times New Roman" panose="02020603050405020304" pitchFamily="18" charset="0"/>
-                <a:ea typeface="Times New Roman" panose="02020603050405020304" pitchFamily="18" charset="0"/>
-              </a:rPr>
-              <a:t>XIII Региональная научно-практическая конференция «НАУКА И ПРАКТИКА: ПРОЕКТНАЯ ДЕЯТЕЛЬНОСТЬ – ОТ ИДЕИ ДО ВНЕДРЕНИЯ – 2024»</a:t>
-            </a:r>
-            <a:r>
-              <a:rPr lang="ru-RU" dirty="0">
-                <a:solidFill>
-                  <a:srgbClr val="000000"/>
-                </a:solidFill>
-                <a:latin typeface="Times New Roman" panose="02020603050405020304" pitchFamily="18" charset="0"/>
-                <a:ea typeface="Times New Roman" panose="02020603050405020304" pitchFamily="18" charset="0"/>
-              </a:rPr>
-              <a:t>. Принято к публикации.</a:t>
-            </a:r>
-            <a:endParaRPr lang="ru-RU" dirty="0">
-              <a:latin typeface="Times New Roman" panose="02020603050405020304" pitchFamily="18" charset="0"/>
-              <a:cs typeface="Times New Roman" panose="02020603050405020304" pitchFamily="18" charset="0"/>
-            </a:endParaRPr>
-          </a:p>
-        </p:txBody>
-      </p:sp>
-    </p:spTree>
-    <p:extLst>
-      <p:ext uri="{BB962C8B-B14F-4D97-AF65-F5344CB8AC3E}">
-        <p14:creationId xmlns:p14="http://schemas.microsoft.com/office/powerpoint/2010/main" val="2160518405"/>
-      </p:ext>
-    </p:extLst>
-  </p:cSld>
-  <p:clrMapOvr>
-    <a:masterClrMapping/>
-  </p:clrMapOvr>
-</p:sld>
-</file>
-
-<file path=ppt/slides/slide2.xml><?xml version="1.0" encoding="utf-8"?>
-<p:sld xmlns:a="http://schemas.openxmlformats.org/drawingml/2006/main" xmlns:r="http://schemas.openxmlformats.org/officeDocument/2006/relationships" xmlns:p="http://schemas.openxmlformats.org/presentationml/2006/main">
-  <p:cSld>
-    <p:spTree>
-      <p:nvGrpSpPr>
-        <p:cNvPr id="1" name=""/>
-        <p:cNvGrpSpPr/>
-        <p:nvPr/>
-      </p:nvGrpSpPr>
-      <p:grpSpPr>
-        <a:xfrm>
-          <a:off x="0" y="0"/>
-          <a:ext cx="0" cy="0"/>
-          <a:chOff x="0" y="0"/>
-          <a:chExt cx="0" cy="0"/>
-        </a:xfrm>
-      </p:grpSpPr>
-      <p:sp>
-        <p:nvSpPr>
-          <p:cNvPr id="2" name="object 2"/>
-          <p:cNvSpPr txBox="1">
-            <a:spLocks noGrp="1"/>
-          </p:cNvSpPr>
-          <p:nvPr>
-            <p:ph type="title"/>
-          </p:nvPr>
-        </p:nvSpPr>
-        <p:spPr>
-          <a:xfrm>
-            <a:off x="789182" y="381000"/>
-            <a:ext cx="3889375" cy="566822"/>
-          </a:xfrm>
-          <a:prstGeom prst="rect">
-            <a:avLst/>
-          </a:prstGeom>
-        </p:spPr>
-        <p:txBody>
-          <a:bodyPr vert="horz" wrap="square" lIns="0" tIns="12700" rIns="0" bIns="0" rtlCol="0">
-            <a:spAutoFit/>
-          </a:bodyPr>
-          <a:lstStyle/>
-          <a:p>
-            <a:pPr marL="12700">
-              <a:lnSpc>
-                <a:spcPct val="100000"/>
-              </a:lnSpc>
-              <a:spcBef>
-                <a:spcPts val="100"/>
-              </a:spcBef>
-            </a:pPr>
-            <a:r>
-              <a:rPr b="1" spc="-5" dirty="0">
-                <a:latin typeface="Times New Roman" panose="02020603050405020304" pitchFamily="18" charset="0"/>
-                <a:cs typeface="Times New Roman" panose="02020603050405020304" pitchFamily="18" charset="0"/>
-              </a:rPr>
-              <a:t>Цель</a:t>
-            </a:r>
-            <a:r>
-              <a:rPr b="1" spc="-55" dirty="0">
-                <a:latin typeface="Times New Roman" panose="02020603050405020304" pitchFamily="18" charset="0"/>
-                <a:cs typeface="Times New Roman" panose="02020603050405020304" pitchFamily="18" charset="0"/>
-              </a:rPr>
-              <a:t> </a:t>
-            </a:r>
-            <a:r>
-              <a:rPr b="1" dirty="0">
-                <a:latin typeface="Times New Roman" panose="02020603050405020304" pitchFamily="18" charset="0"/>
-                <a:cs typeface="Times New Roman" panose="02020603050405020304" pitchFamily="18" charset="0"/>
-              </a:rPr>
-              <a:t>и</a:t>
-            </a:r>
-            <a:r>
-              <a:rPr b="1" spc="-50" dirty="0">
-                <a:latin typeface="Times New Roman" panose="02020603050405020304" pitchFamily="18" charset="0"/>
-                <a:cs typeface="Times New Roman" panose="02020603050405020304" pitchFamily="18" charset="0"/>
-              </a:rPr>
-              <a:t> </a:t>
-            </a:r>
-            <a:r>
-              <a:rPr b="1" spc="-5" dirty="0">
-                <a:latin typeface="Times New Roman" panose="02020603050405020304" pitchFamily="18" charset="0"/>
-                <a:cs typeface="Times New Roman" panose="02020603050405020304" pitchFamily="18" charset="0"/>
-              </a:rPr>
-              <a:t>задачи</a:t>
-            </a:r>
-          </a:p>
-        </p:txBody>
-      </p:sp>
-      <p:sp>
-        <p:nvSpPr>
-          <p:cNvPr id="3" name="object 3"/>
-          <p:cNvSpPr txBox="1"/>
-          <p:nvPr/>
-        </p:nvSpPr>
-        <p:spPr>
-          <a:xfrm>
-            <a:off x="789182" y="1222419"/>
-            <a:ext cx="10047605" cy="5034712"/>
-          </a:xfrm>
-          <a:prstGeom prst="rect">
-            <a:avLst/>
-          </a:prstGeom>
-        </p:spPr>
-        <p:txBody>
-          <a:bodyPr vert="horz" wrap="square" lIns="0" tIns="134620" rIns="0" bIns="0" rtlCol="0">
-            <a:spAutoFit/>
-          </a:bodyPr>
-          <a:lstStyle/>
-          <a:p>
-            <a:pPr marL="12700">
-              <a:lnSpc>
-                <a:spcPct val="100000"/>
-              </a:lnSpc>
-              <a:spcBef>
-                <a:spcPts val="1060"/>
-              </a:spcBef>
-            </a:pPr>
-            <a:r>
-              <a:rPr b="1" spc="-5" dirty="0">
-                <a:latin typeface="Times New Roman" panose="02020603050405020304" pitchFamily="18" charset="0"/>
-                <a:cs typeface="Times New Roman" panose="02020603050405020304" pitchFamily="18" charset="0"/>
-              </a:rPr>
-              <a:t>Цель</a:t>
-            </a:r>
-            <a:r>
-              <a:rPr b="1" spc="-55" dirty="0">
-                <a:latin typeface="Times New Roman" panose="02020603050405020304" pitchFamily="18" charset="0"/>
-                <a:cs typeface="Times New Roman" panose="02020603050405020304" pitchFamily="18" charset="0"/>
-              </a:rPr>
-              <a:t> </a:t>
-            </a:r>
-            <a:r>
-              <a:rPr b="1" spc="-5" dirty="0">
-                <a:latin typeface="Times New Roman" panose="02020603050405020304" pitchFamily="18" charset="0"/>
-                <a:cs typeface="Times New Roman" panose="02020603050405020304" pitchFamily="18" charset="0"/>
-              </a:rPr>
-              <a:t>работы</a:t>
-            </a:r>
-            <a:endParaRPr b="1" dirty="0">
-              <a:latin typeface="Times New Roman" panose="02020603050405020304" pitchFamily="18" charset="0"/>
-              <a:cs typeface="Times New Roman" panose="02020603050405020304" pitchFamily="18" charset="0"/>
-            </a:endParaRPr>
-          </a:p>
-          <a:p>
-            <a:pPr indent="450215" algn="just">
-              <a:lnSpc>
-                <a:spcPct val="150000"/>
-              </a:lnSpc>
-              <a:spcAft>
-                <a:spcPts val="800"/>
-              </a:spcAft>
-            </a:pPr>
-            <a:r>
-              <a:rPr lang="ru-RU" sz="1800" dirty="0">
-                <a:solidFill>
-                  <a:srgbClr val="000000"/>
-                </a:solidFill>
-                <a:effectLst/>
-                <a:latin typeface="Times New Roman" panose="02020603050405020304" pitchFamily="18" charset="0"/>
-                <a:ea typeface="Times New Roman" panose="02020603050405020304" pitchFamily="18" charset="0"/>
-              </a:rPr>
-              <a:t>разработать систему, которая обеспечивает по заданному запросу сотрудника быстрый и корректный ответ, используя внутреннюю базу знаний, представленную в виде списка документов формата </a:t>
-            </a:r>
-            <a:r>
-              <a:rPr lang="en-US" sz="1800" dirty="0">
-                <a:solidFill>
-                  <a:srgbClr val="000000"/>
-                </a:solidFill>
-                <a:effectLst/>
-                <a:latin typeface="Times New Roman" panose="02020603050405020304" pitchFamily="18" charset="0"/>
-                <a:ea typeface="Times New Roman" panose="02020603050405020304" pitchFamily="18" charset="0"/>
-              </a:rPr>
-              <a:t>txt</a:t>
-            </a:r>
-            <a:r>
-              <a:rPr lang="ru-RU" sz="1800" dirty="0">
-                <a:solidFill>
-                  <a:srgbClr val="000000"/>
-                </a:solidFill>
-                <a:effectLst/>
-                <a:latin typeface="Times New Roman" panose="02020603050405020304" pitchFamily="18" charset="0"/>
-                <a:ea typeface="Times New Roman" panose="02020603050405020304" pitchFamily="18" charset="0"/>
-              </a:rPr>
-              <a:t>, </a:t>
-            </a:r>
-            <a:r>
-              <a:rPr lang="en-US" sz="1800" dirty="0">
-                <a:solidFill>
-                  <a:srgbClr val="000000"/>
-                </a:solidFill>
-                <a:effectLst/>
-                <a:latin typeface="Times New Roman" panose="02020603050405020304" pitchFamily="18" charset="0"/>
-                <a:ea typeface="Times New Roman" panose="02020603050405020304" pitchFamily="18" charset="0"/>
-              </a:rPr>
-              <a:t>pdf</a:t>
-            </a:r>
-            <a:r>
-              <a:rPr lang="ru-RU" sz="1800" dirty="0">
-                <a:solidFill>
-                  <a:srgbClr val="000000"/>
-                </a:solidFill>
-                <a:effectLst/>
-                <a:latin typeface="Times New Roman" panose="02020603050405020304" pitchFamily="18" charset="0"/>
-                <a:ea typeface="Times New Roman" panose="02020603050405020304" pitchFamily="18" charset="0"/>
-              </a:rPr>
-              <a:t>, </a:t>
-            </a:r>
-            <a:r>
-              <a:rPr lang="en-US" sz="1800" dirty="0">
-                <a:solidFill>
-                  <a:srgbClr val="000000"/>
-                </a:solidFill>
-                <a:effectLst/>
-                <a:latin typeface="Times New Roman" panose="02020603050405020304" pitchFamily="18" charset="0"/>
-                <a:ea typeface="Times New Roman" panose="02020603050405020304" pitchFamily="18" charset="0"/>
-              </a:rPr>
-              <a:t>docx</a:t>
-            </a:r>
-            <a:r>
-              <a:rPr lang="ru-RU" sz="1800" dirty="0">
-                <a:solidFill>
-                  <a:srgbClr val="000000"/>
-                </a:solidFill>
-                <a:effectLst/>
-                <a:latin typeface="Times New Roman" panose="02020603050405020304" pitchFamily="18" charset="0"/>
-                <a:ea typeface="Times New Roman" panose="02020603050405020304" pitchFamily="18" charset="0"/>
-              </a:rPr>
-              <a:t>, </a:t>
-            </a:r>
-            <a:r>
-              <a:rPr lang="en-US" sz="1800" dirty="0">
-                <a:solidFill>
-                  <a:srgbClr val="000000"/>
-                </a:solidFill>
-                <a:effectLst/>
-                <a:latin typeface="Times New Roman" panose="02020603050405020304" pitchFamily="18" charset="0"/>
-                <a:ea typeface="Times New Roman" panose="02020603050405020304" pitchFamily="18" charset="0"/>
-              </a:rPr>
-              <a:t>doc</a:t>
-            </a:r>
-            <a:r>
-              <a:rPr lang="ru-RU" sz="1800" dirty="0">
-                <a:solidFill>
-                  <a:srgbClr val="000000"/>
-                </a:solidFill>
-                <a:effectLst/>
-                <a:latin typeface="Times New Roman" panose="02020603050405020304" pitchFamily="18" charset="0"/>
-                <a:ea typeface="Times New Roman" panose="02020603050405020304" pitchFamily="18" charset="0"/>
-              </a:rPr>
-              <a:t>, </a:t>
-            </a:r>
-            <a:r>
-              <a:rPr lang="en-US" sz="1800" dirty="0">
-                <a:solidFill>
-                  <a:srgbClr val="000000"/>
-                </a:solidFill>
-                <a:effectLst/>
-                <a:latin typeface="Times New Roman" panose="02020603050405020304" pitchFamily="18" charset="0"/>
-                <a:ea typeface="Times New Roman" panose="02020603050405020304" pitchFamily="18" charset="0"/>
-              </a:rPr>
-              <a:t>pptx</a:t>
-            </a:r>
-            <a:r>
-              <a:rPr lang="ru-RU" sz="1800" dirty="0">
-                <a:solidFill>
-                  <a:srgbClr val="000000"/>
-                </a:solidFill>
-                <a:effectLst/>
-                <a:latin typeface="Times New Roman" panose="02020603050405020304" pitchFamily="18" charset="0"/>
-                <a:ea typeface="Times New Roman" panose="02020603050405020304" pitchFamily="18" charset="0"/>
-              </a:rPr>
-              <a:t>, </a:t>
-            </a:r>
-            <a:r>
-              <a:rPr lang="en-US" sz="1800" dirty="0">
-                <a:solidFill>
-                  <a:srgbClr val="000000"/>
-                </a:solidFill>
-                <a:effectLst/>
-                <a:latin typeface="Times New Roman" panose="02020603050405020304" pitchFamily="18" charset="0"/>
-                <a:ea typeface="Times New Roman" panose="02020603050405020304" pitchFamily="18" charset="0"/>
-              </a:rPr>
-              <a:t>ppt</a:t>
-            </a:r>
-            <a:r>
-              <a:rPr lang="ru-RU" sz="1800" dirty="0">
-                <a:solidFill>
-                  <a:srgbClr val="000000"/>
-                </a:solidFill>
-                <a:effectLst/>
-                <a:latin typeface="Times New Roman" panose="02020603050405020304" pitchFamily="18" charset="0"/>
-                <a:ea typeface="Times New Roman" panose="02020603050405020304" pitchFamily="18" charset="0"/>
-              </a:rPr>
-              <a:t> и реляционной база данных, для повышения эффективности работы с данными.</a:t>
-            </a:r>
-            <a:endParaRPr lang="ru-RU" sz="1800" dirty="0">
-              <a:effectLst/>
-              <a:latin typeface="Times New Roman" panose="02020603050405020304" pitchFamily="18" charset="0"/>
-              <a:ea typeface="Times New Roman" panose="02020603050405020304" pitchFamily="18" charset="0"/>
-            </a:endParaRPr>
-          </a:p>
-          <a:p>
-            <a:pPr>
-              <a:lnSpc>
-                <a:spcPct val="100000"/>
-              </a:lnSpc>
-            </a:pPr>
-            <a:endParaRPr b="1" dirty="0">
-              <a:latin typeface="Times New Roman" panose="02020603050405020304" pitchFamily="18" charset="0"/>
-              <a:cs typeface="Times New Roman" panose="02020603050405020304" pitchFamily="18" charset="0"/>
-            </a:endParaRPr>
-          </a:p>
-          <a:p>
-            <a:pPr>
-              <a:lnSpc>
-                <a:spcPct val="100000"/>
-              </a:lnSpc>
-              <a:spcBef>
-                <a:spcPts val="40"/>
-              </a:spcBef>
-            </a:pPr>
-            <a:endParaRPr b="1" dirty="0">
-              <a:latin typeface="Times New Roman" panose="02020603050405020304" pitchFamily="18" charset="0"/>
-              <a:cs typeface="Times New Roman" panose="02020603050405020304" pitchFamily="18" charset="0"/>
-            </a:endParaRPr>
-          </a:p>
-          <a:p>
-            <a:pPr marL="12700">
-              <a:lnSpc>
-                <a:spcPct val="100000"/>
-              </a:lnSpc>
-            </a:pPr>
-            <a:r>
-              <a:rPr b="1" spc="-5" dirty="0">
-                <a:latin typeface="Times New Roman" panose="02020603050405020304" pitchFamily="18" charset="0"/>
-                <a:cs typeface="Times New Roman" panose="02020603050405020304" pitchFamily="18" charset="0"/>
-              </a:rPr>
-              <a:t>Задачи:</a:t>
-            </a:r>
-            <a:endParaRPr b="1" dirty="0">
-              <a:latin typeface="Times New Roman" panose="02020603050405020304" pitchFamily="18" charset="0"/>
-              <a:cs typeface="Times New Roman" panose="02020603050405020304" pitchFamily="18" charset="0"/>
-            </a:endParaRPr>
-          </a:p>
-          <a:p>
-            <a:pPr marL="904875" indent="-400050">
-              <a:lnSpc>
-                <a:spcPct val="100000"/>
-              </a:lnSpc>
-              <a:spcBef>
-                <a:spcPts val="960"/>
-              </a:spcBef>
-              <a:buFont typeface="Microsoft Sans Serif"/>
-              <a:buAutoNum type="arabicPeriod"/>
-              <a:tabLst>
-                <a:tab pos="904875" algn="l"/>
-                <a:tab pos="905510" algn="l"/>
-              </a:tabLst>
-            </a:pPr>
-            <a:r>
-              <a:rPr lang="ru-RU" dirty="0">
-                <a:latin typeface="Times New Roman" panose="02020603050405020304" pitchFamily="18" charset="0"/>
-                <a:cs typeface="Times New Roman" panose="02020603050405020304" pitchFamily="18" charset="0"/>
-              </a:rPr>
-              <a:t>Анализ необходимых требований; </a:t>
-            </a:r>
-          </a:p>
-          <a:p>
-            <a:pPr marL="904875" indent="-400050">
-              <a:lnSpc>
-                <a:spcPct val="100000"/>
-              </a:lnSpc>
-              <a:spcBef>
-                <a:spcPts val="960"/>
-              </a:spcBef>
-              <a:buFont typeface="Microsoft Sans Serif"/>
-              <a:buAutoNum type="arabicPeriod"/>
-              <a:tabLst>
-                <a:tab pos="904875" algn="l"/>
-                <a:tab pos="905510" algn="l"/>
-              </a:tabLst>
-            </a:pPr>
-            <a:r>
-              <a:rPr lang="ru-RU" dirty="0">
-                <a:latin typeface="Times New Roman" panose="02020603050405020304" pitchFamily="18" charset="0"/>
-                <a:cs typeface="Times New Roman" panose="02020603050405020304" pitchFamily="18" charset="0"/>
-              </a:rPr>
-              <a:t>Реализация функциональных возможностей и выработка спецификаций; </a:t>
-            </a:r>
-          </a:p>
-          <a:p>
-            <a:pPr marL="904875" indent="-400050">
-              <a:lnSpc>
-                <a:spcPct val="100000"/>
-              </a:lnSpc>
-              <a:spcBef>
-                <a:spcPts val="960"/>
-              </a:spcBef>
-              <a:buFont typeface="Microsoft Sans Serif"/>
-              <a:buAutoNum type="arabicPeriod"/>
-              <a:tabLst>
-                <a:tab pos="904875" algn="l"/>
-                <a:tab pos="905510" algn="l"/>
-              </a:tabLst>
-            </a:pPr>
-            <a:r>
-              <a:rPr lang="ru-RU" dirty="0">
-                <a:latin typeface="Times New Roman" panose="02020603050405020304" pitchFamily="18" charset="0"/>
-                <a:cs typeface="Times New Roman" panose="02020603050405020304" pitchFamily="18" charset="0"/>
-              </a:rPr>
-              <a:t>Проектирование; </a:t>
-            </a:r>
-          </a:p>
-          <a:p>
-            <a:pPr marL="904875" indent="-400050">
-              <a:lnSpc>
-                <a:spcPct val="100000"/>
-              </a:lnSpc>
-              <a:spcBef>
-                <a:spcPts val="960"/>
-              </a:spcBef>
-              <a:buFont typeface="Microsoft Sans Serif"/>
-              <a:buAutoNum type="arabicPeriod"/>
-              <a:tabLst>
-                <a:tab pos="904875" algn="l"/>
-                <a:tab pos="905510" algn="l"/>
-              </a:tabLst>
-            </a:pPr>
-            <a:r>
-              <a:rPr lang="ru-RU" dirty="0">
-                <a:latin typeface="Times New Roman" panose="02020603050405020304" pitchFamily="18" charset="0"/>
-                <a:cs typeface="Times New Roman" panose="02020603050405020304" pitchFamily="18" charset="0"/>
-              </a:rPr>
-              <a:t>Реализация системы; </a:t>
-            </a:r>
-          </a:p>
-          <a:p>
-            <a:pPr marL="904875" indent="-400050">
-              <a:lnSpc>
-                <a:spcPct val="100000"/>
-              </a:lnSpc>
-              <a:spcBef>
-                <a:spcPts val="960"/>
-              </a:spcBef>
-              <a:buFont typeface="Microsoft Sans Serif"/>
-              <a:buAutoNum type="arabicPeriod"/>
-              <a:tabLst>
-                <a:tab pos="904875" algn="l"/>
-                <a:tab pos="905510" algn="l"/>
-              </a:tabLst>
-            </a:pPr>
-            <a:r>
-              <a:rPr lang="ru-RU" spc="-5" dirty="0">
-                <a:latin typeface="Times New Roman" panose="02020603050405020304" pitchFamily="18" charset="0"/>
-                <a:cs typeface="Times New Roman" panose="02020603050405020304" pitchFamily="18" charset="0"/>
-              </a:rPr>
-              <a:t>Тестирование.</a:t>
-            </a:r>
-          </a:p>
-        </p:txBody>
-      </p:sp>
-      <p:grpSp>
-        <p:nvGrpSpPr>
-          <p:cNvPr id="4" name="object 4"/>
-          <p:cNvGrpSpPr/>
-          <p:nvPr/>
-        </p:nvGrpSpPr>
-        <p:grpSpPr>
-          <a:xfrm>
-            <a:off x="10955850" y="6147124"/>
-            <a:ext cx="1236345" cy="488315"/>
-            <a:chOff x="10955850" y="6147124"/>
-            <a:chExt cx="1236345" cy="488315"/>
-          </a:xfrm>
-        </p:grpSpPr>
-        <p:pic>
-          <p:nvPicPr>
-            <p:cNvPr id="5" name="object 5"/>
-            <p:cNvPicPr/>
-            <p:nvPr/>
-          </p:nvPicPr>
-          <p:blipFill>
-            <a:blip r:embed="rId2" cstate="print"/>
-            <a:stretch>
-              <a:fillRect/>
-            </a:stretch>
-          </p:blipFill>
-          <p:spPr>
-            <a:xfrm>
-              <a:off x="10955850" y="6147125"/>
-              <a:ext cx="1008800" cy="487775"/>
-            </a:xfrm>
-            <a:prstGeom prst="rect">
-              <a:avLst/>
-            </a:prstGeom>
-          </p:spPr>
-        </p:pic>
-        <p:sp>
-          <p:nvSpPr>
-            <p:cNvPr id="6" name="object 6"/>
-            <p:cNvSpPr/>
-            <p:nvPr/>
-          </p:nvSpPr>
-          <p:spPr>
-            <a:xfrm>
-              <a:off x="11193975" y="6147124"/>
-              <a:ext cx="998219" cy="488315"/>
-            </a:xfrm>
-            <a:custGeom>
-              <a:avLst/>
-              <a:gdLst/>
-              <a:ahLst/>
-              <a:cxnLst/>
-              <a:rect l="l" t="t" r="r" b="b"/>
-              <a:pathLst>
-                <a:path w="998220" h="488315">
-                  <a:moveTo>
-                    <a:pt x="998024" y="487774"/>
-                  </a:moveTo>
-                  <a:lnTo>
-                    <a:pt x="0" y="487774"/>
-                  </a:lnTo>
-                  <a:lnTo>
-                    <a:pt x="201759" y="0"/>
-                  </a:lnTo>
-                  <a:lnTo>
-                    <a:pt x="998024" y="0"/>
-                  </a:lnTo>
-                  <a:lnTo>
-                    <a:pt x="998024" y="487774"/>
-                  </a:lnTo>
-                  <a:close/>
-                </a:path>
-              </a:pathLst>
-            </a:custGeom>
-            <a:solidFill>
-              <a:srgbClr val="3C378D"/>
-            </a:solidFill>
-          </p:spPr>
-          <p:txBody>
-            <a:bodyPr wrap="square" lIns="0" tIns="0" rIns="0" bIns="0" rtlCol="0"/>
-            <a:lstStyle/>
-            <a:p>
-              <a:endParaRPr>
-                <a:latin typeface="Times New Roman" panose="02020603050405020304" pitchFamily="18" charset="0"/>
-                <a:cs typeface="Times New Roman" panose="02020603050405020304" pitchFamily="18" charset="0"/>
-              </a:endParaRPr>
-            </a:p>
-          </p:txBody>
-        </p:sp>
-      </p:grpSp>
-      <p:sp>
-        <p:nvSpPr>
-          <p:cNvPr id="7" name="object 7"/>
-          <p:cNvSpPr txBox="1">
-            <a:spLocks noGrp="1"/>
-          </p:cNvSpPr>
-          <p:nvPr>
-            <p:ph type="sldNum" sz="quarter" idx="7"/>
-          </p:nvPr>
-        </p:nvSpPr>
-        <p:spPr>
-          <a:xfrm>
-            <a:off x="11488994" y="6135939"/>
-            <a:ext cx="570865" cy="522604"/>
-          </a:xfrm>
-          <a:prstGeom prst="rect">
-            <a:avLst/>
-          </a:prstGeom>
-        </p:spPr>
-        <p:txBody>
-          <a:bodyPr vert="horz" wrap="square" lIns="0" tIns="0" rIns="0" bIns="0" rtlCol="0">
-            <a:spAutoFit/>
-          </a:bodyPr>
-          <a:lstStyle>
-            <a:defPPr>
-              <a:defRPr lang="ru-RU"/>
-            </a:defPPr>
-            <a:lvl1pPr marL="0" algn="l" defTabSz="914400" rtl="0" eaLnBrk="1" latinLnBrk="0" hangingPunct="1">
-              <a:defRPr sz="3500" b="0" i="0" kern="1200">
-                <a:solidFill>
-                  <a:schemeClr val="bg1"/>
-                </a:solidFill>
-                <a:latin typeface="Microsoft Sans Serif"/>
-                <a:ea typeface="+mn-ea"/>
-                <a:cs typeface="Microsoft Sans Serif"/>
-              </a:defRPr>
-            </a:lvl1pPr>
-            <a:lvl2pPr marL="457200" algn="l" defTabSz="914400" rtl="0" eaLnBrk="1" latinLnBrk="0" hangingPunct="1">
-              <a:defRPr sz="1800" kern="1200">
-                <a:solidFill>
-                  <a:schemeClr val="tx1"/>
-                </a:solidFill>
-                <a:latin typeface="+mn-lt"/>
-                <a:ea typeface="+mn-ea"/>
-                <a:cs typeface="+mn-cs"/>
-              </a:defRPr>
-            </a:lvl2pPr>
-            <a:lvl3pPr marL="914400" algn="l" defTabSz="914400" rtl="0" eaLnBrk="1" latinLnBrk="0" hangingPunct="1">
-              <a:defRPr sz="1800" kern="1200">
-                <a:solidFill>
-                  <a:schemeClr val="tx1"/>
-                </a:solidFill>
-                <a:latin typeface="+mn-lt"/>
-                <a:ea typeface="+mn-ea"/>
-                <a:cs typeface="+mn-cs"/>
-              </a:defRPr>
-            </a:lvl3pPr>
-            <a:lvl4pPr marL="1371600" algn="l" defTabSz="914400" rtl="0" eaLnBrk="1" latinLnBrk="0" hangingPunct="1">
-              <a:defRPr sz="1800" kern="1200">
-                <a:solidFill>
-                  <a:schemeClr val="tx1"/>
-                </a:solidFill>
-                <a:latin typeface="+mn-lt"/>
-                <a:ea typeface="+mn-ea"/>
-                <a:cs typeface="+mn-cs"/>
-              </a:defRPr>
-            </a:lvl4pPr>
-            <a:lvl5pPr marL="1828800" algn="l" defTabSz="914400" rtl="0" eaLnBrk="1" latinLnBrk="0" hangingPunct="1">
-              <a:defRPr sz="1800" kern="1200">
-                <a:solidFill>
-                  <a:schemeClr val="tx1"/>
-                </a:solidFill>
-                <a:latin typeface="+mn-lt"/>
-                <a:ea typeface="+mn-ea"/>
-                <a:cs typeface="+mn-cs"/>
-              </a:defRPr>
-            </a:lvl5pPr>
-            <a:lvl6pPr marL="2286000" algn="l" defTabSz="914400" rtl="0" eaLnBrk="1" latinLnBrk="0" hangingPunct="1">
-              <a:defRPr sz="1800" kern="1200">
-                <a:solidFill>
-                  <a:schemeClr val="tx1"/>
-                </a:solidFill>
-                <a:latin typeface="+mn-lt"/>
-                <a:ea typeface="+mn-ea"/>
-                <a:cs typeface="+mn-cs"/>
-              </a:defRPr>
-            </a:lvl6pPr>
-            <a:lvl7pPr marL="2743200" algn="l" defTabSz="914400" rtl="0" eaLnBrk="1" latinLnBrk="0" hangingPunct="1">
-              <a:defRPr sz="1800" kern="1200">
-                <a:solidFill>
-                  <a:schemeClr val="tx1"/>
-                </a:solidFill>
-                <a:latin typeface="+mn-lt"/>
-                <a:ea typeface="+mn-ea"/>
-                <a:cs typeface="+mn-cs"/>
-              </a:defRPr>
-            </a:lvl7pPr>
-            <a:lvl8pPr marL="3200400" algn="l" defTabSz="914400" rtl="0" eaLnBrk="1" latinLnBrk="0" hangingPunct="1">
-              <a:defRPr sz="1800" kern="1200">
-                <a:solidFill>
-                  <a:schemeClr val="tx1"/>
-                </a:solidFill>
-                <a:latin typeface="+mn-lt"/>
-                <a:ea typeface="+mn-ea"/>
-                <a:cs typeface="+mn-cs"/>
-              </a:defRPr>
-            </a:lvl8pPr>
-            <a:lvl9pPr marL="3657600" algn="l" defTabSz="914400" rtl="0" eaLnBrk="1" latinLnBrk="0" hangingPunct="1">
-              <a:defRPr sz="1800" kern="1200">
-                <a:solidFill>
-                  <a:schemeClr val="tx1"/>
-                </a:solidFill>
-                <a:latin typeface="+mn-lt"/>
-                <a:ea typeface="+mn-ea"/>
-                <a:cs typeface="+mn-cs"/>
-              </a:defRPr>
-            </a:lvl9pPr>
-          </a:lstStyle>
-          <a:p>
-            <a:pPr marL="38100">
-              <a:lnSpc>
-                <a:spcPts val="3970"/>
-              </a:lnSpc>
-            </a:pPr>
-            <a:fld id="{81D60167-4931-47E6-BA6A-407CBD079E47}" type="slidenum">
-              <a:rPr lang="ru-RU" smtClean="0"/>
-              <a:pPr marL="38100">
-                <a:lnSpc>
-                  <a:spcPts val="3970"/>
-                </a:lnSpc>
-              </a:pPr>
-              <a:t>2</a:t>
-            </a:fld>
-            <a:endParaRPr dirty="0">
-              <a:latin typeface="Times New Roman" panose="02020603050405020304" pitchFamily="18" charset="0"/>
-              <a:cs typeface="Times New Roman" panose="02020603050405020304" pitchFamily="18" charset="0"/>
-            </a:endParaRPr>
-          </a:p>
-        </p:txBody>
-      </p:sp>
-    </p:spTree>
-  </p:cSld>
-  <p:clrMapOvr>
-    <a:masterClrMapping/>
-  </p:clrMapOvr>
-</p:sld>
-</file>
-
-<file path=ppt/slides/slide3.xml><?xml version="1.0" encoding="utf-8"?>
-<p:sld xmlns:a="http://schemas.openxmlformats.org/drawingml/2006/main" xmlns:r="http://schemas.openxmlformats.org/officeDocument/2006/relationships" xmlns:p="http://schemas.openxmlformats.org/presentationml/2006/main">
-  <p:cSld>
-    <p:spTree>
-      <p:nvGrpSpPr>
-        <p:cNvPr id="1" name=""/>
-        <p:cNvGrpSpPr/>
-        <p:nvPr/>
-      </p:nvGrpSpPr>
-      <p:grpSpPr>
-        <a:xfrm>
-          <a:off x="0" y="0"/>
-          <a:ext cx="0" cy="0"/>
-          <a:chOff x="0" y="0"/>
-          <a:chExt cx="0" cy="0"/>
-        </a:xfrm>
-      </p:grpSpPr>
-      <p:sp>
-        <p:nvSpPr>
-          <p:cNvPr id="4" name="Заголовок 3">
-            <a:extLst>
-              <a:ext uri="{FF2B5EF4-FFF2-40B4-BE49-F238E27FC236}">
-                <a16:creationId xmlns:a16="http://schemas.microsoft.com/office/drawing/2014/main" id="{50A4DD60-3A2E-4A3E-90CA-082C44663A86}"/>
-              </a:ext>
-            </a:extLst>
-          </p:cNvPr>
-          <p:cNvSpPr>
-            <a:spLocks noGrp="1"/>
-          </p:cNvSpPr>
-          <p:nvPr>
-            <p:ph type="title"/>
-          </p:nvPr>
-        </p:nvSpPr>
-        <p:spPr>
-          <a:xfrm>
-            <a:off x="609600" y="381001"/>
-            <a:ext cx="5867400" cy="634119"/>
-          </a:xfrm>
-        </p:spPr>
-        <p:txBody>
-          <a:bodyPr>
-            <a:noAutofit/>
-          </a:bodyPr>
-          <a:lstStyle/>
-          <a:p>
-            <a:r>
-              <a:rPr lang="ru-RU" sz="3600" b="1" spc="-5" dirty="0">
-                <a:latin typeface="Times New Roman" panose="02020603050405020304" pitchFamily="18" charset="0"/>
-                <a:cs typeface="Times New Roman" panose="02020603050405020304" pitchFamily="18" charset="0"/>
-              </a:rPr>
-              <a:t>Обзор</a:t>
-            </a:r>
-            <a:r>
-              <a:rPr lang="ru-RU" sz="3600" b="1" spc="-50" dirty="0">
-                <a:latin typeface="Times New Roman" panose="02020603050405020304" pitchFamily="18" charset="0"/>
-                <a:cs typeface="Times New Roman" panose="02020603050405020304" pitchFamily="18" charset="0"/>
-              </a:rPr>
-              <a:t> </a:t>
-            </a:r>
-            <a:r>
-              <a:rPr lang="ru-RU" sz="3600" b="1" spc="-5" dirty="0">
-                <a:latin typeface="Times New Roman" panose="02020603050405020304" pitchFamily="18" charset="0"/>
-                <a:cs typeface="Times New Roman" panose="02020603050405020304" pitchFamily="18" charset="0"/>
-              </a:rPr>
-              <a:t>предметной</a:t>
-            </a:r>
-            <a:r>
-              <a:rPr lang="ru-RU" sz="3600" b="1" spc="-45" dirty="0">
-                <a:latin typeface="Times New Roman" panose="02020603050405020304" pitchFamily="18" charset="0"/>
-                <a:cs typeface="Times New Roman" panose="02020603050405020304" pitchFamily="18" charset="0"/>
-              </a:rPr>
-              <a:t> </a:t>
-            </a:r>
-            <a:r>
-              <a:rPr lang="ru-RU" sz="3600" b="1" spc="-5" dirty="0">
-                <a:latin typeface="Times New Roman" panose="02020603050405020304" pitchFamily="18" charset="0"/>
-                <a:cs typeface="Times New Roman" panose="02020603050405020304" pitchFamily="18" charset="0"/>
-              </a:rPr>
-              <a:t>области</a:t>
-            </a:r>
-            <a:endParaRPr lang="ru-RU" sz="3600" b="1" dirty="0"/>
           </a:p>
         </p:txBody>
       </p:sp>
@@ -9715,6 +8772,1196 @@
                   <a:spcPts val="3970"/>
                 </a:lnSpc>
               </a:pPr>
+              <a:t>18</a:t>
+            </a:fld>
+            <a:endParaRPr lang="ru-RU" sz="4000" dirty="0">
+              <a:solidFill>
+                <a:schemeClr val="bg1"/>
+              </a:solidFill>
+              <a:latin typeface="Times New Roman" panose="02020603050405020304" pitchFamily="18" charset="0"/>
+              <a:cs typeface="Times New Roman" panose="02020603050405020304" pitchFamily="18" charset="0"/>
+            </a:endParaRPr>
+          </a:p>
+        </p:txBody>
+      </p:sp>
+      <p:pic>
+        <p:nvPicPr>
+          <p:cNvPr id="9" name="Рисунок 8">
+            <a:extLst>
+              <a:ext uri="{FF2B5EF4-FFF2-40B4-BE49-F238E27FC236}">
+                <a16:creationId xmlns:a16="http://schemas.microsoft.com/office/drawing/2014/main" id="{C6D10A58-38FD-4210-A9BB-894E415D8EBC}"/>
+              </a:ext>
+            </a:extLst>
+          </p:cNvPr>
+          <p:cNvPicPr/>
+          <p:nvPr/>
+        </p:nvPicPr>
+        <p:blipFill>
+          <a:blip r:embed="rId3"/>
+          <a:stretch>
+            <a:fillRect/>
+          </a:stretch>
+        </p:blipFill>
+        <p:spPr>
+          <a:xfrm>
+            <a:off x="609599" y="2126615"/>
+            <a:ext cx="4763154" cy="2604770"/>
+          </a:xfrm>
+          <a:prstGeom prst="rect">
+            <a:avLst/>
+          </a:prstGeom>
+        </p:spPr>
+      </p:pic>
+      <p:pic>
+        <p:nvPicPr>
+          <p:cNvPr id="13" name="Рисунок 12">
+            <a:extLst>
+              <a:ext uri="{FF2B5EF4-FFF2-40B4-BE49-F238E27FC236}">
+                <a16:creationId xmlns:a16="http://schemas.microsoft.com/office/drawing/2014/main" id="{BAC3F6D1-92C1-4FEE-9852-55F75C16FA00}"/>
+              </a:ext>
+            </a:extLst>
+          </p:cNvPr>
+          <p:cNvPicPr/>
+          <p:nvPr/>
+        </p:nvPicPr>
+        <p:blipFill>
+          <a:blip r:embed="rId4"/>
+          <a:stretch>
+            <a:fillRect/>
+          </a:stretch>
+        </p:blipFill>
+        <p:spPr>
+          <a:xfrm>
+            <a:off x="6143135" y="2126615"/>
+            <a:ext cx="5345859" cy="2604770"/>
+          </a:xfrm>
+          <a:prstGeom prst="rect">
+            <a:avLst/>
+          </a:prstGeom>
+        </p:spPr>
+      </p:pic>
+    </p:spTree>
+    <p:extLst>
+      <p:ext uri="{BB962C8B-B14F-4D97-AF65-F5344CB8AC3E}">
+        <p14:creationId xmlns:p14="http://schemas.microsoft.com/office/powerpoint/2010/main" val="2062955737"/>
+      </p:ext>
+    </p:extLst>
+  </p:cSld>
+  <p:clrMapOvr>
+    <a:masterClrMapping/>
+  </p:clrMapOvr>
+</p:sld>
+</file>
+
+<file path=ppt/slides/slide19.xml><?xml version="1.0" encoding="utf-8"?>
+<p:sld xmlns:a="http://schemas.openxmlformats.org/drawingml/2006/main" xmlns:r="http://schemas.openxmlformats.org/officeDocument/2006/relationships" xmlns:p="http://schemas.openxmlformats.org/presentationml/2006/main">
+  <p:cSld>
+    <p:spTree>
+      <p:nvGrpSpPr>
+        <p:cNvPr id="1" name=""/>
+        <p:cNvGrpSpPr/>
+        <p:nvPr/>
+      </p:nvGrpSpPr>
+      <p:grpSpPr>
+        <a:xfrm>
+          <a:off x="0" y="0"/>
+          <a:ext cx="0" cy="0"/>
+          <a:chOff x="0" y="0"/>
+          <a:chExt cx="0" cy="0"/>
+        </a:xfrm>
+      </p:grpSpPr>
+      <p:sp>
+        <p:nvSpPr>
+          <p:cNvPr id="4" name="Заголовок 3">
+            <a:extLst>
+              <a:ext uri="{FF2B5EF4-FFF2-40B4-BE49-F238E27FC236}">
+                <a16:creationId xmlns:a16="http://schemas.microsoft.com/office/drawing/2014/main" id="{50A4DD60-3A2E-4A3E-90CA-082C44663A86}"/>
+              </a:ext>
+            </a:extLst>
+          </p:cNvPr>
+          <p:cNvSpPr>
+            <a:spLocks noGrp="1"/>
+          </p:cNvSpPr>
+          <p:nvPr>
+            <p:ph type="title"/>
+          </p:nvPr>
+        </p:nvSpPr>
+        <p:spPr>
+          <a:xfrm>
+            <a:off x="609599" y="381001"/>
+            <a:ext cx="6600825" cy="634119"/>
+          </a:xfrm>
+        </p:spPr>
+        <p:txBody>
+          <a:bodyPr>
+            <a:noAutofit/>
+          </a:bodyPr>
+          <a:lstStyle/>
+          <a:p>
+            <a:r>
+              <a:rPr lang="ru-RU" sz="3600" b="1" spc="-5" dirty="0">
+                <a:latin typeface="Times New Roman" panose="02020603050405020304" pitchFamily="18" charset="0"/>
+                <a:cs typeface="Times New Roman" panose="02020603050405020304" pitchFamily="18" charset="0"/>
+              </a:rPr>
+              <a:t>Заключение</a:t>
+            </a:r>
+            <a:br>
+              <a:rPr lang="ru-RU" sz="3600" b="1" spc="-5" dirty="0">
+                <a:latin typeface="Times New Roman" panose="02020603050405020304" pitchFamily="18" charset="0"/>
+                <a:cs typeface="Times New Roman" panose="02020603050405020304" pitchFamily="18" charset="0"/>
+              </a:rPr>
+            </a:br>
+            <a:endParaRPr lang="ru-RU" sz="2400" b="1" dirty="0"/>
+          </a:p>
+        </p:txBody>
+      </p:sp>
+      <p:sp>
+        <p:nvSpPr>
+          <p:cNvPr id="14" name="TextBox 13">
+            <a:extLst>
+              <a:ext uri="{FF2B5EF4-FFF2-40B4-BE49-F238E27FC236}">
+                <a16:creationId xmlns:a16="http://schemas.microsoft.com/office/drawing/2014/main" id="{995A966E-DA39-4785-B3BF-7857AC9AC00F}"/>
+              </a:ext>
+            </a:extLst>
+          </p:cNvPr>
+          <p:cNvSpPr txBox="1"/>
+          <p:nvPr/>
+        </p:nvSpPr>
+        <p:spPr>
+          <a:xfrm>
+            <a:off x="609599" y="1689062"/>
+            <a:ext cx="10363201" cy="3820533"/>
+          </a:xfrm>
+          <a:prstGeom prst="rect">
+            <a:avLst/>
+          </a:prstGeom>
+          <a:noFill/>
+        </p:spPr>
+        <p:txBody>
+          <a:bodyPr wrap="square">
+            <a:spAutoFit/>
+          </a:bodyPr>
+          <a:lstStyle/>
+          <a:p>
+            <a:pPr marL="12700" marR="5080" algn="just">
+              <a:lnSpc>
+                <a:spcPct val="150000"/>
+              </a:lnSpc>
+              <a:spcBef>
+                <a:spcPts val="100"/>
+              </a:spcBef>
+            </a:pPr>
+            <a:r>
+              <a:rPr lang="ru-RU" dirty="0">
+                <a:latin typeface="Times New Roman" panose="02020603050405020304" pitchFamily="18" charset="0"/>
+                <a:cs typeface="Times New Roman" panose="02020603050405020304" pitchFamily="18" charset="0"/>
+              </a:rPr>
+              <a:t>	В ходе выполнения работы был разработан программный комплекс интеллектуального поиска в </a:t>
+            </a:r>
+            <a:r>
+              <a:rPr lang="ru-RU">
+                <a:latin typeface="Times New Roman" panose="02020603050405020304" pitchFamily="18" charset="0"/>
+                <a:cs typeface="Times New Roman" panose="02020603050405020304" pitchFamily="18" charset="0"/>
+              </a:rPr>
+              <a:t>корпоративных документах, </a:t>
+            </a:r>
+            <a:r>
+              <a:rPr lang="ru-RU" dirty="0">
+                <a:latin typeface="Times New Roman" panose="02020603050405020304" pitchFamily="18" charset="0"/>
+                <a:cs typeface="Times New Roman" panose="02020603050405020304" pitchFamily="18" charset="0"/>
+              </a:rPr>
+              <a:t>который позволяет повысить эффективность работы с информационными данными, что поможет ускорить бизнес-процессы.</a:t>
+            </a:r>
+          </a:p>
+          <a:p>
+            <a:pPr marL="12700" marR="5080" algn="just">
+              <a:lnSpc>
+                <a:spcPct val="150000"/>
+              </a:lnSpc>
+              <a:spcBef>
+                <a:spcPts val="100"/>
+              </a:spcBef>
+            </a:pPr>
+            <a:r>
+              <a:rPr lang="ru-RU" dirty="0">
+                <a:latin typeface="Times New Roman" panose="02020603050405020304" pitchFamily="18" charset="0"/>
+                <a:cs typeface="Times New Roman" panose="02020603050405020304" pitchFamily="18" charset="0"/>
+              </a:rPr>
+              <a:t>	Дальнейшее развитие программного комплекса планируется в рамках магистерской диссертации.</a:t>
+            </a:r>
+          </a:p>
+          <a:p>
+            <a:pPr marL="12700" marR="5080" algn="just">
+              <a:lnSpc>
+                <a:spcPct val="150000"/>
+              </a:lnSpc>
+              <a:spcBef>
+                <a:spcPts val="100"/>
+              </a:spcBef>
+            </a:pPr>
+            <a:r>
+              <a:rPr lang="ru-RU" dirty="0">
+                <a:latin typeface="Times New Roman" panose="02020603050405020304" pitchFamily="18" charset="0"/>
+                <a:cs typeface="Times New Roman" panose="02020603050405020304" pitchFamily="18" charset="0"/>
+              </a:rPr>
+              <a:t>	По теме бакалаврской работы была подготовлена статья</a:t>
+            </a:r>
+            <a:r>
+              <a:rPr lang="en-US" dirty="0">
+                <a:latin typeface="Times New Roman" panose="02020603050405020304" pitchFamily="18" charset="0"/>
+                <a:cs typeface="Times New Roman" panose="02020603050405020304" pitchFamily="18" charset="0"/>
+              </a:rPr>
+              <a:t>:</a:t>
+            </a:r>
+            <a:endParaRPr lang="ru-RU" dirty="0">
+              <a:latin typeface="Times New Roman" panose="02020603050405020304" pitchFamily="18" charset="0"/>
+              <a:cs typeface="Times New Roman" panose="02020603050405020304" pitchFamily="18" charset="0"/>
+            </a:endParaRPr>
+          </a:p>
+          <a:p>
+            <a:pPr marL="298450" marR="5080" indent="-285750" algn="just">
+              <a:lnSpc>
+                <a:spcPct val="150000"/>
+              </a:lnSpc>
+              <a:spcBef>
+                <a:spcPts val="100"/>
+              </a:spcBef>
+              <a:buFont typeface="Arial" panose="020B0604020202020204" pitchFamily="34" charset="0"/>
+              <a:buChar char="•"/>
+            </a:pPr>
+            <a:r>
+              <a:rPr lang="ru-RU" dirty="0">
+                <a:latin typeface="Times New Roman" panose="02020603050405020304" pitchFamily="18" charset="0"/>
+                <a:cs typeface="Times New Roman" panose="02020603050405020304" pitchFamily="18" charset="0"/>
+              </a:rPr>
+              <a:t>Бекиш Е.П. Система интеллектуального поиска в корпоративных базах знаний // </a:t>
+            </a:r>
+            <a:r>
+              <a:rPr lang="ru-RU" sz="1800" dirty="0">
+                <a:solidFill>
+                  <a:srgbClr val="000000"/>
+                </a:solidFill>
+                <a:effectLst/>
+                <a:latin typeface="Times New Roman" panose="02020603050405020304" pitchFamily="18" charset="0"/>
+                <a:ea typeface="Times New Roman" panose="02020603050405020304" pitchFamily="18" charset="0"/>
+              </a:rPr>
+              <a:t>XIII Региональная научно-практическая конференция «НАУКА И ПРАКТИКА: ПРОЕКТНАЯ ДЕЯТЕЛЬНОСТЬ – ОТ ИДЕИ ДО ВНЕДРЕНИЯ – 2024»</a:t>
+            </a:r>
+            <a:r>
+              <a:rPr lang="ru-RU" dirty="0">
+                <a:solidFill>
+                  <a:srgbClr val="000000"/>
+                </a:solidFill>
+                <a:latin typeface="Times New Roman" panose="02020603050405020304" pitchFamily="18" charset="0"/>
+                <a:ea typeface="Times New Roman" panose="02020603050405020304" pitchFamily="18" charset="0"/>
+              </a:rPr>
+              <a:t>. Принято к публикации.</a:t>
+            </a:r>
+            <a:endParaRPr lang="ru-RU" dirty="0">
+              <a:latin typeface="Times New Roman" panose="02020603050405020304" pitchFamily="18" charset="0"/>
+              <a:cs typeface="Times New Roman" panose="02020603050405020304" pitchFamily="18" charset="0"/>
+            </a:endParaRPr>
+          </a:p>
+        </p:txBody>
+      </p:sp>
+    </p:spTree>
+    <p:extLst>
+      <p:ext uri="{BB962C8B-B14F-4D97-AF65-F5344CB8AC3E}">
+        <p14:creationId xmlns:p14="http://schemas.microsoft.com/office/powerpoint/2010/main" val="2160518405"/>
+      </p:ext>
+    </p:extLst>
+  </p:cSld>
+  <p:clrMapOvr>
+    <a:masterClrMapping/>
+  </p:clrMapOvr>
+</p:sld>
+</file>
+
+<file path=ppt/slides/slide2.xml><?xml version="1.0" encoding="utf-8"?>
+<p:sld xmlns:a="http://schemas.openxmlformats.org/drawingml/2006/main" xmlns:r="http://schemas.openxmlformats.org/officeDocument/2006/relationships" xmlns:p="http://schemas.openxmlformats.org/presentationml/2006/main">
+  <p:cSld>
+    <p:spTree>
+      <p:nvGrpSpPr>
+        <p:cNvPr id="1" name=""/>
+        <p:cNvGrpSpPr/>
+        <p:nvPr/>
+      </p:nvGrpSpPr>
+      <p:grpSpPr>
+        <a:xfrm>
+          <a:off x="0" y="0"/>
+          <a:ext cx="0" cy="0"/>
+          <a:chOff x="0" y="0"/>
+          <a:chExt cx="0" cy="0"/>
+        </a:xfrm>
+      </p:grpSpPr>
+      <p:sp>
+        <p:nvSpPr>
+          <p:cNvPr id="2" name="object 2"/>
+          <p:cNvSpPr txBox="1">
+            <a:spLocks noGrp="1"/>
+          </p:cNvSpPr>
+          <p:nvPr>
+            <p:ph type="title"/>
+          </p:nvPr>
+        </p:nvSpPr>
+        <p:spPr>
+          <a:xfrm>
+            <a:off x="789182" y="381000"/>
+            <a:ext cx="3889375" cy="566822"/>
+          </a:xfrm>
+          <a:prstGeom prst="rect">
+            <a:avLst/>
+          </a:prstGeom>
+        </p:spPr>
+        <p:txBody>
+          <a:bodyPr vert="horz" wrap="square" lIns="0" tIns="12700" rIns="0" bIns="0" rtlCol="0">
+            <a:spAutoFit/>
+          </a:bodyPr>
+          <a:lstStyle/>
+          <a:p>
+            <a:pPr marL="12700">
+              <a:lnSpc>
+                <a:spcPct val="100000"/>
+              </a:lnSpc>
+              <a:spcBef>
+                <a:spcPts val="100"/>
+              </a:spcBef>
+            </a:pPr>
+            <a:r>
+              <a:rPr b="1" spc="-5" dirty="0">
+                <a:latin typeface="Times New Roman" panose="02020603050405020304" pitchFamily="18" charset="0"/>
+                <a:cs typeface="Times New Roman" panose="02020603050405020304" pitchFamily="18" charset="0"/>
+              </a:rPr>
+              <a:t>Цель</a:t>
+            </a:r>
+            <a:r>
+              <a:rPr b="1" spc="-55" dirty="0">
+                <a:latin typeface="Times New Roman" panose="02020603050405020304" pitchFamily="18" charset="0"/>
+                <a:cs typeface="Times New Roman" panose="02020603050405020304" pitchFamily="18" charset="0"/>
+              </a:rPr>
+              <a:t> </a:t>
+            </a:r>
+            <a:r>
+              <a:rPr b="1" dirty="0">
+                <a:latin typeface="Times New Roman" panose="02020603050405020304" pitchFamily="18" charset="0"/>
+                <a:cs typeface="Times New Roman" panose="02020603050405020304" pitchFamily="18" charset="0"/>
+              </a:rPr>
+              <a:t>и</a:t>
+            </a:r>
+            <a:r>
+              <a:rPr b="1" spc="-50" dirty="0">
+                <a:latin typeface="Times New Roman" panose="02020603050405020304" pitchFamily="18" charset="0"/>
+                <a:cs typeface="Times New Roman" panose="02020603050405020304" pitchFamily="18" charset="0"/>
+              </a:rPr>
+              <a:t> </a:t>
+            </a:r>
+            <a:r>
+              <a:rPr b="1" spc="-5" dirty="0">
+                <a:latin typeface="Times New Roman" panose="02020603050405020304" pitchFamily="18" charset="0"/>
+                <a:cs typeface="Times New Roman" panose="02020603050405020304" pitchFamily="18" charset="0"/>
+              </a:rPr>
+              <a:t>задачи</a:t>
+            </a:r>
+          </a:p>
+        </p:txBody>
+      </p:sp>
+      <p:sp>
+        <p:nvSpPr>
+          <p:cNvPr id="3" name="object 3"/>
+          <p:cNvSpPr txBox="1"/>
+          <p:nvPr/>
+        </p:nvSpPr>
+        <p:spPr>
+          <a:xfrm>
+            <a:off x="789182" y="1222419"/>
+            <a:ext cx="10047605" cy="4342214"/>
+          </a:xfrm>
+          <a:prstGeom prst="rect">
+            <a:avLst/>
+          </a:prstGeom>
+        </p:spPr>
+        <p:txBody>
+          <a:bodyPr vert="horz" wrap="square" lIns="0" tIns="134620" rIns="0" bIns="0" rtlCol="0">
+            <a:spAutoFit/>
+          </a:bodyPr>
+          <a:lstStyle/>
+          <a:p>
+            <a:pPr marL="12700">
+              <a:lnSpc>
+                <a:spcPct val="100000"/>
+              </a:lnSpc>
+              <a:spcBef>
+                <a:spcPts val="1060"/>
+              </a:spcBef>
+            </a:pPr>
+            <a:r>
+              <a:rPr b="1" spc="-5" dirty="0">
+                <a:latin typeface="Times New Roman" panose="02020603050405020304" pitchFamily="18" charset="0"/>
+                <a:cs typeface="Times New Roman" panose="02020603050405020304" pitchFamily="18" charset="0"/>
+              </a:rPr>
+              <a:t>Цель</a:t>
+            </a:r>
+            <a:r>
+              <a:rPr b="1" spc="-55" dirty="0">
+                <a:latin typeface="Times New Roman" panose="02020603050405020304" pitchFamily="18" charset="0"/>
+                <a:cs typeface="Times New Roman" panose="02020603050405020304" pitchFamily="18" charset="0"/>
+              </a:rPr>
+              <a:t> </a:t>
+            </a:r>
+            <a:r>
+              <a:rPr b="1" spc="-5" dirty="0">
+                <a:latin typeface="Times New Roman" panose="02020603050405020304" pitchFamily="18" charset="0"/>
+                <a:cs typeface="Times New Roman" panose="02020603050405020304" pitchFamily="18" charset="0"/>
+              </a:rPr>
+              <a:t>работы</a:t>
+            </a:r>
+            <a:endParaRPr b="1" dirty="0">
+              <a:latin typeface="Times New Roman" panose="02020603050405020304" pitchFamily="18" charset="0"/>
+              <a:cs typeface="Times New Roman" panose="02020603050405020304" pitchFamily="18" charset="0"/>
+            </a:endParaRPr>
+          </a:p>
+          <a:p>
+            <a:pPr indent="450215" algn="just">
+              <a:lnSpc>
+                <a:spcPct val="150000"/>
+              </a:lnSpc>
+              <a:spcAft>
+                <a:spcPts val="800"/>
+              </a:spcAft>
+            </a:pPr>
+            <a:r>
+              <a:rPr lang="ru-RU" sz="1800" dirty="0">
+                <a:solidFill>
+                  <a:srgbClr val="000000"/>
+                </a:solidFill>
+                <a:effectLst/>
+                <a:latin typeface="Times New Roman" panose="02020603050405020304" pitchFamily="18" charset="0"/>
+                <a:ea typeface="Times New Roman" panose="02020603050405020304" pitchFamily="18" charset="0"/>
+              </a:rPr>
+              <a:t>разработать программный комплекс, который сокращает время доступа сотрудников к корпоративной информации за счет обработки запросов к внутренним документам предприятия на естественном языке и их обработка средствами ИИ.</a:t>
+            </a:r>
+            <a:endParaRPr b="1" dirty="0">
+              <a:latin typeface="Times New Roman" panose="02020603050405020304" pitchFamily="18" charset="0"/>
+              <a:cs typeface="Times New Roman" panose="02020603050405020304" pitchFamily="18" charset="0"/>
+            </a:endParaRPr>
+          </a:p>
+          <a:p>
+            <a:pPr>
+              <a:lnSpc>
+                <a:spcPct val="100000"/>
+              </a:lnSpc>
+              <a:spcBef>
+                <a:spcPts val="40"/>
+              </a:spcBef>
+            </a:pPr>
+            <a:endParaRPr b="1" dirty="0">
+              <a:latin typeface="Times New Roman" panose="02020603050405020304" pitchFamily="18" charset="0"/>
+              <a:cs typeface="Times New Roman" panose="02020603050405020304" pitchFamily="18" charset="0"/>
+            </a:endParaRPr>
+          </a:p>
+          <a:p>
+            <a:pPr marL="12700">
+              <a:lnSpc>
+                <a:spcPct val="100000"/>
+              </a:lnSpc>
+            </a:pPr>
+            <a:r>
+              <a:rPr b="1" spc="-5" dirty="0">
+                <a:latin typeface="Times New Roman" panose="02020603050405020304" pitchFamily="18" charset="0"/>
+                <a:cs typeface="Times New Roman" panose="02020603050405020304" pitchFamily="18" charset="0"/>
+              </a:rPr>
+              <a:t>Задачи:</a:t>
+            </a:r>
+            <a:endParaRPr b="1" dirty="0">
+              <a:latin typeface="Times New Roman" panose="02020603050405020304" pitchFamily="18" charset="0"/>
+              <a:cs typeface="Times New Roman" panose="02020603050405020304" pitchFamily="18" charset="0"/>
+            </a:endParaRPr>
+          </a:p>
+          <a:p>
+            <a:pPr marL="904875" indent="-400050">
+              <a:lnSpc>
+                <a:spcPct val="100000"/>
+              </a:lnSpc>
+              <a:spcBef>
+                <a:spcPts val="960"/>
+              </a:spcBef>
+              <a:buFont typeface="Microsoft Sans Serif"/>
+              <a:buAutoNum type="arabicPeriod"/>
+              <a:tabLst>
+                <a:tab pos="904875" algn="l"/>
+                <a:tab pos="905510" algn="l"/>
+              </a:tabLst>
+            </a:pPr>
+            <a:r>
+              <a:rPr lang="ru-RU" dirty="0">
+                <a:latin typeface="Times New Roman" panose="02020603050405020304" pitchFamily="18" charset="0"/>
+                <a:cs typeface="Times New Roman" panose="02020603050405020304" pitchFamily="18" charset="0"/>
+              </a:rPr>
+              <a:t>Анализ необходимых требований; </a:t>
+            </a:r>
+          </a:p>
+          <a:p>
+            <a:pPr marL="904875" indent="-400050">
+              <a:lnSpc>
+                <a:spcPct val="100000"/>
+              </a:lnSpc>
+              <a:spcBef>
+                <a:spcPts val="960"/>
+              </a:spcBef>
+              <a:buFont typeface="Microsoft Sans Serif"/>
+              <a:buAutoNum type="arabicPeriod"/>
+              <a:tabLst>
+                <a:tab pos="904875" algn="l"/>
+                <a:tab pos="905510" algn="l"/>
+              </a:tabLst>
+            </a:pPr>
+            <a:r>
+              <a:rPr lang="ru-RU" dirty="0">
+                <a:latin typeface="Times New Roman" panose="02020603050405020304" pitchFamily="18" charset="0"/>
+                <a:cs typeface="Times New Roman" panose="02020603050405020304" pitchFamily="18" charset="0"/>
+              </a:rPr>
+              <a:t>Реализация функциональных возможностей и выработка спецификаций; </a:t>
+            </a:r>
+          </a:p>
+          <a:p>
+            <a:pPr marL="904875" indent="-400050">
+              <a:lnSpc>
+                <a:spcPct val="100000"/>
+              </a:lnSpc>
+              <a:spcBef>
+                <a:spcPts val="960"/>
+              </a:spcBef>
+              <a:buFont typeface="Microsoft Sans Serif"/>
+              <a:buAutoNum type="arabicPeriod"/>
+              <a:tabLst>
+                <a:tab pos="904875" algn="l"/>
+                <a:tab pos="905510" algn="l"/>
+              </a:tabLst>
+            </a:pPr>
+            <a:r>
+              <a:rPr lang="ru-RU" dirty="0">
+                <a:latin typeface="Times New Roman" panose="02020603050405020304" pitchFamily="18" charset="0"/>
+                <a:cs typeface="Times New Roman" panose="02020603050405020304" pitchFamily="18" charset="0"/>
+              </a:rPr>
+              <a:t>Проектирование; </a:t>
+            </a:r>
+          </a:p>
+          <a:p>
+            <a:pPr marL="904875" indent="-400050">
+              <a:lnSpc>
+                <a:spcPct val="100000"/>
+              </a:lnSpc>
+              <a:spcBef>
+                <a:spcPts val="960"/>
+              </a:spcBef>
+              <a:buFont typeface="Microsoft Sans Serif"/>
+              <a:buAutoNum type="arabicPeriod"/>
+              <a:tabLst>
+                <a:tab pos="904875" algn="l"/>
+                <a:tab pos="905510" algn="l"/>
+              </a:tabLst>
+            </a:pPr>
+            <a:r>
+              <a:rPr lang="ru-RU" dirty="0">
+                <a:latin typeface="Times New Roman" panose="02020603050405020304" pitchFamily="18" charset="0"/>
+                <a:cs typeface="Times New Roman" panose="02020603050405020304" pitchFamily="18" charset="0"/>
+              </a:rPr>
+              <a:t>Реализация системы; </a:t>
+            </a:r>
+          </a:p>
+          <a:p>
+            <a:pPr marL="904875" indent="-400050">
+              <a:lnSpc>
+                <a:spcPct val="100000"/>
+              </a:lnSpc>
+              <a:spcBef>
+                <a:spcPts val="960"/>
+              </a:spcBef>
+              <a:buFont typeface="Microsoft Sans Serif"/>
+              <a:buAutoNum type="arabicPeriod"/>
+              <a:tabLst>
+                <a:tab pos="904875" algn="l"/>
+                <a:tab pos="905510" algn="l"/>
+              </a:tabLst>
+            </a:pPr>
+            <a:r>
+              <a:rPr lang="ru-RU" spc="-5" dirty="0">
+                <a:latin typeface="Times New Roman" panose="02020603050405020304" pitchFamily="18" charset="0"/>
+                <a:cs typeface="Times New Roman" panose="02020603050405020304" pitchFamily="18" charset="0"/>
+              </a:rPr>
+              <a:t>Тестирование.</a:t>
+            </a:r>
+          </a:p>
+        </p:txBody>
+      </p:sp>
+      <p:grpSp>
+        <p:nvGrpSpPr>
+          <p:cNvPr id="4" name="object 4"/>
+          <p:cNvGrpSpPr/>
+          <p:nvPr/>
+        </p:nvGrpSpPr>
+        <p:grpSpPr>
+          <a:xfrm>
+            <a:off x="10955850" y="6147124"/>
+            <a:ext cx="1236345" cy="488315"/>
+            <a:chOff x="10955850" y="6147124"/>
+            <a:chExt cx="1236345" cy="488315"/>
+          </a:xfrm>
+        </p:grpSpPr>
+        <p:pic>
+          <p:nvPicPr>
+            <p:cNvPr id="5" name="object 5"/>
+            <p:cNvPicPr/>
+            <p:nvPr/>
+          </p:nvPicPr>
+          <p:blipFill>
+            <a:blip r:embed="rId2" cstate="print"/>
+            <a:stretch>
+              <a:fillRect/>
+            </a:stretch>
+          </p:blipFill>
+          <p:spPr>
+            <a:xfrm>
+              <a:off x="10955850" y="6147125"/>
+              <a:ext cx="1008800" cy="487775"/>
+            </a:xfrm>
+            <a:prstGeom prst="rect">
+              <a:avLst/>
+            </a:prstGeom>
+          </p:spPr>
+        </p:pic>
+        <p:sp>
+          <p:nvSpPr>
+            <p:cNvPr id="6" name="object 6"/>
+            <p:cNvSpPr/>
+            <p:nvPr/>
+          </p:nvSpPr>
+          <p:spPr>
+            <a:xfrm>
+              <a:off x="11193975" y="6147124"/>
+              <a:ext cx="998219" cy="488315"/>
+            </a:xfrm>
+            <a:custGeom>
+              <a:avLst/>
+              <a:gdLst/>
+              <a:ahLst/>
+              <a:cxnLst/>
+              <a:rect l="l" t="t" r="r" b="b"/>
+              <a:pathLst>
+                <a:path w="998220" h="488315">
+                  <a:moveTo>
+                    <a:pt x="998024" y="487774"/>
+                  </a:moveTo>
+                  <a:lnTo>
+                    <a:pt x="0" y="487774"/>
+                  </a:lnTo>
+                  <a:lnTo>
+                    <a:pt x="201759" y="0"/>
+                  </a:lnTo>
+                  <a:lnTo>
+                    <a:pt x="998024" y="0"/>
+                  </a:lnTo>
+                  <a:lnTo>
+                    <a:pt x="998024" y="487774"/>
+                  </a:lnTo>
+                  <a:close/>
+                </a:path>
+              </a:pathLst>
+            </a:custGeom>
+            <a:solidFill>
+              <a:srgbClr val="3C378D"/>
+            </a:solidFill>
+          </p:spPr>
+          <p:txBody>
+            <a:bodyPr wrap="square" lIns="0" tIns="0" rIns="0" bIns="0" rtlCol="0"/>
+            <a:lstStyle/>
+            <a:p>
+              <a:endParaRPr>
+                <a:latin typeface="Times New Roman" panose="02020603050405020304" pitchFamily="18" charset="0"/>
+                <a:cs typeface="Times New Roman" panose="02020603050405020304" pitchFamily="18" charset="0"/>
+              </a:endParaRPr>
+            </a:p>
+          </p:txBody>
+        </p:sp>
+      </p:grpSp>
+      <p:sp>
+        <p:nvSpPr>
+          <p:cNvPr id="7" name="object 7"/>
+          <p:cNvSpPr txBox="1">
+            <a:spLocks noGrp="1"/>
+          </p:cNvSpPr>
+          <p:nvPr>
+            <p:ph type="sldNum" sz="quarter" idx="7"/>
+          </p:nvPr>
+        </p:nvSpPr>
+        <p:spPr>
+          <a:xfrm>
+            <a:off x="11488994" y="6135939"/>
+            <a:ext cx="570865" cy="522604"/>
+          </a:xfrm>
+          <a:prstGeom prst="rect">
+            <a:avLst/>
+          </a:prstGeom>
+        </p:spPr>
+        <p:txBody>
+          <a:bodyPr vert="horz" wrap="square" lIns="0" tIns="0" rIns="0" bIns="0" rtlCol="0">
+            <a:spAutoFit/>
+          </a:bodyPr>
+          <a:lstStyle>
+            <a:defPPr>
+              <a:defRPr lang="ru-RU"/>
+            </a:defPPr>
+            <a:lvl1pPr marL="0" algn="l" defTabSz="914400" rtl="0" eaLnBrk="1" latinLnBrk="0" hangingPunct="1">
+              <a:defRPr sz="3500" b="0" i="0" kern="1200">
+                <a:solidFill>
+                  <a:schemeClr val="bg1"/>
+                </a:solidFill>
+                <a:latin typeface="Microsoft Sans Serif"/>
+                <a:ea typeface="+mn-ea"/>
+                <a:cs typeface="Microsoft Sans Serif"/>
+              </a:defRPr>
+            </a:lvl1pPr>
+            <a:lvl2pPr marL="457200" algn="l" defTabSz="914400" rtl="0" eaLnBrk="1" latinLnBrk="0" hangingPunct="1">
+              <a:defRPr sz="1800" kern="1200">
+                <a:solidFill>
+                  <a:schemeClr val="tx1"/>
+                </a:solidFill>
+                <a:latin typeface="+mn-lt"/>
+                <a:ea typeface="+mn-ea"/>
+                <a:cs typeface="+mn-cs"/>
+              </a:defRPr>
+            </a:lvl2pPr>
+            <a:lvl3pPr marL="914400" algn="l" defTabSz="914400" rtl="0" eaLnBrk="1" latinLnBrk="0" hangingPunct="1">
+              <a:defRPr sz="1800" kern="1200">
+                <a:solidFill>
+                  <a:schemeClr val="tx1"/>
+                </a:solidFill>
+                <a:latin typeface="+mn-lt"/>
+                <a:ea typeface="+mn-ea"/>
+                <a:cs typeface="+mn-cs"/>
+              </a:defRPr>
+            </a:lvl3pPr>
+            <a:lvl4pPr marL="1371600" algn="l" defTabSz="914400" rtl="0" eaLnBrk="1" latinLnBrk="0" hangingPunct="1">
+              <a:defRPr sz="1800" kern="1200">
+                <a:solidFill>
+                  <a:schemeClr val="tx1"/>
+                </a:solidFill>
+                <a:latin typeface="+mn-lt"/>
+                <a:ea typeface="+mn-ea"/>
+                <a:cs typeface="+mn-cs"/>
+              </a:defRPr>
+            </a:lvl4pPr>
+            <a:lvl5pPr marL="1828800" algn="l" defTabSz="914400" rtl="0" eaLnBrk="1" latinLnBrk="0" hangingPunct="1">
+              <a:defRPr sz="1800" kern="1200">
+                <a:solidFill>
+                  <a:schemeClr val="tx1"/>
+                </a:solidFill>
+                <a:latin typeface="+mn-lt"/>
+                <a:ea typeface="+mn-ea"/>
+                <a:cs typeface="+mn-cs"/>
+              </a:defRPr>
+            </a:lvl5pPr>
+            <a:lvl6pPr marL="2286000" algn="l" defTabSz="914400" rtl="0" eaLnBrk="1" latinLnBrk="0" hangingPunct="1">
+              <a:defRPr sz="1800" kern="1200">
+                <a:solidFill>
+                  <a:schemeClr val="tx1"/>
+                </a:solidFill>
+                <a:latin typeface="+mn-lt"/>
+                <a:ea typeface="+mn-ea"/>
+                <a:cs typeface="+mn-cs"/>
+              </a:defRPr>
+            </a:lvl6pPr>
+            <a:lvl7pPr marL="2743200" algn="l" defTabSz="914400" rtl="0" eaLnBrk="1" latinLnBrk="0" hangingPunct="1">
+              <a:defRPr sz="1800" kern="1200">
+                <a:solidFill>
+                  <a:schemeClr val="tx1"/>
+                </a:solidFill>
+                <a:latin typeface="+mn-lt"/>
+                <a:ea typeface="+mn-ea"/>
+                <a:cs typeface="+mn-cs"/>
+              </a:defRPr>
+            </a:lvl7pPr>
+            <a:lvl8pPr marL="3200400" algn="l" defTabSz="914400" rtl="0" eaLnBrk="1" latinLnBrk="0" hangingPunct="1">
+              <a:defRPr sz="1800" kern="1200">
+                <a:solidFill>
+                  <a:schemeClr val="tx1"/>
+                </a:solidFill>
+                <a:latin typeface="+mn-lt"/>
+                <a:ea typeface="+mn-ea"/>
+                <a:cs typeface="+mn-cs"/>
+              </a:defRPr>
+            </a:lvl8pPr>
+            <a:lvl9pPr marL="3657600" algn="l" defTabSz="914400" rtl="0" eaLnBrk="1" latinLnBrk="0" hangingPunct="1">
+              <a:defRPr sz="1800" kern="1200">
+                <a:solidFill>
+                  <a:schemeClr val="tx1"/>
+                </a:solidFill>
+                <a:latin typeface="+mn-lt"/>
+                <a:ea typeface="+mn-ea"/>
+                <a:cs typeface="+mn-cs"/>
+              </a:defRPr>
+            </a:lvl9pPr>
+          </a:lstStyle>
+          <a:p>
+            <a:pPr marL="38100">
+              <a:lnSpc>
+                <a:spcPts val="3970"/>
+              </a:lnSpc>
+            </a:pPr>
+            <a:fld id="{81D60167-4931-47E6-BA6A-407CBD079E47}" type="slidenum">
+              <a:rPr lang="ru-RU" smtClean="0"/>
+              <a:pPr marL="38100">
+                <a:lnSpc>
+                  <a:spcPts val="3970"/>
+                </a:lnSpc>
+              </a:pPr>
+              <a:t>2</a:t>
+            </a:fld>
+            <a:endParaRPr dirty="0">
+              <a:latin typeface="Times New Roman" panose="02020603050405020304" pitchFamily="18" charset="0"/>
+              <a:cs typeface="Times New Roman" panose="02020603050405020304" pitchFamily="18" charset="0"/>
+            </a:endParaRPr>
+          </a:p>
+        </p:txBody>
+      </p:sp>
+    </p:spTree>
+  </p:cSld>
+  <p:clrMapOvr>
+    <a:masterClrMapping/>
+  </p:clrMapOvr>
+</p:sld>
+</file>
+
+<file path=ppt/slides/slide3.xml><?xml version="1.0" encoding="utf-8"?>
+<p:sld xmlns:a="http://schemas.openxmlformats.org/drawingml/2006/main" xmlns:r="http://schemas.openxmlformats.org/officeDocument/2006/relationships" xmlns:p="http://schemas.openxmlformats.org/presentationml/2006/main">
+  <p:cSld>
+    <p:spTree>
+      <p:nvGrpSpPr>
+        <p:cNvPr id="1" name=""/>
+        <p:cNvGrpSpPr/>
+        <p:nvPr/>
+      </p:nvGrpSpPr>
+      <p:grpSpPr>
+        <a:xfrm>
+          <a:off x="0" y="0"/>
+          <a:ext cx="0" cy="0"/>
+          <a:chOff x="0" y="0"/>
+          <a:chExt cx="0" cy="0"/>
+        </a:xfrm>
+      </p:grpSpPr>
+      <p:sp>
+        <p:nvSpPr>
+          <p:cNvPr id="4" name="Заголовок 3">
+            <a:extLst>
+              <a:ext uri="{FF2B5EF4-FFF2-40B4-BE49-F238E27FC236}">
+                <a16:creationId xmlns:a16="http://schemas.microsoft.com/office/drawing/2014/main" id="{50A4DD60-3A2E-4A3E-90CA-082C44663A86}"/>
+              </a:ext>
+            </a:extLst>
+          </p:cNvPr>
+          <p:cNvSpPr>
+            <a:spLocks noGrp="1"/>
+          </p:cNvSpPr>
+          <p:nvPr>
+            <p:ph type="title"/>
+          </p:nvPr>
+        </p:nvSpPr>
+        <p:spPr>
+          <a:xfrm>
+            <a:off x="609600" y="381001"/>
+            <a:ext cx="5867400" cy="634119"/>
+          </a:xfrm>
+        </p:spPr>
+        <p:txBody>
+          <a:bodyPr>
+            <a:noAutofit/>
+          </a:bodyPr>
+          <a:lstStyle/>
+          <a:p>
+            <a:r>
+              <a:rPr lang="ru-RU" sz="3600" b="1" spc="-5" dirty="0">
+                <a:latin typeface="Times New Roman" panose="02020603050405020304" pitchFamily="18" charset="0"/>
+                <a:cs typeface="Times New Roman" panose="02020603050405020304" pitchFamily="18" charset="0"/>
+              </a:rPr>
+              <a:t>Обзор</a:t>
+            </a:r>
+            <a:r>
+              <a:rPr lang="ru-RU" sz="3600" b="1" spc="-50" dirty="0">
+                <a:latin typeface="Times New Roman" panose="02020603050405020304" pitchFamily="18" charset="0"/>
+                <a:cs typeface="Times New Roman" panose="02020603050405020304" pitchFamily="18" charset="0"/>
+              </a:rPr>
+              <a:t> </a:t>
+            </a:r>
+            <a:r>
+              <a:rPr lang="ru-RU" sz="3600" b="1" spc="-5" dirty="0">
+                <a:latin typeface="Times New Roman" panose="02020603050405020304" pitchFamily="18" charset="0"/>
+                <a:cs typeface="Times New Roman" panose="02020603050405020304" pitchFamily="18" charset="0"/>
+              </a:rPr>
+              <a:t>предметной</a:t>
+            </a:r>
+            <a:r>
+              <a:rPr lang="ru-RU" sz="3600" b="1" spc="-45" dirty="0">
+                <a:latin typeface="Times New Roman" panose="02020603050405020304" pitchFamily="18" charset="0"/>
+                <a:cs typeface="Times New Roman" panose="02020603050405020304" pitchFamily="18" charset="0"/>
+              </a:rPr>
+              <a:t> </a:t>
+            </a:r>
+            <a:r>
+              <a:rPr lang="ru-RU" sz="3600" b="1" spc="-5" dirty="0">
+                <a:latin typeface="Times New Roman" panose="02020603050405020304" pitchFamily="18" charset="0"/>
+                <a:cs typeface="Times New Roman" panose="02020603050405020304" pitchFamily="18" charset="0"/>
+              </a:rPr>
+              <a:t>области</a:t>
+            </a:r>
+            <a:endParaRPr lang="ru-RU" sz="3600" b="1" dirty="0"/>
+          </a:p>
+        </p:txBody>
+      </p:sp>
+      <p:grpSp>
+        <p:nvGrpSpPr>
+          <p:cNvPr id="10" name="object 2">
+            <a:extLst>
+              <a:ext uri="{FF2B5EF4-FFF2-40B4-BE49-F238E27FC236}">
+                <a16:creationId xmlns:a16="http://schemas.microsoft.com/office/drawing/2014/main" id="{801F69FD-FD2B-4FE3-8525-E2760ED7B1B5}"/>
+              </a:ext>
+            </a:extLst>
+          </p:cNvPr>
+          <p:cNvGrpSpPr/>
+          <p:nvPr/>
+        </p:nvGrpSpPr>
+        <p:grpSpPr>
+          <a:xfrm>
+            <a:off x="10955850" y="6147124"/>
+            <a:ext cx="1236343" cy="488315"/>
+            <a:chOff x="10955850" y="6147124"/>
+            <a:chExt cx="1236343" cy="488315"/>
+          </a:xfrm>
+        </p:grpSpPr>
+        <p:pic>
+          <p:nvPicPr>
+            <p:cNvPr id="11" name="object 5">
+              <a:extLst>
+                <a:ext uri="{FF2B5EF4-FFF2-40B4-BE49-F238E27FC236}">
+                  <a16:creationId xmlns:a16="http://schemas.microsoft.com/office/drawing/2014/main" id="{ACD1142E-2D23-4826-A26B-8656EA3F8DAA}"/>
+                </a:ext>
+              </a:extLst>
+            </p:cNvPr>
+            <p:cNvPicPr/>
+            <p:nvPr/>
+          </p:nvPicPr>
+          <p:blipFill>
+            <a:blip r:embed="rId2" cstate="print"/>
+            <a:stretch>
+              <a:fillRect/>
+            </a:stretch>
+          </p:blipFill>
+          <p:spPr>
+            <a:xfrm>
+              <a:off x="10955850" y="6147125"/>
+              <a:ext cx="1008800" cy="487775"/>
+            </a:xfrm>
+            <a:prstGeom prst="rect">
+              <a:avLst/>
+            </a:prstGeom>
+          </p:spPr>
+        </p:pic>
+        <p:sp>
+          <p:nvSpPr>
+            <p:cNvPr id="12" name="object 6">
+              <a:extLst>
+                <a:ext uri="{FF2B5EF4-FFF2-40B4-BE49-F238E27FC236}">
+                  <a16:creationId xmlns:a16="http://schemas.microsoft.com/office/drawing/2014/main" id="{B6FEB8CD-C6F7-4ADB-A2D6-8A9C09029397}"/>
+                </a:ext>
+              </a:extLst>
+            </p:cNvPr>
+            <p:cNvSpPr/>
+            <p:nvPr/>
+          </p:nvSpPr>
+          <p:spPr>
+            <a:xfrm>
+              <a:off x="11193974" y="6147124"/>
+              <a:ext cx="998219" cy="488315"/>
+            </a:xfrm>
+            <a:custGeom>
+              <a:avLst/>
+              <a:gdLst/>
+              <a:ahLst/>
+              <a:cxnLst/>
+              <a:rect l="l" t="t" r="r" b="b"/>
+              <a:pathLst>
+                <a:path w="998220" h="488315">
+                  <a:moveTo>
+                    <a:pt x="998024" y="487774"/>
+                  </a:moveTo>
+                  <a:lnTo>
+                    <a:pt x="0" y="487774"/>
+                  </a:lnTo>
+                  <a:lnTo>
+                    <a:pt x="201759" y="0"/>
+                  </a:lnTo>
+                  <a:lnTo>
+                    <a:pt x="998024" y="0"/>
+                  </a:lnTo>
+                  <a:lnTo>
+                    <a:pt x="998024" y="487774"/>
+                  </a:lnTo>
+                  <a:close/>
+                </a:path>
+              </a:pathLst>
+            </a:custGeom>
+            <a:solidFill>
+              <a:srgbClr val="3C378D"/>
+            </a:solidFill>
+          </p:spPr>
+          <p:txBody>
+            <a:bodyPr wrap="square" lIns="0" tIns="0" rIns="0" bIns="0" rtlCol="0"/>
+            <a:lstStyle/>
+            <a:p>
+              <a:endParaRPr dirty="0"/>
+            </a:p>
+          </p:txBody>
+        </p:sp>
+      </p:grpSp>
+      <p:sp>
+        <p:nvSpPr>
+          <p:cNvPr id="16" name="object 8">
+            <a:extLst>
+              <a:ext uri="{FF2B5EF4-FFF2-40B4-BE49-F238E27FC236}">
+                <a16:creationId xmlns:a16="http://schemas.microsoft.com/office/drawing/2014/main" id="{B0C0F2A2-66F1-4C9D-A3CB-666040B4F36E}"/>
+              </a:ext>
+            </a:extLst>
+          </p:cNvPr>
+          <p:cNvSpPr txBox="1">
+            <a:spLocks/>
+          </p:cNvSpPr>
+          <p:nvPr/>
+        </p:nvSpPr>
+        <p:spPr>
+          <a:xfrm>
+            <a:off x="11488994" y="6135939"/>
+            <a:ext cx="570865" cy="520142"/>
+          </a:xfrm>
+          <a:prstGeom prst="rect">
+            <a:avLst/>
+          </a:prstGeom>
+        </p:spPr>
+        <p:txBody>
+          <a:bodyPr vert="horz" wrap="square" lIns="0" tIns="0" rIns="0" bIns="0" rtlCol="0">
+            <a:spAutoFit/>
+          </a:bodyPr>
+          <a:lstStyle>
+            <a:defPPr>
+              <a:defRPr lang="ru-RU"/>
+            </a:defPPr>
+            <a:lvl1pPr marL="0" algn="l" defTabSz="914400" rtl="0" eaLnBrk="1" latinLnBrk="0" hangingPunct="1">
+              <a:defRPr sz="1800" kern="1200">
+                <a:solidFill>
+                  <a:schemeClr val="tx1"/>
+                </a:solidFill>
+                <a:latin typeface="+mn-lt"/>
+                <a:ea typeface="+mn-ea"/>
+                <a:cs typeface="+mn-cs"/>
+              </a:defRPr>
+            </a:lvl1pPr>
+            <a:lvl2pPr marL="457200" algn="l" defTabSz="914400" rtl="0" eaLnBrk="1" latinLnBrk="0" hangingPunct="1">
+              <a:defRPr sz="1800" kern="1200">
+                <a:solidFill>
+                  <a:schemeClr val="tx1"/>
+                </a:solidFill>
+                <a:latin typeface="+mn-lt"/>
+                <a:ea typeface="+mn-ea"/>
+                <a:cs typeface="+mn-cs"/>
+              </a:defRPr>
+            </a:lvl2pPr>
+            <a:lvl3pPr marL="914400" algn="l" defTabSz="914400" rtl="0" eaLnBrk="1" latinLnBrk="0" hangingPunct="1">
+              <a:defRPr sz="1800" kern="1200">
+                <a:solidFill>
+                  <a:schemeClr val="tx1"/>
+                </a:solidFill>
+                <a:latin typeface="+mn-lt"/>
+                <a:ea typeface="+mn-ea"/>
+                <a:cs typeface="+mn-cs"/>
+              </a:defRPr>
+            </a:lvl3pPr>
+            <a:lvl4pPr marL="1371600" algn="l" defTabSz="914400" rtl="0" eaLnBrk="1" latinLnBrk="0" hangingPunct="1">
+              <a:defRPr sz="1800" kern="1200">
+                <a:solidFill>
+                  <a:schemeClr val="tx1"/>
+                </a:solidFill>
+                <a:latin typeface="+mn-lt"/>
+                <a:ea typeface="+mn-ea"/>
+                <a:cs typeface="+mn-cs"/>
+              </a:defRPr>
+            </a:lvl4pPr>
+            <a:lvl5pPr marL="1828800" algn="l" defTabSz="914400" rtl="0" eaLnBrk="1" latinLnBrk="0" hangingPunct="1">
+              <a:defRPr sz="1800" kern="1200">
+                <a:solidFill>
+                  <a:schemeClr val="tx1"/>
+                </a:solidFill>
+                <a:latin typeface="+mn-lt"/>
+                <a:ea typeface="+mn-ea"/>
+                <a:cs typeface="+mn-cs"/>
+              </a:defRPr>
+            </a:lvl5pPr>
+            <a:lvl6pPr marL="2286000" algn="l" defTabSz="914400" rtl="0" eaLnBrk="1" latinLnBrk="0" hangingPunct="1">
+              <a:defRPr sz="1800" kern="1200">
+                <a:solidFill>
+                  <a:schemeClr val="tx1"/>
+                </a:solidFill>
+                <a:latin typeface="+mn-lt"/>
+                <a:ea typeface="+mn-ea"/>
+                <a:cs typeface="+mn-cs"/>
+              </a:defRPr>
+            </a:lvl6pPr>
+            <a:lvl7pPr marL="2743200" algn="l" defTabSz="914400" rtl="0" eaLnBrk="1" latinLnBrk="0" hangingPunct="1">
+              <a:defRPr sz="1800" kern="1200">
+                <a:solidFill>
+                  <a:schemeClr val="tx1"/>
+                </a:solidFill>
+                <a:latin typeface="+mn-lt"/>
+                <a:ea typeface="+mn-ea"/>
+                <a:cs typeface="+mn-cs"/>
+              </a:defRPr>
+            </a:lvl7pPr>
+            <a:lvl8pPr marL="3200400" algn="l" defTabSz="914400" rtl="0" eaLnBrk="1" latinLnBrk="0" hangingPunct="1">
+              <a:defRPr sz="1800" kern="1200">
+                <a:solidFill>
+                  <a:schemeClr val="tx1"/>
+                </a:solidFill>
+                <a:latin typeface="+mn-lt"/>
+                <a:ea typeface="+mn-ea"/>
+                <a:cs typeface="+mn-cs"/>
+              </a:defRPr>
+            </a:lvl8pPr>
+            <a:lvl9pPr marL="3657600" algn="l" defTabSz="914400" rtl="0" eaLnBrk="1" latinLnBrk="0" hangingPunct="1">
+              <a:defRPr sz="1800" kern="1200">
+                <a:solidFill>
+                  <a:schemeClr val="tx1"/>
+                </a:solidFill>
+                <a:latin typeface="+mn-lt"/>
+                <a:ea typeface="+mn-ea"/>
+                <a:cs typeface="+mn-cs"/>
+              </a:defRPr>
+            </a:lvl9pPr>
+          </a:lstStyle>
+          <a:p>
+            <a:pPr marL="38100">
+              <a:lnSpc>
+                <a:spcPts val="3970"/>
+              </a:lnSpc>
+            </a:pPr>
+            <a:fld id="{81D60167-4931-47E6-BA6A-407CBD079E47}" type="slidenum">
+              <a:rPr lang="ru-RU" sz="4000" smtClean="0">
+                <a:solidFill>
+                  <a:schemeClr val="bg1"/>
+                </a:solidFill>
+                <a:latin typeface="Times New Roman" panose="02020603050405020304" pitchFamily="18" charset="0"/>
+                <a:cs typeface="Times New Roman" panose="02020603050405020304" pitchFamily="18" charset="0"/>
+              </a:rPr>
+              <a:pPr marL="38100">
+                <a:lnSpc>
+                  <a:spcPts val="3970"/>
+                </a:lnSpc>
+              </a:pPr>
               <a:t>3</a:t>
             </a:fld>
             <a:endParaRPr lang="ru-RU" sz="4000" dirty="0">
@@ -9806,8 +10053,8 @@
           </a:p>
         </p:txBody>
       </p:sp>
-      <mc:AlternateContent xmlns:mc="http://schemas.openxmlformats.org/markup-compatibility/2006">
-        <mc:Choice xmlns:a14="http://schemas.microsoft.com/office/drawing/2010/main" Requires="a14">
+      <mc:AlternateContent xmlns:mc="http://schemas.openxmlformats.org/markup-compatibility/2006" xmlns:a14="http://schemas.microsoft.com/office/drawing/2010/main">
+        <mc:Choice Requires="a14">
           <p:sp>
             <p:nvSpPr>
               <p:cNvPr id="17" name="TextBox 16">
@@ -9836,6 +10083,7 @@
               </a:bodyPr>
               <a:lstStyle/>
               <a:p>
+                <a:pPr/>
                 <a14:m>
                   <m:oMathPara xmlns:m="http://schemas.openxmlformats.org/officeDocument/2006/math">
                     <m:oMathParaPr>
@@ -10053,7 +10301,7 @@
             </p:txBody>
           </p:sp>
         </mc:Choice>
-        <mc:Fallback>
+        <mc:Fallback xmlns="">
           <p:sp>
             <p:nvSpPr>
               <p:cNvPr id="17" name="TextBox 16">
@@ -10098,8 +10346,8 @@
           </p:sp>
         </mc:Fallback>
       </mc:AlternateContent>
-      <mc:AlternateContent xmlns:mc="http://schemas.openxmlformats.org/markup-compatibility/2006">
-        <mc:Choice xmlns:a14="http://schemas.microsoft.com/office/drawing/2010/main" Requires="a14">
+      <mc:AlternateContent xmlns:mc="http://schemas.openxmlformats.org/markup-compatibility/2006" xmlns:a14="http://schemas.microsoft.com/office/drawing/2010/main">
+        <mc:Choice Requires="a14">
           <p:sp>
             <p:nvSpPr>
               <p:cNvPr id="18" name="TextBox 17">
@@ -10324,7 +10572,7 @@
             </p:txBody>
           </p:sp>
         </mc:Choice>
-        <mc:Fallback>
+        <mc:Fallback xmlns="">
           <p:sp>
             <p:nvSpPr>
               <p:cNvPr id="18" name="TextBox 17">
@@ -10861,8 +11109,8 @@
           </a:prstGeom>
         </p:spPr>
       </p:pic>
-      <mc:AlternateContent xmlns:mc="http://schemas.openxmlformats.org/markup-compatibility/2006">
-        <mc:Choice xmlns:a14="http://schemas.microsoft.com/office/drawing/2010/main" Requires="a14">
+      <mc:AlternateContent xmlns:mc="http://schemas.openxmlformats.org/markup-compatibility/2006" xmlns:a14="http://schemas.microsoft.com/office/drawing/2010/main">
+        <mc:Choice Requires="a14">
           <p:sp>
             <p:nvSpPr>
               <p:cNvPr id="13" name="TextBox 12">
@@ -11056,7 +11304,7 @@
             </p:txBody>
           </p:sp>
         </mc:Choice>
-        <mc:Fallback>
+        <mc:Fallback xmlns="">
           <p:sp>
             <p:nvSpPr>
               <p:cNvPr id="13" name="TextBox 12">
@@ -11101,8 +11349,8 @@
           </p:sp>
         </mc:Fallback>
       </mc:AlternateContent>
-      <mc:AlternateContent xmlns:mc="http://schemas.openxmlformats.org/markup-compatibility/2006">
-        <mc:Choice xmlns:a14="http://schemas.microsoft.com/office/drawing/2010/main" Requires="a14">
+      <mc:AlternateContent xmlns:mc="http://schemas.openxmlformats.org/markup-compatibility/2006" xmlns:a14="http://schemas.microsoft.com/office/drawing/2010/main">
+        <mc:Choice Requires="a14">
           <p:sp>
             <p:nvSpPr>
               <p:cNvPr id="6" name="TextBox 5">
@@ -11408,7 +11656,7 @@
             </p:txBody>
           </p:sp>
         </mc:Choice>
-        <mc:Fallback>
+        <mc:Fallback xmlns="">
           <p:sp>
             <p:nvSpPr>
               <p:cNvPr id="6" name="TextBox 5">
@@ -11890,8 +12138,8 @@
           </a:p>
         </p:txBody>
       </p:sp>
-      <mc:AlternateContent xmlns:mc="http://schemas.openxmlformats.org/markup-compatibility/2006">
-        <mc:Choice xmlns:a14="http://schemas.microsoft.com/office/drawing/2010/main" Requires="a14">
+      <mc:AlternateContent xmlns:mc="http://schemas.openxmlformats.org/markup-compatibility/2006" xmlns:a14="http://schemas.microsoft.com/office/drawing/2010/main">
+        <mc:Choice Requires="a14">
           <p:graphicFrame>
             <p:nvGraphicFramePr>
               <p:cNvPr id="3" name="Таблица 4">
@@ -12344,7 +12592,7 @@
             </a:graphic>
           </p:graphicFrame>
         </mc:Choice>
-        <mc:Fallback>
+        <mc:Fallback xmlns="">
           <p:graphicFrame>
             <p:nvGraphicFramePr>
               <p:cNvPr id="3" name="Таблица 4">

--- a/4 FOURTH COURSE/Semester 8/ДИПЛОМ/Отчеты/Презентация_Бекиш Е.П. 2025.pptx
+++ b/4 FOURTH COURSE/Semester 8/ДИПЛОМ/Отчеты/Презентация_Бекиш Е.П. 2025.pptx
@@ -5,28 +5,25 @@
     <p:sldMasterId id="2147483648" r:id="rId1"/>
   </p:sldMasterIdLst>
   <p:notesMasterIdLst>
-    <p:notesMasterId r:id="rId21"/>
+    <p:notesMasterId r:id="rId18"/>
   </p:notesMasterIdLst>
   <p:sldIdLst>
     <p:sldId id="258" r:id="rId2"/>
     <p:sldId id="260" r:id="rId3"/>
-    <p:sldId id="321" r:id="rId4"/>
-    <p:sldId id="322" r:id="rId5"/>
+    <p:sldId id="324" r:id="rId4"/>
+    <p:sldId id="321" r:id="rId5"/>
     <p:sldId id="323" r:id="rId6"/>
-    <p:sldId id="324" r:id="rId7"/>
-    <p:sldId id="327" r:id="rId8"/>
-    <p:sldId id="326" r:id="rId9"/>
-    <p:sldId id="328" r:id="rId10"/>
-    <p:sldId id="329" r:id="rId11"/>
-    <p:sldId id="330" r:id="rId12"/>
+    <p:sldId id="327" r:id="rId7"/>
+    <p:sldId id="326" r:id="rId8"/>
+    <p:sldId id="328" r:id="rId9"/>
+    <p:sldId id="329" r:id="rId10"/>
+    <p:sldId id="330" r:id="rId11"/>
+    <p:sldId id="331" r:id="rId12"/>
     <p:sldId id="338" r:id="rId13"/>
-    <p:sldId id="331" r:id="rId14"/>
-    <p:sldId id="332" r:id="rId15"/>
-    <p:sldId id="333" r:id="rId16"/>
-    <p:sldId id="334" r:id="rId17"/>
-    <p:sldId id="335" r:id="rId18"/>
-    <p:sldId id="336" r:id="rId19"/>
-    <p:sldId id="337" r:id="rId20"/>
+    <p:sldId id="332" r:id="rId14"/>
+    <p:sldId id="333" r:id="rId15"/>
+    <p:sldId id="334" r:id="rId16"/>
+    <p:sldId id="337" r:id="rId17"/>
   </p:sldIdLst>
   <p:sldSz cx="12192000" cy="6858000"/>
   <p:notesSz cx="6858000" cy="9144000"/>
@@ -215,7 +212,7 @@
           <a:p>
             <a:fld id="{580F5BFA-D483-41BD-8D49-AC442DC68376}" type="datetimeFigureOut">
               <a:rPr lang="ru-RU" smtClean="0"/>
-              <a:t>16.06.2025</a:t>
+              <a:t>23.06.2025</a:t>
             </a:fld>
             <a:endParaRPr lang="ru-RU"/>
           </a:p>
@@ -629,7 +626,7 @@
           <a:p>
             <a:fld id="{C1C91D50-5AC6-4343-86C8-9B6F6DA071FD}" type="datetimeFigureOut">
               <a:rPr lang="ru-RU" smtClean="0"/>
-              <a:t>16.06.2025</a:t>
+              <a:t>23.06.2025</a:t>
             </a:fld>
             <a:endParaRPr lang="ru-RU"/>
           </a:p>
@@ -827,7 +824,7 @@
           <a:p>
             <a:fld id="{C1C91D50-5AC6-4343-86C8-9B6F6DA071FD}" type="datetimeFigureOut">
               <a:rPr lang="ru-RU" smtClean="0"/>
-              <a:t>16.06.2025</a:t>
+              <a:t>23.06.2025</a:t>
             </a:fld>
             <a:endParaRPr lang="ru-RU"/>
           </a:p>
@@ -1035,7 +1032,7 @@
           <a:p>
             <a:fld id="{C1C91D50-5AC6-4343-86C8-9B6F6DA071FD}" type="datetimeFigureOut">
               <a:rPr lang="ru-RU" smtClean="0"/>
-              <a:t>16.06.2025</a:t>
+              <a:t>23.06.2025</a:t>
             </a:fld>
             <a:endParaRPr lang="ru-RU"/>
           </a:p>
@@ -1651,7 +1648,7 @@
           <a:p>
             <a:fld id="{C1C91D50-5AC6-4343-86C8-9B6F6DA071FD}" type="datetimeFigureOut">
               <a:rPr lang="ru-RU" smtClean="0"/>
-              <a:t>16.06.2025</a:t>
+              <a:t>23.06.2025</a:t>
             </a:fld>
             <a:endParaRPr lang="ru-RU"/>
           </a:p>
@@ -1926,7 +1923,7 @@
           <a:p>
             <a:fld id="{C1C91D50-5AC6-4343-86C8-9B6F6DA071FD}" type="datetimeFigureOut">
               <a:rPr lang="ru-RU" smtClean="0"/>
-              <a:t>16.06.2025</a:t>
+              <a:t>23.06.2025</a:t>
             </a:fld>
             <a:endParaRPr lang="ru-RU"/>
           </a:p>
@@ -2191,7 +2188,7 @@
           <a:p>
             <a:fld id="{C1C91D50-5AC6-4343-86C8-9B6F6DA071FD}" type="datetimeFigureOut">
               <a:rPr lang="ru-RU" smtClean="0"/>
-              <a:t>16.06.2025</a:t>
+              <a:t>23.06.2025</a:t>
             </a:fld>
             <a:endParaRPr lang="ru-RU"/>
           </a:p>
@@ -2603,7 +2600,7 @@
           <a:p>
             <a:fld id="{C1C91D50-5AC6-4343-86C8-9B6F6DA071FD}" type="datetimeFigureOut">
               <a:rPr lang="ru-RU" smtClean="0"/>
-              <a:t>16.06.2025</a:t>
+              <a:t>23.06.2025</a:t>
             </a:fld>
             <a:endParaRPr lang="ru-RU"/>
           </a:p>
@@ -2744,7 +2741,7 @@
           <a:p>
             <a:fld id="{C1C91D50-5AC6-4343-86C8-9B6F6DA071FD}" type="datetimeFigureOut">
               <a:rPr lang="ru-RU" smtClean="0"/>
-              <a:t>16.06.2025</a:t>
+              <a:t>23.06.2025</a:t>
             </a:fld>
             <a:endParaRPr lang="ru-RU"/>
           </a:p>
@@ -2857,7 +2854,7 @@
           <a:p>
             <a:fld id="{C1C91D50-5AC6-4343-86C8-9B6F6DA071FD}" type="datetimeFigureOut">
               <a:rPr lang="ru-RU" smtClean="0"/>
-              <a:t>16.06.2025</a:t>
+              <a:t>23.06.2025</a:t>
             </a:fld>
             <a:endParaRPr lang="ru-RU"/>
           </a:p>
@@ -3168,7 +3165,7 @@
           <a:p>
             <a:fld id="{C1C91D50-5AC6-4343-86C8-9B6F6DA071FD}" type="datetimeFigureOut">
               <a:rPr lang="ru-RU" smtClean="0"/>
-              <a:t>16.06.2025</a:t>
+              <a:t>23.06.2025</a:t>
             </a:fld>
             <a:endParaRPr lang="ru-RU"/>
           </a:p>
@@ -3456,7 +3453,7 @@
           <a:p>
             <a:fld id="{C1C91D50-5AC6-4343-86C8-9B6F6DA071FD}" type="datetimeFigureOut">
               <a:rPr lang="ru-RU" smtClean="0"/>
-              <a:t>16.06.2025</a:t>
+              <a:t>23.06.2025</a:t>
             </a:fld>
             <a:endParaRPr lang="ru-RU"/>
           </a:p>
@@ -3697,7 +3694,7 @@
           <a:p>
             <a:fld id="{C1C91D50-5AC6-4343-86C8-9B6F6DA071FD}" type="datetimeFigureOut">
               <a:rPr lang="ru-RU" smtClean="0"/>
-              <a:t>16.06.2025</a:t>
+              <a:t>23.06.2025</a:t>
             </a:fld>
             <a:endParaRPr lang="ru-RU"/>
           </a:p>
@@ -4670,7 +4667,7 @@
         </p:nvSpPr>
         <p:spPr>
           <a:xfrm>
-            <a:off x="1007778" y="2174421"/>
+            <a:off x="1007778" y="2632849"/>
             <a:ext cx="9615571" cy="909223"/>
           </a:xfrm>
           <a:prstGeom prst="rect">
@@ -4706,108 +4703,6 @@
                 <a:schemeClr val="bg1"/>
               </a:solidFill>
               <a:latin typeface="Times New Roman" panose="02020603050405020304" pitchFamily="18" charset="0"/>
-              <a:cs typeface="Times New Roman" panose="02020603050405020304" pitchFamily="18" charset="0"/>
-            </a:endParaRPr>
-          </a:p>
-        </p:txBody>
-      </p:sp>
-      <p:sp>
-        <p:nvSpPr>
-          <p:cNvPr id="8" name="TextBox 9">
-            <a:extLst>
-              <a:ext uri="{FF2B5EF4-FFF2-40B4-BE49-F238E27FC236}">
-                <a16:creationId xmlns:a16="http://schemas.microsoft.com/office/drawing/2014/main" id="{D5722096-7A28-4CB9-89AA-89F5E61859B3}"/>
-              </a:ext>
-            </a:extLst>
-          </p:cNvPr>
-          <p:cNvSpPr txBox="1"/>
-          <p:nvPr/>
-        </p:nvSpPr>
-        <p:spPr>
-          <a:xfrm>
-            <a:off x="3119989" y="3319959"/>
-            <a:ext cx="5391150" cy="771750"/>
-          </a:xfrm>
-          <a:prstGeom prst="rect">
-            <a:avLst/>
-          </a:prstGeom>
-          <a:noFill/>
-        </p:spPr>
-        <p:txBody>
-          <a:bodyPr wrap="square">
-            <a:spAutoFit/>
-          </a:bodyPr>
-          <a:lstStyle/>
-          <a:p>
-            <a:pPr algn="ctr">
-              <a:lnSpc>
-                <a:spcPct val="107000"/>
-              </a:lnSpc>
-              <a:spcAft>
-                <a:spcPts val="800"/>
-              </a:spcAft>
-            </a:pPr>
-            <a:r>
-              <a:rPr lang="ru-RU" b="1" kern="100" dirty="0">
-                <a:solidFill>
-                  <a:schemeClr val="bg1"/>
-                </a:solidFill>
-                <a:effectLst/>
-                <a:latin typeface="Times New Roman" panose="02020603050405020304" pitchFamily="18" charset="0"/>
-                <a:ea typeface="Calibri" panose="020F0502020204030204" pitchFamily="34" charset="0"/>
-                <a:cs typeface="Times New Roman" panose="02020603050405020304" pitchFamily="18" charset="0"/>
-              </a:rPr>
-              <a:t>Презентация по результатам</a:t>
-            </a:r>
-            <a:endParaRPr lang="ru-RU" kern="100" dirty="0">
-              <a:solidFill>
-                <a:schemeClr val="bg1"/>
-              </a:solidFill>
-              <a:effectLst/>
-              <a:latin typeface="Times New Roman" panose="02020603050405020304" pitchFamily="18" charset="0"/>
-              <a:ea typeface="Calibri" panose="020F0502020204030204" pitchFamily="34" charset="0"/>
-              <a:cs typeface="Times New Roman" panose="02020603050405020304" pitchFamily="18" charset="0"/>
-            </a:endParaRPr>
-          </a:p>
-          <a:p>
-            <a:pPr algn="ctr">
-              <a:lnSpc>
-                <a:spcPct val="107000"/>
-              </a:lnSpc>
-              <a:spcAft>
-                <a:spcPts val="800"/>
-              </a:spcAft>
-            </a:pPr>
-            <a:r>
-              <a:rPr lang="ru-RU" b="1" kern="100" dirty="0">
-                <a:solidFill>
-                  <a:schemeClr val="bg1"/>
-                </a:solidFill>
-                <a:latin typeface="Times New Roman" panose="02020603050405020304" pitchFamily="18" charset="0"/>
-                <a:ea typeface="Calibri" panose="020F0502020204030204" pitchFamily="34" charset="0"/>
-                <a:cs typeface="Times New Roman" panose="02020603050405020304" pitchFamily="18" charset="0"/>
-              </a:rPr>
-              <a:t>бакалаврской </a:t>
-            </a:r>
-            <a:r>
-              <a:rPr lang="ru-RU" b="1" kern="100" dirty="0">
-                <a:solidFill>
-                  <a:schemeClr val="bg1"/>
-                </a:solidFill>
-                <a:effectLst/>
-                <a:latin typeface="Times New Roman" panose="02020603050405020304" pitchFamily="18" charset="0"/>
-                <a:ea typeface="Calibri" panose="020F0502020204030204" pitchFamily="34" charset="0"/>
-                <a:cs typeface="Times New Roman" panose="02020603050405020304" pitchFamily="18" charset="0"/>
-              </a:rPr>
-              <a:t>работы</a:t>
-            </a:r>
-            <a:endParaRPr lang="ru-RU" kern="100" dirty="0">
-              <a:solidFill>
-                <a:schemeClr val="bg1"/>
-              </a:solidFill>
-              <a:effectLst/>
-              <a:latin typeface="Times New Roman" panose="02020603050405020304" pitchFamily="18" charset="0"/>
-              <a:ea typeface="Calibri" panose="020F0502020204030204" pitchFamily="34" charset="0"/>
               <a:cs typeface="Times New Roman" panose="02020603050405020304" pitchFamily="18" charset="0"/>
             </a:endParaRPr>
           </a:p>
@@ -4887,7 +4782,7 @@
         </p:nvSpPr>
         <p:spPr>
           <a:xfrm>
-            <a:off x="6705600" y="4715186"/>
+            <a:off x="6667500" y="4510714"/>
             <a:ext cx="5334000" cy="1848583"/>
           </a:xfrm>
           <a:prstGeom prst="rect">
@@ -4937,16 +4832,6 @@
                 <a:cs typeface="Times New Roman" panose="02020603050405020304" pitchFamily="18" charset="0"/>
               </a:rPr>
               <a:t>студент</a:t>
-            </a:r>
-            <a:r>
-              <a:rPr lang="ru-RU" sz="1600" b="1" spc="-5" dirty="0">
-                <a:solidFill>
-                  <a:schemeClr val="bg1"/>
-                </a:solidFill>
-                <a:latin typeface="Times New Roman" panose="02020603050405020304" pitchFamily="18" charset="0"/>
-                <a:cs typeface="Times New Roman" panose="02020603050405020304" pitchFamily="18" charset="0"/>
-              </a:rPr>
-              <a:t>а</a:t>
             </a:r>
             <a:r>
               <a:rPr sz="1600" b="1" spc="-5" dirty="0">
@@ -5294,7 +5179,7 @@
                 <a:latin typeface="Times New Roman" panose="02020603050405020304" pitchFamily="18" charset="0"/>
                 <a:cs typeface="Times New Roman" panose="02020603050405020304" pitchFamily="18" charset="0"/>
               </a:rPr>
-              <a:t>Диаграмма прецендентов</a:t>
+              <a:t>Диаграмма последовательности</a:t>
             </a:r>
             <a:endParaRPr lang="ru-RU" sz="2400" b="1" dirty="0"/>
           </a:p>
@@ -5560,10 +5445,10 @@
       </p:sp>
       <p:pic>
         <p:nvPicPr>
-          <p:cNvPr id="21" name="Рисунок 20">
-            <a:extLst>
-              <a:ext uri="{FF2B5EF4-FFF2-40B4-BE49-F238E27FC236}">
-                <a16:creationId xmlns:a16="http://schemas.microsoft.com/office/drawing/2014/main" id="{3CCCE643-2AA3-4BB1-9BC3-C664A574B683}"/>
+          <p:cNvPr id="9" name="Рисунок 8">
+            <a:extLst>
+              <a:ext uri="{FF2B5EF4-FFF2-40B4-BE49-F238E27FC236}">
+                <a16:creationId xmlns:a16="http://schemas.microsoft.com/office/drawing/2014/main" id="{B0E0ED56-C924-4D95-98DA-3BF4D08BA323}"/>
               </a:ext>
             </a:extLst>
           </p:cNvPr>
@@ -5578,8 +5463,36 @@
         </p:blipFill>
         <p:spPr>
           <a:xfrm>
-            <a:off x="2678112" y="1514409"/>
-            <a:ext cx="6600825" cy="4621530"/>
+            <a:off x="7210424" y="1525893"/>
+            <a:ext cx="3430379" cy="4951106"/>
+          </a:xfrm>
+          <a:prstGeom prst="rect">
+            <a:avLst/>
+          </a:prstGeom>
+        </p:spPr>
+      </p:pic>
+      <p:pic>
+        <p:nvPicPr>
+          <p:cNvPr id="13" name="Рисунок 12">
+            <a:extLst>
+              <a:ext uri="{FF2B5EF4-FFF2-40B4-BE49-F238E27FC236}">
+                <a16:creationId xmlns:a16="http://schemas.microsoft.com/office/drawing/2014/main" id="{EC5D7735-9641-45B1-BD27-5E69B5D41B3B}"/>
+              </a:ext>
+            </a:extLst>
+          </p:cNvPr>
+          <p:cNvPicPr/>
+          <p:nvPr/>
+        </p:nvPicPr>
+        <p:blipFill>
+          <a:blip r:embed="rId4"/>
+          <a:stretch>
+            <a:fillRect/>
+          </a:stretch>
+        </p:blipFill>
+        <p:spPr>
+          <a:xfrm>
+            <a:off x="1371600" y="1525893"/>
+            <a:ext cx="3886200" cy="4951106"/>
           </a:xfrm>
           <a:prstGeom prst="rect">
             <a:avLst/>
@@ -5589,7 +5502,7 @@
     </p:spTree>
     <p:extLst>
       <p:ext uri="{BB962C8B-B14F-4D97-AF65-F5344CB8AC3E}">
-        <p14:creationId xmlns:p14="http://schemas.microsoft.com/office/powerpoint/2010/main" val="2971326667"/>
+        <p14:creationId xmlns:p14="http://schemas.microsoft.com/office/powerpoint/2010/main" val="3760270214"/>
       </p:ext>
     </p:extLst>
   </p:cSld>
@@ -5665,7 +5578,7 @@
                 <a:latin typeface="Times New Roman" panose="02020603050405020304" pitchFamily="18" charset="0"/>
                 <a:cs typeface="Times New Roman" panose="02020603050405020304" pitchFamily="18" charset="0"/>
               </a:rPr>
-              <a:t>Диаграмма последовательности</a:t>
+              <a:t>Макеты интерфейса</a:t>
             </a:r>
             <a:endParaRPr lang="ru-RU" sz="2400" b="1" dirty="0"/>
           </a:p>
@@ -5931,10 +5844,10 @@
       </p:sp>
       <p:pic>
         <p:nvPicPr>
-          <p:cNvPr id="8" name="Рисунок 7">
-            <a:extLst>
-              <a:ext uri="{FF2B5EF4-FFF2-40B4-BE49-F238E27FC236}">
-                <a16:creationId xmlns:a16="http://schemas.microsoft.com/office/drawing/2014/main" id="{81089B75-A05E-4E98-9A5E-65004CDAD374}"/>
+          <p:cNvPr id="18" name="Рисунок 17">
+            <a:extLst>
+              <a:ext uri="{FF2B5EF4-FFF2-40B4-BE49-F238E27FC236}">
+                <a16:creationId xmlns:a16="http://schemas.microsoft.com/office/drawing/2014/main" id="{97A6F558-8B60-4792-B461-F6467D3F92E7}"/>
               </a:ext>
             </a:extLst>
           </p:cNvPr>
@@ -5949,8 +5862,8 @@
         </p:blipFill>
         <p:spPr>
           <a:xfrm>
-            <a:off x="1619250" y="1525893"/>
-            <a:ext cx="3852902" cy="4951106"/>
+            <a:off x="1012250" y="1367494"/>
+            <a:ext cx="5097974" cy="2493890"/>
           </a:xfrm>
           <a:prstGeom prst="rect">
             <a:avLst/>
@@ -5959,10 +5872,10 @@
       </p:pic>
       <p:pic>
         <p:nvPicPr>
-          <p:cNvPr id="9" name="Рисунок 8">
-            <a:extLst>
-              <a:ext uri="{FF2B5EF4-FFF2-40B4-BE49-F238E27FC236}">
-                <a16:creationId xmlns:a16="http://schemas.microsoft.com/office/drawing/2014/main" id="{B0E0ED56-C924-4D95-98DA-3BF4D08BA323}"/>
+          <p:cNvPr id="19" name="Рисунок 18">
+            <a:extLst>
+              <a:ext uri="{FF2B5EF4-FFF2-40B4-BE49-F238E27FC236}">
+                <a16:creationId xmlns:a16="http://schemas.microsoft.com/office/drawing/2014/main" id="{BA589EFC-3E18-44C2-BF47-7D095513EDF2}"/>
               </a:ext>
             </a:extLst>
           </p:cNvPr>
@@ -5977,8 +5890,64 @@
         </p:blipFill>
         <p:spPr>
           <a:xfrm>
-            <a:off x="7210424" y="1525893"/>
-            <a:ext cx="3430379" cy="4951106"/>
+            <a:off x="6096001" y="1373329"/>
+            <a:ext cx="5097973" cy="2493890"/>
+          </a:xfrm>
+          <a:prstGeom prst="rect">
+            <a:avLst/>
+          </a:prstGeom>
+        </p:spPr>
+      </p:pic>
+      <p:pic>
+        <p:nvPicPr>
+          <p:cNvPr id="20" name="Рисунок 19">
+            <a:extLst>
+              <a:ext uri="{FF2B5EF4-FFF2-40B4-BE49-F238E27FC236}">
+                <a16:creationId xmlns:a16="http://schemas.microsoft.com/office/drawing/2014/main" id="{E834973B-E3A2-43BD-8D14-0D226F74F526}"/>
+              </a:ext>
+            </a:extLst>
+          </p:cNvPr>
+          <p:cNvPicPr/>
+          <p:nvPr/>
+        </p:nvPicPr>
+        <p:blipFill>
+          <a:blip r:embed="rId5"/>
+          <a:stretch>
+            <a:fillRect/>
+          </a:stretch>
+        </p:blipFill>
+        <p:spPr>
+          <a:xfrm>
+            <a:off x="1005139" y="3838645"/>
+            <a:ext cx="5097974" cy="2493890"/>
+          </a:xfrm>
+          <a:prstGeom prst="rect">
+            <a:avLst/>
+          </a:prstGeom>
+        </p:spPr>
+      </p:pic>
+      <p:pic>
+        <p:nvPicPr>
+          <p:cNvPr id="21" name="Рисунок 20">
+            <a:extLst>
+              <a:ext uri="{FF2B5EF4-FFF2-40B4-BE49-F238E27FC236}">
+                <a16:creationId xmlns:a16="http://schemas.microsoft.com/office/drawing/2014/main" id="{64CDCC1B-8EC8-4B55-B27A-8939EF170ECC}"/>
+              </a:ext>
+            </a:extLst>
+          </p:cNvPr>
+          <p:cNvPicPr/>
+          <p:nvPr/>
+        </p:nvPicPr>
+        <p:blipFill>
+          <a:blip r:embed="rId6"/>
+          <a:stretch>
+            <a:fillRect/>
+          </a:stretch>
+        </p:blipFill>
+        <p:spPr>
+          <a:xfrm>
+            <a:off x="6095873" y="3829051"/>
+            <a:ext cx="5097974" cy="2493890"/>
           </a:xfrm>
           <a:prstGeom prst="rect">
             <a:avLst/>
@@ -5988,7 +5957,7 @@
     </p:spTree>
     <p:extLst>
       <p:ext uri="{BB962C8B-B14F-4D97-AF65-F5344CB8AC3E}">
-        <p14:creationId xmlns:p14="http://schemas.microsoft.com/office/powerpoint/2010/main" val="3760270214"/>
+        <p14:creationId xmlns:p14="http://schemas.microsoft.com/office/powerpoint/2010/main" val="114794431"/>
       </p:ext>
     </p:extLst>
   </p:cSld>
@@ -6048,7 +6017,7 @@
                 <a:latin typeface="Times New Roman" panose="02020603050405020304" pitchFamily="18" charset="0"/>
                 <a:cs typeface="Times New Roman" panose="02020603050405020304" pitchFamily="18" charset="0"/>
               </a:rPr>
-              <a:t>Проектирование</a:t>
+              <a:t>Реализация</a:t>
             </a:r>
             <a:br>
               <a:rPr lang="ru-RU" sz="3600" b="1" spc="-5" dirty="0">
@@ -6330,10 +6299,10 @@
       </p:sp>
       <p:pic>
         <p:nvPicPr>
-          <p:cNvPr id="13" name="Рисунок 12">
-            <a:extLst>
-              <a:ext uri="{FF2B5EF4-FFF2-40B4-BE49-F238E27FC236}">
-                <a16:creationId xmlns:a16="http://schemas.microsoft.com/office/drawing/2014/main" id="{94BC8D67-80E1-4604-B76C-31FEEEFCC8BE}"/>
+          <p:cNvPr id="8" name="Рисунок 7">
+            <a:extLst>
+              <a:ext uri="{FF2B5EF4-FFF2-40B4-BE49-F238E27FC236}">
+                <a16:creationId xmlns:a16="http://schemas.microsoft.com/office/drawing/2014/main" id="{36AFC2D1-B84E-4554-B938-AE1275711ED4}"/>
               </a:ext>
             </a:extLst>
           </p:cNvPr>
@@ -6348,8 +6317,8 @@
         </p:blipFill>
         <p:spPr>
           <a:xfrm>
-            <a:off x="1925637" y="1341365"/>
-            <a:ext cx="8180388" cy="4794574"/>
+            <a:off x="2405856" y="1683001"/>
+            <a:ext cx="7380288" cy="4452938"/>
           </a:xfrm>
           <a:prstGeom prst="rect">
             <a:avLst/>
@@ -6419,7 +6388,7 @@
                 <a:latin typeface="Times New Roman" panose="02020603050405020304" pitchFamily="18" charset="0"/>
                 <a:cs typeface="Times New Roman" panose="02020603050405020304" pitchFamily="18" charset="0"/>
               </a:rPr>
-              <a:t>Проектирование</a:t>
+              <a:t>Тестирование</a:t>
             </a:r>
             <a:br>
               <a:rPr lang="ru-RU" sz="3600" b="1" spc="-5" dirty="0">
@@ -6427,16 +6396,6 @@
                 <a:cs typeface="Times New Roman" panose="02020603050405020304" pitchFamily="18" charset="0"/>
               </a:rPr>
             </a:br>
-            <a:r>
-              <a:rPr lang="ru-RU" sz="2400" b="1" spc="15" dirty="0">
-                <a:solidFill>
-                  <a:srgbClr val="92D050"/>
-                </a:solidFill>
-                <a:latin typeface="Times New Roman" panose="02020603050405020304" pitchFamily="18" charset="0"/>
-                <a:cs typeface="Times New Roman" panose="02020603050405020304" pitchFamily="18" charset="0"/>
-              </a:rPr>
-              <a:t>Макеты интерфейса</a:t>
-            </a:r>
             <a:endParaRPr lang="ru-RU" sz="2400" b="1" dirty="0"/>
           </a:p>
         </p:txBody>
@@ -6701,10 +6660,10 @@
       </p:sp>
       <p:pic>
         <p:nvPicPr>
-          <p:cNvPr id="13" name="Рисунок 12">
-            <a:extLst>
-              <a:ext uri="{FF2B5EF4-FFF2-40B4-BE49-F238E27FC236}">
-                <a16:creationId xmlns:a16="http://schemas.microsoft.com/office/drawing/2014/main" id="{65E03A62-8508-45BA-83C6-3D0C28668046}"/>
+          <p:cNvPr id="14" name="Рисунок 13">
+            <a:extLst>
+              <a:ext uri="{FF2B5EF4-FFF2-40B4-BE49-F238E27FC236}">
+                <a16:creationId xmlns:a16="http://schemas.microsoft.com/office/drawing/2014/main" id="{04056743-9390-419D-B60B-04A31362A3FA}"/>
               </a:ext>
             </a:extLst>
           </p:cNvPr>
@@ -6719,8 +6678,8 @@
         </p:blipFill>
         <p:spPr>
           <a:xfrm>
-            <a:off x="6261612" y="1400175"/>
-            <a:ext cx="4932362" cy="2376266"/>
+            <a:off x="3125787" y="1015120"/>
+            <a:ext cx="5940425" cy="2689860"/>
           </a:xfrm>
           <a:prstGeom prst="rect">
             <a:avLst/>
@@ -6729,10 +6688,10 @@
       </p:pic>
       <p:pic>
         <p:nvPicPr>
-          <p:cNvPr id="14" name="Рисунок 13">
-            <a:extLst>
-              <a:ext uri="{FF2B5EF4-FFF2-40B4-BE49-F238E27FC236}">
-                <a16:creationId xmlns:a16="http://schemas.microsoft.com/office/drawing/2014/main" id="{11BDDD47-A5F4-4101-A059-5A27FEDA4985}"/>
+          <p:cNvPr id="15" name="Рисунок 14">
+            <a:extLst>
+              <a:ext uri="{FF2B5EF4-FFF2-40B4-BE49-F238E27FC236}">
+                <a16:creationId xmlns:a16="http://schemas.microsoft.com/office/drawing/2014/main" id="{E3570E67-BAAB-4104-B352-9699B5CBBCBF}"/>
               </a:ext>
             </a:extLst>
           </p:cNvPr>
@@ -6747,64 +6706,8 @@
         </p:blipFill>
         <p:spPr>
           <a:xfrm>
-            <a:off x="1329249" y="1400174"/>
-            <a:ext cx="4932363" cy="2376267"/>
-          </a:xfrm>
-          <a:prstGeom prst="rect">
-            <a:avLst/>
-          </a:prstGeom>
-        </p:spPr>
-      </p:pic>
-      <p:pic>
-        <p:nvPicPr>
-          <p:cNvPr id="15" name="Рисунок 14">
-            <a:extLst>
-              <a:ext uri="{FF2B5EF4-FFF2-40B4-BE49-F238E27FC236}">
-                <a16:creationId xmlns:a16="http://schemas.microsoft.com/office/drawing/2014/main" id="{3E6475D4-5BFF-4F82-B459-F9B13C38A538}"/>
-              </a:ext>
-            </a:extLst>
-          </p:cNvPr>
-          <p:cNvPicPr/>
-          <p:nvPr/>
-        </p:nvPicPr>
-        <p:blipFill>
-          <a:blip r:embed="rId5"/>
-          <a:stretch>
-            <a:fillRect/>
-          </a:stretch>
-        </p:blipFill>
-        <p:spPr>
-          <a:xfrm>
-            <a:off x="1329249" y="3773649"/>
-            <a:ext cx="4932362" cy="2376267"/>
-          </a:xfrm>
-          <a:prstGeom prst="rect">
-            <a:avLst/>
-          </a:prstGeom>
-        </p:spPr>
-      </p:pic>
-      <p:pic>
-        <p:nvPicPr>
-          <p:cNvPr id="17" name="Рисунок 16">
-            <a:extLst>
-              <a:ext uri="{FF2B5EF4-FFF2-40B4-BE49-F238E27FC236}">
-                <a16:creationId xmlns:a16="http://schemas.microsoft.com/office/drawing/2014/main" id="{A2C767BA-7527-4727-8578-7AC32F1DDAA6}"/>
-              </a:ext>
-            </a:extLst>
-          </p:cNvPr>
-          <p:cNvPicPr/>
-          <p:nvPr/>
-        </p:nvPicPr>
-        <p:blipFill>
-          <a:blip r:embed="rId6"/>
-          <a:stretch>
-            <a:fillRect/>
-          </a:stretch>
-        </p:blipFill>
-        <p:spPr>
-          <a:xfrm>
-            <a:off x="6261611" y="3772253"/>
-            <a:ext cx="4932363" cy="2376267"/>
+            <a:off x="3125787" y="3794759"/>
+            <a:ext cx="5940425" cy="2682240"/>
           </a:xfrm>
           <a:prstGeom prst="rect">
             <a:avLst/>
@@ -6814,7 +6717,7 @@
     </p:spTree>
     <p:extLst>
       <p:ext uri="{BB962C8B-B14F-4D97-AF65-F5344CB8AC3E}">
-        <p14:creationId xmlns:p14="http://schemas.microsoft.com/office/powerpoint/2010/main" val="114794431"/>
+        <p14:creationId xmlns:p14="http://schemas.microsoft.com/office/powerpoint/2010/main" val="3933491286"/>
       </p:ext>
     </p:extLst>
   </p:cSld>
@@ -7149,7 +7052,7 @@
           <p:cNvPr id="18" name="Рисунок 17">
             <a:extLst>
               <a:ext uri="{FF2B5EF4-FFF2-40B4-BE49-F238E27FC236}">
-                <a16:creationId xmlns:a16="http://schemas.microsoft.com/office/drawing/2014/main" id="{4BF04640-3784-47A4-A04F-8EE2D5BBBFBD}"/>
+                <a16:creationId xmlns:a16="http://schemas.microsoft.com/office/drawing/2014/main" id="{8C0FBF5A-F94C-4612-A3C2-1BDBDA7EA3BF}"/>
               </a:ext>
             </a:extLst>
           </p:cNvPr>
@@ -7164,8 +7067,8 @@
         </p:blipFill>
         <p:spPr>
           <a:xfrm>
-            <a:off x="715962" y="1209869"/>
-            <a:ext cx="5380038" cy="2409826"/>
+            <a:off x="3601405" y="923190"/>
+            <a:ext cx="5433060" cy="2774560"/>
           </a:xfrm>
           <a:prstGeom prst="rect">
             <a:avLst/>
@@ -7177,7 +7080,7 @@
           <p:cNvPr id="19" name="Рисунок 18">
             <a:extLst>
               <a:ext uri="{FF2B5EF4-FFF2-40B4-BE49-F238E27FC236}">
-                <a16:creationId xmlns:a16="http://schemas.microsoft.com/office/drawing/2014/main" id="{99621BA3-9AD9-414F-9328-99BF5D20CB1F}"/>
+                <a16:creationId xmlns:a16="http://schemas.microsoft.com/office/drawing/2014/main" id="{6AD03514-C9AA-4D55-A4C1-85B728982FA2}"/>
               </a:ext>
             </a:extLst>
           </p:cNvPr>
@@ -7192,36 +7095,8 @@
         </p:blipFill>
         <p:spPr>
           <a:xfrm>
-            <a:off x="6313045" y="1209869"/>
-            <a:ext cx="5380038" cy="2409826"/>
-          </a:xfrm>
-          <a:prstGeom prst="rect">
-            <a:avLst/>
-          </a:prstGeom>
-        </p:spPr>
-      </p:pic>
-      <p:pic>
-        <p:nvPicPr>
-          <p:cNvPr id="20" name="Рисунок 19">
-            <a:extLst>
-              <a:ext uri="{FF2B5EF4-FFF2-40B4-BE49-F238E27FC236}">
-                <a16:creationId xmlns:a16="http://schemas.microsoft.com/office/drawing/2014/main" id="{D1819226-E609-4AA1-BAFE-F3D45F35AA7A}"/>
-              </a:ext>
-            </a:extLst>
-          </p:cNvPr>
-          <p:cNvPicPr/>
-          <p:nvPr/>
-        </p:nvPicPr>
-        <p:blipFill>
-          <a:blip r:embed="rId5"/>
-          <a:stretch>
-            <a:fillRect/>
-          </a:stretch>
-        </p:blipFill>
-        <p:spPr>
-          <a:xfrm>
-            <a:off x="3215389" y="3710090"/>
-            <a:ext cx="5940425" cy="2924810"/>
+            <a:off x="3601406" y="3933825"/>
+            <a:ext cx="5433060" cy="2575214"/>
           </a:xfrm>
           <a:prstGeom prst="rect">
             <a:avLst/>
@@ -7231,7 +7106,7 @@
     </p:spTree>
     <p:extLst>
       <p:ext uri="{BB962C8B-B14F-4D97-AF65-F5344CB8AC3E}">
-        <p14:creationId xmlns:p14="http://schemas.microsoft.com/office/powerpoint/2010/main" val="3933491286"/>
+        <p14:creationId xmlns:p14="http://schemas.microsoft.com/office/powerpoint/2010/main" val="3633498959"/>
       </p:ext>
     </p:extLst>
   </p:cSld>
@@ -7563,10 +7438,10 @@
       </p:sp>
       <p:pic>
         <p:nvPicPr>
-          <p:cNvPr id="13" name="Рисунок 12">
-            <a:extLst>
-              <a:ext uri="{FF2B5EF4-FFF2-40B4-BE49-F238E27FC236}">
-                <a16:creationId xmlns:a16="http://schemas.microsoft.com/office/drawing/2014/main" id="{36D87430-8F75-4BE5-A52D-1A1F560F34DA}"/>
+          <p:cNvPr id="18" name="Рисунок 17">
+            <a:extLst>
+              <a:ext uri="{FF2B5EF4-FFF2-40B4-BE49-F238E27FC236}">
+                <a16:creationId xmlns:a16="http://schemas.microsoft.com/office/drawing/2014/main" id="{5CE6C0CA-608D-4230-BA45-1DE6663A0E90}"/>
               </a:ext>
             </a:extLst>
           </p:cNvPr>
@@ -7581,8 +7456,8 @@
         </p:blipFill>
         <p:spPr>
           <a:xfrm>
-            <a:off x="1188545" y="1201271"/>
-            <a:ext cx="4787153" cy="2554942"/>
+            <a:off x="3347722" y="915180"/>
+            <a:ext cx="5940425" cy="2792095"/>
           </a:xfrm>
           <a:prstGeom prst="rect">
             <a:avLst/>
@@ -7591,10 +7466,10 @@
       </p:pic>
       <p:pic>
         <p:nvPicPr>
-          <p:cNvPr id="14" name="Рисунок 13">
-            <a:extLst>
-              <a:ext uri="{FF2B5EF4-FFF2-40B4-BE49-F238E27FC236}">
-                <a16:creationId xmlns:a16="http://schemas.microsoft.com/office/drawing/2014/main" id="{5063EDF0-73CE-47E9-9E8E-7F078BD393E2}"/>
+          <p:cNvPr id="19" name="Рисунок 18">
+            <a:extLst>
+              <a:ext uri="{FF2B5EF4-FFF2-40B4-BE49-F238E27FC236}">
+                <a16:creationId xmlns:a16="http://schemas.microsoft.com/office/drawing/2014/main" id="{6A6632AE-F5E4-49C2-AE94-9B7F4BB11BD2}"/>
               </a:ext>
             </a:extLst>
           </p:cNvPr>
@@ -7609,36 +7484,8 @@
         </p:blipFill>
         <p:spPr>
           <a:xfrm>
-            <a:off x="6325321" y="1201271"/>
-            <a:ext cx="4787154" cy="2554942"/>
-          </a:xfrm>
-          <a:prstGeom prst="rect">
-            <a:avLst/>
-          </a:prstGeom>
-        </p:spPr>
-      </p:pic>
-      <p:pic>
-        <p:nvPicPr>
-          <p:cNvPr id="15" name="Рисунок 14">
-            <a:extLst>
-              <a:ext uri="{FF2B5EF4-FFF2-40B4-BE49-F238E27FC236}">
-                <a16:creationId xmlns:a16="http://schemas.microsoft.com/office/drawing/2014/main" id="{562A3025-979F-4562-B593-26F8E4F43BCA}"/>
-              </a:ext>
-            </a:extLst>
-          </p:cNvPr>
-          <p:cNvPicPr/>
-          <p:nvPr/>
-        </p:nvPicPr>
-        <p:blipFill>
-          <a:blip r:embed="rId5"/>
-          <a:stretch>
-            <a:fillRect/>
-          </a:stretch>
-        </p:blipFill>
-        <p:spPr>
-          <a:xfrm>
-            <a:off x="3702423" y="3836069"/>
-            <a:ext cx="4787154" cy="2554943"/>
+            <a:off x="3347723" y="3819915"/>
+            <a:ext cx="5940425" cy="2826385"/>
           </a:xfrm>
           <a:prstGeom prst="rect">
             <a:avLst/>
@@ -7648,7 +7495,7 @@
     </p:spTree>
     <p:extLst>
       <p:ext uri="{BB962C8B-B14F-4D97-AF65-F5344CB8AC3E}">
-        <p14:creationId xmlns:p14="http://schemas.microsoft.com/office/powerpoint/2010/main" val="3633498959"/>
+        <p14:creationId xmlns:p14="http://schemas.microsoft.com/office/powerpoint/2010/main" val="2123573189"/>
       </p:ext>
     </p:extLst>
   </p:cSld>
@@ -7708,7 +7555,7 @@
                 <a:latin typeface="Times New Roman" panose="02020603050405020304" pitchFamily="18" charset="0"/>
                 <a:cs typeface="Times New Roman" panose="02020603050405020304" pitchFamily="18" charset="0"/>
               </a:rPr>
-              <a:t>Тестирование</a:t>
+              <a:t>Заключение</a:t>
             </a:r>
             <a:br>
               <a:rPr lang="ru-RU" sz="3600" b="1" spc="-5" dirty="0">
@@ -7717,6 +7564,836 @@
               </a:rPr>
             </a:br>
             <a:endParaRPr lang="ru-RU" sz="2400" b="1" dirty="0"/>
+          </a:p>
+        </p:txBody>
+      </p:sp>
+      <p:sp>
+        <p:nvSpPr>
+          <p:cNvPr id="14" name="TextBox 13">
+            <a:extLst>
+              <a:ext uri="{FF2B5EF4-FFF2-40B4-BE49-F238E27FC236}">
+                <a16:creationId xmlns:a16="http://schemas.microsoft.com/office/drawing/2014/main" id="{995A966E-DA39-4785-B3BF-7857AC9AC00F}"/>
+              </a:ext>
+            </a:extLst>
+          </p:cNvPr>
+          <p:cNvSpPr txBox="1"/>
+          <p:nvPr/>
+        </p:nvSpPr>
+        <p:spPr>
+          <a:xfrm>
+            <a:off x="609599" y="1689062"/>
+            <a:ext cx="10363201" cy="3820533"/>
+          </a:xfrm>
+          <a:prstGeom prst="rect">
+            <a:avLst/>
+          </a:prstGeom>
+          <a:noFill/>
+        </p:spPr>
+        <p:txBody>
+          <a:bodyPr wrap="square">
+            <a:spAutoFit/>
+          </a:bodyPr>
+          <a:lstStyle/>
+          <a:p>
+            <a:pPr marL="12700" marR="5080" algn="just">
+              <a:lnSpc>
+                <a:spcPct val="150000"/>
+              </a:lnSpc>
+              <a:spcBef>
+                <a:spcPts val="100"/>
+              </a:spcBef>
+            </a:pPr>
+            <a:r>
+              <a:rPr lang="ru-RU" dirty="0">
+                <a:latin typeface="Times New Roman" panose="02020603050405020304" pitchFamily="18" charset="0"/>
+                <a:cs typeface="Times New Roman" panose="02020603050405020304" pitchFamily="18" charset="0"/>
+              </a:rPr>
+              <a:t>	В ходе выполнения работы был разработан программный комплекс интеллектуального поиска в </a:t>
+            </a:r>
+            <a:r>
+              <a:rPr lang="ru-RU">
+                <a:latin typeface="Times New Roman" panose="02020603050405020304" pitchFamily="18" charset="0"/>
+                <a:cs typeface="Times New Roman" panose="02020603050405020304" pitchFamily="18" charset="0"/>
+              </a:rPr>
+              <a:t>корпоративных документах, </a:t>
+            </a:r>
+            <a:r>
+              <a:rPr lang="ru-RU" dirty="0">
+                <a:latin typeface="Times New Roman" panose="02020603050405020304" pitchFamily="18" charset="0"/>
+                <a:cs typeface="Times New Roman" panose="02020603050405020304" pitchFamily="18" charset="0"/>
+              </a:rPr>
+              <a:t>который позволяет повысить эффективность работы с информационными данными, что поможет ускорить бизнес-процессы.</a:t>
+            </a:r>
+          </a:p>
+          <a:p>
+            <a:pPr marL="12700" marR="5080" algn="just">
+              <a:lnSpc>
+                <a:spcPct val="150000"/>
+              </a:lnSpc>
+              <a:spcBef>
+                <a:spcPts val="100"/>
+              </a:spcBef>
+            </a:pPr>
+            <a:r>
+              <a:rPr lang="ru-RU" dirty="0">
+                <a:latin typeface="Times New Roman" panose="02020603050405020304" pitchFamily="18" charset="0"/>
+                <a:cs typeface="Times New Roman" panose="02020603050405020304" pitchFamily="18" charset="0"/>
+              </a:rPr>
+              <a:t>	Дальнейшее развитие программного комплекса планируется в рамках магистерской диссертации.</a:t>
+            </a:r>
+          </a:p>
+          <a:p>
+            <a:pPr marL="12700" marR="5080" algn="just">
+              <a:lnSpc>
+                <a:spcPct val="150000"/>
+              </a:lnSpc>
+              <a:spcBef>
+                <a:spcPts val="100"/>
+              </a:spcBef>
+            </a:pPr>
+            <a:r>
+              <a:rPr lang="ru-RU" dirty="0">
+                <a:latin typeface="Times New Roman" panose="02020603050405020304" pitchFamily="18" charset="0"/>
+                <a:cs typeface="Times New Roman" panose="02020603050405020304" pitchFamily="18" charset="0"/>
+              </a:rPr>
+              <a:t>	По теме бакалаврской работы была подготовлена статья</a:t>
+            </a:r>
+            <a:r>
+              <a:rPr lang="en-US" dirty="0">
+                <a:latin typeface="Times New Roman" panose="02020603050405020304" pitchFamily="18" charset="0"/>
+                <a:cs typeface="Times New Roman" panose="02020603050405020304" pitchFamily="18" charset="0"/>
+              </a:rPr>
+              <a:t>:</a:t>
+            </a:r>
+            <a:endParaRPr lang="ru-RU" dirty="0">
+              <a:latin typeface="Times New Roman" panose="02020603050405020304" pitchFamily="18" charset="0"/>
+              <a:cs typeface="Times New Roman" panose="02020603050405020304" pitchFamily="18" charset="0"/>
+            </a:endParaRPr>
+          </a:p>
+          <a:p>
+            <a:pPr marL="298450" marR="5080" indent="-285750" algn="just">
+              <a:lnSpc>
+                <a:spcPct val="150000"/>
+              </a:lnSpc>
+              <a:spcBef>
+                <a:spcPts val="100"/>
+              </a:spcBef>
+              <a:buFont typeface="Arial" panose="020B0604020202020204" pitchFamily="34" charset="0"/>
+              <a:buChar char="•"/>
+            </a:pPr>
+            <a:r>
+              <a:rPr lang="ru-RU" dirty="0">
+                <a:latin typeface="Times New Roman" panose="02020603050405020304" pitchFamily="18" charset="0"/>
+                <a:cs typeface="Times New Roman" panose="02020603050405020304" pitchFamily="18" charset="0"/>
+              </a:rPr>
+              <a:t>Бекиш Е.П. Система интеллектуального поиска в корпоративных базах знаний // </a:t>
+            </a:r>
+            <a:r>
+              <a:rPr lang="ru-RU" sz="1800" dirty="0">
+                <a:solidFill>
+                  <a:srgbClr val="000000"/>
+                </a:solidFill>
+                <a:effectLst/>
+                <a:latin typeface="Times New Roman" panose="02020603050405020304" pitchFamily="18" charset="0"/>
+                <a:ea typeface="Times New Roman" panose="02020603050405020304" pitchFamily="18" charset="0"/>
+              </a:rPr>
+              <a:t>XIII Региональная научно-практическая конференция «НАУКА И ПРАКТИКА: ПРОЕКТНАЯ ДЕЯТЕЛЬНОСТЬ – ОТ ИДЕИ ДО ВНЕДРЕНИЯ – 2024»</a:t>
+            </a:r>
+            <a:r>
+              <a:rPr lang="ru-RU" dirty="0">
+                <a:solidFill>
+                  <a:srgbClr val="000000"/>
+                </a:solidFill>
+                <a:latin typeface="Times New Roman" panose="02020603050405020304" pitchFamily="18" charset="0"/>
+                <a:ea typeface="Times New Roman" panose="02020603050405020304" pitchFamily="18" charset="0"/>
+              </a:rPr>
+              <a:t>. Принято к публикации.</a:t>
+            </a:r>
+            <a:endParaRPr lang="ru-RU" dirty="0">
+              <a:latin typeface="Times New Roman" panose="02020603050405020304" pitchFamily="18" charset="0"/>
+              <a:cs typeface="Times New Roman" panose="02020603050405020304" pitchFamily="18" charset="0"/>
+            </a:endParaRPr>
+          </a:p>
+        </p:txBody>
+      </p:sp>
+    </p:spTree>
+    <p:extLst>
+      <p:ext uri="{BB962C8B-B14F-4D97-AF65-F5344CB8AC3E}">
+        <p14:creationId xmlns:p14="http://schemas.microsoft.com/office/powerpoint/2010/main" val="2160518405"/>
+      </p:ext>
+    </p:extLst>
+  </p:cSld>
+  <p:clrMapOvr>
+    <a:masterClrMapping/>
+  </p:clrMapOvr>
+</p:sld>
+</file>
+
+<file path=ppt/slides/slide2.xml><?xml version="1.0" encoding="utf-8"?>
+<p:sld xmlns:a="http://schemas.openxmlformats.org/drawingml/2006/main" xmlns:r="http://schemas.openxmlformats.org/officeDocument/2006/relationships" xmlns:p="http://schemas.openxmlformats.org/presentationml/2006/main">
+  <p:cSld>
+    <p:spTree>
+      <p:nvGrpSpPr>
+        <p:cNvPr id="1" name=""/>
+        <p:cNvGrpSpPr/>
+        <p:nvPr/>
+      </p:nvGrpSpPr>
+      <p:grpSpPr>
+        <a:xfrm>
+          <a:off x="0" y="0"/>
+          <a:ext cx="0" cy="0"/>
+          <a:chOff x="0" y="0"/>
+          <a:chExt cx="0" cy="0"/>
+        </a:xfrm>
+      </p:grpSpPr>
+      <p:sp>
+        <p:nvSpPr>
+          <p:cNvPr id="2" name="object 2"/>
+          <p:cNvSpPr txBox="1">
+            <a:spLocks noGrp="1"/>
+          </p:cNvSpPr>
+          <p:nvPr>
+            <p:ph type="title"/>
+          </p:nvPr>
+        </p:nvSpPr>
+        <p:spPr>
+          <a:xfrm>
+            <a:off x="789182" y="381000"/>
+            <a:ext cx="3889375" cy="566822"/>
+          </a:xfrm>
+          <a:prstGeom prst="rect">
+            <a:avLst/>
+          </a:prstGeom>
+        </p:spPr>
+        <p:txBody>
+          <a:bodyPr vert="horz" wrap="square" lIns="0" tIns="12700" rIns="0" bIns="0" rtlCol="0">
+            <a:spAutoFit/>
+          </a:bodyPr>
+          <a:lstStyle/>
+          <a:p>
+            <a:pPr marL="12700">
+              <a:lnSpc>
+                <a:spcPct val="100000"/>
+              </a:lnSpc>
+              <a:spcBef>
+                <a:spcPts val="100"/>
+              </a:spcBef>
+            </a:pPr>
+            <a:r>
+              <a:rPr b="1" spc="-5" dirty="0">
+                <a:latin typeface="Times New Roman" panose="02020603050405020304" pitchFamily="18" charset="0"/>
+                <a:cs typeface="Times New Roman" panose="02020603050405020304" pitchFamily="18" charset="0"/>
+              </a:rPr>
+              <a:t>Цель</a:t>
+            </a:r>
+            <a:r>
+              <a:rPr b="1" spc="-55" dirty="0">
+                <a:latin typeface="Times New Roman" panose="02020603050405020304" pitchFamily="18" charset="0"/>
+                <a:cs typeface="Times New Roman" panose="02020603050405020304" pitchFamily="18" charset="0"/>
+              </a:rPr>
+              <a:t> </a:t>
+            </a:r>
+            <a:r>
+              <a:rPr b="1" dirty="0">
+                <a:latin typeface="Times New Roman" panose="02020603050405020304" pitchFamily="18" charset="0"/>
+                <a:cs typeface="Times New Roman" panose="02020603050405020304" pitchFamily="18" charset="0"/>
+              </a:rPr>
+              <a:t>и</a:t>
+            </a:r>
+            <a:r>
+              <a:rPr b="1" spc="-50" dirty="0">
+                <a:latin typeface="Times New Roman" panose="02020603050405020304" pitchFamily="18" charset="0"/>
+                <a:cs typeface="Times New Roman" panose="02020603050405020304" pitchFamily="18" charset="0"/>
+              </a:rPr>
+              <a:t> </a:t>
+            </a:r>
+            <a:r>
+              <a:rPr b="1" spc="-5" dirty="0">
+                <a:latin typeface="Times New Roman" panose="02020603050405020304" pitchFamily="18" charset="0"/>
+                <a:cs typeface="Times New Roman" panose="02020603050405020304" pitchFamily="18" charset="0"/>
+              </a:rPr>
+              <a:t>задачи</a:t>
+            </a:r>
+          </a:p>
+        </p:txBody>
+      </p:sp>
+      <p:sp>
+        <p:nvSpPr>
+          <p:cNvPr id="3" name="object 3"/>
+          <p:cNvSpPr txBox="1"/>
+          <p:nvPr/>
+        </p:nvSpPr>
+        <p:spPr>
+          <a:xfrm>
+            <a:off x="789182" y="1222419"/>
+            <a:ext cx="10047605" cy="4342214"/>
+          </a:xfrm>
+          <a:prstGeom prst="rect">
+            <a:avLst/>
+          </a:prstGeom>
+        </p:spPr>
+        <p:txBody>
+          <a:bodyPr vert="horz" wrap="square" lIns="0" tIns="134620" rIns="0" bIns="0" rtlCol="0">
+            <a:spAutoFit/>
+          </a:bodyPr>
+          <a:lstStyle/>
+          <a:p>
+            <a:pPr marL="12700">
+              <a:lnSpc>
+                <a:spcPct val="100000"/>
+              </a:lnSpc>
+              <a:spcBef>
+                <a:spcPts val="1060"/>
+              </a:spcBef>
+            </a:pPr>
+            <a:r>
+              <a:rPr b="1" spc="-5" dirty="0">
+                <a:latin typeface="Times New Roman" panose="02020603050405020304" pitchFamily="18" charset="0"/>
+                <a:cs typeface="Times New Roman" panose="02020603050405020304" pitchFamily="18" charset="0"/>
+              </a:rPr>
+              <a:t>Цель</a:t>
+            </a:r>
+            <a:r>
+              <a:rPr b="1" spc="-55" dirty="0">
+                <a:latin typeface="Times New Roman" panose="02020603050405020304" pitchFamily="18" charset="0"/>
+                <a:cs typeface="Times New Roman" panose="02020603050405020304" pitchFamily="18" charset="0"/>
+              </a:rPr>
+              <a:t> </a:t>
+            </a:r>
+            <a:r>
+              <a:rPr b="1" spc="-5" dirty="0">
+                <a:latin typeface="Times New Roman" panose="02020603050405020304" pitchFamily="18" charset="0"/>
+                <a:cs typeface="Times New Roman" panose="02020603050405020304" pitchFamily="18" charset="0"/>
+              </a:rPr>
+              <a:t>работы</a:t>
+            </a:r>
+            <a:endParaRPr b="1" dirty="0">
+              <a:latin typeface="Times New Roman" panose="02020603050405020304" pitchFamily="18" charset="0"/>
+              <a:cs typeface="Times New Roman" panose="02020603050405020304" pitchFamily="18" charset="0"/>
+            </a:endParaRPr>
+          </a:p>
+          <a:p>
+            <a:pPr indent="450215" algn="just">
+              <a:lnSpc>
+                <a:spcPct val="150000"/>
+              </a:lnSpc>
+              <a:spcAft>
+                <a:spcPts val="800"/>
+              </a:spcAft>
+            </a:pPr>
+            <a:r>
+              <a:rPr lang="ru-RU" sz="1800" dirty="0">
+                <a:solidFill>
+                  <a:srgbClr val="000000"/>
+                </a:solidFill>
+                <a:effectLst/>
+                <a:latin typeface="Times New Roman" panose="02020603050405020304" pitchFamily="18" charset="0"/>
+                <a:ea typeface="Times New Roman" panose="02020603050405020304" pitchFamily="18" charset="0"/>
+              </a:rPr>
+              <a:t>разработать программный комплекс, который сокращает время доступа сотрудников к корпоративной информации за счет обработки запросов к внутренним документам предприятия, формата </a:t>
+            </a:r>
+            <a:r>
+              <a:rPr lang="en-US" sz="1800" dirty="0">
+                <a:solidFill>
+                  <a:srgbClr val="000000"/>
+                </a:solidFill>
+                <a:effectLst/>
+                <a:latin typeface="Times New Roman" panose="02020603050405020304" pitchFamily="18" charset="0"/>
+                <a:ea typeface="Times New Roman" panose="02020603050405020304" pitchFamily="18" charset="0"/>
+              </a:rPr>
+              <a:t>txt, pdf, docx, doc, pptx, ppt,</a:t>
+            </a:r>
+            <a:r>
+              <a:rPr lang="ru-RU" sz="1800" dirty="0">
+                <a:solidFill>
+                  <a:srgbClr val="000000"/>
+                </a:solidFill>
+                <a:effectLst/>
+                <a:latin typeface="Times New Roman" panose="02020603050405020304" pitchFamily="18" charset="0"/>
+                <a:ea typeface="Times New Roman" panose="02020603050405020304" pitchFamily="18" charset="0"/>
+              </a:rPr>
+              <a:t> на естественном языке и средствами ИИ.</a:t>
+            </a:r>
+            <a:endParaRPr b="1" dirty="0">
+              <a:latin typeface="Times New Roman" panose="02020603050405020304" pitchFamily="18" charset="0"/>
+              <a:cs typeface="Times New Roman" panose="02020603050405020304" pitchFamily="18" charset="0"/>
+            </a:endParaRPr>
+          </a:p>
+          <a:p>
+            <a:pPr>
+              <a:lnSpc>
+                <a:spcPct val="100000"/>
+              </a:lnSpc>
+              <a:spcBef>
+                <a:spcPts val="40"/>
+              </a:spcBef>
+            </a:pPr>
+            <a:endParaRPr b="1" dirty="0">
+              <a:latin typeface="Times New Roman" panose="02020603050405020304" pitchFamily="18" charset="0"/>
+              <a:cs typeface="Times New Roman" panose="02020603050405020304" pitchFamily="18" charset="0"/>
+            </a:endParaRPr>
+          </a:p>
+          <a:p>
+            <a:pPr marL="12700">
+              <a:lnSpc>
+                <a:spcPct val="100000"/>
+              </a:lnSpc>
+            </a:pPr>
+            <a:r>
+              <a:rPr b="1" spc="-5" dirty="0">
+                <a:latin typeface="Times New Roman" panose="02020603050405020304" pitchFamily="18" charset="0"/>
+                <a:cs typeface="Times New Roman" panose="02020603050405020304" pitchFamily="18" charset="0"/>
+              </a:rPr>
+              <a:t>Задачи:</a:t>
+            </a:r>
+            <a:endParaRPr b="1" dirty="0">
+              <a:latin typeface="Times New Roman" panose="02020603050405020304" pitchFamily="18" charset="0"/>
+              <a:cs typeface="Times New Roman" panose="02020603050405020304" pitchFamily="18" charset="0"/>
+            </a:endParaRPr>
+          </a:p>
+          <a:p>
+            <a:pPr marL="904875" indent="-400050">
+              <a:lnSpc>
+                <a:spcPct val="100000"/>
+              </a:lnSpc>
+              <a:spcBef>
+                <a:spcPts val="960"/>
+              </a:spcBef>
+              <a:buFont typeface="Microsoft Sans Serif"/>
+              <a:buAutoNum type="arabicPeriod"/>
+              <a:tabLst>
+                <a:tab pos="904875" algn="l"/>
+                <a:tab pos="905510" algn="l"/>
+              </a:tabLst>
+            </a:pPr>
+            <a:r>
+              <a:rPr lang="ru-RU" dirty="0">
+                <a:latin typeface="Times New Roman" panose="02020603050405020304" pitchFamily="18" charset="0"/>
+                <a:cs typeface="Times New Roman" panose="02020603050405020304" pitchFamily="18" charset="0"/>
+              </a:rPr>
+              <a:t>Провести анализ необходимых требований; </a:t>
+            </a:r>
+          </a:p>
+          <a:p>
+            <a:pPr marL="904875" indent="-400050">
+              <a:lnSpc>
+                <a:spcPct val="100000"/>
+              </a:lnSpc>
+              <a:spcBef>
+                <a:spcPts val="960"/>
+              </a:spcBef>
+              <a:buFont typeface="Microsoft Sans Serif"/>
+              <a:buAutoNum type="arabicPeriod"/>
+              <a:tabLst>
+                <a:tab pos="904875" algn="l"/>
+                <a:tab pos="905510" algn="l"/>
+              </a:tabLst>
+            </a:pPr>
+            <a:r>
+              <a:rPr lang="ru-RU" dirty="0">
+                <a:latin typeface="Times New Roman" panose="02020603050405020304" pitchFamily="18" charset="0"/>
+                <a:cs typeface="Times New Roman" panose="02020603050405020304" pitchFamily="18" charset="0"/>
+              </a:rPr>
+              <a:t>Определить спецификации и реализовать функциональные возможности; </a:t>
+            </a:r>
+          </a:p>
+          <a:p>
+            <a:pPr marL="904875" indent="-400050">
+              <a:lnSpc>
+                <a:spcPct val="100000"/>
+              </a:lnSpc>
+              <a:spcBef>
+                <a:spcPts val="960"/>
+              </a:spcBef>
+              <a:buFont typeface="Microsoft Sans Serif"/>
+              <a:buAutoNum type="arabicPeriod"/>
+              <a:tabLst>
+                <a:tab pos="904875" algn="l"/>
+                <a:tab pos="905510" algn="l"/>
+              </a:tabLst>
+            </a:pPr>
+            <a:r>
+              <a:rPr lang="ru-RU" spc="-5" dirty="0">
+                <a:latin typeface="Times New Roman" panose="02020603050405020304" pitchFamily="18" charset="0"/>
+                <a:cs typeface="Times New Roman" panose="02020603050405020304" pitchFamily="18" charset="0"/>
+              </a:rPr>
+              <a:t>Выполнить проектирование интерфейса и архитектуры</a:t>
+            </a:r>
+            <a:r>
+              <a:rPr lang="ru-RU" dirty="0">
+                <a:latin typeface="Times New Roman" panose="02020603050405020304" pitchFamily="18" charset="0"/>
+                <a:cs typeface="Times New Roman" panose="02020603050405020304" pitchFamily="18" charset="0"/>
+              </a:rPr>
+              <a:t>; </a:t>
+            </a:r>
+          </a:p>
+          <a:p>
+            <a:pPr marL="904875" indent="-400050">
+              <a:lnSpc>
+                <a:spcPct val="100000"/>
+              </a:lnSpc>
+              <a:spcBef>
+                <a:spcPts val="960"/>
+              </a:spcBef>
+              <a:buFont typeface="Microsoft Sans Serif"/>
+              <a:buAutoNum type="arabicPeriod"/>
+              <a:tabLst>
+                <a:tab pos="904875" algn="l"/>
+                <a:tab pos="905510" algn="l"/>
+              </a:tabLst>
+            </a:pPr>
+            <a:r>
+              <a:rPr lang="ru-RU" dirty="0">
+                <a:latin typeface="Times New Roman" panose="02020603050405020304" pitchFamily="18" charset="0"/>
+                <a:cs typeface="Times New Roman" panose="02020603050405020304" pitchFamily="18" charset="0"/>
+              </a:rPr>
+              <a:t>Реализация программного комплекса; </a:t>
+            </a:r>
+          </a:p>
+          <a:p>
+            <a:pPr marL="904875" indent="-400050">
+              <a:lnSpc>
+                <a:spcPct val="100000"/>
+              </a:lnSpc>
+              <a:spcBef>
+                <a:spcPts val="960"/>
+              </a:spcBef>
+              <a:buFont typeface="Microsoft Sans Serif"/>
+              <a:buAutoNum type="arabicPeriod"/>
+              <a:tabLst>
+                <a:tab pos="904875" algn="l"/>
+                <a:tab pos="905510" algn="l"/>
+              </a:tabLst>
+            </a:pPr>
+            <a:r>
+              <a:rPr lang="ru-RU" spc="-5" dirty="0">
+                <a:latin typeface="Times New Roman" panose="02020603050405020304" pitchFamily="18" charset="0"/>
+                <a:cs typeface="Times New Roman" panose="02020603050405020304" pitchFamily="18" charset="0"/>
+              </a:rPr>
+              <a:t>Тестирование программного комплекса.</a:t>
+            </a:r>
+          </a:p>
+        </p:txBody>
+      </p:sp>
+      <p:grpSp>
+        <p:nvGrpSpPr>
+          <p:cNvPr id="4" name="object 4"/>
+          <p:cNvGrpSpPr/>
+          <p:nvPr/>
+        </p:nvGrpSpPr>
+        <p:grpSpPr>
+          <a:xfrm>
+            <a:off x="10955850" y="6147124"/>
+            <a:ext cx="1236345" cy="488315"/>
+            <a:chOff x="10955850" y="6147124"/>
+            <a:chExt cx="1236345" cy="488315"/>
+          </a:xfrm>
+        </p:grpSpPr>
+        <p:pic>
+          <p:nvPicPr>
+            <p:cNvPr id="5" name="object 5"/>
+            <p:cNvPicPr/>
+            <p:nvPr/>
+          </p:nvPicPr>
+          <p:blipFill>
+            <a:blip r:embed="rId2" cstate="print"/>
+            <a:stretch>
+              <a:fillRect/>
+            </a:stretch>
+          </p:blipFill>
+          <p:spPr>
+            <a:xfrm>
+              <a:off x="10955850" y="6147125"/>
+              <a:ext cx="1008800" cy="487775"/>
+            </a:xfrm>
+            <a:prstGeom prst="rect">
+              <a:avLst/>
+            </a:prstGeom>
+          </p:spPr>
+        </p:pic>
+        <p:sp>
+          <p:nvSpPr>
+            <p:cNvPr id="6" name="object 6"/>
+            <p:cNvSpPr/>
+            <p:nvPr/>
+          </p:nvSpPr>
+          <p:spPr>
+            <a:xfrm>
+              <a:off x="11193975" y="6147124"/>
+              <a:ext cx="998219" cy="488315"/>
+            </a:xfrm>
+            <a:custGeom>
+              <a:avLst/>
+              <a:gdLst/>
+              <a:ahLst/>
+              <a:cxnLst/>
+              <a:rect l="l" t="t" r="r" b="b"/>
+              <a:pathLst>
+                <a:path w="998220" h="488315">
+                  <a:moveTo>
+                    <a:pt x="998024" y="487774"/>
+                  </a:moveTo>
+                  <a:lnTo>
+                    <a:pt x="0" y="487774"/>
+                  </a:lnTo>
+                  <a:lnTo>
+                    <a:pt x="201759" y="0"/>
+                  </a:lnTo>
+                  <a:lnTo>
+                    <a:pt x="998024" y="0"/>
+                  </a:lnTo>
+                  <a:lnTo>
+                    <a:pt x="998024" y="487774"/>
+                  </a:lnTo>
+                  <a:close/>
+                </a:path>
+              </a:pathLst>
+            </a:custGeom>
+            <a:solidFill>
+              <a:srgbClr val="3C378D"/>
+            </a:solidFill>
+          </p:spPr>
+          <p:txBody>
+            <a:bodyPr wrap="square" lIns="0" tIns="0" rIns="0" bIns="0" rtlCol="0"/>
+            <a:lstStyle/>
+            <a:p>
+              <a:endParaRPr>
+                <a:latin typeface="Times New Roman" panose="02020603050405020304" pitchFamily="18" charset="0"/>
+                <a:cs typeface="Times New Roman" panose="02020603050405020304" pitchFamily="18" charset="0"/>
+              </a:endParaRPr>
+            </a:p>
+          </p:txBody>
+        </p:sp>
+      </p:grpSp>
+      <p:sp>
+        <p:nvSpPr>
+          <p:cNvPr id="7" name="object 7"/>
+          <p:cNvSpPr txBox="1">
+            <a:spLocks noGrp="1"/>
+          </p:cNvSpPr>
+          <p:nvPr>
+            <p:ph type="sldNum" sz="quarter" idx="7"/>
+          </p:nvPr>
+        </p:nvSpPr>
+        <p:spPr>
+          <a:xfrm>
+            <a:off x="11488994" y="6135939"/>
+            <a:ext cx="570865" cy="522604"/>
+          </a:xfrm>
+          <a:prstGeom prst="rect">
+            <a:avLst/>
+          </a:prstGeom>
+        </p:spPr>
+        <p:txBody>
+          <a:bodyPr vert="horz" wrap="square" lIns="0" tIns="0" rIns="0" bIns="0" rtlCol="0">
+            <a:spAutoFit/>
+          </a:bodyPr>
+          <a:lstStyle>
+            <a:defPPr>
+              <a:defRPr lang="ru-RU"/>
+            </a:defPPr>
+            <a:lvl1pPr marL="0" algn="l" defTabSz="914400" rtl="0" eaLnBrk="1" latinLnBrk="0" hangingPunct="1">
+              <a:defRPr sz="3500" b="0" i="0" kern="1200">
+                <a:solidFill>
+                  <a:schemeClr val="bg1"/>
+                </a:solidFill>
+                <a:latin typeface="Microsoft Sans Serif"/>
+                <a:ea typeface="+mn-ea"/>
+                <a:cs typeface="Microsoft Sans Serif"/>
+              </a:defRPr>
+            </a:lvl1pPr>
+            <a:lvl2pPr marL="457200" algn="l" defTabSz="914400" rtl="0" eaLnBrk="1" latinLnBrk="0" hangingPunct="1">
+              <a:defRPr sz="1800" kern="1200">
+                <a:solidFill>
+                  <a:schemeClr val="tx1"/>
+                </a:solidFill>
+                <a:latin typeface="+mn-lt"/>
+                <a:ea typeface="+mn-ea"/>
+                <a:cs typeface="+mn-cs"/>
+              </a:defRPr>
+            </a:lvl2pPr>
+            <a:lvl3pPr marL="914400" algn="l" defTabSz="914400" rtl="0" eaLnBrk="1" latinLnBrk="0" hangingPunct="1">
+              <a:defRPr sz="1800" kern="1200">
+                <a:solidFill>
+                  <a:schemeClr val="tx1"/>
+                </a:solidFill>
+                <a:latin typeface="+mn-lt"/>
+                <a:ea typeface="+mn-ea"/>
+                <a:cs typeface="+mn-cs"/>
+              </a:defRPr>
+            </a:lvl3pPr>
+            <a:lvl4pPr marL="1371600" algn="l" defTabSz="914400" rtl="0" eaLnBrk="1" latinLnBrk="0" hangingPunct="1">
+              <a:defRPr sz="1800" kern="1200">
+                <a:solidFill>
+                  <a:schemeClr val="tx1"/>
+                </a:solidFill>
+                <a:latin typeface="+mn-lt"/>
+                <a:ea typeface="+mn-ea"/>
+                <a:cs typeface="+mn-cs"/>
+              </a:defRPr>
+            </a:lvl4pPr>
+            <a:lvl5pPr marL="1828800" algn="l" defTabSz="914400" rtl="0" eaLnBrk="1" latinLnBrk="0" hangingPunct="1">
+              <a:defRPr sz="1800" kern="1200">
+                <a:solidFill>
+                  <a:schemeClr val="tx1"/>
+                </a:solidFill>
+                <a:latin typeface="+mn-lt"/>
+                <a:ea typeface="+mn-ea"/>
+                <a:cs typeface="+mn-cs"/>
+              </a:defRPr>
+            </a:lvl5pPr>
+            <a:lvl6pPr marL="2286000" algn="l" defTabSz="914400" rtl="0" eaLnBrk="1" latinLnBrk="0" hangingPunct="1">
+              <a:defRPr sz="1800" kern="1200">
+                <a:solidFill>
+                  <a:schemeClr val="tx1"/>
+                </a:solidFill>
+                <a:latin typeface="+mn-lt"/>
+                <a:ea typeface="+mn-ea"/>
+                <a:cs typeface="+mn-cs"/>
+              </a:defRPr>
+            </a:lvl6pPr>
+            <a:lvl7pPr marL="2743200" algn="l" defTabSz="914400" rtl="0" eaLnBrk="1" latinLnBrk="0" hangingPunct="1">
+              <a:defRPr sz="1800" kern="1200">
+                <a:solidFill>
+                  <a:schemeClr val="tx1"/>
+                </a:solidFill>
+                <a:latin typeface="+mn-lt"/>
+                <a:ea typeface="+mn-ea"/>
+                <a:cs typeface="+mn-cs"/>
+              </a:defRPr>
+            </a:lvl7pPr>
+            <a:lvl8pPr marL="3200400" algn="l" defTabSz="914400" rtl="0" eaLnBrk="1" latinLnBrk="0" hangingPunct="1">
+              <a:defRPr sz="1800" kern="1200">
+                <a:solidFill>
+                  <a:schemeClr val="tx1"/>
+                </a:solidFill>
+                <a:latin typeface="+mn-lt"/>
+                <a:ea typeface="+mn-ea"/>
+                <a:cs typeface="+mn-cs"/>
+              </a:defRPr>
+            </a:lvl8pPr>
+            <a:lvl9pPr marL="3657600" algn="l" defTabSz="914400" rtl="0" eaLnBrk="1" latinLnBrk="0" hangingPunct="1">
+              <a:defRPr sz="1800" kern="1200">
+                <a:solidFill>
+                  <a:schemeClr val="tx1"/>
+                </a:solidFill>
+                <a:latin typeface="+mn-lt"/>
+                <a:ea typeface="+mn-ea"/>
+                <a:cs typeface="+mn-cs"/>
+              </a:defRPr>
+            </a:lvl9pPr>
+          </a:lstStyle>
+          <a:p>
+            <a:pPr marL="38100">
+              <a:lnSpc>
+                <a:spcPts val="3970"/>
+              </a:lnSpc>
+            </a:pPr>
+            <a:fld id="{81D60167-4931-47E6-BA6A-407CBD079E47}" type="slidenum">
+              <a:rPr lang="ru-RU" smtClean="0"/>
+              <a:pPr marL="38100">
+                <a:lnSpc>
+                  <a:spcPts val="3970"/>
+                </a:lnSpc>
+              </a:pPr>
+              <a:t>2</a:t>
+            </a:fld>
+            <a:endParaRPr dirty="0">
+              <a:latin typeface="Times New Roman" panose="02020603050405020304" pitchFamily="18" charset="0"/>
+              <a:cs typeface="Times New Roman" panose="02020603050405020304" pitchFamily="18" charset="0"/>
+            </a:endParaRPr>
+          </a:p>
+        </p:txBody>
+      </p:sp>
+    </p:spTree>
+  </p:cSld>
+  <p:clrMapOvr>
+    <a:masterClrMapping/>
+  </p:clrMapOvr>
+</p:sld>
+</file>
+
+<file path=ppt/slides/slide3.xml><?xml version="1.0" encoding="utf-8"?>
+<p:sld xmlns:a="http://schemas.openxmlformats.org/drawingml/2006/main" xmlns:r="http://schemas.openxmlformats.org/officeDocument/2006/relationships" xmlns:p="http://schemas.openxmlformats.org/presentationml/2006/main">
+  <p:cSld>
+    <p:spTree>
+      <p:nvGrpSpPr>
+        <p:cNvPr id="1" name=""/>
+        <p:cNvGrpSpPr/>
+        <p:nvPr/>
+      </p:nvGrpSpPr>
+      <p:grpSpPr>
+        <a:xfrm>
+          <a:off x="0" y="0"/>
+          <a:ext cx="0" cy="0"/>
+          <a:chOff x="0" y="0"/>
+          <a:chExt cx="0" cy="0"/>
+        </a:xfrm>
+      </p:grpSpPr>
+      <p:sp>
+        <p:nvSpPr>
+          <p:cNvPr id="4" name="Заголовок 3">
+            <a:extLst>
+              <a:ext uri="{FF2B5EF4-FFF2-40B4-BE49-F238E27FC236}">
+                <a16:creationId xmlns:a16="http://schemas.microsoft.com/office/drawing/2014/main" id="{50A4DD60-3A2E-4A3E-90CA-082C44663A86}"/>
+              </a:ext>
+            </a:extLst>
+          </p:cNvPr>
+          <p:cNvSpPr>
+            <a:spLocks noGrp="1"/>
+          </p:cNvSpPr>
+          <p:nvPr>
+            <p:ph type="title"/>
+          </p:nvPr>
+        </p:nvSpPr>
+        <p:spPr>
+          <a:xfrm>
+            <a:off x="609600" y="381001"/>
+            <a:ext cx="5867400" cy="634119"/>
+          </a:xfrm>
+        </p:spPr>
+        <p:txBody>
+          <a:bodyPr>
+            <a:noAutofit/>
+          </a:bodyPr>
+          <a:lstStyle/>
+          <a:p>
+            <a:r>
+              <a:rPr lang="ru-RU" sz="3600" b="1" spc="-5" dirty="0">
+                <a:latin typeface="Times New Roman" panose="02020603050405020304" pitchFamily="18" charset="0"/>
+                <a:cs typeface="Times New Roman" panose="02020603050405020304" pitchFamily="18" charset="0"/>
+              </a:rPr>
+              <a:t>Обзор</a:t>
+            </a:r>
+            <a:r>
+              <a:rPr lang="ru-RU" sz="3600" b="1" spc="-50" dirty="0">
+                <a:latin typeface="Times New Roman" panose="02020603050405020304" pitchFamily="18" charset="0"/>
+                <a:cs typeface="Times New Roman" panose="02020603050405020304" pitchFamily="18" charset="0"/>
+              </a:rPr>
+              <a:t> </a:t>
+            </a:r>
+            <a:r>
+              <a:rPr lang="ru-RU" sz="3600" b="1" spc="-5" dirty="0">
+                <a:latin typeface="Times New Roman" panose="02020603050405020304" pitchFamily="18" charset="0"/>
+                <a:cs typeface="Times New Roman" panose="02020603050405020304" pitchFamily="18" charset="0"/>
+              </a:rPr>
+              <a:t>предметной</a:t>
+            </a:r>
+            <a:r>
+              <a:rPr lang="ru-RU" sz="3600" b="1" spc="-45" dirty="0">
+                <a:latin typeface="Times New Roman" panose="02020603050405020304" pitchFamily="18" charset="0"/>
+                <a:cs typeface="Times New Roman" panose="02020603050405020304" pitchFamily="18" charset="0"/>
+              </a:rPr>
+              <a:t> </a:t>
+            </a:r>
+            <a:r>
+              <a:rPr lang="ru-RU" sz="3600" b="1" spc="-5" dirty="0">
+                <a:latin typeface="Times New Roman" panose="02020603050405020304" pitchFamily="18" charset="0"/>
+                <a:cs typeface="Times New Roman" panose="02020603050405020304" pitchFamily="18" charset="0"/>
+              </a:rPr>
+              <a:t>области</a:t>
+            </a:r>
+            <a:endParaRPr lang="ru-RU" sz="3600" b="1" dirty="0"/>
           </a:p>
         </p:txBody>
       </p:sp>
@@ -7966,7 +8643,7 @@
                   <a:spcPts val="3970"/>
                 </a:lnSpc>
               </a:pPr>
-              <a:t>16</a:t>
+              <a:t>3</a:t>
             </a:fld>
             <a:endParaRPr lang="ru-RU" sz="4000" dirty="0">
               <a:solidFill>
@@ -7980,14 +8657,16 @@
       </p:sp>
       <p:pic>
         <p:nvPicPr>
-          <p:cNvPr id="13" name="Рисунок 12">
-            <a:extLst>
-              <a:ext uri="{FF2B5EF4-FFF2-40B4-BE49-F238E27FC236}">
-                <a16:creationId xmlns:a16="http://schemas.microsoft.com/office/drawing/2014/main" id="{F69D46CE-F247-4456-8997-E5897EEE1BB2}"/>
-              </a:ext>
-            </a:extLst>
-          </p:cNvPr>
-          <p:cNvPicPr/>
+          <p:cNvPr id="3" name="Рисунок 2">
+            <a:extLst>
+              <a:ext uri="{FF2B5EF4-FFF2-40B4-BE49-F238E27FC236}">
+                <a16:creationId xmlns:a16="http://schemas.microsoft.com/office/drawing/2014/main" id="{9C54F0BB-F880-452A-9AE1-1866246C3D5E}"/>
+              </a:ext>
+            </a:extLst>
+          </p:cNvPr>
+          <p:cNvPicPr>
+            <a:picLocks noChangeAspect="1"/>
+          </p:cNvPicPr>
           <p:nvPr/>
         </p:nvPicPr>
         <p:blipFill>
@@ -7998,74 +8677,127 @@
         </p:blipFill>
         <p:spPr>
           <a:xfrm>
-            <a:off x="1335742" y="1373020"/>
-            <a:ext cx="4673506" cy="2550589"/>
+            <a:off x="2506820" y="2490490"/>
+            <a:ext cx="7178359" cy="4027181"/>
           </a:xfrm>
           <a:prstGeom prst="rect">
             <a:avLst/>
           </a:prstGeom>
         </p:spPr>
       </p:pic>
-      <p:pic>
-        <p:nvPicPr>
-          <p:cNvPr id="14" name="Рисунок 13">
-            <a:extLst>
-              <a:ext uri="{FF2B5EF4-FFF2-40B4-BE49-F238E27FC236}">
-                <a16:creationId xmlns:a16="http://schemas.microsoft.com/office/drawing/2014/main" id="{7AFD2142-6B04-459A-8E8C-7232E8615733}"/>
-              </a:ext>
-            </a:extLst>
-          </p:cNvPr>
-          <p:cNvPicPr/>
+      <p:sp>
+        <p:nvSpPr>
+          <p:cNvPr id="9" name="TextBox 8">
+            <a:extLst>
+              <a:ext uri="{FF2B5EF4-FFF2-40B4-BE49-F238E27FC236}">
+                <a16:creationId xmlns:a16="http://schemas.microsoft.com/office/drawing/2014/main" id="{6E885EAC-94DE-4FF5-BD17-2FD5C2926486}"/>
+              </a:ext>
+            </a:extLst>
+          </p:cNvPr>
+          <p:cNvSpPr txBox="1"/>
           <p:nvPr/>
-        </p:nvPicPr>
-        <p:blipFill>
-          <a:blip r:embed="rId4"/>
-          <a:stretch>
-            <a:fillRect/>
-          </a:stretch>
-        </p:blipFill>
+        </p:nvSpPr>
         <p:spPr>
           <a:xfrm>
-            <a:off x="6282344" y="1373020"/>
-            <a:ext cx="4673506" cy="2550589"/>
+            <a:off x="495300" y="1062335"/>
+            <a:ext cx="5000625" cy="1477328"/>
           </a:xfrm>
           <a:prstGeom prst="rect">
             <a:avLst/>
           </a:prstGeom>
+          <a:noFill/>
         </p:spPr>
-      </p:pic>
-      <p:pic>
-        <p:nvPicPr>
-          <p:cNvPr id="15" name="Рисунок 14">
-            <a:extLst>
-              <a:ext uri="{FF2B5EF4-FFF2-40B4-BE49-F238E27FC236}">
-                <a16:creationId xmlns:a16="http://schemas.microsoft.com/office/drawing/2014/main" id="{AAD508C4-E406-4247-AA2F-E0103EECD92D}"/>
-              </a:ext>
-            </a:extLst>
-          </p:cNvPr>
-          <p:cNvPicPr/>
-          <p:nvPr/>
-        </p:nvPicPr>
-        <p:blipFill>
-          <a:blip r:embed="rId5"/>
-          <a:stretch>
-            <a:fillRect/>
-          </a:stretch>
-        </p:blipFill>
-        <p:spPr>
-          <a:xfrm>
-            <a:off x="3567814" y="3978065"/>
-            <a:ext cx="4673506" cy="2550590"/>
-          </a:xfrm>
-          <a:prstGeom prst="rect">
-            <a:avLst/>
-          </a:prstGeom>
-        </p:spPr>
-      </p:pic>
+        <p:txBody>
+          <a:bodyPr wrap="square">
+            <a:spAutoFit/>
+          </a:bodyPr>
+          <a:lstStyle/>
+          <a:p>
+            <a:pPr marL="285750" indent="-285750">
+              <a:buFont typeface="Arial" panose="020B0604020202020204" pitchFamily="34" charset="0"/>
+              <a:buChar char="•"/>
+            </a:pPr>
+            <a:r>
+              <a:rPr lang="ru-RU" sz="1800" dirty="0">
+                <a:solidFill>
+                  <a:srgbClr val="FF0000"/>
+                </a:solidFill>
+                <a:effectLst/>
+                <a:latin typeface="Times New Roman" panose="02020603050405020304" pitchFamily="18" charset="0"/>
+                <a:ea typeface="Times New Roman" panose="02020603050405020304" pitchFamily="18" charset="0"/>
+              </a:rPr>
+              <a:t>Выборка необходимых документов и данных</a:t>
+            </a:r>
+            <a:endParaRPr lang="en-US" sz="1800" dirty="0">
+              <a:solidFill>
+                <a:srgbClr val="FF0000"/>
+              </a:solidFill>
+              <a:effectLst/>
+              <a:latin typeface="Times New Roman" panose="02020603050405020304" pitchFamily="18" charset="0"/>
+              <a:ea typeface="Times New Roman" panose="02020603050405020304" pitchFamily="18" charset="0"/>
+            </a:endParaRPr>
+          </a:p>
+          <a:p>
+            <a:pPr marL="285750" indent="-285750">
+              <a:buFont typeface="Arial" panose="020B0604020202020204" pitchFamily="34" charset="0"/>
+              <a:buChar char="•"/>
+            </a:pPr>
+            <a:r>
+              <a:rPr lang="ru-RU" sz="1800" dirty="0">
+                <a:effectLst/>
+                <a:latin typeface="Times New Roman" panose="02020603050405020304" pitchFamily="18" charset="0"/>
+                <a:ea typeface="Times New Roman" panose="02020603050405020304" pitchFamily="18" charset="0"/>
+              </a:rPr>
+              <a:t>Развитие векторного представления слов</a:t>
+            </a:r>
+            <a:endParaRPr lang="en-US" sz="1800" dirty="0">
+              <a:effectLst/>
+              <a:latin typeface="Times New Roman" panose="02020603050405020304" pitchFamily="18" charset="0"/>
+              <a:ea typeface="Times New Roman" panose="02020603050405020304" pitchFamily="18" charset="0"/>
+            </a:endParaRPr>
+          </a:p>
+          <a:p>
+            <a:pPr marL="285750" indent="-285750">
+              <a:buFont typeface="Arial" panose="020B0604020202020204" pitchFamily="34" charset="0"/>
+              <a:buChar char="•"/>
+            </a:pPr>
+            <a:r>
+              <a:rPr lang="ru-RU" sz="1800" dirty="0">
+                <a:effectLst/>
+                <a:latin typeface="Times New Roman" panose="02020603050405020304" pitchFamily="18" charset="0"/>
+                <a:ea typeface="Times New Roman" panose="02020603050405020304" pitchFamily="18" charset="0"/>
+              </a:rPr>
+              <a:t>Виды языковых моделей</a:t>
+            </a:r>
+            <a:endParaRPr lang="ru-RU" dirty="0">
+              <a:latin typeface="Times New Roman" panose="02020603050405020304" pitchFamily="18" charset="0"/>
+              <a:ea typeface="Times New Roman" panose="02020603050405020304" pitchFamily="18" charset="0"/>
+            </a:endParaRPr>
+          </a:p>
+          <a:p>
+            <a:endParaRPr lang="ru-RU" sz="1800" dirty="0">
+              <a:effectLst/>
+              <a:latin typeface="Times New Roman" panose="02020603050405020304" pitchFamily="18" charset="0"/>
+              <a:ea typeface="Times New Roman" panose="02020603050405020304" pitchFamily="18" charset="0"/>
+            </a:endParaRPr>
+          </a:p>
+          <a:p>
+            <a:pPr marL="285750" indent="-285750">
+              <a:buFont typeface="Arial" panose="020B0604020202020204" pitchFamily="34" charset="0"/>
+              <a:buChar char="•"/>
+            </a:pPr>
+            <a:endParaRPr lang="ru-RU" dirty="0">
+              <a:solidFill>
+                <a:srgbClr val="FF0000"/>
+              </a:solidFill>
+            </a:endParaRPr>
+          </a:p>
+        </p:txBody>
+      </p:sp>
     </p:spTree>
     <p:extLst>
       <p:ext uri="{BB962C8B-B14F-4D97-AF65-F5344CB8AC3E}">
-        <p14:creationId xmlns:p14="http://schemas.microsoft.com/office/powerpoint/2010/main" val="2123573189"/>
+        <p14:creationId xmlns:p14="http://schemas.microsoft.com/office/powerpoint/2010/main" val="2180972438"/>
       </p:ext>
     </p:extLst>
   </p:cSld>
@@ -8075,7 +8807,7 @@
 </p:sld>
 </file>
 
-<file path=ppt/slides/slide17.xml><?xml version="1.0" encoding="utf-8"?>
+<file path=ppt/slides/slide4.xml><?xml version="1.0" encoding="utf-8"?>
 <p:sld xmlns:a="http://schemas.openxmlformats.org/drawingml/2006/main" xmlns:r="http://schemas.openxmlformats.org/officeDocument/2006/relationships" xmlns:p="http://schemas.openxmlformats.org/presentationml/2006/main">
   <p:cSld>
     <p:spTree>
@@ -8110,8 +8842,8 @@
         </p:nvSpPr>
         <p:spPr>
           <a:xfrm>
-            <a:off x="609599" y="381001"/>
-            <a:ext cx="6600825" cy="634119"/>
+            <a:off x="609600" y="381001"/>
+            <a:ext cx="5867400" cy="634119"/>
           </a:xfrm>
         </p:spPr>
         <p:txBody>
@@ -8125,15 +8857,37 @@
                 <a:latin typeface="Times New Roman" panose="02020603050405020304" pitchFamily="18" charset="0"/>
                 <a:cs typeface="Times New Roman" panose="02020603050405020304" pitchFamily="18" charset="0"/>
               </a:rPr>
-              <a:t>Тестирование</a:t>
-            </a:r>
-            <a:br>
+              <a:t>Обзор</a:t>
+            </a:r>
+            <a:r>
+              <a:rPr lang="ru-RU" sz="3600" b="1" spc="-50" dirty="0">
+                <a:latin typeface="Times New Roman" panose="02020603050405020304" pitchFamily="18" charset="0"/>
+                <a:cs typeface="Times New Roman" panose="02020603050405020304" pitchFamily="18" charset="0"/>
+              </a:rPr>
+              <a:t> </a:t>
+            </a:r>
+            <a:r>
               <a:rPr lang="ru-RU" sz="3600" b="1" spc="-5" dirty="0">
                 <a:latin typeface="Times New Roman" panose="02020603050405020304" pitchFamily="18" charset="0"/>
                 <a:cs typeface="Times New Roman" panose="02020603050405020304" pitchFamily="18" charset="0"/>
               </a:rPr>
-            </a:br>
-            <a:endParaRPr lang="ru-RU" sz="2400" b="1" dirty="0"/>
+              <a:t>предметной</a:t>
+            </a:r>
+            <a:r>
+              <a:rPr lang="ru-RU" sz="3600" b="1" spc="-45" dirty="0">
+                <a:latin typeface="Times New Roman" panose="02020603050405020304" pitchFamily="18" charset="0"/>
+                <a:cs typeface="Times New Roman" panose="02020603050405020304" pitchFamily="18" charset="0"/>
+              </a:rPr>
+              <a:t> </a:t>
+            </a:r>
+            <a:r>
+              <a:rPr lang="ru-RU" sz="3600" b="1" spc="-5" dirty="0">
+                <a:latin typeface="Times New Roman" panose="02020603050405020304" pitchFamily="18" charset="0"/>
+                <a:cs typeface="Times New Roman" panose="02020603050405020304" pitchFamily="18" charset="0"/>
+              </a:rPr>
+              <a:t>области</a:t>
+            </a:r>
+            <a:endParaRPr lang="ru-RU" sz="3600" b="1" dirty="0"/>
           </a:p>
         </p:txBody>
       </p:sp>
@@ -8383,7 +9137,7 @@
                   <a:spcPts val="3970"/>
                 </a:lnSpc>
               </a:pPr>
-              <a:t>17</a:t>
+              <a:t>4</a:t>
             </a:fld>
             <a:endParaRPr lang="ru-RU" sz="4000" dirty="0">
               <a:solidFill>
@@ -8395,16 +9149,127 @@
           </a:p>
         </p:txBody>
       </p:sp>
+      <p:sp>
+        <p:nvSpPr>
+          <p:cNvPr id="13" name="TextBox 12">
+            <a:extLst>
+              <a:ext uri="{FF2B5EF4-FFF2-40B4-BE49-F238E27FC236}">
+                <a16:creationId xmlns:a16="http://schemas.microsoft.com/office/drawing/2014/main" id="{9CC60907-F545-4322-BE25-AFA798214C21}"/>
+              </a:ext>
+            </a:extLst>
+          </p:cNvPr>
+          <p:cNvSpPr txBox="1"/>
+          <p:nvPr/>
+        </p:nvSpPr>
+        <p:spPr>
+          <a:xfrm>
+            <a:off x="495300" y="1062335"/>
+            <a:ext cx="5000625" cy="1477328"/>
+          </a:xfrm>
+          <a:prstGeom prst="rect">
+            <a:avLst/>
+          </a:prstGeom>
+          <a:noFill/>
+        </p:spPr>
+        <p:txBody>
+          <a:bodyPr wrap="square">
+            <a:spAutoFit/>
+          </a:bodyPr>
+          <a:lstStyle/>
+          <a:p>
+            <a:pPr marL="285750" indent="-285750">
+              <a:buFont typeface="Arial" panose="020B0604020202020204" pitchFamily="34" charset="0"/>
+              <a:buChar char="•"/>
+            </a:pPr>
+            <a:r>
+              <a:rPr lang="ru-RU" sz="1800" dirty="0">
+                <a:effectLst/>
+                <a:latin typeface="Times New Roman" panose="02020603050405020304" pitchFamily="18" charset="0"/>
+                <a:ea typeface="Times New Roman" panose="02020603050405020304" pitchFamily="18" charset="0"/>
+              </a:rPr>
+              <a:t>Выборка необходимых документов и данных</a:t>
+            </a:r>
+            <a:endParaRPr lang="en-US" sz="1800" dirty="0">
+              <a:effectLst/>
+              <a:latin typeface="Times New Roman" panose="02020603050405020304" pitchFamily="18" charset="0"/>
+              <a:ea typeface="Times New Roman" panose="02020603050405020304" pitchFamily="18" charset="0"/>
+            </a:endParaRPr>
+          </a:p>
+          <a:p>
+            <a:pPr marL="285750" indent="-285750">
+              <a:buFont typeface="Arial" panose="020B0604020202020204" pitchFamily="34" charset="0"/>
+              <a:buChar char="•"/>
+            </a:pPr>
+            <a:r>
+              <a:rPr lang="ru-RU" sz="1800" dirty="0">
+                <a:solidFill>
+                  <a:srgbClr val="FF0000"/>
+                </a:solidFill>
+                <a:effectLst/>
+                <a:latin typeface="Times New Roman" panose="02020603050405020304" pitchFamily="18" charset="0"/>
+                <a:ea typeface="Times New Roman" panose="02020603050405020304" pitchFamily="18" charset="0"/>
+              </a:rPr>
+              <a:t>Развитие векторного представления слов</a:t>
+            </a:r>
+            <a:endParaRPr lang="en-US" sz="1800" dirty="0">
+              <a:solidFill>
+                <a:srgbClr val="FF0000"/>
+              </a:solidFill>
+              <a:effectLst/>
+              <a:latin typeface="Times New Roman" panose="02020603050405020304" pitchFamily="18" charset="0"/>
+              <a:ea typeface="Times New Roman" panose="02020603050405020304" pitchFamily="18" charset="0"/>
+            </a:endParaRPr>
+          </a:p>
+          <a:p>
+            <a:pPr marL="285750" indent="-285750">
+              <a:buFont typeface="Arial" panose="020B0604020202020204" pitchFamily="34" charset="0"/>
+              <a:buChar char="•"/>
+            </a:pPr>
+            <a:r>
+              <a:rPr lang="ru-RU" sz="1800" dirty="0">
+                <a:effectLst/>
+                <a:latin typeface="Times New Roman" panose="02020603050405020304" pitchFamily="18" charset="0"/>
+                <a:ea typeface="Times New Roman" panose="02020603050405020304" pitchFamily="18" charset="0"/>
+              </a:rPr>
+              <a:t>Виды языковых моделей</a:t>
+            </a:r>
+            <a:endParaRPr lang="ru-RU" dirty="0">
+              <a:latin typeface="Times New Roman" panose="02020603050405020304" pitchFamily="18" charset="0"/>
+              <a:ea typeface="Times New Roman" panose="02020603050405020304" pitchFamily="18" charset="0"/>
+            </a:endParaRPr>
+          </a:p>
+          <a:p>
+            <a:endParaRPr lang="ru-RU" sz="1800" dirty="0">
+              <a:effectLst/>
+              <a:latin typeface="Times New Roman" panose="02020603050405020304" pitchFamily="18" charset="0"/>
+              <a:ea typeface="Times New Roman" panose="02020603050405020304" pitchFamily="18" charset="0"/>
+            </a:endParaRPr>
+          </a:p>
+          <a:p>
+            <a:pPr marL="285750" indent="-285750">
+              <a:buFont typeface="Arial" panose="020B0604020202020204" pitchFamily="34" charset="0"/>
+              <a:buChar char="•"/>
+            </a:pPr>
+            <a:endParaRPr lang="ru-RU" dirty="0">
+              <a:solidFill>
+                <a:srgbClr val="FF0000"/>
+              </a:solidFill>
+            </a:endParaRPr>
+          </a:p>
+        </p:txBody>
+      </p:sp>
       <p:pic>
         <p:nvPicPr>
-          <p:cNvPr id="17" name="Рисунок 16">
-            <a:extLst>
-              <a:ext uri="{FF2B5EF4-FFF2-40B4-BE49-F238E27FC236}">
-                <a16:creationId xmlns:a16="http://schemas.microsoft.com/office/drawing/2014/main" id="{38C47E5F-0F85-41BC-AC0E-44801C6736A5}"/>
-              </a:ext>
-            </a:extLst>
-          </p:cNvPr>
-          <p:cNvPicPr/>
+          <p:cNvPr id="3" name="Рисунок 2">
+            <a:extLst>
+              <a:ext uri="{FF2B5EF4-FFF2-40B4-BE49-F238E27FC236}">
+                <a16:creationId xmlns:a16="http://schemas.microsoft.com/office/drawing/2014/main" id="{1A0E5435-6A72-486F-95F2-4807416CD633}"/>
+              </a:ext>
+            </a:extLst>
+          </p:cNvPr>
+          <p:cNvPicPr>
+            <a:picLocks noChangeAspect="1"/>
+          </p:cNvPicPr>
           <p:nvPr/>
         </p:nvPicPr>
         <p:blipFill>
@@ -8415,8 +9280,8 @@
         </p:blipFill>
         <p:spPr>
           <a:xfrm>
-            <a:off x="609599" y="1965838"/>
-            <a:ext cx="5268015" cy="2926324"/>
+            <a:off x="495300" y="2323310"/>
+            <a:ext cx="5528177" cy="2505381"/>
           </a:xfrm>
           <a:prstGeom prst="rect">
             <a:avLst/>
@@ -8425,14 +9290,16 @@
       </p:pic>
       <p:pic>
         <p:nvPicPr>
-          <p:cNvPr id="18" name="Рисунок 17">
-            <a:extLst>
-              <a:ext uri="{FF2B5EF4-FFF2-40B4-BE49-F238E27FC236}">
-                <a16:creationId xmlns:a16="http://schemas.microsoft.com/office/drawing/2014/main" id="{9AA4EFC4-9555-4E5A-AFA2-3BCBAB4E41B8}"/>
-              </a:ext>
-            </a:extLst>
-          </p:cNvPr>
-          <p:cNvPicPr/>
+          <p:cNvPr id="17" name="Рисунок 16">
+            <a:extLst>
+              <a:ext uri="{FF2B5EF4-FFF2-40B4-BE49-F238E27FC236}">
+                <a16:creationId xmlns:a16="http://schemas.microsoft.com/office/drawing/2014/main" id="{FAA9135F-7A5F-423E-9207-0D26AFF1CEC8}"/>
+              </a:ext>
+            </a:extLst>
+          </p:cNvPr>
+          <p:cNvPicPr>
+            <a:picLocks noChangeAspect="1"/>
+          </p:cNvPicPr>
           <p:nvPr/>
         </p:nvPicPr>
         <p:blipFill>
@@ -8443,8 +9310,8 @@
         </p:blipFill>
         <p:spPr>
           <a:xfrm>
-            <a:off x="6425068" y="1965838"/>
-            <a:ext cx="5268015" cy="2937509"/>
+            <a:off x="6477000" y="3080631"/>
+            <a:ext cx="5163271" cy="990738"/>
           </a:xfrm>
           <a:prstGeom prst="rect">
             <a:avLst/>
@@ -8454,7 +9321,7 @@
     </p:spTree>
     <p:extLst>
       <p:ext uri="{BB962C8B-B14F-4D97-AF65-F5344CB8AC3E}">
-        <p14:creationId xmlns:p14="http://schemas.microsoft.com/office/powerpoint/2010/main" val="3717579639"/>
+        <p14:creationId xmlns:p14="http://schemas.microsoft.com/office/powerpoint/2010/main" val="810823837"/>
       </p:ext>
     </p:extLst>
   </p:cSld>
@@ -8464,7 +9331,7 @@
 </p:sld>
 </file>
 
-<file path=ppt/slides/slide18.xml><?xml version="1.0" encoding="utf-8"?>
+<file path=ppt/slides/slide5.xml><?xml version="1.0" encoding="utf-8"?>
 <p:sld xmlns:a="http://schemas.openxmlformats.org/drawingml/2006/main" xmlns:r="http://schemas.openxmlformats.org/officeDocument/2006/relationships" xmlns:p="http://schemas.openxmlformats.org/presentationml/2006/main">
   <p:cSld>
     <p:spTree>
@@ -8499,8 +9366,8 @@
         </p:nvSpPr>
         <p:spPr>
           <a:xfrm>
-            <a:off x="609599" y="381001"/>
-            <a:ext cx="6600825" cy="634119"/>
+            <a:off x="609600" y="381001"/>
+            <a:ext cx="5867400" cy="634119"/>
           </a:xfrm>
         </p:spPr>
         <p:txBody>
@@ -8514,15 +9381,37 @@
                 <a:latin typeface="Times New Roman" panose="02020603050405020304" pitchFamily="18" charset="0"/>
                 <a:cs typeface="Times New Roman" panose="02020603050405020304" pitchFamily="18" charset="0"/>
               </a:rPr>
-              <a:t>Тестирование</a:t>
-            </a:r>
-            <a:br>
+              <a:t>Обзор</a:t>
+            </a:r>
+            <a:r>
+              <a:rPr lang="ru-RU" sz="3600" b="1" spc="-50" dirty="0">
+                <a:latin typeface="Times New Roman" panose="02020603050405020304" pitchFamily="18" charset="0"/>
+                <a:cs typeface="Times New Roman" panose="02020603050405020304" pitchFamily="18" charset="0"/>
+              </a:rPr>
+              <a:t> </a:t>
+            </a:r>
+            <a:r>
               <a:rPr lang="ru-RU" sz="3600" b="1" spc="-5" dirty="0">
                 <a:latin typeface="Times New Roman" panose="02020603050405020304" pitchFamily="18" charset="0"/>
                 <a:cs typeface="Times New Roman" panose="02020603050405020304" pitchFamily="18" charset="0"/>
               </a:rPr>
-            </a:br>
-            <a:endParaRPr lang="ru-RU" sz="2400" b="1" dirty="0"/>
+              <a:t>предметной</a:t>
+            </a:r>
+            <a:r>
+              <a:rPr lang="ru-RU" sz="3600" b="1" spc="-45" dirty="0">
+                <a:latin typeface="Times New Roman" panose="02020603050405020304" pitchFamily="18" charset="0"/>
+                <a:cs typeface="Times New Roman" panose="02020603050405020304" pitchFamily="18" charset="0"/>
+              </a:rPr>
+              <a:t> </a:t>
+            </a:r>
+            <a:r>
+              <a:rPr lang="ru-RU" sz="3600" b="1" spc="-5" dirty="0">
+                <a:latin typeface="Times New Roman" panose="02020603050405020304" pitchFamily="18" charset="0"/>
+                <a:cs typeface="Times New Roman" panose="02020603050405020304" pitchFamily="18" charset="0"/>
+              </a:rPr>
+              <a:t>области</a:t>
+            </a:r>
+            <a:endParaRPr lang="ru-RU" sz="3600" b="1" dirty="0"/>
           </a:p>
         </p:txBody>
       </p:sp>
@@ -8772,3278 +9661,6 @@
                   <a:spcPts val="3970"/>
                 </a:lnSpc>
               </a:pPr>
-              <a:t>18</a:t>
-            </a:fld>
-            <a:endParaRPr lang="ru-RU" sz="4000" dirty="0">
-              <a:solidFill>
-                <a:schemeClr val="bg1"/>
-              </a:solidFill>
-              <a:latin typeface="Times New Roman" panose="02020603050405020304" pitchFamily="18" charset="0"/>
-              <a:cs typeface="Times New Roman" panose="02020603050405020304" pitchFamily="18" charset="0"/>
-            </a:endParaRPr>
-          </a:p>
-        </p:txBody>
-      </p:sp>
-      <p:pic>
-        <p:nvPicPr>
-          <p:cNvPr id="9" name="Рисунок 8">
-            <a:extLst>
-              <a:ext uri="{FF2B5EF4-FFF2-40B4-BE49-F238E27FC236}">
-                <a16:creationId xmlns:a16="http://schemas.microsoft.com/office/drawing/2014/main" id="{C6D10A58-38FD-4210-A9BB-894E415D8EBC}"/>
-              </a:ext>
-            </a:extLst>
-          </p:cNvPr>
-          <p:cNvPicPr/>
-          <p:nvPr/>
-        </p:nvPicPr>
-        <p:blipFill>
-          <a:blip r:embed="rId3"/>
-          <a:stretch>
-            <a:fillRect/>
-          </a:stretch>
-        </p:blipFill>
-        <p:spPr>
-          <a:xfrm>
-            <a:off x="609599" y="2126615"/>
-            <a:ext cx="4763154" cy="2604770"/>
-          </a:xfrm>
-          <a:prstGeom prst="rect">
-            <a:avLst/>
-          </a:prstGeom>
-        </p:spPr>
-      </p:pic>
-      <p:pic>
-        <p:nvPicPr>
-          <p:cNvPr id="13" name="Рисунок 12">
-            <a:extLst>
-              <a:ext uri="{FF2B5EF4-FFF2-40B4-BE49-F238E27FC236}">
-                <a16:creationId xmlns:a16="http://schemas.microsoft.com/office/drawing/2014/main" id="{BAC3F6D1-92C1-4FEE-9852-55F75C16FA00}"/>
-              </a:ext>
-            </a:extLst>
-          </p:cNvPr>
-          <p:cNvPicPr/>
-          <p:nvPr/>
-        </p:nvPicPr>
-        <p:blipFill>
-          <a:blip r:embed="rId4"/>
-          <a:stretch>
-            <a:fillRect/>
-          </a:stretch>
-        </p:blipFill>
-        <p:spPr>
-          <a:xfrm>
-            <a:off x="6143135" y="2126615"/>
-            <a:ext cx="5345859" cy="2604770"/>
-          </a:xfrm>
-          <a:prstGeom prst="rect">
-            <a:avLst/>
-          </a:prstGeom>
-        </p:spPr>
-      </p:pic>
-    </p:spTree>
-    <p:extLst>
-      <p:ext uri="{BB962C8B-B14F-4D97-AF65-F5344CB8AC3E}">
-        <p14:creationId xmlns:p14="http://schemas.microsoft.com/office/powerpoint/2010/main" val="2062955737"/>
-      </p:ext>
-    </p:extLst>
-  </p:cSld>
-  <p:clrMapOvr>
-    <a:masterClrMapping/>
-  </p:clrMapOvr>
-</p:sld>
-</file>
-
-<file path=ppt/slides/slide19.xml><?xml version="1.0" encoding="utf-8"?>
-<p:sld xmlns:a="http://schemas.openxmlformats.org/drawingml/2006/main" xmlns:r="http://schemas.openxmlformats.org/officeDocument/2006/relationships" xmlns:p="http://schemas.openxmlformats.org/presentationml/2006/main">
-  <p:cSld>
-    <p:spTree>
-      <p:nvGrpSpPr>
-        <p:cNvPr id="1" name=""/>
-        <p:cNvGrpSpPr/>
-        <p:nvPr/>
-      </p:nvGrpSpPr>
-      <p:grpSpPr>
-        <a:xfrm>
-          <a:off x="0" y="0"/>
-          <a:ext cx="0" cy="0"/>
-          <a:chOff x="0" y="0"/>
-          <a:chExt cx="0" cy="0"/>
-        </a:xfrm>
-      </p:grpSpPr>
-      <p:sp>
-        <p:nvSpPr>
-          <p:cNvPr id="4" name="Заголовок 3">
-            <a:extLst>
-              <a:ext uri="{FF2B5EF4-FFF2-40B4-BE49-F238E27FC236}">
-                <a16:creationId xmlns:a16="http://schemas.microsoft.com/office/drawing/2014/main" id="{50A4DD60-3A2E-4A3E-90CA-082C44663A86}"/>
-              </a:ext>
-            </a:extLst>
-          </p:cNvPr>
-          <p:cNvSpPr>
-            <a:spLocks noGrp="1"/>
-          </p:cNvSpPr>
-          <p:nvPr>
-            <p:ph type="title"/>
-          </p:nvPr>
-        </p:nvSpPr>
-        <p:spPr>
-          <a:xfrm>
-            <a:off x="609599" y="381001"/>
-            <a:ext cx="6600825" cy="634119"/>
-          </a:xfrm>
-        </p:spPr>
-        <p:txBody>
-          <a:bodyPr>
-            <a:noAutofit/>
-          </a:bodyPr>
-          <a:lstStyle/>
-          <a:p>
-            <a:r>
-              <a:rPr lang="ru-RU" sz="3600" b="1" spc="-5" dirty="0">
-                <a:latin typeface="Times New Roman" panose="02020603050405020304" pitchFamily="18" charset="0"/>
-                <a:cs typeface="Times New Roman" panose="02020603050405020304" pitchFamily="18" charset="0"/>
-              </a:rPr>
-              <a:t>Заключение</a:t>
-            </a:r>
-            <a:br>
-              <a:rPr lang="ru-RU" sz="3600" b="1" spc="-5" dirty="0">
-                <a:latin typeface="Times New Roman" panose="02020603050405020304" pitchFamily="18" charset="0"/>
-                <a:cs typeface="Times New Roman" panose="02020603050405020304" pitchFamily="18" charset="0"/>
-              </a:rPr>
-            </a:br>
-            <a:endParaRPr lang="ru-RU" sz="2400" b="1" dirty="0"/>
-          </a:p>
-        </p:txBody>
-      </p:sp>
-      <p:sp>
-        <p:nvSpPr>
-          <p:cNvPr id="14" name="TextBox 13">
-            <a:extLst>
-              <a:ext uri="{FF2B5EF4-FFF2-40B4-BE49-F238E27FC236}">
-                <a16:creationId xmlns:a16="http://schemas.microsoft.com/office/drawing/2014/main" id="{995A966E-DA39-4785-B3BF-7857AC9AC00F}"/>
-              </a:ext>
-            </a:extLst>
-          </p:cNvPr>
-          <p:cNvSpPr txBox="1"/>
-          <p:nvPr/>
-        </p:nvSpPr>
-        <p:spPr>
-          <a:xfrm>
-            <a:off x="609599" y="1689062"/>
-            <a:ext cx="10363201" cy="3820533"/>
-          </a:xfrm>
-          <a:prstGeom prst="rect">
-            <a:avLst/>
-          </a:prstGeom>
-          <a:noFill/>
-        </p:spPr>
-        <p:txBody>
-          <a:bodyPr wrap="square">
-            <a:spAutoFit/>
-          </a:bodyPr>
-          <a:lstStyle/>
-          <a:p>
-            <a:pPr marL="12700" marR="5080" algn="just">
-              <a:lnSpc>
-                <a:spcPct val="150000"/>
-              </a:lnSpc>
-              <a:spcBef>
-                <a:spcPts val="100"/>
-              </a:spcBef>
-            </a:pPr>
-            <a:r>
-              <a:rPr lang="ru-RU" dirty="0">
-                <a:latin typeface="Times New Roman" panose="02020603050405020304" pitchFamily="18" charset="0"/>
-                <a:cs typeface="Times New Roman" panose="02020603050405020304" pitchFamily="18" charset="0"/>
-              </a:rPr>
-              <a:t>	В ходе выполнения работы был разработан программный комплекс интеллектуального поиска в </a:t>
-            </a:r>
-            <a:r>
-              <a:rPr lang="ru-RU">
-                <a:latin typeface="Times New Roman" panose="02020603050405020304" pitchFamily="18" charset="0"/>
-                <a:cs typeface="Times New Roman" panose="02020603050405020304" pitchFamily="18" charset="0"/>
-              </a:rPr>
-              <a:t>корпоративных документах, </a:t>
-            </a:r>
-            <a:r>
-              <a:rPr lang="ru-RU" dirty="0">
-                <a:latin typeface="Times New Roman" panose="02020603050405020304" pitchFamily="18" charset="0"/>
-                <a:cs typeface="Times New Roman" panose="02020603050405020304" pitchFamily="18" charset="0"/>
-              </a:rPr>
-              <a:t>который позволяет повысить эффективность работы с информационными данными, что поможет ускорить бизнес-процессы.</a:t>
-            </a:r>
-          </a:p>
-          <a:p>
-            <a:pPr marL="12700" marR="5080" algn="just">
-              <a:lnSpc>
-                <a:spcPct val="150000"/>
-              </a:lnSpc>
-              <a:spcBef>
-                <a:spcPts val="100"/>
-              </a:spcBef>
-            </a:pPr>
-            <a:r>
-              <a:rPr lang="ru-RU" dirty="0">
-                <a:latin typeface="Times New Roman" panose="02020603050405020304" pitchFamily="18" charset="0"/>
-                <a:cs typeface="Times New Roman" panose="02020603050405020304" pitchFamily="18" charset="0"/>
-              </a:rPr>
-              <a:t>	Дальнейшее развитие программного комплекса планируется в рамках магистерской диссертации.</a:t>
-            </a:r>
-          </a:p>
-          <a:p>
-            <a:pPr marL="12700" marR="5080" algn="just">
-              <a:lnSpc>
-                <a:spcPct val="150000"/>
-              </a:lnSpc>
-              <a:spcBef>
-                <a:spcPts val="100"/>
-              </a:spcBef>
-            </a:pPr>
-            <a:r>
-              <a:rPr lang="ru-RU" dirty="0">
-                <a:latin typeface="Times New Roman" panose="02020603050405020304" pitchFamily="18" charset="0"/>
-                <a:cs typeface="Times New Roman" panose="02020603050405020304" pitchFamily="18" charset="0"/>
-              </a:rPr>
-              <a:t>	По теме бакалаврской работы была подготовлена статья</a:t>
-            </a:r>
-            <a:r>
-              <a:rPr lang="en-US" dirty="0">
-                <a:latin typeface="Times New Roman" panose="02020603050405020304" pitchFamily="18" charset="0"/>
-                <a:cs typeface="Times New Roman" panose="02020603050405020304" pitchFamily="18" charset="0"/>
-              </a:rPr>
-              <a:t>:</a:t>
-            </a:r>
-            <a:endParaRPr lang="ru-RU" dirty="0">
-              <a:latin typeface="Times New Roman" panose="02020603050405020304" pitchFamily="18" charset="0"/>
-              <a:cs typeface="Times New Roman" panose="02020603050405020304" pitchFamily="18" charset="0"/>
-            </a:endParaRPr>
-          </a:p>
-          <a:p>
-            <a:pPr marL="298450" marR="5080" indent="-285750" algn="just">
-              <a:lnSpc>
-                <a:spcPct val="150000"/>
-              </a:lnSpc>
-              <a:spcBef>
-                <a:spcPts val="100"/>
-              </a:spcBef>
-              <a:buFont typeface="Arial" panose="020B0604020202020204" pitchFamily="34" charset="0"/>
-              <a:buChar char="•"/>
-            </a:pPr>
-            <a:r>
-              <a:rPr lang="ru-RU" dirty="0">
-                <a:latin typeface="Times New Roman" panose="02020603050405020304" pitchFamily="18" charset="0"/>
-                <a:cs typeface="Times New Roman" panose="02020603050405020304" pitchFamily="18" charset="0"/>
-              </a:rPr>
-              <a:t>Бекиш Е.П. Система интеллектуального поиска в корпоративных базах знаний // </a:t>
-            </a:r>
-            <a:r>
-              <a:rPr lang="ru-RU" sz="1800" dirty="0">
-                <a:solidFill>
-                  <a:srgbClr val="000000"/>
-                </a:solidFill>
-                <a:effectLst/>
-                <a:latin typeface="Times New Roman" panose="02020603050405020304" pitchFamily="18" charset="0"/>
-                <a:ea typeface="Times New Roman" panose="02020603050405020304" pitchFamily="18" charset="0"/>
-              </a:rPr>
-              <a:t>XIII Региональная научно-практическая конференция «НАУКА И ПРАКТИКА: ПРОЕКТНАЯ ДЕЯТЕЛЬНОСТЬ – ОТ ИДЕИ ДО ВНЕДРЕНИЯ – 2024»</a:t>
-            </a:r>
-            <a:r>
-              <a:rPr lang="ru-RU" dirty="0">
-                <a:solidFill>
-                  <a:srgbClr val="000000"/>
-                </a:solidFill>
-                <a:latin typeface="Times New Roman" panose="02020603050405020304" pitchFamily="18" charset="0"/>
-                <a:ea typeface="Times New Roman" panose="02020603050405020304" pitchFamily="18" charset="0"/>
-              </a:rPr>
-              <a:t>. Принято к публикации.</a:t>
-            </a:r>
-            <a:endParaRPr lang="ru-RU" dirty="0">
-              <a:latin typeface="Times New Roman" panose="02020603050405020304" pitchFamily="18" charset="0"/>
-              <a:cs typeface="Times New Roman" panose="02020603050405020304" pitchFamily="18" charset="0"/>
-            </a:endParaRPr>
-          </a:p>
-        </p:txBody>
-      </p:sp>
-    </p:spTree>
-    <p:extLst>
-      <p:ext uri="{BB962C8B-B14F-4D97-AF65-F5344CB8AC3E}">
-        <p14:creationId xmlns:p14="http://schemas.microsoft.com/office/powerpoint/2010/main" val="2160518405"/>
-      </p:ext>
-    </p:extLst>
-  </p:cSld>
-  <p:clrMapOvr>
-    <a:masterClrMapping/>
-  </p:clrMapOvr>
-</p:sld>
-</file>
-
-<file path=ppt/slides/slide2.xml><?xml version="1.0" encoding="utf-8"?>
-<p:sld xmlns:a="http://schemas.openxmlformats.org/drawingml/2006/main" xmlns:r="http://schemas.openxmlformats.org/officeDocument/2006/relationships" xmlns:p="http://schemas.openxmlformats.org/presentationml/2006/main">
-  <p:cSld>
-    <p:spTree>
-      <p:nvGrpSpPr>
-        <p:cNvPr id="1" name=""/>
-        <p:cNvGrpSpPr/>
-        <p:nvPr/>
-      </p:nvGrpSpPr>
-      <p:grpSpPr>
-        <a:xfrm>
-          <a:off x="0" y="0"/>
-          <a:ext cx="0" cy="0"/>
-          <a:chOff x="0" y="0"/>
-          <a:chExt cx="0" cy="0"/>
-        </a:xfrm>
-      </p:grpSpPr>
-      <p:sp>
-        <p:nvSpPr>
-          <p:cNvPr id="2" name="object 2"/>
-          <p:cNvSpPr txBox="1">
-            <a:spLocks noGrp="1"/>
-          </p:cNvSpPr>
-          <p:nvPr>
-            <p:ph type="title"/>
-          </p:nvPr>
-        </p:nvSpPr>
-        <p:spPr>
-          <a:xfrm>
-            <a:off x="789182" y="381000"/>
-            <a:ext cx="3889375" cy="566822"/>
-          </a:xfrm>
-          <a:prstGeom prst="rect">
-            <a:avLst/>
-          </a:prstGeom>
-        </p:spPr>
-        <p:txBody>
-          <a:bodyPr vert="horz" wrap="square" lIns="0" tIns="12700" rIns="0" bIns="0" rtlCol="0">
-            <a:spAutoFit/>
-          </a:bodyPr>
-          <a:lstStyle/>
-          <a:p>
-            <a:pPr marL="12700">
-              <a:lnSpc>
-                <a:spcPct val="100000"/>
-              </a:lnSpc>
-              <a:spcBef>
-                <a:spcPts val="100"/>
-              </a:spcBef>
-            </a:pPr>
-            <a:r>
-              <a:rPr b="1" spc="-5" dirty="0">
-                <a:latin typeface="Times New Roman" panose="02020603050405020304" pitchFamily="18" charset="0"/>
-                <a:cs typeface="Times New Roman" panose="02020603050405020304" pitchFamily="18" charset="0"/>
-              </a:rPr>
-              <a:t>Цель</a:t>
-            </a:r>
-            <a:r>
-              <a:rPr b="1" spc="-55" dirty="0">
-                <a:latin typeface="Times New Roman" panose="02020603050405020304" pitchFamily="18" charset="0"/>
-                <a:cs typeface="Times New Roman" panose="02020603050405020304" pitchFamily="18" charset="0"/>
-              </a:rPr>
-              <a:t> </a:t>
-            </a:r>
-            <a:r>
-              <a:rPr b="1" dirty="0">
-                <a:latin typeface="Times New Roman" panose="02020603050405020304" pitchFamily="18" charset="0"/>
-                <a:cs typeface="Times New Roman" panose="02020603050405020304" pitchFamily="18" charset="0"/>
-              </a:rPr>
-              <a:t>и</a:t>
-            </a:r>
-            <a:r>
-              <a:rPr b="1" spc="-50" dirty="0">
-                <a:latin typeface="Times New Roman" panose="02020603050405020304" pitchFamily="18" charset="0"/>
-                <a:cs typeface="Times New Roman" panose="02020603050405020304" pitchFamily="18" charset="0"/>
-              </a:rPr>
-              <a:t> </a:t>
-            </a:r>
-            <a:r>
-              <a:rPr b="1" spc="-5" dirty="0">
-                <a:latin typeface="Times New Roman" panose="02020603050405020304" pitchFamily="18" charset="0"/>
-                <a:cs typeface="Times New Roman" panose="02020603050405020304" pitchFamily="18" charset="0"/>
-              </a:rPr>
-              <a:t>задачи</a:t>
-            </a:r>
-          </a:p>
-        </p:txBody>
-      </p:sp>
-      <p:sp>
-        <p:nvSpPr>
-          <p:cNvPr id="3" name="object 3"/>
-          <p:cNvSpPr txBox="1"/>
-          <p:nvPr/>
-        </p:nvSpPr>
-        <p:spPr>
-          <a:xfrm>
-            <a:off x="789182" y="1222419"/>
-            <a:ext cx="10047605" cy="4342214"/>
-          </a:xfrm>
-          <a:prstGeom prst="rect">
-            <a:avLst/>
-          </a:prstGeom>
-        </p:spPr>
-        <p:txBody>
-          <a:bodyPr vert="horz" wrap="square" lIns="0" tIns="134620" rIns="0" bIns="0" rtlCol="0">
-            <a:spAutoFit/>
-          </a:bodyPr>
-          <a:lstStyle/>
-          <a:p>
-            <a:pPr marL="12700">
-              <a:lnSpc>
-                <a:spcPct val="100000"/>
-              </a:lnSpc>
-              <a:spcBef>
-                <a:spcPts val="1060"/>
-              </a:spcBef>
-            </a:pPr>
-            <a:r>
-              <a:rPr b="1" spc="-5" dirty="0">
-                <a:latin typeface="Times New Roman" panose="02020603050405020304" pitchFamily="18" charset="0"/>
-                <a:cs typeface="Times New Roman" panose="02020603050405020304" pitchFamily="18" charset="0"/>
-              </a:rPr>
-              <a:t>Цель</a:t>
-            </a:r>
-            <a:r>
-              <a:rPr b="1" spc="-55" dirty="0">
-                <a:latin typeface="Times New Roman" panose="02020603050405020304" pitchFamily="18" charset="0"/>
-                <a:cs typeface="Times New Roman" panose="02020603050405020304" pitchFamily="18" charset="0"/>
-              </a:rPr>
-              <a:t> </a:t>
-            </a:r>
-            <a:r>
-              <a:rPr b="1" spc="-5" dirty="0">
-                <a:latin typeface="Times New Roman" panose="02020603050405020304" pitchFamily="18" charset="0"/>
-                <a:cs typeface="Times New Roman" panose="02020603050405020304" pitchFamily="18" charset="0"/>
-              </a:rPr>
-              <a:t>работы</a:t>
-            </a:r>
-            <a:endParaRPr b="1" dirty="0">
-              <a:latin typeface="Times New Roman" panose="02020603050405020304" pitchFamily="18" charset="0"/>
-              <a:cs typeface="Times New Roman" panose="02020603050405020304" pitchFamily="18" charset="0"/>
-            </a:endParaRPr>
-          </a:p>
-          <a:p>
-            <a:pPr indent="450215" algn="just">
-              <a:lnSpc>
-                <a:spcPct val="150000"/>
-              </a:lnSpc>
-              <a:spcAft>
-                <a:spcPts val="800"/>
-              </a:spcAft>
-            </a:pPr>
-            <a:r>
-              <a:rPr lang="ru-RU" sz="1800" dirty="0">
-                <a:solidFill>
-                  <a:srgbClr val="000000"/>
-                </a:solidFill>
-                <a:effectLst/>
-                <a:latin typeface="Times New Roman" panose="02020603050405020304" pitchFamily="18" charset="0"/>
-                <a:ea typeface="Times New Roman" panose="02020603050405020304" pitchFamily="18" charset="0"/>
-              </a:rPr>
-              <a:t>разработать программный комплекс, который сокращает время доступа сотрудников к корпоративной информации за счет обработки запросов к внутренним документам предприятия на естественном языке и их обработка средствами ИИ.</a:t>
-            </a:r>
-            <a:endParaRPr b="1" dirty="0">
-              <a:latin typeface="Times New Roman" panose="02020603050405020304" pitchFamily="18" charset="0"/>
-              <a:cs typeface="Times New Roman" panose="02020603050405020304" pitchFamily="18" charset="0"/>
-            </a:endParaRPr>
-          </a:p>
-          <a:p>
-            <a:pPr>
-              <a:lnSpc>
-                <a:spcPct val="100000"/>
-              </a:lnSpc>
-              <a:spcBef>
-                <a:spcPts val="40"/>
-              </a:spcBef>
-            </a:pPr>
-            <a:endParaRPr b="1" dirty="0">
-              <a:latin typeface="Times New Roman" panose="02020603050405020304" pitchFamily="18" charset="0"/>
-              <a:cs typeface="Times New Roman" panose="02020603050405020304" pitchFamily="18" charset="0"/>
-            </a:endParaRPr>
-          </a:p>
-          <a:p>
-            <a:pPr marL="12700">
-              <a:lnSpc>
-                <a:spcPct val="100000"/>
-              </a:lnSpc>
-            </a:pPr>
-            <a:r>
-              <a:rPr b="1" spc="-5" dirty="0">
-                <a:latin typeface="Times New Roman" panose="02020603050405020304" pitchFamily="18" charset="0"/>
-                <a:cs typeface="Times New Roman" panose="02020603050405020304" pitchFamily="18" charset="0"/>
-              </a:rPr>
-              <a:t>Задачи:</a:t>
-            </a:r>
-            <a:endParaRPr b="1" dirty="0">
-              <a:latin typeface="Times New Roman" panose="02020603050405020304" pitchFamily="18" charset="0"/>
-              <a:cs typeface="Times New Roman" panose="02020603050405020304" pitchFamily="18" charset="0"/>
-            </a:endParaRPr>
-          </a:p>
-          <a:p>
-            <a:pPr marL="904875" indent="-400050">
-              <a:lnSpc>
-                <a:spcPct val="100000"/>
-              </a:lnSpc>
-              <a:spcBef>
-                <a:spcPts val="960"/>
-              </a:spcBef>
-              <a:buFont typeface="Microsoft Sans Serif"/>
-              <a:buAutoNum type="arabicPeriod"/>
-              <a:tabLst>
-                <a:tab pos="904875" algn="l"/>
-                <a:tab pos="905510" algn="l"/>
-              </a:tabLst>
-            </a:pPr>
-            <a:r>
-              <a:rPr lang="ru-RU" dirty="0">
-                <a:latin typeface="Times New Roman" panose="02020603050405020304" pitchFamily="18" charset="0"/>
-                <a:cs typeface="Times New Roman" panose="02020603050405020304" pitchFamily="18" charset="0"/>
-              </a:rPr>
-              <a:t>Анализ необходимых требований; </a:t>
-            </a:r>
-          </a:p>
-          <a:p>
-            <a:pPr marL="904875" indent="-400050">
-              <a:lnSpc>
-                <a:spcPct val="100000"/>
-              </a:lnSpc>
-              <a:spcBef>
-                <a:spcPts val="960"/>
-              </a:spcBef>
-              <a:buFont typeface="Microsoft Sans Serif"/>
-              <a:buAutoNum type="arabicPeriod"/>
-              <a:tabLst>
-                <a:tab pos="904875" algn="l"/>
-                <a:tab pos="905510" algn="l"/>
-              </a:tabLst>
-            </a:pPr>
-            <a:r>
-              <a:rPr lang="ru-RU" dirty="0">
-                <a:latin typeface="Times New Roman" panose="02020603050405020304" pitchFamily="18" charset="0"/>
-                <a:cs typeface="Times New Roman" panose="02020603050405020304" pitchFamily="18" charset="0"/>
-              </a:rPr>
-              <a:t>Реализация функциональных возможностей и выработка спецификаций; </a:t>
-            </a:r>
-          </a:p>
-          <a:p>
-            <a:pPr marL="904875" indent="-400050">
-              <a:lnSpc>
-                <a:spcPct val="100000"/>
-              </a:lnSpc>
-              <a:spcBef>
-                <a:spcPts val="960"/>
-              </a:spcBef>
-              <a:buFont typeface="Microsoft Sans Serif"/>
-              <a:buAutoNum type="arabicPeriod"/>
-              <a:tabLst>
-                <a:tab pos="904875" algn="l"/>
-                <a:tab pos="905510" algn="l"/>
-              </a:tabLst>
-            </a:pPr>
-            <a:r>
-              <a:rPr lang="ru-RU" dirty="0">
-                <a:latin typeface="Times New Roman" panose="02020603050405020304" pitchFamily="18" charset="0"/>
-                <a:cs typeface="Times New Roman" panose="02020603050405020304" pitchFamily="18" charset="0"/>
-              </a:rPr>
-              <a:t>Проектирование; </a:t>
-            </a:r>
-          </a:p>
-          <a:p>
-            <a:pPr marL="904875" indent="-400050">
-              <a:lnSpc>
-                <a:spcPct val="100000"/>
-              </a:lnSpc>
-              <a:spcBef>
-                <a:spcPts val="960"/>
-              </a:spcBef>
-              <a:buFont typeface="Microsoft Sans Serif"/>
-              <a:buAutoNum type="arabicPeriod"/>
-              <a:tabLst>
-                <a:tab pos="904875" algn="l"/>
-                <a:tab pos="905510" algn="l"/>
-              </a:tabLst>
-            </a:pPr>
-            <a:r>
-              <a:rPr lang="ru-RU" dirty="0">
-                <a:latin typeface="Times New Roman" panose="02020603050405020304" pitchFamily="18" charset="0"/>
-                <a:cs typeface="Times New Roman" panose="02020603050405020304" pitchFamily="18" charset="0"/>
-              </a:rPr>
-              <a:t>Реализация системы; </a:t>
-            </a:r>
-          </a:p>
-          <a:p>
-            <a:pPr marL="904875" indent="-400050">
-              <a:lnSpc>
-                <a:spcPct val="100000"/>
-              </a:lnSpc>
-              <a:spcBef>
-                <a:spcPts val="960"/>
-              </a:spcBef>
-              <a:buFont typeface="Microsoft Sans Serif"/>
-              <a:buAutoNum type="arabicPeriod"/>
-              <a:tabLst>
-                <a:tab pos="904875" algn="l"/>
-                <a:tab pos="905510" algn="l"/>
-              </a:tabLst>
-            </a:pPr>
-            <a:r>
-              <a:rPr lang="ru-RU" spc="-5" dirty="0">
-                <a:latin typeface="Times New Roman" panose="02020603050405020304" pitchFamily="18" charset="0"/>
-                <a:cs typeface="Times New Roman" panose="02020603050405020304" pitchFamily="18" charset="0"/>
-              </a:rPr>
-              <a:t>Тестирование.</a:t>
-            </a:r>
-          </a:p>
-        </p:txBody>
-      </p:sp>
-      <p:grpSp>
-        <p:nvGrpSpPr>
-          <p:cNvPr id="4" name="object 4"/>
-          <p:cNvGrpSpPr/>
-          <p:nvPr/>
-        </p:nvGrpSpPr>
-        <p:grpSpPr>
-          <a:xfrm>
-            <a:off x="10955850" y="6147124"/>
-            <a:ext cx="1236345" cy="488315"/>
-            <a:chOff x="10955850" y="6147124"/>
-            <a:chExt cx="1236345" cy="488315"/>
-          </a:xfrm>
-        </p:grpSpPr>
-        <p:pic>
-          <p:nvPicPr>
-            <p:cNvPr id="5" name="object 5"/>
-            <p:cNvPicPr/>
-            <p:nvPr/>
-          </p:nvPicPr>
-          <p:blipFill>
-            <a:blip r:embed="rId2" cstate="print"/>
-            <a:stretch>
-              <a:fillRect/>
-            </a:stretch>
-          </p:blipFill>
-          <p:spPr>
-            <a:xfrm>
-              <a:off x="10955850" y="6147125"/>
-              <a:ext cx="1008800" cy="487775"/>
-            </a:xfrm>
-            <a:prstGeom prst="rect">
-              <a:avLst/>
-            </a:prstGeom>
-          </p:spPr>
-        </p:pic>
-        <p:sp>
-          <p:nvSpPr>
-            <p:cNvPr id="6" name="object 6"/>
-            <p:cNvSpPr/>
-            <p:nvPr/>
-          </p:nvSpPr>
-          <p:spPr>
-            <a:xfrm>
-              <a:off x="11193975" y="6147124"/>
-              <a:ext cx="998219" cy="488315"/>
-            </a:xfrm>
-            <a:custGeom>
-              <a:avLst/>
-              <a:gdLst/>
-              <a:ahLst/>
-              <a:cxnLst/>
-              <a:rect l="l" t="t" r="r" b="b"/>
-              <a:pathLst>
-                <a:path w="998220" h="488315">
-                  <a:moveTo>
-                    <a:pt x="998024" y="487774"/>
-                  </a:moveTo>
-                  <a:lnTo>
-                    <a:pt x="0" y="487774"/>
-                  </a:lnTo>
-                  <a:lnTo>
-                    <a:pt x="201759" y="0"/>
-                  </a:lnTo>
-                  <a:lnTo>
-                    <a:pt x="998024" y="0"/>
-                  </a:lnTo>
-                  <a:lnTo>
-                    <a:pt x="998024" y="487774"/>
-                  </a:lnTo>
-                  <a:close/>
-                </a:path>
-              </a:pathLst>
-            </a:custGeom>
-            <a:solidFill>
-              <a:srgbClr val="3C378D"/>
-            </a:solidFill>
-          </p:spPr>
-          <p:txBody>
-            <a:bodyPr wrap="square" lIns="0" tIns="0" rIns="0" bIns="0" rtlCol="0"/>
-            <a:lstStyle/>
-            <a:p>
-              <a:endParaRPr>
-                <a:latin typeface="Times New Roman" panose="02020603050405020304" pitchFamily="18" charset="0"/>
-                <a:cs typeface="Times New Roman" panose="02020603050405020304" pitchFamily="18" charset="0"/>
-              </a:endParaRPr>
-            </a:p>
-          </p:txBody>
-        </p:sp>
-      </p:grpSp>
-      <p:sp>
-        <p:nvSpPr>
-          <p:cNvPr id="7" name="object 7"/>
-          <p:cNvSpPr txBox="1">
-            <a:spLocks noGrp="1"/>
-          </p:cNvSpPr>
-          <p:nvPr>
-            <p:ph type="sldNum" sz="quarter" idx="7"/>
-          </p:nvPr>
-        </p:nvSpPr>
-        <p:spPr>
-          <a:xfrm>
-            <a:off x="11488994" y="6135939"/>
-            <a:ext cx="570865" cy="522604"/>
-          </a:xfrm>
-          <a:prstGeom prst="rect">
-            <a:avLst/>
-          </a:prstGeom>
-        </p:spPr>
-        <p:txBody>
-          <a:bodyPr vert="horz" wrap="square" lIns="0" tIns="0" rIns="0" bIns="0" rtlCol="0">
-            <a:spAutoFit/>
-          </a:bodyPr>
-          <a:lstStyle>
-            <a:defPPr>
-              <a:defRPr lang="ru-RU"/>
-            </a:defPPr>
-            <a:lvl1pPr marL="0" algn="l" defTabSz="914400" rtl="0" eaLnBrk="1" latinLnBrk="0" hangingPunct="1">
-              <a:defRPr sz="3500" b="0" i="0" kern="1200">
-                <a:solidFill>
-                  <a:schemeClr val="bg1"/>
-                </a:solidFill>
-                <a:latin typeface="Microsoft Sans Serif"/>
-                <a:ea typeface="+mn-ea"/>
-                <a:cs typeface="Microsoft Sans Serif"/>
-              </a:defRPr>
-            </a:lvl1pPr>
-            <a:lvl2pPr marL="457200" algn="l" defTabSz="914400" rtl="0" eaLnBrk="1" latinLnBrk="0" hangingPunct="1">
-              <a:defRPr sz="1800" kern="1200">
-                <a:solidFill>
-                  <a:schemeClr val="tx1"/>
-                </a:solidFill>
-                <a:latin typeface="+mn-lt"/>
-                <a:ea typeface="+mn-ea"/>
-                <a:cs typeface="+mn-cs"/>
-              </a:defRPr>
-            </a:lvl2pPr>
-            <a:lvl3pPr marL="914400" algn="l" defTabSz="914400" rtl="0" eaLnBrk="1" latinLnBrk="0" hangingPunct="1">
-              <a:defRPr sz="1800" kern="1200">
-                <a:solidFill>
-                  <a:schemeClr val="tx1"/>
-                </a:solidFill>
-                <a:latin typeface="+mn-lt"/>
-                <a:ea typeface="+mn-ea"/>
-                <a:cs typeface="+mn-cs"/>
-              </a:defRPr>
-            </a:lvl3pPr>
-            <a:lvl4pPr marL="1371600" algn="l" defTabSz="914400" rtl="0" eaLnBrk="1" latinLnBrk="0" hangingPunct="1">
-              <a:defRPr sz="1800" kern="1200">
-                <a:solidFill>
-                  <a:schemeClr val="tx1"/>
-                </a:solidFill>
-                <a:latin typeface="+mn-lt"/>
-                <a:ea typeface="+mn-ea"/>
-                <a:cs typeface="+mn-cs"/>
-              </a:defRPr>
-            </a:lvl4pPr>
-            <a:lvl5pPr marL="1828800" algn="l" defTabSz="914400" rtl="0" eaLnBrk="1" latinLnBrk="0" hangingPunct="1">
-              <a:defRPr sz="1800" kern="1200">
-                <a:solidFill>
-                  <a:schemeClr val="tx1"/>
-                </a:solidFill>
-                <a:latin typeface="+mn-lt"/>
-                <a:ea typeface="+mn-ea"/>
-                <a:cs typeface="+mn-cs"/>
-              </a:defRPr>
-            </a:lvl5pPr>
-            <a:lvl6pPr marL="2286000" algn="l" defTabSz="914400" rtl="0" eaLnBrk="1" latinLnBrk="0" hangingPunct="1">
-              <a:defRPr sz="1800" kern="1200">
-                <a:solidFill>
-                  <a:schemeClr val="tx1"/>
-                </a:solidFill>
-                <a:latin typeface="+mn-lt"/>
-                <a:ea typeface="+mn-ea"/>
-                <a:cs typeface="+mn-cs"/>
-              </a:defRPr>
-            </a:lvl6pPr>
-            <a:lvl7pPr marL="2743200" algn="l" defTabSz="914400" rtl="0" eaLnBrk="1" latinLnBrk="0" hangingPunct="1">
-              <a:defRPr sz="1800" kern="1200">
-                <a:solidFill>
-                  <a:schemeClr val="tx1"/>
-                </a:solidFill>
-                <a:latin typeface="+mn-lt"/>
-                <a:ea typeface="+mn-ea"/>
-                <a:cs typeface="+mn-cs"/>
-              </a:defRPr>
-            </a:lvl7pPr>
-            <a:lvl8pPr marL="3200400" algn="l" defTabSz="914400" rtl="0" eaLnBrk="1" latinLnBrk="0" hangingPunct="1">
-              <a:defRPr sz="1800" kern="1200">
-                <a:solidFill>
-                  <a:schemeClr val="tx1"/>
-                </a:solidFill>
-                <a:latin typeface="+mn-lt"/>
-                <a:ea typeface="+mn-ea"/>
-                <a:cs typeface="+mn-cs"/>
-              </a:defRPr>
-            </a:lvl8pPr>
-            <a:lvl9pPr marL="3657600" algn="l" defTabSz="914400" rtl="0" eaLnBrk="1" latinLnBrk="0" hangingPunct="1">
-              <a:defRPr sz="1800" kern="1200">
-                <a:solidFill>
-                  <a:schemeClr val="tx1"/>
-                </a:solidFill>
-                <a:latin typeface="+mn-lt"/>
-                <a:ea typeface="+mn-ea"/>
-                <a:cs typeface="+mn-cs"/>
-              </a:defRPr>
-            </a:lvl9pPr>
-          </a:lstStyle>
-          <a:p>
-            <a:pPr marL="38100">
-              <a:lnSpc>
-                <a:spcPts val="3970"/>
-              </a:lnSpc>
-            </a:pPr>
-            <a:fld id="{81D60167-4931-47E6-BA6A-407CBD079E47}" type="slidenum">
-              <a:rPr lang="ru-RU" smtClean="0"/>
-              <a:pPr marL="38100">
-                <a:lnSpc>
-                  <a:spcPts val="3970"/>
-                </a:lnSpc>
-              </a:pPr>
-              <a:t>2</a:t>
-            </a:fld>
-            <a:endParaRPr dirty="0">
-              <a:latin typeface="Times New Roman" panose="02020603050405020304" pitchFamily="18" charset="0"/>
-              <a:cs typeface="Times New Roman" panose="02020603050405020304" pitchFamily="18" charset="0"/>
-            </a:endParaRPr>
-          </a:p>
-        </p:txBody>
-      </p:sp>
-    </p:spTree>
-  </p:cSld>
-  <p:clrMapOvr>
-    <a:masterClrMapping/>
-  </p:clrMapOvr>
-</p:sld>
-</file>
-
-<file path=ppt/slides/slide3.xml><?xml version="1.0" encoding="utf-8"?>
-<p:sld xmlns:a="http://schemas.openxmlformats.org/drawingml/2006/main" xmlns:r="http://schemas.openxmlformats.org/officeDocument/2006/relationships" xmlns:p="http://schemas.openxmlformats.org/presentationml/2006/main">
-  <p:cSld>
-    <p:spTree>
-      <p:nvGrpSpPr>
-        <p:cNvPr id="1" name=""/>
-        <p:cNvGrpSpPr/>
-        <p:nvPr/>
-      </p:nvGrpSpPr>
-      <p:grpSpPr>
-        <a:xfrm>
-          <a:off x="0" y="0"/>
-          <a:ext cx="0" cy="0"/>
-          <a:chOff x="0" y="0"/>
-          <a:chExt cx="0" cy="0"/>
-        </a:xfrm>
-      </p:grpSpPr>
-      <p:sp>
-        <p:nvSpPr>
-          <p:cNvPr id="4" name="Заголовок 3">
-            <a:extLst>
-              <a:ext uri="{FF2B5EF4-FFF2-40B4-BE49-F238E27FC236}">
-                <a16:creationId xmlns:a16="http://schemas.microsoft.com/office/drawing/2014/main" id="{50A4DD60-3A2E-4A3E-90CA-082C44663A86}"/>
-              </a:ext>
-            </a:extLst>
-          </p:cNvPr>
-          <p:cNvSpPr>
-            <a:spLocks noGrp="1"/>
-          </p:cNvSpPr>
-          <p:nvPr>
-            <p:ph type="title"/>
-          </p:nvPr>
-        </p:nvSpPr>
-        <p:spPr>
-          <a:xfrm>
-            <a:off x="609600" y="381001"/>
-            <a:ext cx="5867400" cy="634119"/>
-          </a:xfrm>
-        </p:spPr>
-        <p:txBody>
-          <a:bodyPr>
-            <a:noAutofit/>
-          </a:bodyPr>
-          <a:lstStyle/>
-          <a:p>
-            <a:r>
-              <a:rPr lang="ru-RU" sz="3600" b="1" spc="-5" dirty="0">
-                <a:latin typeface="Times New Roman" panose="02020603050405020304" pitchFamily="18" charset="0"/>
-                <a:cs typeface="Times New Roman" panose="02020603050405020304" pitchFamily="18" charset="0"/>
-              </a:rPr>
-              <a:t>Обзор</a:t>
-            </a:r>
-            <a:r>
-              <a:rPr lang="ru-RU" sz="3600" b="1" spc="-50" dirty="0">
-                <a:latin typeface="Times New Roman" panose="02020603050405020304" pitchFamily="18" charset="0"/>
-                <a:cs typeface="Times New Roman" panose="02020603050405020304" pitchFamily="18" charset="0"/>
-              </a:rPr>
-              <a:t> </a:t>
-            </a:r>
-            <a:r>
-              <a:rPr lang="ru-RU" sz="3600" b="1" spc="-5" dirty="0">
-                <a:latin typeface="Times New Roman" panose="02020603050405020304" pitchFamily="18" charset="0"/>
-                <a:cs typeface="Times New Roman" panose="02020603050405020304" pitchFamily="18" charset="0"/>
-              </a:rPr>
-              <a:t>предметной</a:t>
-            </a:r>
-            <a:r>
-              <a:rPr lang="ru-RU" sz="3600" b="1" spc="-45" dirty="0">
-                <a:latin typeface="Times New Roman" panose="02020603050405020304" pitchFamily="18" charset="0"/>
-                <a:cs typeface="Times New Roman" panose="02020603050405020304" pitchFamily="18" charset="0"/>
-              </a:rPr>
-              <a:t> </a:t>
-            </a:r>
-            <a:r>
-              <a:rPr lang="ru-RU" sz="3600" b="1" spc="-5" dirty="0">
-                <a:latin typeface="Times New Roman" panose="02020603050405020304" pitchFamily="18" charset="0"/>
-                <a:cs typeface="Times New Roman" panose="02020603050405020304" pitchFamily="18" charset="0"/>
-              </a:rPr>
-              <a:t>области</a:t>
-            </a:r>
-            <a:endParaRPr lang="ru-RU" sz="3600" b="1" dirty="0"/>
-          </a:p>
-        </p:txBody>
-      </p:sp>
-      <p:grpSp>
-        <p:nvGrpSpPr>
-          <p:cNvPr id="10" name="object 2">
-            <a:extLst>
-              <a:ext uri="{FF2B5EF4-FFF2-40B4-BE49-F238E27FC236}">
-                <a16:creationId xmlns:a16="http://schemas.microsoft.com/office/drawing/2014/main" id="{801F69FD-FD2B-4FE3-8525-E2760ED7B1B5}"/>
-              </a:ext>
-            </a:extLst>
-          </p:cNvPr>
-          <p:cNvGrpSpPr/>
-          <p:nvPr/>
-        </p:nvGrpSpPr>
-        <p:grpSpPr>
-          <a:xfrm>
-            <a:off x="10955850" y="6147124"/>
-            <a:ext cx="1236343" cy="488315"/>
-            <a:chOff x="10955850" y="6147124"/>
-            <a:chExt cx="1236343" cy="488315"/>
-          </a:xfrm>
-        </p:grpSpPr>
-        <p:pic>
-          <p:nvPicPr>
-            <p:cNvPr id="11" name="object 5">
-              <a:extLst>
-                <a:ext uri="{FF2B5EF4-FFF2-40B4-BE49-F238E27FC236}">
-                  <a16:creationId xmlns:a16="http://schemas.microsoft.com/office/drawing/2014/main" id="{ACD1142E-2D23-4826-A26B-8656EA3F8DAA}"/>
-                </a:ext>
-              </a:extLst>
-            </p:cNvPr>
-            <p:cNvPicPr/>
-            <p:nvPr/>
-          </p:nvPicPr>
-          <p:blipFill>
-            <a:blip r:embed="rId2" cstate="print"/>
-            <a:stretch>
-              <a:fillRect/>
-            </a:stretch>
-          </p:blipFill>
-          <p:spPr>
-            <a:xfrm>
-              <a:off x="10955850" y="6147125"/>
-              <a:ext cx="1008800" cy="487775"/>
-            </a:xfrm>
-            <a:prstGeom prst="rect">
-              <a:avLst/>
-            </a:prstGeom>
-          </p:spPr>
-        </p:pic>
-        <p:sp>
-          <p:nvSpPr>
-            <p:cNvPr id="12" name="object 6">
-              <a:extLst>
-                <a:ext uri="{FF2B5EF4-FFF2-40B4-BE49-F238E27FC236}">
-                  <a16:creationId xmlns:a16="http://schemas.microsoft.com/office/drawing/2014/main" id="{B6FEB8CD-C6F7-4ADB-A2D6-8A9C09029397}"/>
-                </a:ext>
-              </a:extLst>
-            </p:cNvPr>
-            <p:cNvSpPr/>
-            <p:nvPr/>
-          </p:nvSpPr>
-          <p:spPr>
-            <a:xfrm>
-              <a:off x="11193974" y="6147124"/>
-              <a:ext cx="998219" cy="488315"/>
-            </a:xfrm>
-            <a:custGeom>
-              <a:avLst/>
-              <a:gdLst/>
-              <a:ahLst/>
-              <a:cxnLst/>
-              <a:rect l="l" t="t" r="r" b="b"/>
-              <a:pathLst>
-                <a:path w="998220" h="488315">
-                  <a:moveTo>
-                    <a:pt x="998024" y="487774"/>
-                  </a:moveTo>
-                  <a:lnTo>
-                    <a:pt x="0" y="487774"/>
-                  </a:lnTo>
-                  <a:lnTo>
-                    <a:pt x="201759" y="0"/>
-                  </a:lnTo>
-                  <a:lnTo>
-                    <a:pt x="998024" y="0"/>
-                  </a:lnTo>
-                  <a:lnTo>
-                    <a:pt x="998024" y="487774"/>
-                  </a:lnTo>
-                  <a:close/>
-                </a:path>
-              </a:pathLst>
-            </a:custGeom>
-            <a:solidFill>
-              <a:srgbClr val="3C378D"/>
-            </a:solidFill>
-          </p:spPr>
-          <p:txBody>
-            <a:bodyPr wrap="square" lIns="0" tIns="0" rIns="0" bIns="0" rtlCol="0"/>
-            <a:lstStyle/>
-            <a:p>
-              <a:endParaRPr dirty="0"/>
-            </a:p>
-          </p:txBody>
-        </p:sp>
-      </p:grpSp>
-      <p:sp>
-        <p:nvSpPr>
-          <p:cNvPr id="16" name="object 8">
-            <a:extLst>
-              <a:ext uri="{FF2B5EF4-FFF2-40B4-BE49-F238E27FC236}">
-                <a16:creationId xmlns:a16="http://schemas.microsoft.com/office/drawing/2014/main" id="{B0C0F2A2-66F1-4C9D-A3CB-666040B4F36E}"/>
-              </a:ext>
-            </a:extLst>
-          </p:cNvPr>
-          <p:cNvSpPr txBox="1">
-            <a:spLocks/>
-          </p:cNvSpPr>
-          <p:nvPr/>
-        </p:nvSpPr>
-        <p:spPr>
-          <a:xfrm>
-            <a:off x="11488994" y="6135939"/>
-            <a:ext cx="570865" cy="520142"/>
-          </a:xfrm>
-          <a:prstGeom prst="rect">
-            <a:avLst/>
-          </a:prstGeom>
-        </p:spPr>
-        <p:txBody>
-          <a:bodyPr vert="horz" wrap="square" lIns="0" tIns="0" rIns="0" bIns="0" rtlCol="0">
-            <a:spAutoFit/>
-          </a:bodyPr>
-          <a:lstStyle>
-            <a:defPPr>
-              <a:defRPr lang="ru-RU"/>
-            </a:defPPr>
-            <a:lvl1pPr marL="0" algn="l" defTabSz="914400" rtl="0" eaLnBrk="1" latinLnBrk="0" hangingPunct="1">
-              <a:defRPr sz="1800" kern="1200">
-                <a:solidFill>
-                  <a:schemeClr val="tx1"/>
-                </a:solidFill>
-                <a:latin typeface="+mn-lt"/>
-                <a:ea typeface="+mn-ea"/>
-                <a:cs typeface="+mn-cs"/>
-              </a:defRPr>
-            </a:lvl1pPr>
-            <a:lvl2pPr marL="457200" algn="l" defTabSz="914400" rtl="0" eaLnBrk="1" latinLnBrk="0" hangingPunct="1">
-              <a:defRPr sz="1800" kern="1200">
-                <a:solidFill>
-                  <a:schemeClr val="tx1"/>
-                </a:solidFill>
-                <a:latin typeface="+mn-lt"/>
-                <a:ea typeface="+mn-ea"/>
-                <a:cs typeface="+mn-cs"/>
-              </a:defRPr>
-            </a:lvl2pPr>
-            <a:lvl3pPr marL="914400" algn="l" defTabSz="914400" rtl="0" eaLnBrk="1" latinLnBrk="0" hangingPunct="1">
-              <a:defRPr sz="1800" kern="1200">
-                <a:solidFill>
-                  <a:schemeClr val="tx1"/>
-                </a:solidFill>
-                <a:latin typeface="+mn-lt"/>
-                <a:ea typeface="+mn-ea"/>
-                <a:cs typeface="+mn-cs"/>
-              </a:defRPr>
-            </a:lvl3pPr>
-            <a:lvl4pPr marL="1371600" algn="l" defTabSz="914400" rtl="0" eaLnBrk="1" latinLnBrk="0" hangingPunct="1">
-              <a:defRPr sz="1800" kern="1200">
-                <a:solidFill>
-                  <a:schemeClr val="tx1"/>
-                </a:solidFill>
-                <a:latin typeface="+mn-lt"/>
-                <a:ea typeface="+mn-ea"/>
-                <a:cs typeface="+mn-cs"/>
-              </a:defRPr>
-            </a:lvl4pPr>
-            <a:lvl5pPr marL="1828800" algn="l" defTabSz="914400" rtl="0" eaLnBrk="1" latinLnBrk="0" hangingPunct="1">
-              <a:defRPr sz="1800" kern="1200">
-                <a:solidFill>
-                  <a:schemeClr val="tx1"/>
-                </a:solidFill>
-                <a:latin typeface="+mn-lt"/>
-                <a:ea typeface="+mn-ea"/>
-                <a:cs typeface="+mn-cs"/>
-              </a:defRPr>
-            </a:lvl5pPr>
-            <a:lvl6pPr marL="2286000" algn="l" defTabSz="914400" rtl="0" eaLnBrk="1" latinLnBrk="0" hangingPunct="1">
-              <a:defRPr sz="1800" kern="1200">
-                <a:solidFill>
-                  <a:schemeClr val="tx1"/>
-                </a:solidFill>
-                <a:latin typeface="+mn-lt"/>
-                <a:ea typeface="+mn-ea"/>
-                <a:cs typeface="+mn-cs"/>
-              </a:defRPr>
-            </a:lvl6pPr>
-            <a:lvl7pPr marL="2743200" algn="l" defTabSz="914400" rtl="0" eaLnBrk="1" latinLnBrk="0" hangingPunct="1">
-              <a:defRPr sz="1800" kern="1200">
-                <a:solidFill>
-                  <a:schemeClr val="tx1"/>
-                </a:solidFill>
-                <a:latin typeface="+mn-lt"/>
-                <a:ea typeface="+mn-ea"/>
-                <a:cs typeface="+mn-cs"/>
-              </a:defRPr>
-            </a:lvl7pPr>
-            <a:lvl8pPr marL="3200400" algn="l" defTabSz="914400" rtl="0" eaLnBrk="1" latinLnBrk="0" hangingPunct="1">
-              <a:defRPr sz="1800" kern="1200">
-                <a:solidFill>
-                  <a:schemeClr val="tx1"/>
-                </a:solidFill>
-                <a:latin typeface="+mn-lt"/>
-                <a:ea typeface="+mn-ea"/>
-                <a:cs typeface="+mn-cs"/>
-              </a:defRPr>
-            </a:lvl8pPr>
-            <a:lvl9pPr marL="3657600" algn="l" defTabSz="914400" rtl="0" eaLnBrk="1" latinLnBrk="0" hangingPunct="1">
-              <a:defRPr sz="1800" kern="1200">
-                <a:solidFill>
-                  <a:schemeClr val="tx1"/>
-                </a:solidFill>
-                <a:latin typeface="+mn-lt"/>
-                <a:ea typeface="+mn-ea"/>
-                <a:cs typeface="+mn-cs"/>
-              </a:defRPr>
-            </a:lvl9pPr>
-          </a:lstStyle>
-          <a:p>
-            <a:pPr marL="38100">
-              <a:lnSpc>
-                <a:spcPts val="3970"/>
-              </a:lnSpc>
-            </a:pPr>
-            <a:fld id="{81D60167-4931-47E6-BA6A-407CBD079E47}" type="slidenum">
-              <a:rPr lang="ru-RU" sz="4000" smtClean="0">
-                <a:solidFill>
-                  <a:schemeClr val="bg1"/>
-                </a:solidFill>
-                <a:latin typeface="Times New Roman" panose="02020603050405020304" pitchFamily="18" charset="0"/>
-                <a:cs typeface="Times New Roman" panose="02020603050405020304" pitchFamily="18" charset="0"/>
-              </a:rPr>
-              <a:pPr marL="38100">
-                <a:lnSpc>
-                  <a:spcPts val="3970"/>
-                </a:lnSpc>
-              </a:pPr>
-              <a:t>3</a:t>
-            </a:fld>
-            <a:endParaRPr lang="ru-RU" sz="4000" dirty="0">
-              <a:solidFill>
-                <a:schemeClr val="bg1"/>
-              </a:solidFill>
-              <a:latin typeface="Times New Roman" panose="02020603050405020304" pitchFamily="18" charset="0"/>
-              <a:cs typeface="Times New Roman" panose="02020603050405020304" pitchFamily="18" charset="0"/>
-            </a:endParaRPr>
-          </a:p>
-        </p:txBody>
-      </p:sp>
-      <p:sp>
-        <p:nvSpPr>
-          <p:cNvPr id="6" name="TextBox 5">
-            <a:extLst>
-              <a:ext uri="{FF2B5EF4-FFF2-40B4-BE49-F238E27FC236}">
-                <a16:creationId xmlns:a16="http://schemas.microsoft.com/office/drawing/2014/main" id="{DB766DD7-FB60-48AB-8C2E-35057D86192E}"/>
-              </a:ext>
-            </a:extLst>
-          </p:cNvPr>
-          <p:cNvSpPr txBox="1"/>
-          <p:nvPr/>
-        </p:nvSpPr>
-        <p:spPr>
-          <a:xfrm>
-            <a:off x="733424" y="1343025"/>
-            <a:ext cx="5172075" cy="923330"/>
-          </a:xfrm>
-          <a:prstGeom prst="rect">
-            <a:avLst/>
-          </a:prstGeom>
-          <a:noFill/>
-        </p:spPr>
-        <p:txBody>
-          <a:bodyPr wrap="square" rtlCol="0">
-            <a:spAutoFit/>
-          </a:bodyPr>
-          <a:lstStyle/>
-          <a:p>
-            <a:pPr marL="285750" indent="-285750">
-              <a:buFont typeface="Arial" panose="020B0604020202020204" pitchFamily="34" charset="0"/>
-              <a:buChar char="•"/>
-            </a:pPr>
-            <a:r>
-              <a:rPr lang="ru-RU" sz="1800" dirty="0">
-                <a:solidFill>
-                  <a:srgbClr val="FF0000"/>
-                </a:solidFill>
-                <a:effectLst/>
-                <a:latin typeface="Times New Roman" panose="02020603050405020304" pitchFamily="18" charset="0"/>
-                <a:ea typeface="Times New Roman" panose="02020603050405020304" pitchFamily="18" charset="0"/>
-              </a:rPr>
-              <a:t>Развитие векторного представления слов</a:t>
-            </a:r>
-          </a:p>
-          <a:p>
-            <a:pPr marL="285750" indent="-285750">
-              <a:buFont typeface="Arial" panose="020B0604020202020204" pitchFamily="34" charset="0"/>
-              <a:buChar char="•"/>
-            </a:pPr>
-            <a:r>
-              <a:rPr lang="ru-RU" sz="1800" dirty="0">
-                <a:effectLst/>
-                <a:latin typeface="Times New Roman" panose="02020603050405020304" pitchFamily="18" charset="0"/>
-                <a:ea typeface="Times New Roman" panose="02020603050405020304" pitchFamily="18" charset="0"/>
-              </a:rPr>
-              <a:t>Виды языковых моделей</a:t>
-            </a:r>
-            <a:endParaRPr lang="ru-RU" dirty="0">
-              <a:latin typeface="Times New Roman" panose="02020603050405020304" pitchFamily="18" charset="0"/>
-              <a:ea typeface="Times New Roman" panose="02020603050405020304" pitchFamily="18" charset="0"/>
-            </a:endParaRPr>
-          </a:p>
-          <a:p>
-            <a:pPr marL="285750" indent="-285750">
-              <a:buFont typeface="Arial" panose="020B0604020202020204" pitchFamily="34" charset="0"/>
-              <a:buChar char="•"/>
-            </a:pPr>
-            <a:r>
-              <a:rPr lang="ru-RU" sz="1800" dirty="0">
-                <a:effectLst/>
-                <a:latin typeface="Times New Roman" panose="02020603050405020304" pitchFamily="18" charset="0"/>
-                <a:ea typeface="Times New Roman" panose="02020603050405020304" pitchFamily="18" charset="0"/>
-              </a:rPr>
-              <a:t>Выборка необходимых документов и данных</a:t>
-            </a:r>
-            <a:endParaRPr lang="ru-RU" dirty="0"/>
-          </a:p>
-        </p:txBody>
-      </p:sp>
-      <mc:AlternateContent xmlns:mc="http://schemas.openxmlformats.org/markup-compatibility/2006" xmlns:a14="http://schemas.microsoft.com/office/drawing/2010/main">
-        <mc:Choice Requires="a14">
-          <p:sp>
-            <p:nvSpPr>
-              <p:cNvPr id="17" name="TextBox 16">
-                <a:extLst>
-                  <a:ext uri="{FF2B5EF4-FFF2-40B4-BE49-F238E27FC236}">
-                    <a16:creationId xmlns:a16="http://schemas.microsoft.com/office/drawing/2014/main" id="{8860C63E-079F-47C7-95A1-42AD87B2940D}"/>
-                  </a:ext>
-                </a:extLst>
-              </p:cNvPr>
-              <p:cNvSpPr txBox="1"/>
-              <p:nvPr/>
-            </p:nvSpPr>
-            <p:spPr>
-              <a:xfrm>
-                <a:off x="7167328" y="2266355"/>
-                <a:ext cx="3538298" cy="811761"/>
-              </a:xfrm>
-              <a:prstGeom prst="rect">
-                <a:avLst/>
-              </a:prstGeom>
-              <a:noFill/>
-            </p:spPr>
-            <p:txBody>
-              <a:bodyPr wrap="square" rtlCol="0">
-                <a:spAutoFit/>
-              </a:bodyPr>
-              <a:lstStyle/>
-              <a:p>
-                <a:pPr/>
-                <a14:m>
-                  <m:oMathPara xmlns:m="http://schemas.openxmlformats.org/officeDocument/2006/math">
-                    <m:oMathParaPr>
-                      <m:jc m:val="centerGroup"/>
-                    </m:oMathParaPr>
-                    <m:oMath xmlns:m="http://schemas.openxmlformats.org/officeDocument/2006/math">
-                      <m:sSub>
-                        <m:sSubPr>
-                          <m:ctrlPr>
-                            <a:rPr lang="ru-RU" i="1" smtClean="0">
-                              <a:latin typeface="Cambria Math" panose="02040503050406030204" pitchFamily="18" charset="0"/>
-                            </a:rPr>
-                          </m:ctrlPr>
-                        </m:sSubPr>
-                        <m:e>
-                          <m:r>
-                            <a:rPr lang="en-US" b="0" i="1" smtClean="0">
-                              <a:latin typeface="Cambria Math" panose="02040503050406030204" pitchFamily="18" charset="0"/>
-                            </a:rPr>
-                            <m:t>𝑥</m:t>
-                          </m:r>
-                        </m:e>
-                        <m:sub>
-                          <m:r>
-                            <a:rPr lang="en-US" b="0" i="1" smtClean="0">
-                              <a:latin typeface="Cambria Math" panose="02040503050406030204" pitchFamily="18" charset="0"/>
-                            </a:rPr>
-                            <m:t>𝑖𝑗</m:t>
-                          </m:r>
-                        </m:sub>
-                      </m:sSub>
-                      <m:r>
-                        <a:rPr lang="en-US" i="1" smtClean="0">
-                          <a:latin typeface="Cambria Math" panose="02040503050406030204" pitchFamily="18" charset="0"/>
-                        </a:rPr>
-                        <m:t>=</m:t>
-                      </m:r>
-                      <m:d>
-                        <m:dPr>
-                          <m:begChr m:val="{"/>
-                          <m:endChr m:val=""/>
-                          <m:ctrlPr>
-                            <a:rPr lang="en-US" i="1" smtClean="0">
-                              <a:latin typeface="Cambria Math" panose="02040503050406030204" pitchFamily="18" charset="0"/>
-                            </a:rPr>
-                          </m:ctrlPr>
-                        </m:dPr>
-                        <m:e>
-                          <m:eqArr>
-                            <m:eqArrPr>
-                              <m:ctrlPr>
-                                <a:rPr lang="en-US" i="1" smtClean="0">
-                                  <a:latin typeface="Cambria Math" panose="02040503050406030204" pitchFamily="18" charset="0"/>
-                                </a:rPr>
-                              </m:ctrlPr>
-                            </m:eqArrPr>
-                            <m:e>
-                              <m:r>
-                                <a:rPr lang="en-US" b="0" i="1" smtClean="0">
-                                  <a:latin typeface="Cambria Math" panose="02040503050406030204" pitchFamily="18" charset="0"/>
-                                </a:rPr>
-                                <m:t>1</m:t>
-                              </m:r>
-                              <m:r>
-                                <a:rPr lang="en-US" i="1" smtClean="0">
-                                  <a:latin typeface="Cambria Math" panose="02040503050406030204" pitchFamily="18" charset="0"/>
-                                </a:rPr>
-                                <m:t>,  </m:t>
-                              </m:r>
-                              <m:sSub>
-                                <m:sSubPr>
-                                  <m:ctrlPr>
-                                    <a:rPr lang="en-US" i="1" smtClean="0">
-                                      <a:latin typeface="Cambria Math" panose="02040503050406030204" pitchFamily="18" charset="0"/>
-                                    </a:rPr>
-                                  </m:ctrlPr>
-                                </m:sSubPr>
-                                <m:e>
-                                  <m:r>
-                                    <a:rPr lang="en-US" b="0" i="1" smtClean="0">
-                                      <a:latin typeface="Cambria Math" panose="02040503050406030204" pitchFamily="18" charset="0"/>
-                                    </a:rPr>
-                                    <m:t>𝑋</m:t>
-                                  </m:r>
-                                </m:e>
-                                <m:sub>
-                                  <m:r>
-                                    <a:rPr lang="en-US" b="0" i="1" smtClean="0">
-                                      <a:latin typeface="Cambria Math" panose="02040503050406030204" pitchFamily="18" charset="0"/>
-                                    </a:rPr>
-                                    <m:t>𝑖</m:t>
-                                  </m:r>
-                                </m:sub>
-                              </m:sSub>
-                              <m:r>
-                                <a:rPr lang="en-US" b="0" i="1" smtClean="0">
-                                  <a:latin typeface="Cambria Math" panose="02040503050406030204" pitchFamily="18" charset="0"/>
-                                </a:rPr>
-                                <m:t>=</m:t>
-                              </m:r>
-                              <m:sSub>
-                                <m:sSubPr>
-                                  <m:ctrlPr>
-                                    <a:rPr lang="en-US" b="0" i="1" smtClean="0">
-                                      <a:latin typeface="Cambria Math" panose="02040503050406030204" pitchFamily="18" charset="0"/>
-                                    </a:rPr>
-                                  </m:ctrlPr>
-                                </m:sSubPr>
-                                <m:e>
-                                  <m:r>
-                                    <a:rPr lang="en-US" b="0" i="1" smtClean="0">
-                                      <a:latin typeface="Cambria Math" panose="02040503050406030204" pitchFamily="18" charset="0"/>
-                                    </a:rPr>
-                                    <m:t>𝑐</m:t>
-                                  </m:r>
-                                </m:e>
-                                <m:sub>
-                                  <m:r>
-                                    <a:rPr lang="en-US" b="0" i="1" smtClean="0">
-                                      <a:latin typeface="Cambria Math" panose="02040503050406030204" pitchFamily="18" charset="0"/>
-                                    </a:rPr>
-                                    <m:t>𝑗</m:t>
-                                  </m:r>
-                                </m:sub>
-                              </m:sSub>
-                            </m:e>
-                            <m:e>
-                              <m:r>
-                                <a:rPr lang="en-US" i="1" smtClean="0">
-                                  <a:latin typeface="Cambria Math" panose="02040503050406030204" pitchFamily="18" charset="0"/>
-                                </a:rPr>
-                                <m:t>&amp;</m:t>
-                              </m:r>
-                              <m:r>
-                                <a:rPr lang="en-US" b="0" i="1" smtClean="0">
-                                  <a:latin typeface="Cambria Math" panose="02040503050406030204" pitchFamily="18" charset="0"/>
-                                </a:rPr>
-                                <m:t>0</m:t>
-                              </m:r>
-                              <m:r>
-                                <a:rPr lang="en-US" i="1" smtClean="0">
-                                  <a:latin typeface="Cambria Math" panose="02040503050406030204" pitchFamily="18" charset="0"/>
-                                </a:rPr>
-                                <m:t>,  </m:t>
-                              </m:r>
-                              <m:sSub>
-                                <m:sSubPr>
-                                  <m:ctrlPr>
-                                    <a:rPr lang="en-US" i="1" smtClean="0">
-                                      <a:latin typeface="Cambria Math" panose="02040503050406030204" pitchFamily="18" charset="0"/>
-                                    </a:rPr>
-                                  </m:ctrlPr>
-                                </m:sSubPr>
-                                <m:e>
-                                  <m:r>
-                                    <a:rPr lang="en-US" b="0" i="1" smtClean="0">
-                                      <a:latin typeface="Cambria Math" panose="02040503050406030204" pitchFamily="18" charset="0"/>
-                                    </a:rPr>
-                                    <m:t>𝑋</m:t>
-                                  </m:r>
-                                </m:e>
-                                <m:sub>
-                                  <m:r>
-                                    <a:rPr lang="en-US" b="0" i="1" smtClean="0">
-                                      <a:latin typeface="Cambria Math" panose="02040503050406030204" pitchFamily="18" charset="0"/>
-                                    </a:rPr>
-                                    <m:t>𝑖</m:t>
-                                  </m:r>
-                                </m:sub>
-                              </m:sSub>
-                              <m:r>
-                                <a:rPr lang="en-US" i="1" smtClean="0">
-                                  <a:latin typeface="Cambria Math" panose="02040503050406030204" pitchFamily="18" charset="0"/>
-                                  <a:ea typeface="Cambria Math" panose="02040503050406030204" pitchFamily="18" charset="0"/>
-                                </a:rPr>
-                                <m:t>≠</m:t>
-                              </m:r>
-                              <m:sSub>
-                                <m:sSubPr>
-                                  <m:ctrlPr>
-                                    <a:rPr lang="en-US" i="1" smtClean="0">
-                                      <a:latin typeface="Cambria Math" panose="02040503050406030204" pitchFamily="18" charset="0"/>
-                                      <a:ea typeface="Cambria Math" panose="02040503050406030204" pitchFamily="18" charset="0"/>
-                                    </a:rPr>
-                                  </m:ctrlPr>
-                                </m:sSubPr>
-                                <m:e>
-                                  <m:r>
-                                    <a:rPr lang="en-US" b="0" i="1" smtClean="0">
-                                      <a:latin typeface="Cambria Math" panose="02040503050406030204" pitchFamily="18" charset="0"/>
-                                      <a:ea typeface="Cambria Math" panose="02040503050406030204" pitchFamily="18" charset="0"/>
-                                    </a:rPr>
-                                    <m:t>𝑐</m:t>
-                                  </m:r>
-                                </m:e>
-                                <m:sub>
-                                  <m:r>
-                                    <a:rPr lang="en-US" b="0" i="1" smtClean="0">
-                                      <a:latin typeface="Cambria Math" panose="02040503050406030204" pitchFamily="18" charset="0"/>
-                                      <a:ea typeface="Cambria Math" panose="02040503050406030204" pitchFamily="18" charset="0"/>
-                                    </a:rPr>
-                                    <m:t>𝑗</m:t>
-                                  </m:r>
-                                </m:sub>
-                              </m:sSub>
-                            </m:e>
-                          </m:eqArr>
-                        </m:e>
-                      </m:d>
-                    </m:oMath>
-                  </m:oMathPara>
-                </a14:m>
-                <a:endParaRPr lang="ru-RU" dirty="0"/>
-              </a:p>
-            </p:txBody>
-          </p:sp>
-        </mc:Choice>
-        <mc:Fallback xmlns="">
-          <p:sp>
-            <p:nvSpPr>
-              <p:cNvPr id="17" name="TextBox 16">
-                <a:extLst>
-                  <a:ext uri="{FF2B5EF4-FFF2-40B4-BE49-F238E27FC236}">
-                    <a16:creationId xmlns:a16="http://schemas.microsoft.com/office/drawing/2014/main" id="{8860C63E-079F-47C7-95A1-42AD87B2940D}"/>
-                  </a:ext>
-                </a:extLst>
-              </p:cNvPr>
-              <p:cNvSpPr txBox="1">
-                <a:spLocks noRot="1" noChangeAspect="1" noMove="1" noResize="1" noEditPoints="1" noAdjustHandles="1" noChangeArrowheads="1" noChangeShapeType="1" noTextEdit="1"/>
-              </p:cNvSpPr>
-              <p:nvPr/>
-            </p:nvSpPr>
-            <p:spPr>
-              <a:xfrm>
-                <a:off x="7167328" y="2266355"/>
-                <a:ext cx="3538298" cy="811761"/>
-              </a:xfrm>
-              <a:prstGeom prst="rect">
-                <a:avLst/>
-              </a:prstGeom>
-              <a:blipFill>
-                <a:blip r:embed="rId3"/>
-                <a:stretch>
-                  <a:fillRect/>
-                </a:stretch>
-              </a:blipFill>
-            </p:spPr>
-            <p:txBody>
-              <a:bodyPr/>
-              <a:lstStyle/>
-              <a:p>
-                <a:r>
-                  <a:rPr lang="ru-RU">
-                    <a:noFill/>
-                  </a:rPr>
-                  <a:t> </a:t>
-                </a:r>
-              </a:p>
-            </p:txBody>
-          </p:sp>
-        </mc:Fallback>
-      </mc:AlternateContent>
-      <mc:AlternateContent xmlns:mc="http://schemas.openxmlformats.org/markup-compatibility/2006" xmlns:a14="http://schemas.microsoft.com/office/drawing/2010/main">
-        <mc:Choice Requires="a14">
-          <p:sp>
-            <p:nvSpPr>
-              <p:cNvPr id="18" name="TextBox 17">
-                <a:extLst>
-                  <a:ext uri="{FF2B5EF4-FFF2-40B4-BE49-F238E27FC236}">
-                    <a16:creationId xmlns:a16="http://schemas.microsoft.com/office/drawing/2014/main" id="{F29ABFB5-E5E8-4B3B-B6EA-556F6C04E839}"/>
-                  </a:ext>
-                </a:extLst>
-              </p:cNvPr>
-              <p:cNvSpPr txBox="1"/>
-              <p:nvPr/>
-            </p:nvSpPr>
-            <p:spPr>
-              <a:xfrm>
-                <a:off x="7834552" y="3079657"/>
-                <a:ext cx="2937749" cy="967957"/>
-              </a:xfrm>
-              <a:prstGeom prst="rect">
-                <a:avLst/>
-              </a:prstGeom>
-              <a:noFill/>
-            </p:spPr>
-            <p:txBody>
-              <a:bodyPr wrap="square" rtlCol="0">
-                <a:spAutoFit/>
-              </a:bodyPr>
-              <a:lstStyle/>
-              <a:p>
-                <a:r>
-                  <a:rPr lang="ru-RU" dirty="0">
-                    <a:latin typeface="Times New Roman" panose="02020603050405020304" pitchFamily="18" charset="0"/>
-                    <a:cs typeface="Times New Roman" panose="02020603050405020304" pitchFamily="18" charset="0"/>
-                  </a:rPr>
-                  <a:t>где </a:t>
-                </a:r>
-                <a14:m>
-                  <m:oMath xmlns:m="http://schemas.openxmlformats.org/officeDocument/2006/math">
-                    <m:sSub>
-                      <m:sSubPr>
-                        <m:ctrlPr>
-                          <a:rPr lang="ru-RU" i="1" smtClean="0">
-                            <a:latin typeface="Cambria Math" panose="02040503050406030204" pitchFamily="18" charset="0"/>
-                          </a:rPr>
-                        </m:ctrlPr>
-                      </m:sSubPr>
-                      <m:e>
-                        <m:r>
-                          <a:rPr lang="ru-RU" b="0" i="1" smtClean="0">
-                            <a:latin typeface="Cambria Math" panose="02040503050406030204" pitchFamily="18" charset="0"/>
-                          </a:rPr>
-                          <m:t>  </m:t>
-                        </m:r>
-                        <m:r>
-                          <a:rPr lang="en-US" b="0" i="1" smtClean="0">
-                            <a:latin typeface="Cambria Math" panose="02040503050406030204" pitchFamily="18" charset="0"/>
-                          </a:rPr>
-                          <m:t>𝑥</m:t>
-                        </m:r>
-                      </m:e>
-                      <m:sub>
-                        <m:r>
-                          <a:rPr lang="en-US" b="0" i="1" smtClean="0">
-                            <a:latin typeface="Cambria Math" panose="02040503050406030204" pitchFamily="18" charset="0"/>
-                          </a:rPr>
-                          <m:t>𝑖𝑗</m:t>
-                        </m:r>
-                      </m:sub>
-                    </m:sSub>
-                  </m:oMath>
-                </a14:m>
-                <a:r>
-                  <a:rPr lang="ru-RU" dirty="0">
-                    <a:latin typeface="Times New Roman" panose="02020603050405020304" pitchFamily="18" charset="0"/>
-                    <a:cs typeface="Times New Roman" panose="02020603050405020304" pitchFamily="18" charset="0"/>
-                  </a:rPr>
-                  <a:t> </a:t>
-                </a:r>
-                <a:r>
-                  <a:rPr lang="ru-RU" dirty="0">
-                    <a:latin typeface="Times New Roman" panose="02020603050405020304" pitchFamily="18" charset="0"/>
-                    <a:ea typeface="Source Han Serif CN"/>
-                    <a:cs typeface="Times New Roman" panose="02020603050405020304" pitchFamily="18" charset="0"/>
-                  </a:rPr>
-                  <a:t>– вектор слов</a:t>
-                </a:r>
-                <a:r>
-                  <a:rPr lang="en-US" dirty="0">
-                    <a:latin typeface="Times New Roman" panose="02020603050405020304" pitchFamily="18" charset="0"/>
-                    <a:ea typeface="Source Han Serif CN"/>
-                    <a:cs typeface="Times New Roman" panose="02020603050405020304" pitchFamily="18" charset="0"/>
-                  </a:rPr>
-                  <a:t>;</a:t>
-                </a:r>
-              </a:p>
-              <a:p>
-                <a:pPr lvl="1"/>
-                <a14:m>
-                  <m:oMath xmlns:m="http://schemas.openxmlformats.org/officeDocument/2006/math">
-                    <m:sSub>
-                      <m:sSubPr>
-                        <m:ctrlPr>
-                          <a:rPr lang="en-US" i="1" smtClean="0">
-                            <a:latin typeface="Cambria Math" panose="02040503050406030204" pitchFamily="18" charset="0"/>
-                          </a:rPr>
-                        </m:ctrlPr>
-                      </m:sSubPr>
-                      <m:e>
-                        <m:r>
-                          <a:rPr lang="en-US" b="0" i="1" smtClean="0">
-                            <a:latin typeface="Cambria Math" panose="02040503050406030204" pitchFamily="18" charset="0"/>
-                          </a:rPr>
-                          <m:t>𝑋</m:t>
-                        </m:r>
-                      </m:e>
-                      <m:sub>
-                        <m:r>
-                          <a:rPr lang="en-US" b="0" i="1" smtClean="0">
-                            <a:latin typeface="Cambria Math" panose="02040503050406030204" pitchFamily="18" charset="0"/>
-                          </a:rPr>
-                          <m:t>𝑖</m:t>
-                        </m:r>
-                      </m:sub>
-                    </m:sSub>
-                  </m:oMath>
-                </a14:m>
-                <a:r>
-                  <a:rPr lang="en-US" dirty="0">
-                    <a:latin typeface="Times New Roman" panose="02020603050405020304" pitchFamily="18" charset="0"/>
-                    <a:cs typeface="Times New Roman" panose="02020603050405020304" pitchFamily="18" charset="0"/>
-                  </a:rPr>
-                  <a:t> </a:t>
-                </a:r>
-                <a:r>
-                  <a:rPr lang="ru-RU" dirty="0">
-                    <a:latin typeface="Times New Roman" panose="02020603050405020304" pitchFamily="18" charset="0"/>
-                    <a:cs typeface="Times New Roman" panose="02020603050405020304" pitchFamily="18" charset="0"/>
-                  </a:rPr>
-                  <a:t>–</a:t>
-                </a:r>
-                <a:r>
-                  <a:rPr lang="en-US" dirty="0">
-                    <a:latin typeface="Times New Roman" panose="02020603050405020304" pitchFamily="18" charset="0"/>
-                    <a:cs typeface="Times New Roman" panose="02020603050405020304" pitchFamily="18" charset="0"/>
-                  </a:rPr>
-                  <a:t> </a:t>
-                </a:r>
-                <a:r>
-                  <a:rPr lang="ru-RU" dirty="0">
-                    <a:latin typeface="Times New Roman" panose="02020603050405020304" pitchFamily="18" charset="0"/>
-                    <a:cs typeface="Times New Roman" panose="02020603050405020304" pitchFamily="18" charset="0"/>
-                  </a:rPr>
-                  <a:t>текущее слово</a:t>
-                </a:r>
-                <a:r>
-                  <a:rPr lang="en-US" dirty="0">
-                    <a:latin typeface="Times New Roman" panose="02020603050405020304" pitchFamily="18" charset="0"/>
-                    <a:cs typeface="Times New Roman" panose="02020603050405020304" pitchFamily="18" charset="0"/>
-                  </a:rPr>
-                  <a:t>;</a:t>
-                </a:r>
-              </a:p>
-              <a:p>
-                <a:pPr lvl="1"/>
-                <a14:m>
-                  <m:oMath xmlns:m="http://schemas.openxmlformats.org/officeDocument/2006/math">
-                    <m:sSub>
-                      <m:sSubPr>
-                        <m:ctrlPr>
-                          <a:rPr lang="en-US" b="0" i="1" smtClean="0">
-                            <a:latin typeface="Cambria Math" panose="02040503050406030204" pitchFamily="18" charset="0"/>
-                          </a:rPr>
-                        </m:ctrlPr>
-                      </m:sSubPr>
-                      <m:e>
-                        <m:r>
-                          <a:rPr lang="en-US" b="0" i="1" smtClean="0">
-                            <a:latin typeface="Cambria Math" panose="02040503050406030204" pitchFamily="18" charset="0"/>
-                          </a:rPr>
-                          <m:t>𝑐</m:t>
-                        </m:r>
-                      </m:e>
-                      <m:sub>
-                        <m:r>
-                          <a:rPr lang="en-US" b="0" i="1" smtClean="0">
-                            <a:latin typeface="Cambria Math" panose="02040503050406030204" pitchFamily="18" charset="0"/>
-                          </a:rPr>
-                          <m:t>𝑗</m:t>
-                        </m:r>
-                      </m:sub>
-                    </m:sSub>
-                  </m:oMath>
-                </a14:m>
-                <a:r>
-                  <a:rPr lang="en-US" dirty="0">
-                    <a:latin typeface="Times New Roman" panose="02020603050405020304" pitchFamily="18" charset="0"/>
-                    <a:cs typeface="Times New Roman" panose="02020603050405020304" pitchFamily="18" charset="0"/>
-                  </a:rPr>
-                  <a:t> </a:t>
-                </a:r>
-                <a:r>
-                  <a:rPr lang="ru-RU" dirty="0">
-                    <a:latin typeface="Times New Roman" panose="02020603050405020304" pitchFamily="18" charset="0"/>
-                    <a:cs typeface="Times New Roman" panose="02020603050405020304" pitchFamily="18" charset="0"/>
-                  </a:rPr>
-                  <a:t>–</a:t>
-                </a:r>
-                <a:r>
-                  <a:rPr lang="en-US" dirty="0">
-                    <a:latin typeface="Times New Roman" panose="02020603050405020304" pitchFamily="18" charset="0"/>
-                    <a:cs typeface="Times New Roman" panose="02020603050405020304" pitchFamily="18" charset="0"/>
-                  </a:rPr>
-                  <a:t> </a:t>
-                </a:r>
-                <a:r>
-                  <a:rPr lang="ru-RU" dirty="0">
-                    <a:latin typeface="Times New Roman" panose="02020603050405020304" pitchFamily="18" charset="0"/>
-                    <a:cs typeface="Times New Roman" panose="02020603050405020304" pitchFamily="18" charset="0"/>
-                  </a:rPr>
-                  <a:t>слово из словаря.</a:t>
-                </a:r>
-              </a:p>
-            </p:txBody>
-          </p:sp>
-        </mc:Choice>
-        <mc:Fallback xmlns="">
-          <p:sp>
-            <p:nvSpPr>
-              <p:cNvPr id="18" name="TextBox 17">
-                <a:extLst>
-                  <a:ext uri="{FF2B5EF4-FFF2-40B4-BE49-F238E27FC236}">
-                    <a16:creationId xmlns:a16="http://schemas.microsoft.com/office/drawing/2014/main" id="{F29ABFB5-E5E8-4B3B-B6EA-556F6C04E839}"/>
-                  </a:ext>
-                </a:extLst>
-              </p:cNvPr>
-              <p:cNvSpPr txBox="1">
-                <a:spLocks noRot="1" noChangeAspect="1" noMove="1" noResize="1" noEditPoints="1" noAdjustHandles="1" noChangeArrowheads="1" noChangeShapeType="1" noTextEdit="1"/>
-              </p:cNvSpPr>
-              <p:nvPr/>
-            </p:nvSpPr>
-            <p:spPr>
-              <a:xfrm>
-                <a:off x="7834552" y="3079657"/>
-                <a:ext cx="2937749" cy="967957"/>
-              </a:xfrm>
-              <a:prstGeom prst="rect">
-                <a:avLst/>
-              </a:prstGeom>
-              <a:blipFill>
-                <a:blip r:embed="rId4"/>
-                <a:stretch>
-                  <a:fillRect l="-1660" t="-3145" b="-6289"/>
-                </a:stretch>
-              </a:blipFill>
-            </p:spPr>
-            <p:txBody>
-              <a:bodyPr/>
-              <a:lstStyle/>
-              <a:p>
-                <a:r>
-                  <a:rPr lang="ru-RU">
-                    <a:noFill/>
-                  </a:rPr>
-                  <a:t> </a:t>
-                </a:r>
-              </a:p>
-            </p:txBody>
-          </p:sp>
-        </mc:Fallback>
-      </mc:AlternateContent>
-      <p:pic>
-        <p:nvPicPr>
-          <p:cNvPr id="19" name="Рисунок 18">
-            <a:extLst>
-              <a:ext uri="{FF2B5EF4-FFF2-40B4-BE49-F238E27FC236}">
-                <a16:creationId xmlns:a16="http://schemas.microsoft.com/office/drawing/2014/main" id="{7264C88B-25DA-48F7-9998-2A4244E42912}"/>
-              </a:ext>
-            </a:extLst>
-          </p:cNvPr>
-          <p:cNvPicPr/>
-          <p:nvPr/>
-        </p:nvPicPr>
-        <p:blipFill>
-          <a:blip r:embed="rId5"/>
-          <a:stretch>
-            <a:fillRect/>
-          </a:stretch>
-        </p:blipFill>
-        <p:spPr>
-          <a:xfrm>
-            <a:off x="874077" y="2594260"/>
-            <a:ext cx="5338445" cy="3247390"/>
-          </a:xfrm>
-          <a:prstGeom prst="rect">
-            <a:avLst/>
-          </a:prstGeom>
-        </p:spPr>
-      </p:pic>
-    </p:spTree>
-    <p:extLst>
-      <p:ext uri="{BB962C8B-B14F-4D97-AF65-F5344CB8AC3E}">
-        <p14:creationId xmlns:p14="http://schemas.microsoft.com/office/powerpoint/2010/main" val="810823837"/>
-      </p:ext>
-    </p:extLst>
-  </p:cSld>
-  <p:clrMapOvr>
-    <a:masterClrMapping/>
-  </p:clrMapOvr>
-</p:sld>
-</file>
-
-<file path=ppt/slides/slide4.xml><?xml version="1.0" encoding="utf-8"?>
-<p:sld xmlns:a="http://schemas.openxmlformats.org/drawingml/2006/main" xmlns:r="http://schemas.openxmlformats.org/officeDocument/2006/relationships" xmlns:p="http://schemas.openxmlformats.org/presentationml/2006/main">
-  <p:cSld>
-    <p:spTree>
-      <p:nvGrpSpPr>
-        <p:cNvPr id="1" name=""/>
-        <p:cNvGrpSpPr/>
-        <p:nvPr/>
-      </p:nvGrpSpPr>
-      <p:grpSpPr>
-        <a:xfrm>
-          <a:off x="0" y="0"/>
-          <a:ext cx="0" cy="0"/>
-          <a:chOff x="0" y="0"/>
-          <a:chExt cx="0" cy="0"/>
-        </a:xfrm>
-      </p:grpSpPr>
-      <p:sp>
-        <p:nvSpPr>
-          <p:cNvPr id="4" name="Заголовок 3">
-            <a:extLst>
-              <a:ext uri="{FF2B5EF4-FFF2-40B4-BE49-F238E27FC236}">
-                <a16:creationId xmlns:a16="http://schemas.microsoft.com/office/drawing/2014/main" id="{50A4DD60-3A2E-4A3E-90CA-082C44663A86}"/>
-              </a:ext>
-            </a:extLst>
-          </p:cNvPr>
-          <p:cNvSpPr>
-            <a:spLocks noGrp="1"/>
-          </p:cNvSpPr>
-          <p:nvPr>
-            <p:ph type="title"/>
-          </p:nvPr>
-        </p:nvSpPr>
-        <p:spPr>
-          <a:xfrm>
-            <a:off x="609600" y="381001"/>
-            <a:ext cx="5867400" cy="634119"/>
-          </a:xfrm>
-        </p:spPr>
-        <p:txBody>
-          <a:bodyPr>
-            <a:noAutofit/>
-          </a:bodyPr>
-          <a:lstStyle/>
-          <a:p>
-            <a:r>
-              <a:rPr lang="ru-RU" sz="3600" b="1" spc="-5" dirty="0">
-                <a:latin typeface="Times New Roman" panose="02020603050405020304" pitchFamily="18" charset="0"/>
-                <a:cs typeface="Times New Roman" panose="02020603050405020304" pitchFamily="18" charset="0"/>
-              </a:rPr>
-              <a:t>Обзор</a:t>
-            </a:r>
-            <a:r>
-              <a:rPr lang="ru-RU" sz="3600" b="1" spc="-50" dirty="0">
-                <a:latin typeface="Times New Roman" panose="02020603050405020304" pitchFamily="18" charset="0"/>
-                <a:cs typeface="Times New Roman" panose="02020603050405020304" pitchFamily="18" charset="0"/>
-              </a:rPr>
-              <a:t> </a:t>
-            </a:r>
-            <a:r>
-              <a:rPr lang="ru-RU" sz="3600" b="1" spc="-5" dirty="0">
-                <a:latin typeface="Times New Roman" panose="02020603050405020304" pitchFamily="18" charset="0"/>
-                <a:cs typeface="Times New Roman" panose="02020603050405020304" pitchFamily="18" charset="0"/>
-              </a:rPr>
-              <a:t>предметной</a:t>
-            </a:r>
-            <a:r>
-              <a:rPr lang="ru-RU" sz="3600" b="1" spc="-45" dirty="0">
-                <a:latin typeface="Times New Roman" panose="02020603050405020304" pitchFamily="18" charset="0"/>
-                <a:cs typeface="Times New Roman" panose="02020603050405020304" pitchFamily="18" charset="0"/>
-              </a:rPr>
-              <a:t> </a:t>
-            </a:r>
-            <a:r>
-              <a:rPr lang="ru-RU" sz="3600" b="1" spc="-5" dirty="0">
-                <a:latin typeface="Times New Roman" panose="02020603050405020304" pitchFamily="18" charset="0"/>
-                <a:cs typeface="Times New Roman" panose="02020603050405020304" pitchFamily="18" charset="0"/>
-              </a:rPr>
-              <a:t>области</a:t>
-            </a:r>
-            <a:endParaRPr lang="ru-RU" sz="3600" b="1" dirty="0"/>
-          </a:p>
-        </p:txBody>
-      </p:sp>
-      <p:grpSp>
-        <p:nvGrpSpPr>
-          <p:cNvPr id="10" name="object 2">
-            <a:extLst>
-              <a:ext uri="{FF2B5EF4-FFF2-40B4-BE49-F238E27FC236}">
-                <a16:creationId xmlns:a16="http://schemas.microsoft.com/office/drawing/2014/main" id="{801F69FD-FD2B-4FE3-8525-E2760ED7B1B5}"/>
-              </a:ext>
-            </a:extLst>
-          </p:cNvPr>
-          <p:cNvGrpSpPr/>
-          <p:nvPr/>
-        </p:nvGrpSpPr>
-        <p:grpSpPr>
-          <a:xfrm>
-            <a:off x="10955850" y="6147124"/>
-            <a:ext cx="1236343" cy="488315"/>
-            <a:chOff x="10955850" y="6147124"/>
-            <a:chExt cx="1236343" cy="488315"/>
-          </a:xfrm>
-        </p:grpSpPr>
-        <p:pic>
-          <p:nvPicPr>
-            <p:cNvPr id="11" name="object 5">
-              <a:extLst>
-                <a:ext uri="{FF2B5EF4-FFF2-40B4-BE49-F238E27FC236}">
-                  <a16:creationId xmlns:a16="http://schemas.microsoft.com/office/drawing/2014/main" id="{ACD1142E-2D23-4826-A26B-8656EA3F8DAA}"/>
-                </a:ext>
-              </a:extLst>
-            </p:cNvPr>
-            <p:cNvPicPr/>
-            <p:nvPr/>
-          </p:nvPicPr>
-          <p:blipFill>
-            <a:blip r:embed="rId2" cstate="print"/>
-            <a:stretch>
-              <a:fillRect/>
-            </a:stretch>
-          </p:blipFill>
-          <p:spPr>
-            <a:xfrm>
-              <a:off x="10955850" y="6147125"/>
-              <a:ext cx="1008800" cy="487775"/>
-            </a:xfrm>
-            <a:prstGeom prst="rect">
-              <a:avLst/>
-            </a:prstGeom>
-          </p:spPr>
-        </p:pic>
-        <p:sp>
-          <p:nvSpPr>
-            <p:cNvPr id="12" name="object 6">
-              <a:extLst>
-                <a:ext uri="{FF2B5EF4-FFF2-40B4-BE49-F238E27FC236}">
-                  <a16:creationId xmlns:a16="http://schemas.microsoft.com/office/drawing/2014/main" id="{B6FEB8CD-C6F7-4ADB-A2D6-8A9C09029397}"/>
-                </a:ext>
-              </a:extLst>
-            </p:cNvPr>
-            <p:cNvSpPr/>
-            <p:nvPr/>
-          </p:nvSpPr>
-          <p:spPr>
-            <a:xfrm>
-              <a:off x="11193974" y="6147124"/>
-              <a:ext cx="998219" cy="488315"/>
-            </a:xfrm>
-            <a:custGeom>
-              <a:avLst/>
-              <a:gdLst/>
-              <a:ahLst/>
-              <a:cxnLst/>
-              <a:rect l="l" t="t" r="r" b="b"/>
-              <a:pathLst>
-                <a:path w="998220" h="488315">
-                  <a:moveTo>
-                    <a:pt x="998024" y="487774"/>
-                  </a:moveTo>
-                  <a:lnTo>
-                    <a:pt x="0" y="487774"/>
-                  </a:lnTo>
-                  <a:lnTo>
-                    <a:pt x="201759" y="0"/>
-                  </a:lnTo>
-                  <a:lnTo>
-                    <a:pt x="998024" y="0"/>
-                  </a:lnTo>
-                  <a:lnTo>
-                    <a:pt x="998024" y="487774"/>
-                  </a:lnTo>
-                  <a:close/>
-                </a:path>
-              </a:pathLst>
-            </a:custGeom>
-            <a:solidFill>
-              <a:srgbClr val="3C378D"/>
-            </a:solidFill>
-          </p:spPr>
-          <p:txBody>
-            <a:bodyPr wrap="square" lIns="0" tIns="0" rIns="0" bIns="0" rtlCol="0"/>
-            <a:lstStyle/>
-            <a:p>
-              <a:endParaRPr dirty="0"/>
-            </a:p>
-          </p:txBody>
-        </p:sp>
-      </p:grpSp>
-      <p:sp>
-        <p:nvSpPr>
-          <p:cNvPr id="16" name="object 8">
-            <a:extLst>
-              <a:ext uri="{FF2B5EF4-FFF2-40B4-BE49-F238E27FC236}">
-                <a16:creationId xmlns:a16="http://schemas.microsoft.com/office/drawing/2014/main" id="{B0C0F2A2-66F1-4C9D-A3CB-666040B4F36E}"/>
-              </a:ext>
-            </a:extLst>
-          </p:cNvPr>
-          <p:cNvSpPr txBox="1">
-            <a:spLocks/>
-          </p:cNvSpPr>
-          <p:nvPr/>
-        </p:nvSpPr>
-        <p:spPr>
-          <a:xfrm>
-            <a:off x="11488994" y="6135939"/>
-            <a:ext cx="570865" cy="520142"/>
-          </a:xfrm>
-          <a:prstGeom prst="rect">
-            <a:avLst/>
-          </a:prstGeom>
-        </p:spPr>
-        <p:txBody>
-          <a:bodyPr vert="horz" wrap="square" lIns="0" tIns="0" rIns="0" bIns="0" rtlCol="0">
-            <a:spAutoFit/>
-          </a:bodyPr>
-          <a:lstStyle>
-            <a:defPPr>
-              <a:defRPr lang="ru-RU"/>
-            </a:defPPr>
-            <a:lvl1pPr marL="0" algn="l" defTabSz="914400" rtl="0" eaLnBrk="1" latinLnBrk="0" hangingPunct="1">
-              <a:defRPr sz="1800" kern="1200">
-                <a:solidFill>
-                  <a:schemeClr val="tx1"/>
-                </a:solidFill>
-                <a:latin typeface="+mn-lt"/>
-                <a:ea typeface="+mn-ea"/>
-                <a:cs typeface="+mn-cs"/>
-              </a:defRPr>
-            </a:lvl1pPr>
-            <a:lvl2pPr marL="457200" algn="l" defTabSz="914400" rtl="0" eaLnBrk="1" latinLnBrk="0" hangingPunct="1">
-              <a:defRPr sz="1800" kern="1200">
-                <a:solidFill>
-                  <a:schemeClr val="tx1"/>
-                </a:solidFill>
-                <a:latin typeface="+mn-lt"/>
-                <a:ea typeface="+mn-ea"/>
-                <a:cs typeface="+mn-cs"/>
-              </a:defRPr>
-            </a:lvl2pPr>
-            <a:lvl3pPr marL="914400" algn="l" defTabSz="914400" rtl="0" eaLnBrk="1" latinLnBrk="0" hangingPunct="1">
-              <a:defRPr sz="1800" kern="1200">
-                <a:solidFill>
-                  <a:schemeClr val="tx1"/>
-                </a:solidFill>
-                <a:latin typeface="+mn-lt"/>
-                <a:ea typeface="+mn-ea"/>
-                <a:cs typeface="+mn-cs"/>
-              </a:defRPr>
-            </a:lvl3pPr>
-            <a:lvl4pPr marL="1371600" algn="l" defTabSz="914400" rtl="0" eaLnBrk="1" latinLnBrk="0" hangingPunct="1">
-              <a:defRPr sz="1800" kern="1200">
-                <a:solidFill>
-                  <a:schemeClr val="tx1"/>
-                </a:solidFill>
-                <a:latin typeface="+mn-lt"/>
-                <a:ea typeface="+mn-ea"/>
-                <a:cs typeface="+mn-cs"/>
-              </a:defRPr>
-            </a:lvl4pPr>
-            <a:lvl5pPr marL="1828800" algn="l" defTabSz="914400" rtl="0" eaLnBrk="1" latinLnBrk="0" hangingPunct="1">
-              <a:defRPr sz="1800" kern="1200">
-                <a:solidFill>
-                  <a:schemeClr val="tx1"/>
-                </a:solidFill>
-                <a:latin typeface="+mn-lt"/>
-                <a:ea typeface="+mn-ea"/>
-                <a:cs typeface="+mn-cs"/>
-              </a:defRPr>
-            </a:lvl5pPr>
-            <a:lvl6pPr marL="2286000" algn="l" defTabSz="914400" rtl="0" eaLnBrk="1" latinLnBrk="0" hangingPunct="1">
-              <a:defRPr sz="1800" kern="1200">
-                <a:solidFill>
-                  <a:schemeClr val="tx1"/>
-                </a:solidFill>
-                <a:latin typeface="+mn-lt"/>
-                <a:ea typeface="+mn-ea"/>
-                <a:cs typeface="+mn-cs"/>
-              </a:defRPr>
-            </a:lvl6pPr>
-            <a:lvl7pPr marL="2743200" algn="l" defTabSz="914400" rtl="0" eaLnBrk="1" latinLnBrk="0" hangingPunct="1">
-              <a:defRPr sz="1800" kern="1200">
-                <a:solidFill>
-                  <a:schemeClr val="tx1"/>
-                </a:solidFill>
-                <a:latin typeface="+mn-lt"/>
-                <a:ea typeface="+mn-ea"/>
-                <a:cs typeface="+mn-cs"/>
-              </a:defRPr>
-            </a:lvl7pPr>
-            <a:lvl8pPr marL="3200400" algn="l" defTabSz="914400" rtl="0" eaLnBrk="1" latinLnBrk="0" hangingPunct="1">
-              <a:defRPr sz="1800" kern="1200">
-                <a:solidFill>
-                  <a:schemeClr val="tx1"/>
-                </a:solidFill>
-                <a:latin typeface="+mn-lt"/>
-                <a:ea typeface="+mn-ea"/>
-                <a:cs typeface="+mn-cs"/>
-              </a:defRPr>
-            </a:lvl8pPr>
-            <a:lvl9pPr marL="3657600" algn="l" defTabSz="914400" rtl="0" eaLnBrk="1" latinLnBrk="0" hangingPunct="1">
-              <a:defRPr sz="1800" kern="1200">
-                <a:solidFill>
-                  <a:schemeClr val="tx1"/>
-                </a:solidFill>
-                <a:latin typeface="+mn-lt"/>
-                <a:ea typeface="+mn-ea"/>
-                <a:cs typeface="+mn-cs"/>
-              </a:defRPr>
-            </a:lvl9pPr>
-          </a:lstStyle>
-          <a:p>
-            <a:pPr marL="38100">
-              <a:lnSpc>
-                <a:spcPts val="3970"/>
-              </a:lnSpc>
-            </a:pPr>
-            <a:fld id="{81D60167-4931-47E6-BA6A-407CBD079E47}" type="slidenum">
-              <a:rPr lang="ru-RU" sz="4000" smtClean="0">
-                <a:solidFill>
-                  <a:schemeClr val="bg1"/>
-                </a:solidFill>
-                <a:latin typeface="Times New Roman" panose="02020603050405020304" pitchFamily="18" charset="0"/>
-                <a:cs typeface="Times New Roman" panose="02020603050405020304" pitchFamily="18" charset="0"/>
-              </a:rPr>
-              <a:pPr marL="38100">
-                <a:lnSpc>
-                  <a:spcPts val="3970"/>
-                </a:lnSpc>
-              </a:pPr>
-              <a:t>4</a:t>
-            </a:fld>
-            <a:endParaRPr lang="ru-RU" sz="4000" dirty="0">
-              <a:solidFill>
-                <a:schemeClr val="bg1"/>
-              </a:solidFill>
-              <a:latin typeface="Times New Roman" panose="02020603050405020304" pitchFamily="18" charset="0"/>
-              <a:cs typeface="Times New Roman" panose="02020603050405020304" pitchFamily="18" charset="0"/>
-            </a:endParaRPr>
-          </a:p>
-        </p:txBody>
-      </p:sp>
-      <p:sp>
-        <p:nvSpPr>
-          <p:cNvPr id="7" name="TextBox 6">
-            <a:extLst>
-              <a:ext uri="{FF2B5EF4-FFF2-40B4-BE49-F238E27FC236}">
-                <a16:creationId xmlns:a16="http://schemas.microsoft.com/office/drawing/2014/main" id="{FE756895-D638-4021-A91A-3C8866874749}"/>
-              </a:ext>
-            </a:extLst>
-          </p:cNvPr>
-          <p:cNvSpPr txBox="1"/>
-          <p:nvPr/>
-        </p:nvSpPr>
-        <p:spPr>
-          <a:xfrm>
-            <a:off x="733424" y="1343025"/>
-            <a:ext cx="5172075" cy="923330"/>
-          </a:xfrm>
-          <a:prstGeom prst="rect">
-            <a:avLst/>
-          </a:prstGeom>
-          <a:noFill/>
-        </p:spPr>
-        <p:txBody>
-          <a:bodyPr wrap="square" rtlCol="0">
-            <a:spAutoFit/>
-          </a:bodyPr>
-          <a:lstStyle/>
-          <a:p>
-            <a:pPr marL="285750" indent="-285750">
-              <a:buFont typeface="Arial" panose="020B0604020202020204" pitchFamily="34" charset="0"/>
-              <a:buChar char="•"/>
-            </a:pPr>
-            <a:r>
-              <a:rPr lang="ru-RU" sz="1800" dirty="0">
-                <a:solidFill>
-                  <a:srgbClr val="FF0000"/>
-                </a:solidFill>
-                <a:effectLst/>
-                <a:latin typeface="Times New Roman" panose="02020603050405020304" pitchFamily="18" charset="0"/>
-                <a:ea typeface="Times New Roman" panose="02020603050405020304" pitchFamily="18" charset="0"/>
-              </a:rPr>
-              <a:t>Развитие векторного представления слов</a:t>
-            </a:r>
-          </a:p>
-          <a:p>
-            <a:pPr marL="285750" indent="-285750">
-              <a:buFont typeface="Arial" panose="020B0604020202020204" pitchFamily="34" charset="0"/>
-              <a:buChar char="•"/>
-            </a:pPr>
-            <a:r>
-              <a:rPr lang="ru-RU" sz="1800" dirty="0">
-                <a:effectLst/>
-                <a:latin typeface="Times New Roman" panose="02020603050405020304" pitchFamily="18" charset="0"/>
-                <a:ea typeface="Times New Roman" panose="02020603050405020304" pitchFamily="18" charset="0"/>
-              </a:rPr>
-              <a:t>Виды языковых моделей</a:t>
-            </a:r>
-            <a:endParaRPr lang="ru-RU" dirty="0">
-              <a:latin typeface="Times New Roman" panose="02020603050405020304" pitchFamily="18" charset="0"/>
-              <a:ea typeface="Times New Roman" panose="02020603050405020304" pitchFamily="18" charset="0"/>
-            </a:endParaRPr>
-          </a:p>
-          <a:p>
-            <a:pPr marL="285750" indent="-285750">
-              <a:buFont typeface="Arial" panose="020B0604020202020204" pitchFamily="34" charset="0"/>
-              <a:buChar char="•"/>
-            </a:pPr>
-            <a:r>
-              <a:rPr lang="ru-RU" sz="1800" dirty="0">
-                <a:effectLst/>
-                <a:latin typeface="Times New Roman" panose="02020603050405020304" pitchFamily="18" charset="0"/>
-                <a:ea typeface="Times New Roman" panose="02020603050405020304" pitchFamily="18" charset="0"/>
-              </a:rPr>
-              <a:t>Выборка необходимых документов и данных</a:t>
-            </a:r>
-            <a:endParaRPr lang="ru-RU" dirty="0"/>
-          </a:p>
-        </p:txBody>
-      </p:sp>
-      <p:pic>
-        <p:nvPicPr>
-          <p:cNvPr id="3" name="Рисунок 2">
-            <a:extLst>
-              <a:ext uri="{FF2B5EF4-FFF2-40B4-BE49-F238E27FC236}">
-                <a16:creationId xmlns:a16="http://schemas.microsoft.com/office/drawing/2014/main" id="{324B011A-2FB6-47F3-9F3F-C76BDDB0C276}"/>
-              </a:ext>
-            </a:extLst>
-          </p:cNvPr>
-          <p:cNvPicPr>
-            <a:picLocks noChangeAspect="1"/>
-          </p:cNvPicPr>
-          <p:nvPr/>
-        </p:nvPicPr>
-        <p:blipFill>
-          <a:blip r:embed="rId3"/>
-          <a:stretch>
-            <a:fillRect/>
-          </a:stretch>
-        </p:blipFill>
-        <p:spPr>
-          <a:xfrm>
-            <a:off x="857249" y="2594260"/>
-            <a:ext cx="4772026" cy="2362620"/>
-          </a:xfrm>
-          <a:prstGeom prst="rect">
-            <a:avLst/>
-          </a:prstGeom>
-        </p:spPr>
-      </p:pic>
-      <mc:AlternateContent xmlns:mc="http://schemas.openxmlformats.org/markup-compatibility/2006" xmlns:a14="http://schemas.microsoft.com/office/drawing/2010/main">
-        <mc:Choice Requires="a14">
-          <p:sp>
-            <p:nvSpPr>
-              <p:cNvPr id="13" name="TextBox 12">
-                <a:extLst>
-                  <a:ext uri="{FF2B5EF4-FFF2-40B4-BE49-F238E27FC236}">
-                    <a16:creationId xmlns:a16="http://schemas.microsoft.com/office/drawing/2014/main" id="{08697726-B671-4A92-A681-2C25A87007BB}"/>
-                  </a:ext>
-                </a:extLst>
-              </p:cNvPr>
-              <p:cNvSpPr txBox="1"/>
-              <p:nvPr/>
-            </p:nvSpPr>
-            <p:spPr>
-              <a:xfrm>
-                <a:off x="5905499" y="1620024"/>
-                <a:ext cx="6096000" cy="369332"/>
-              </a:xfrm>
-              <a:prstGeom prst="rect">
-                <a:avLst/>
-              </a:prstGeom>
-              <a:noFill/>
-            </p:spPr>
-            <p:txBody>
-              <a:bodyPr wrap="square">
-                <a:spAutoFit/>
-              </a:bodyPr>
-              <a:lstStyle/>
-              <a:p>
-                <a:pPr/>
-                <a14:m>
-                  <m:oMathPara xmlns:m="http://schemas.openxmlformats.org/officeDocument/2006/math">
-                    <m:oMathParaPr>
-                      <m:jc m:val="centerGroup"/>
-                    </m:oMathParaPr>
-                    <m:oMath xmlns:m="http://schemas.openxmlformats.org/officeDocument/2006/math">
-                      <m:r>
-                        <a:rPr lang="ru-RU" i="1" smtClean="0">
-                          <a:latin typeface="Cambria Math" panose="02040503050406030204" pitchFamily="18" charset="0"/>
-                        </a:rPr>
-                        <m:t>𝑡𝑓</m:t>
-                      </m:r>
-                      <m:r>
-                        <a:rPr lang="ru-RU" i="0">
-                          <a:latin typeface="Cambria Math" panose="02040503050406030204" pitchFamily="18" charset="0"/>
-                        </a:rPr>
-                        <m:t>−</m:t>
-                      </m:r>
-                      <m:r>
-                        <a:rPr lang="ru-RU" i="1">
-                          <a:latin typeface="Cambria Math" panose="02040503050406030204" pitchFamily="18" charset="0"/>
-                        </a:rPr>
-                        <m:t>𝑖𝑑𝑓</m:t>
-                      </m:r>
-                      <m:d>
-                        <m:dPr>
-                          <m:ctrlPr>
-                            <a:rPr lang="ru-RU" i="1">
-                              <a:solidFill>
-                                <a:srgbClr val="836967"/>
-                              </a:solidFill>
-                              <a:latin typeface="Cambria Math" panose="02040503050406030204" pitchFamily="18" charset="0"/>
-                            </a:rPr>
-                          </m:ctrlPr>
-                        </m:dPr>
-                        <m:e>
-                          <m:r>
-                            <a:rPr lang="ru-RU" i="1">
-                              <a:latin typeface="Cambria Math" panose="02040503050406030204" pitchFamily="18" charset="0"/>
-                            </a:rPr>
-                            <m:t>𝑡</m:t>
-                          </m:r>
-                          <m:r>
-                            <a:rPr lang="ru-RU" i="0">
-                              <a:latin typeface="Cambria Math" panose="02040503050406030204" pitchFamily="18" charset="0"/>
-                            </a:rPr>
-                            <m:t>, </m:t>
-                          </m:r>
-                          <m:r>
-                            <a:rPr lang="ru-RU" i="1">
-                              <a:latin typeface="Cambria Math" panose="02040503050406030204" pitchFamily="18" charset="0"/>
-                            </a:rPr>
-                            <m:t>𝑑</m:t>
-                          </m:r>
-                          <m:r>
-                            <a:rPr lang="ru-RU" i="0">
-                              <a:latin typeface="Cambria Math" panose="02040503050406030204" pitchFamily="18" charset="0"/>
-                            </a:rPr>
-                            <m:t>, </m:t>
-                          </m:r>
-                          <m:r>
-                            <a:rPr lang="ru-RU" i="1">
-                              <a:latin typeface="Cambria Math" panose="02040503050406030204" pitchFamily="18" charset="0"/>
-                            </a:rPr>
-                            <m:t>𝐷</m:t>
-                          </m:r>
-                        </m:e>
-                      </m:d>
-                      <m:r>
-                        <a:rPr lang="ru-RU" i="0">
-                          <a:latin typeface="Cambria Math" panose="02040503050406030204" pitchFamily="18" charset="0"/>
-                        </a:rPr>
-                        <m:t>=</m:t>
-                      </m:r>
-                      <m:r>
-                        <a:rPr lang="ru-RU" i="1">
-                          <a:latin typeface="Cambria Math" panose="02040503050406030204" pitchFamily="18" charset="0"/>
-                        </a:rPr>
-                        <m:t>𝑡𝑓</m:t>
-                      </m:r>
-                      <m:d>
-                        <m:dPr>
-                          <m:ctrlPr>
-                            <a:rPr lang="ru-RU" i="1">
-                              <a:solidFill>
-                                <a:srgbClr val="836967"/>
-                              </a:solidFill>
-                              <a:latin typeface="Cambria Math" panose="02040503050406030204" pitchFamily="18" charset="0"/>
-                            </a:rPr>
-                          </m:ctrlPr>
-                        </m:dPr>
-                        <m:e>
-                          <m:r>
-                            <a:rPr lang="ru-RU" i="1">
-                              <a:latin typeface="Cambria Math" panose="02040503050406030204" pitchFamily="18" charset="0"/>
-                            </a:rPr>
-                            <m:t>𝑡</m:t>
-                          </m:r>
-                          <m:r>
-                            <a:rPr lang="ru-RU" i="0">
-                              <a:latin typeface="Cambria Math" panose="02040503050406030204" pitchFamily="18" charset="0"/>
-                            </a:rPr>
-                            <m:t>, </m:t>
-                          </m:r>
-                          <m:r>
-                            <a:rPr lang="ru-RU" i="1">
-                              <a:latin typeface="Cambria Math" panose="02040503050406030204" pitchFamily="18" charset="0"/>
-                            </a:rPr>
-                            <m:t>𝑑</m:t>
-                          </m:r>
-                        </m:e>
-                      </m:d>
-                      <m:r>
-                        <a:rPr lang="ru-RU" i="0">
-                          <a:latin typeface="Cambria Math" panose="02040503050406030204" pitchFamily="18" charset="0"/>
-                        </a:rPr>
-                        <m:t>×</m:t>
-                      </m:r>
-                      <m:r>
-                        <a:rPr lang="ru-RU" i="1">
-                          <a:latin typeface="Cambria Math" panose="02040503050406030204" pitchFamily="18" charset="0"/>
-                        </a:rPr>
-                        <m:t>𝑖𝑑𝑓</m:t>
-                      </m:r>
-                      <m:d>
-                        <m:dPr>
-                          <m:ctrlPr>
-                            <a:rPr lang="ru-RU" i="1">
-                              <a:solidFill>
-                                <a:srgbClr val="836967"/>
-                              </a:solidFill>
-                              <a:latin typeface="Cambria Math" panose="02040503050406030204" pitchFamily="18" charset="0"/>
-                            </a:rPr>
-                          </m:ctrlPr>
-                        </m:dPr>
-                        <m:e>
-                          <m:r>
-                            <a:rPr lang="ru-RU" i="1">
-                              <a:latin typeface="Cambria Math" panose="02040503050406030204" pitchFamily="18" charset="0"/>
-                            </a:rPr>
-                            <m:t>𝑡</m:t>
-                          </m:r>
-                          <m:r>
-                            <a:rPr lang="ru-RU" i="0">
-                              <a:latin typeface="Cambria Math" panose="02040503050406030204" pitchFamily="18" charset="0"/>
-                            </a:rPr>
-                            <m:t>, </m:t>
-                          </m:r>
-                          <m:r>
-                            <a:rPr lang="ru-RU" i="1">
-                              <a:latin typeface="Cambria Math" panose="02040503050406030204" pitchFamily="18" charset="0"/>
-                            </a:rPr>
-                            <m:t>𝐷</m:t>
-                          </m:r>
-                        </m:e>
-                      </m:d>
-                    </m:oMath>
-                  </m:oMathPara>
-                </a14:m>
-                <a:endParaRPr lang="ru-RU" dirty="0"/>
-              </a:p>
-            </p:txBody>
-          </p:sp>
-        </mc:Choice>
-        <mc:Fallback xmlns="">
-          <p:sp>
-            <p:nvSpPr>
-              <p:cNvPr id="13" name="TextBox 12">
-                <a:extLst>
-                  <a:ext uri="{FF2B5EF4-FFF2-40B4-BE49-F238E27FC236}">
-                    <a16:creationId xmlns:a16="http://schemas.microsoft.com/office/drawing/2014/main" id="{08697726-B671-4A92-A681-2C25A87007BB}"/>
-                  </a:ext>
-                </a:extLst>
-              </p:cNvPr>
-              <p:cNvSpPr txBox="1">
-                <a:spLocks noRot="1" noChangeAspect="1" noMove="1" noResize="1" noEditPoints="1" noAdjustHandles="1" noChangeArrowheads="1" noChangeShapeType="1" noTextEdit="1"/>
-              </p:cNvSpPr>
-              <p:nvPr/>
-            </p:nvSpPr>
-            <p:spPr>
-              <a:xfrm>
-                <a:off x="5905499" y="1620024"/>
-                <a:ext cx="6096000" cy="369332"/>
-              </a:xfrm>
-              <a:prstGeom prst="rect">
-                <a:avLst/>
-              </a:prstGeom>
-              <a:blipFill>
-                <a:blip r:embed="rId4"/>
-                <a:stretch>
-                  <a:fillRect b="-13333"/>
-                </a:stretch>
-              </a:blipFill>
-            </p:spPr>
-            <p:txBody>
-              <a:bodyPr/>
-              <a:lstStyle/>
-              <a:p>
-                <a:r>
-                  <a:rPr lang="ru-RU">
-                    <a:noFill/>
-                  </a:rPr>
-                  <a:t> </a:t>
-                </a:r>
-              </a:p>
-            </p:txBody>
-          </p:sp>
-        </mc:Fallback>
-      </mc:AlternateContent>
-      <mc:AlternateContent xmlns:mc="http://schemas.openxmlformats.org/markup-compatibility/2006" xmlns:a14="http://schemas.microsoft.com/office/drawing/2010/main">
-        <mc:Choice Requires="a14">
-          <p:sp>
-            <p:nvSpPr>
-              <p:cNvPr id="6" name="TextBox 5">
-                <a:extLst>
-                  <a:ext uri="{FF2B5EF4-FFF2-40B4-BE49-F238E27FC236}">
-                    <a16:creationId xmlns:a16="http://schemas.microsoft.com/office/drawing/2014/main" id="{3733EF0C-8F08-4BF2-9563-A711F514C19B}"/>
-                  </a:ext>
-                </a:extLst>
-              </p:cNvPr>
-              <p:cNvSpPr txBox="1"/>
-              <p:nvPr/>
-            </p:nvSpPr>
-            <p:spPr>
-              <a:xfrm>
-                <a:off x="6096000" y="1989356"/>
-                <a:ext cx="5772150" cy="3790781"/>
-              </a:xfrm>
-              <a:prstGeom prst="rect">
-                <a:avLst/>
-              </a:prstGeom>
-              <a:noFill/>
-            </p:spPr>
-            <p:txBody>
-              <a:bodyPr wrap="square" rtlCol="0">
-                <a:spAutoFit/>
-              </a:bodyPr>
-              <a:lstStyle/>
-              <a:p>
-                <a:pPr indent="450215" algn="just">
-                  <a:lnSpc>
-                    <a:spcPct val="150000"/>
-                  </a:lnSpc>
-                  <a:spcAft>
-                    <a:spcPts val="800"/>
-                  </a:spcAft>
-                  <a:tabLst>
-                    <a:tab pos="5581015" algn="l"/>
-                  </a:tabLst>
-                </a:pPr>
-                <a:r>
-                  <a:rPr lang="ru-RU" sz="1800" dirty="0">
-                    <a:effectLst/>
-                    <a:latin typeface="Times New Roman" panose="02020603050405020304" pitchFamily="18" charset="0"/>
-                    <a:ea typeface="DengXian" panose="02010600030101010101" pitchFamily="2" charset="-122"/>
-                  </a:rPr>
-                  <a:t>где </a:t>
-                </a:r>
-                <a14:m>
-                  <m:oMath xmlns:m="http://schemas.openxmlformats.org/officeDocument/2006/math">
-                    <m:r>
-                      <a:rPr lang="ru-RU" sz="1800" i="1">
-                        <a:effectLst/>
-                        <a:latin typeface="Cambria Math" panose="02040503050406030204" pitchFamily="18" charset="0"/>
-                        <a:ea typeface="DengXian" panose="02010600030101010101" pitchFamily="2" charset="-122"/>
-                      </a:rPr>
-                      <m:t>𝑡</m:t>
-                    </m:r>
-                  </m:oMath>
-                </a14:m>
-                <a:r>
-                  <a:rPr lang="ru-RU" sz="1800" dirty="0">
-                    <a:effectLst/>
-                    <a:latin typeface="Times New Roman" panose="02020603050405020304" pitchFamily="18" charset="0"/>
-                    <a:ea typeface="DengXian" panose="02010600030101010101" pitchFamily="2" charset="-122"/>
-                  </a:rPr>
-                  <a:t> – входное слово;</a:t>
-                </a:r>
-                <a:endParaRPr lang="ru-RU" sz="1800" dirty="0">
-                  <a:effectLst/>
-                  <a:latin typeface="Times New Roman" panose="02020603050405020304" pitchFamily="18" charset="0"/>
-                  <a:ea typeface="Times New Roman" panose="02020603050405020304" pitchFamily="18" charset="0"/>
-                </a:endParaRPr>
-              </a:p>
-              <a:p>
-                <a:pPr indent="431800" algn="just">
-                  <a:lnSpc>
-                    <a:spcPct val="150000"/>
-                  </a:lnSpc>
-                  <a:spcAft>
-                    <a:spcPts val="800"/>
-                  </a:spcAft>
-                  <a:tabLst>
-                    <a:tab pos="5581015" algn="l"/>
-                  </a:tabLst>
-                </a:pPr>
-                <a14:m>
-                  <m:oMath xmlns:m="http://schemas.openxmlformats.org/officeDocument/2006/math">
-                    <m:r>
-                      <a:rPr lang="ru-RU" sz="1800" i="1">
-                        <a:effectLst/>
-                        <a:latin typeface="Cambria Math" panose="02040503050406030204" pitchFamily="18" charset="0"/>
-                        <a:ea typeface="DengXian" panose="02010600030101010101" pitchFamily="2" charset="-122"/>
-                      </a:rPr>
-                      <m:t>𝑑</m:t>
-                    </m:r>
-                  </m:oMath>
-                </a14:m>
-                <a:r>
-                  <a:rPr lang="ru-RU" sz="1800" dirty="0">
-                    <a:effectLst/>
-                    <a:latin typeface="Times New Roman" panose="02020603050405020304" pitchFamily="18" charset="0"/>
-                    <a:ea typeface="DengXian" panose="02010600030101010101" pitchFamily="2" charset="-122"/>
-                  </a:rPr>
-                  <a:t> – текущий документ;</a:t>
-                </a:r>
-                <a:endParaRPr lang="ru-RU" sz="1800" dirty="0">
-                  <a:effectLst/>
-                  <a:latin typeface="Times New Roman" panose="02020603050405020304" pitchFamily="18" charset="0"/>
-                  <a:ea typeface="Times New Roman" panose="02020603050405020304" pitchFamily="18" charset="0"/>
-                </a:endParaRPr>
-              </a:p>
-              <a:p>
-                <a:pPr indent="431800" algn="just">
-                  <a:lnSpc>
-                    <a:spcPct val="150000"/>
-                  </a:lnSpc>
-                  <a:spcAft>
-                    <a:spcPts val="800"/>
-                  </a:spcAft>
-                  <a:tabLst>
-                    <a:tab pos="5581015" algn="l"/>
-                  </a:tabLst>
-                </a:pPr>
-                <a14:m>
-                  <m:oMath xmlns:m="http://schemas.openxmlformats.org/officeDocument/2006/math">
-                    <m:r>
-                      <a:rPr lang="ru-RU" sz="1800" i="1">
-                        <a:effectLst/>
-                        <a:latin typeface="Cambria Math" panose="02040503050406030204" pitchFamily="18" charset="0"/>
-                        <a:ea typeface="DengXian" panose="02010600030101010101" pitchFamily="2" charset="-122"/>
-                      </a:rPr>
-                      <m:t>𝐷</m:t>
-                    </m:r>
-                  </m:oMath>
-                </a14:m>
-                <a:r>
-                  <a:rPr lang="ru-RU" sz="1800" dirty="0">
-                    <a:effectLst/>
-                    <a:latin typeface="Times New Roman" panose="02020603050405020304" pitchFamily="18" charset="0"/>
-                    <a:ea typeface="DengXian" panose="02010600030101010101" pitchFamily="2" charset="-122"/>
-                  </a:rPr>
-                  <a:t> – коллекция документов;</a:t>
-                </a:r>
-                <a:endParaRPr lang="ru-RU" sz="1800" dirty="0">
-                  <a:effectLst/>
-                  <a:latin typeface="Times New Roman" panose="02020603050405020304" pitchFamily="18" charset="0"/>
-                  <a:ea typeface="Times New Roman" panose="02020603050405020304" pitchFamily="18" charset="0"/>
-                </a:endParaRPr>
-              </a:p>
-              <a:p>
-                <a:pPr indent="431800" algn="just">
-                  <a:lnSpc>
-                    <a:spcPct val="150000"/>
-                  </a:lnSpc>
-                  <a:spcAft>
-                    <a:spcPts val="800"/>
-                  </a:spcAft>
-                  <a:tabLst>
-                    <a:tab pos="5581015" algn="l"/>
-                  </a:tabLst>
-                </a:pPr>
-                <a14:m>
-                  <m:oMath xmlns:m="http://schemas.openxmlformats.org/officeDocument/2006/math">
-                    <m:r>
-                      <a:rPr lang="ru-RU" sz="1800" i="1">
-                        <a:effectLst/>
-                        <a:latin typeface="Cambria Math" panose="02040503050406030204" pitchFamily="18" charset="0"/>
-                        <a:ea typeface="DengXian" panose="02010600030101010101" pitchFamily="2" charset="-122"/>
-                      </a:rPr>
-                      <m:t>𝑡𝑓</m:t>
-                    </m:r>
-                    <m:d>
-                      <m:dPr>
-                        <m:ctrlPr>
-                          <a:rPr lang="ru-RU" sz="1800" i="1">
-                            <a:effectLst/>
-                            <a:latin typeface="Cambria Math" panose="02040503050406030204" pitchFamily="18" charset="0"/>
-                            <a:ea typeface="DengXian" panose="02010600030101010101" pitchFamily="2" charset="-122"/>
-                          </a:rPr>
-                        </m:ctrlPr>
-                      </m:dPr>
-                      <m:e>
-                        <m:r>
-                          <a:rPr lang="ru-RU" sz="1800" i="1">
-                            <a:effectLst/>
-                            <a:latin typeface="Cambria Math" panose="02040503050406030204" pitchFamily="18" charset="0"/>
-                            <a:ea typeface="DengXian" panose="02010600030101010101" pitchFamily="2" charset="-122"/>
-                          </a:rPr>
-                          <m:t>𝑡</m:t>
-                        </m:r>
-                        <m:r>
-                          <a:rPr lang="ru-RU" sz="1800" i="1">
-                            <a:effectLst/>
-                            <a:latin typeface="Cambria Math" panose="02040503050406030204" pitchFamily="18" charset="0"/>
-                            <a:ea typeface="DengXian" panose="02010600030101010101" pitchFamily="2" charset="-122"/>
-                          </a:rPr>
-                          <m:t>, </m:t>
-                        </m:r>
-                        <m:r>
-                          <a:rPr lang="ru-RU" sz="1800" i="1">
-                            <a:effectLst/>
-                            <a:latin typeface="Cambria Math" panose="02040503050406030204" pitchFamily="18" charset="0"/>
-                            <a:ea typeface="DengXian" panose="02010600030101010101" pitchFamily="2" charset="-122"/>
-                          </a:rPr>
-                          <m:t>𝑑</m:t>
-                        </m:r>
-                      </m:e>
-                    </m:d>
-                  </m:oMath>
-                </a14:m>
-                <a:r>
-                  <a:rPr lang="ru-RU" sz="1800" dirty="0">
-                    <a:effectLst/>
-                    <a:latin typeface="Times New Roman" panose="02020603050405020304" pitchFamily="18" charset="0"/>
-                    <a:ea typeface="DengXian" panose="02010600030101010101" pitchFamily="2" charset="-122"/>
-                  </a:rPr>
-                  <a:t> – относительная частота встречаемого слова в документе;</a:t>
-                </a:r>
-                <a:endParaRPr lang="ru-RU" sz="1800" dirty="0">
-                  <a:effectLst/>
-                  <a:latin typeface="Times New Roman" panose="02020603050405020304" pitchFamily="18" charset="0"/>
-                  <a:ea typeface="Times New Roman" panose="02020603050405020304" pitchFamily="18" charset="0"/>
-                </a:endParaRPr>
-              </a:p>
-              <a:p>
-                <a:pPr indent="431800" algn="just">
-                  <a:lnSpc>
-                    <a:spcPct val="150000"/>
-                  </a:lnSpc>
-                  <a:spcAft>
-                    <a:spcPts val="800"/>
-                  </a:spcAft>
-                  <a:tabLst>
-                    <a:tab pos="5581015" algn="l"/>
-                  </a:tabLst>
-                </a:pPr>
-                <a14:m>
-                  <m:oMath xmlns:m="http://schemas.openxmlformats.org/officeDocument/2006/math">
-                    <m:r>
-                      <a:rPr lang="ru-RU" sz="1800" i="1">
-                        <a:effectLst/>
-                        <a:latin typeface="Cambria Math" panose="02040503050406030204" pitchFamily="18" charset="0"/>
-                        <a:ea typeface="DengXian" panose="02010600030101010101" pitchFamily="2" charset="-122"/>
-                      </a:rPr>
-                      <m:t>𝑖𝑑𝑓</m:t>
-                    </m:r>
-                    <m:d>
-                      <m:dPr>
-                        <m:ctrlPr>
-                          <a:rPr lang="ru-RU" sz="1800" i="1">
-                            <a:effectLst/>
-                            <a:latin typeface="Cambria Math" panose="02040503050406030204" pitchFamily="18" charset="0"/>
-                            <a:ea typeface="DengXian" panose="02010600030101010101" pitchFamily="2" charset="-122"/>
-                          </a:rPr>
-                        </m:ctrlPr>
-                      </m:dPr>
-                      <m:e>
-                        <m:r>
-                          <a:rPr lang="ru-RU" sz="1800" i="1">
-                            <a:effectLst/>
-                            <a:latin typeface="Cambria Math" panose="02040503050406030204" pitchFamily="18" charset="0"/>
-                            <a:ea typeface="DengXian" panose="02010600030101010101" pitchFamily="2" charset="-122"/>
-                          </a:rPr>
-                          <m:t>𝑡</m:t>
-                        </m:r>
-                        <m:r>
-                          <a:rPr lang="ru-RU" sz="1800" i="1">
-                            <a:effectLst/>
-                            <a:latin typeface="Cambria Math" panose="02040503050406030204" pitchFamily="18" charset="0"/>
-                            <a:ea typeface="DengXian" panose="02010600030101010101" pitchFamily="2" charset="-122"/>
-                          </a:rPr>
-                          <m:t>, </m:t>
-                        </m:r>
-                        <m:r>
-                          <a:rPr lang="ru-RU" sz="1800" i="1">
-                            <a:effectLst/>
-                            <a:latin typeface="Cambria Math" panose="02040503050406030204" pitchFamily="18" charset="0"/>
-                            <a:ea typeface="DengXian" panose="02010600030101010101" pitchFamily="2" charset="-122"/>
-                          </a:rPr>
-                          <m:t>𝐷</m:t>
-                        </m:r>
-                      </m:e>
-                    </m:d>
-                  </m:oMath>
-                </a14:m>
-                <a:r>
-                  <a:rPr lang="ru-RU" sz="1800" dirty="0">
-                    <a:effectLst/>
-                    <a:latin typeface="Times New Roman" panose="02020603050405020304" pitchFamily="18" charset="0"/>
-                    <a:ea typeface="DengXian" panose="02010600030101010101" pitchFamily="2" charset="-122"/>
-                  </a:rPr>
-                  <a:t> – обратная частота встречаемого слова в наборе документов.</a:t>
-                </a:r>
-                <a:endParaRPr lang="ru-RU" sz="1800" dirty="0">
-                  <a:effectLst/>
-                  <a:latin typeface="Times New Roman" panose="02020603050405020304" pitchFamily="18" charset="0"/>
-                  <a:ea typeface="Times New Roman" panose="02020603050405020304" pitchFamily="18" charset="0"/>
-                </a:endParaRPr>
-              </a:p>
-              <a:p>
-                <a:endParaRPr lang="ru-RU" dirty="0"/>
-              </a:p>
-            </p:txBody>
-          </p:sp>
-        </mc:Choice>
-        <mc:Fallback xmlns="">
-          <p:sp>
-            <p:nvSpPr>
-              <p:cNvPr id="6" name="TextBox 5">
-                <a:extLst>
-                  <a:ext uri="{FF2B5EF4-FFF2-40B4-BE49-F238E27FC236}">
-                    <a16:creationId xmlns:a16="http://schemas.microsoft.com/office/drawing/2014/main" id="{3733EF0C-8F08-4BF2-9563-A711F514C19B}"/>
-                  </a:ext>
-                </a:extLst>
-              </p:cNvPr>
-              <p:cNvSpPr txBox="1">
-                <a:spLocks noRot="1" noChangeAspect="1" noMove="1" noResize="1" noEditPoints="1" noAdjustHandles="1" noChangeArrowheads="1" noChangeShapeType="1" noTextEdit="1"/>
-              </p:cNvSpPr>
-              <p:nvPr/>
-            </p:nvSpPr>
-            <p:spPr>
-              <a:xfrm>
-                <a:off x="6096000" y="1989356"/>
-                <a:ext cx="5772150" cy="3790781"/>
-              </a:xfrm>
-              <a:prstGeom prst="rect">
-                <a:avLst/>
-              </a:prstGeom>
-              <a:blipFill>
-                <a:blip r:embed="rId5"/>
-                <a:stretch>
-                  <a:fillRect l="-845" r="-845"/>
-                </a:stretch>
-              </a:blipFill>
-            </p:spPr>
-            <p:txBody>
-              <a:bodyPr/>
-              <a:lstStyle/>
-              <a:p>
-                <a:r>
-                  <a:rPr lang="ru-RU">
-                    <a:noFill/>
-                  </a:rPr>
-                  <a:t> </a:t>
-                </a:r>
-              </a:p>
-            </p:txBody>
-          </p:sp>
-        </mc:Fallback>
-      </mc:AlternateContent>
-    </p:spTree>
-    <p:extLst>
-      <p:ext uri="{BB962C8B-B14F-4D97-AF65-F5344CB8AC3E}">
-        <p14:creationId xmlns:p14="http://schemas.microsoft.com/office/powerpoint/2010/main" val="2527939747"/>
-      </p:ext>
-    </p:extLst>
-  </p:cSld>
-  <p:clrMapOvr>
-    <a:masterClrMapping/>
-  </p:clrMapOvr>
-</p:sld>
-</file>
-
-<file path=ppt/slides/slide5.xml><?xml version="1.0" encoding="utf-8"?>
-<p:sld xmlns:a="http://schemas.openxmlformats.org/drawingml/2006/main" xmlns:r="http://schemas.openxmlformats.org/officeDocument/2006/relationships" xmlns:p="http://schemas.openxmlformats.org/presentationml/2006/main">
-  <p:cSld>
-    <p:spTree>
-      <p:nvGrpSpPr>
-        <p:cNvPr id="1" name=""/>
-        <p:cNvGrpSpPr/>
-        <p:nvPr/>
-      </p:nvGrpSpPr>
-      <p:grpSpPr>
-        <a:xfrm>
-          <a:off x="0" y="0"/>
-          <a:ext cx="0" cy="0"/>
-          <a:chOff x="0" y="0"/>
-          <a:chExt cx="0" cy="0"/>
-        </a:xfrm>
-      </p:grpSpPr>
-      <p:sp>
-        <p:nvSpPr>
-          <p:cNvPr id="4" name="Заголовок 3">
-            <a:extLst>
-              <a:ext uri="{FF2B5EF4-FFF2-40B4-BE49-F238E27FC236}">
-                <a16:creationId xmlns:a16="http://schemas.microsoft.com/office/drawing/2014/main" id="{50A4DD60-3A2E-4A3E-90CA-082C44663A86}"/>
-              </a:ext>
-            </a:extLst>
-          </p:cNvPr>
-          <p:cNvSpPr>
-            <a:spLocks noGrp="1"/>
-          </p:cNvSpPr>
-          <p:nvPr>
-            <p:ph type="title"/>
-          </p:nvPr>
-        </p:nvSpPr>
-        <p:spPr>
-          <a:xfrm>
-            <a:off x="609600" y="381001"/>
-            <a:ext cx="5867400" cy="634119"/>
-          </a:xfrm>
-        </p:spPr>
-        <p:txBody>
-          <a:bodyPr>
-            <a:noAutofit/>
-          </a:bodyPr>
-          <a:lstStyle/>
-          <a:p>
-            <a:r>
-              <a:rPr lang="ru-RU" sz="3600" b="1" spc="-5" dirty="0">
-                <a:latin typeface="Times New Roman" panose="02020603050405020304" pitchFamily="18" charset="0"/>
-                <a:cs typeface="Times New Roman" panose="02020603050405020304" pitchFamily="18" charset="0"/>
-              </a:rPr>
-              <a:t>Обзор</a:t>
-            </a:r>
-            <a:r>
-              <a:rPr lang="ru-RU" sz="3600" b="1" spc="-50" dirty="0">
-                <a:latin typeface="Times New Roman" panose="02020603050405020304" pitchFamily="18" charset="0"/>
-                <a:cs typeface="Times New Roman" panose="02020603050405020304" pitchFamily="18" charset="0"/>
-              </a:rPr>
-              <a:t> </a:t>
-            </a:r>
-            <a:r>
-              <a:rPr lang="ru-RU" sz="3600" b="1" spc="-5" dirty="0">
-                <a:latin typeface="Times New Roman" panose="02020603050405020304" pitchFamily="18" charset="0"/>
-                <a:cs typeface="Times New Roman" panose="02020603050405020304" pitchFamily="18" charset="0"/>
-              </a:rPr>
-              <a:t>предметной</a:t>
-            </a:r>
-            <a:r>
-              <a:rPr lang="ru-RU" sz="3600" b="1" spc="-45" dirty="0">
-                <a:latin typeface="Times New Roman" panose="02020603050405020304" pitchFamily="18" charset="0"/>
-                <a:cs typeface="Times New Roman" panose="02020603050405020304" pitchFamily="18" charset="0"/>
-              </a:rPr>
-              <a:t> </a:t>
-            </a:r>
-            <a:r>
-              <a:rPr lang="ru-RU" sz="3600" b="1" spc="-5" dirty="0">
-                <a:latin typeface="Times New Roman" panose="02020603050405020304" pitchFamily="18" charset="0"/>
-                <a:cs typeface="Times New Roman" panose="02020603050405020304" pitchFamily="18" charset="0"/>
-              </a:rPr>
-              <a:t>области</a:t>
-            </a:r>
-            <a:endParaRPr lang="ru-RU" sz="3600" b="1" dirty="0"/>
-          </a:p>
-        </p:txBody>
-      </p:sp>
-      <p:grpSp>
-        <p:nvGrpSpPr>
-          <p:cNvPr id="10" name="object 2">
-            <a:extLst>
-              <a:ext uri="{FF2B5EF4-FFF2-40B4-BE49-F238E27FC236}">
-                <a16:creationId xmlns:a16="http://schemas.microsoft.com/office/drawing/2014/main" id="{801F69FD-FD2B-4FE3-8525-E2760ED7B1B5}"/>
-              </a:ext>
-            </a:extLst>
-          </p:cNvPr>
-          <p:cNvGrpSpPr/>
-          <p:nvPr/>
-        </p:nvGrpSpPr>
-        <p:grpSpPr>
-          <a:xfrm>
-            <a:off x="10955850" y="6147124"/>
-            <a:ext cx="1236343" cy="488315"/>
-            <a:chOff x="10955850" y="6147124"/>
-            <a:chExt cx="1236343" cy="488315"/>
-          </a:xfrm>
-        </p:grpSpPr>
-        <p:pic>
-          <p:nvPicPr>
-            <p:cNvPr id="11" name="object 5">
-              <a:extLst>
-                <a:ext uri="{FF2B5EF4-FFF2-40B4-BE49-F238E27FC236}">
-                  <a16:creationId xmlns:a16="http://schemas.microsoft.com/office/drawing/2014/main" id="{ACD1142E-2D23-4826-A26B-8656EA3F8DAA}"/>
-                </a:ext>
-              </a:extLst>
-            </p:cNvPr>
-            <p:cNvPicPr/>
-            <p:nvPr/>
-          </p:nvPicPr>
-          <p:blipFill>
-            <a:blip r:embed="rId2" cstate="print"/>
-            <a:stretch>
-              <a:fillRect/>
-            </a:stretch>
-          </p:blipFill>
-          <p:spPr>
-            <a:xfrm>
-              <a:off x="10955850" y="6147125"/>
-              <a:ext cx="1008800" cy="487775"/>
-            </a:xfrm>
-            <a:prstGeom prst="rect">
-              <a:avLst/>
-            </a:prstGeom>
-          </p:spPr>
-        </p:pic>
-        <p:sp>
-          <p:nvSpPr>
-            <p:cNvPr id="12" name="object 6">
-              <a:extLst>
-                <a:ext uri="{FF2B5EF4-FFF2-40B4-BE49-F238E27FC236}">
-                  <a16:creationId xmlns:a16="http://schemas.microsoft.com/office/drawing/2014/main" id="{B6FEB8CD-C6F7-4ADB-A2D6-8A9C09029397}"/>
-                </a:ext>
-              </a:extLst>
-            </p:cNvPr>
-            <p:cNvSpPr/>
-            <p:nvPr/>
-          </p:nvSpPr>
-          <p:spPr>
-            <a:xfrm>
-              <a:off x="11193974" y="6147124"/>
-              <a:ext cx="998219" cy="488315"/>
-            </a:xfrm>
-            <a:custGeom>
-              <a:avLst/>
-              <a:gdLst/>
-              <a:ahLst/>
-              <a:cxnLst/>
-              <a:rect l="l" t="t" r="r" b="b"/>
-              <a:pathLst>
-                <a:path w="998220" h="488315">
-                  <a:moveTo>
-                    <a:pt x="998024" y="487774"/>
-                  </a:moveTo>
-                  <a:lnTo>
-                    <a:pt x="0" y="487774"/>
-                  </a:lnTo>
-                  <a:lnTo>
-                    <a:pt x="201759" y="0"/>
-                  </a:lnTo>
-                  <a:lnTo>
-                    <a:pt x="998024" y="0"/>
-                  </a:lnTo>
-                  <a:lnTo>
-                    <a:pt x="998024" y="487774"/>
-                  </a:lnTo>
-                  <a:close/>
-                </a:path>
-              </a:pathLst>
-            </a:custGeom>
-            <a:solidFill>
-              <a:srgbClr val="3C378D"/>
-            </a:solidFill>
-          </p:spPr>
-          <p:txBody>
-            <a:bodyPr wrap="square" lIns="0" tIns="0" rIns="0" bIns="0" rtlCol="0"/>
-            <a:lstStyle/>
-            <a:p>
-              <a:endParaRPr dirty="0"/>
-            </a:p>
-          </p:txBody>
-        </p:sp>
-      </p:grpSp>
-      <p:sp>
-        <p:nvSpPr>
-          <p:cNvPr id="16" name="object 8">
-            <a:extLst>
-              <a:ext uri="{FF2B5EF4-FFF2-40B4-BE49-F238E27FC236}">
-                <a16:creationId xmlns:a16="http://schemas.microsoft.com/office/drawing/2014/main" id="{B0C0F2A2-66F1-4C9D-A3CB-666040B4F36E}"/>
-              </a:ext>
-            </a:extLst>
-          </p:cNvPr>
-          <p:cNvSpPr txBox="1">
-            <a:spLocks/>
-          </p:cNvSpPr>
-          <p:nvPr/>
-        </p:nvSpPr>
-        <p:spPr>
-          <a:xfrm>
-            <a:off x="11488994" y="6135939"/>
-            <a:ext cx="570865" cy="520142"/>
-          </a:xfrm>
-          <a:prstGeom prst="rect">
-            <a:avLst/>
-          </a:prstGeom>
-        </p:spPr>
-        <p:txBody>
-          <a:bodyPr vert="horz" wrap="square" lIns="0" tIns="0" rIns="0" bIns="0" rtlCol="0">
-            <a:spAutoFit/>
-          </a:bodyPr>
-          <a:lstStyle>
-            <a:defPPr>
-              <a:defRPr lang="ru-RU"/>
-            </a:defPPr>
-            <a:lvl1pPr marL="0" algn="l" defTabSz="914400" rtl="0" eaLnBrk="1" latinLnBrk="0" hangingPunct="1">
-              <a:defRPr sz="1800" kern="1200">
-                <a:solidFill>
-                  <a:schemeClr val="tx1"/>
-                </a:solidFill>
-                <a:latin typeface="+mn-lt"/>
-                <a:ea typeface="+mn-ea"/>
-                <a:cs typeface="+mn-cs"/>
-              </a:defRPr>
-            </a:lvl1pPr>
-            <a:lvl2pPr marL="457200" algn="l" defTabSz="914400" rtl="0" eaLnBrk="1" latinLnBrk="0" hangingPunct="1">
-              <a:defRPr sz="1800" kern="1200">
-                <a:solidFill>
-                  <a:schemeClr val="tx1"/>
-                </a:solidFill>
-                <a:latin typeface="+mn-lt"/>
-                <a:ea typeface="+mn-ea"/>
-                <a:cs typeface="+mn-cs"/>
-              </a:defRPr>
-            </a:lvl2pPr>
-            <a:lvl3pPr marL="914400" algn="l" defTabSz="914400" rtl="0" eaLnBrk="1" latinLnBrk="0" hangingPunct="1">
-              <a:defRPr sz="1800" kern="1200">
-                <a:solidFill>
-                  <a:schemeClr val="tx1"/>
-                </a:solidFill>
-                <a:latin typeface="+mn-lt"/>
-                <a:ea typeface="+mn-ea"/>
-                <a:cs typeface="+mn-cs"/>
-              </a:defRPr>
-            </a:lvl3pPr>
-            <a:lvl4pPr marL="1371600" algn="l" defTabSz="914400" rtl="0" eaLnBrk="1" latinLnBrk="0" hangingPunct="1">
-              <a:defRPr sz="1800" kern="1200">
-                <a:solidFill>
-                  <a:schemeClr val="tx1"/>
-                </a:solidFill>
-                <a:latin typeface="+mn-lt"/>
-                <a:ea typeface="+mn-ea"/>
-                <a:cs typeface="+mn-cs"/>
-              </a:defRPr>
-            </a:lvl4pPr>
-            <a:lvl5pPr marL="1828800" algn="l" defTabSz="914400" rtl="0" eaLnBrk="1" latinLnBrk="0" hangingPunct="1">
-              <a:defRPr sz="1800" kern="1200">
-                <a:solidFill>
-                  <a:schemeClr val="tx1"/>
-                </a:solidFill>
-                <a:latin typeface="+mn-lt"/>
-                <a:ea typeface="+mn-ea"/>
-                <a:cs typeface="+mn-cs"/>
-              </a:defRPr>
-            </a:lvl5pPr>
-            <a:lvl6pPr marL="2286000" algn="l" defTabSz="914400" rtl="0" eaLnBrk="1" latinLnBrk="0" hangingPunct="1">
-              <a:defRPr sz="1800" kern="1200">
-                <a:solidFill>
-                  <a:schemeClr val="tx1"/>
-                </a:solidFill>
-                <a:latin typeface="+mn-lt"/>
-                <a:ea typeface="+mn-ea"/>
-                <a:cs typeface="+mn-cs"/>
-              </a:defRPr>
-            </a:lvl6pPr>
-            <a:lvl7pPr marL="2743200" algn="l" defTabSz="914400" rtl="0" eaLnBrk="1" latinLnBrk="0" hangingPunct="1">
-              <a:defRPr sz="1800" kern="1200">
-                <a:solidFill>
-                  <a:schemeClr val="tx1"/>
-                </a:solidFill>
-                <a:latin typeface="+mn-lt"/>
-                <a:ea typeface="+mn-ea"/>
-                <a:cs typeface="+mn-cs"/>
-              </a:defRPr>
-            </a:lvl7pPr>
-            <a:lvl8pPr marL="3200400" algn="l" defTabSz="914400" rtl="0" eaLnBrk="1" latinLnBrk="0" hangingPunct="1">
-              <a:defRPr sz="1800" kern="1200">
-                <a:solidFill>
-                  <a:schemeClr val="tx1"/>
-                </a:solidFill>
-                <a:latin typeface="+mn-lt"/>
-                <a:ea typeface="+mn-ea"/>
-                <a:cs typeface="+mn-cs"/>
-              </a:defRPr>
-            </a:lvl8pPr>
-            <a:lvl9pPr marL="3657600" algn="l" defTabSz="914400" rtl="0" eaLnBrk="1" latinLnBrk="0" hangingPunct="1">
-              <a:defRPr sz="1800" kern="1200">
-                <a:solidFill>
-                  <a:schemeClr val="tx1"/>
-                </a:solidFill>
-                <a:latin typeface="+mn-lt"/>
-                <a:ea typeface="+mn-ea"/>
-                <a:cs typeface="+mn-cs"/>
-              </a:defRPr>
-            </a:lvl9pPr>
-          </a:lstStyle>
-          <a:p>
-            <a:pPr marL="38100">
-              <a:lnSpc>
-                <a:spcPts val="3970"/>
-              </a:lnSpc>
-            </a:pPr>
-            <a:fld id="{81D60167-4931-47E6-BA6A-407CBD079E47}" type="slidenum">
-              <a:rPr lang="ru-RU" sz="4000" smtClean="0">
-                <a:solidFill>
-                  <a:schemeClr val="bg1"/>
-                </a:solidFill>
-                <a:latin typeface="Times New Roman" panose="02020603050405020304" pitchFamily="18" charset="0"/>
-                <a:cs typeface="Times New Roman" panose="02020603050405020304" pitchFamily="18" charset="0"/>
-              </a:rPr>
-              <a:pPr marL="38100">
-                <a:lnSpc>
-                  <a:spcPts val="3970"/>
-                </a:lnSpc>
-              </a:pPr>
               <a:t>5</a:t>
             </a:fld>
             <a:endParaRPr lang="ru-RU" sz="4000" dirty="0">
@@ -12053,88 +9670,6 @@
               <a:latin typeface="Times New Roman" panose="02020603050405020304" pitchFamily="18" charset="0"/>
               <a:cs typeface="Times New Roman" panose="02020603050405020304" pitchFamily="18" charset="0"/>
             </a:endParaRPr>
-          </a:p>
-        </p:txBody>
-      </p:sp>
-      <p:sp>
-        <p:nvSpPr>
-          <p:cNvPr id="8" name="TextBox 7">
-            <a:extLst>
-              <a:ext uri="{FF2B5EF4-FFF2-40B4-BE49-F238E27FC236}">
-                <a16:creationId xmlns:a16="http://schemas.microsoft.com/office/drawing/2014/main" id="{8A3D5232-FE88-4CC0-A308-0A3645B8342B}"/>
-              </a:ext>
-            </a:extLst>
-          </p:cNvPr>
-          <p:cNvSpPr txBox="1"/>
-          <p:nvPr/>
-        </p:nvSpPr>
-        <p:spPr>
-          <a:xfrm>
-            <a:off x="609600" y="1567160"/>
-            <a:ext cx="6096000" cy="923330"/>
-          </a:xfrm>
-          <a:prstGeom prst="rect">
-            <a:avLst/>
-          </a:prstGeom>
-          <a:noFill/>
-        </p:spPr>
-        <p:txBody>
-          <a:bodyPr wrap="square">
-            <a:spAutoFit/>
-          </a:bodyPr>
-          <a:lstStyle/>
-          <a:p>
-            <a:pPr marL="285750" indent="-285750">
-              <a:buFont typeface="Arial" panose="020B0604020202020204" pitchFamily="34" charset="0"/>
-              <a:buChar char="•"/>
-            </a:pPr>
-            <a:r>
-              <a:rPr lang="ru-RU" sz="1800" dirty="0">
-                <a:effectLst/>
-                <a:latin typeface="Times New Roman" panose="02020603050405020304" pitchFamily="18" charset="0"/>
-                <a:ea typeface="Times New Roman" panose="02020603050405020304" pitchFamily="18" charset="0"/>
-              </a:rPr>
-              <a:t>Развитие векторного представления слов</a:t>
-            </a:r>
-          </a:p>
-          <a:p>
-            <a:pPr marL="285750" indent="-285750">
-              <a:buFont typeface="Arial" panose="020B0604020202020204" pitchFamily="34" charset="0"/>
-              <a:buChar char="•"/>
-            </a:pPr>
-            <a:r>
-              <a:rPr lang="ru-RU" sz="1800" dirty="0">
-                <a:solidFill>
-                  <a:srgbClr val="FF0000"/>
-                </a:solidFill>
-                <a:effectLst/>
-                <a:latin typeface="Times New Roman" panose="02020603050405020304" pitchFamily="18" charset="0"/>
-                <a:ea typeface="Times New Roman" panose="02020603050405020304" pitchFamily="18" charset="0"/>
-              </a:rPr>
-              <a:t>Виды языковых моделей</a:t>
-            </a:r>
-            <a:endParaRPr lang="ru-RU" dirty="0">
-              <a:solidFill>
-                <a:srgbClr val="FF0000"/>
-              </a:solidFill>
-              <a:latin typeface="Times New Roman" panose="02020603050405020304" pitchFamily="18" charset="0"/>
-              <a:ea typeface="Times New Roman" panose="02020603050405020304" pitchFamily="18" charset="0"/>
-            </a:endParaRPr>
-          </a:p>
-          <a:p>
-            <a:pPr marL="285750" indent="-285750">
-              <a:buFont typeface="Arial" panose="020B0604020202020204" pitchFamily="34" charset="0"/>
-              <a:buChar char="•"/>
-            </a:pPr>
-            <a:r>
-              <a:rPr lang="ru-RU" sz="1800" dirty="0">
-                <a:effectLst/>
-                <a:latin typeface="Times New Roman" panose="02020603050405020304" pitchFamily="18" charset="0"/>
-                <a:ea typeface="Times New Roman" panose="02020603050405020304" pitchFamily="18" charset="0"/>
-              </a:rPr>
-              <a:t>Выборка необходимых документов и данных</a:t>
-            </a:r>
-            <a:endParaRPr lang="ru-RU" dirty="0"/>
           </a:p>
         </p:txBody>
       </p:sp>
@@ -12155,13 +9690,13 @@
               <p:nvPr>
                 <p:extLst>
                   <p:ext uri="{D42A27DB-BD31-4B8C-83A1-F6EECF244321}">
-                    <p14:modId xmlns:p14="http://schemas.microsoft.com/office/powerpoint/2010/main" val="2368713317"/>
+                    <p14:modId xmlns:p14="http://schemas.microsoft.com/office/powerpoint/2010/main" val="2041382532"/>
                   </p:ext>
                 </p:extLst>
               </p:nvPr>
             </p:nvGraphicFramePr>
             <p:xfrm>
-              <a:off x="2028825" y="3167591"/>
+              <a:off x="2028825" y="3319991"/>
               <a:ext cx="8131175" cy="1400112"/>
             </p:xfrm>
             <a:graphic>
@@ -12608,13 +10143,13 @@
               <p:nvPr>
                 <p:extLst>
                   <p:ext uri="{D42A27DB-BD31-4B8C-83A1-F6EECF244321}">
-                    <p14:modId xmlns:p14="http://schemas.microsoft.com/office/powerpoint/2010/main" val="2368713317"/>
+                    <p14:modId xmlns:p14="http://schemas.microsoft.com/office/powerpoint/2010/main" val="2041382532"/>
                   </p:ext>
                 </p:extLst>
               </p:nvPr>
             </p:nvGraphicFramePr>
             <p:xfrm>
-              <a:off x="2028825" y="3167591"/>
+              <a:off x="2028825" y="3319991"/>
               <a:ext cx="8131175" cy="1400112"/>
             </p:xfrm>
             <a:graphic>
@@ -12899,6 +10434,115 @@
           </p:graphicFrame>
         </mc:Fallback>
       </mc:AlternateContent>
+      <p:sp>
+        <p:nvSpPr>
+          <p:cNvPr id="13" name="TextBox 12">
+            <a:extLst>
+              <a:ext uri="{FF2B5EF4-FFF2-40B4-BE49-F238E27FC236}">
+                <a16:creationId xmlns:a16="http://schemas.microsoft.com/office/drawing/2014/main" id="{961E57CC-E9D0-4CCE-8601-CE0457F847BF}"/>
+              </a:ext>
+            </a:extLst>
+          </p:cNvPr>
+          <p:cNvSpPr txBox="1"/>
+          <p:nvPr/>
+        </p:nvSpPr>
+        <p:spPr>
+          <a:xfrm>
+            <a:off x="495300" y="1062335"/>
+            <a:ext cx="5000625" cy="1477328"/>
+          </a:xfrm>
+          <a:prstGeom prst="rect">
+            <a:avLst/>
+          </a:prstGeom>
+          <a:noFill/>
+        </p:spPr>
+        <p:txBody>
+          <a:bodyPr wrap="square">
+            <a:spAutoFit/>
+          </a:bodyPr>
+          <a:lstStyle/>
+          <a:p>
+            <a:pPr marL="285750" indent="-285750">
+              <a:buFont typeface="Arial" panose="020B0604020202020204" pitchFamily="34" charset="0"/>
+              <a:buChar char="•"/>
+            </a:pPr>
+            <a:r>
+              <a:rPr lang="ru-RU" sz="1800" dirty="0">
+                <a:effectLst/>
+                <a:latin typeface="Times New Roman" panose="02020603050405020304" pitchFamily="18" charset="0"/>
+                <a:ea typeface="Times New Roman" panose="02020603050405020304" pitchFamily="18" charset="0"/>
+              </a:rPr>
+              <a:t>Выборка необходимых документов и данных</a:t>
+            </a:r>
+            <a:endParaRPr lang="en-US" sz="1800" dirty="0">
+              <a:effectLst/>
+              <a:latin typeface="Times New Roman" panose="02020603050405020304" pitchFamily="18" charset="0"/>
+              <a:ea typeface="Times New Roman" panose="02020603050405020304" pitchFamily="18" charset="0"/>
+            </a:endParaRPr>
+          </a:p>
+          <a:p>
+            <a:pPr marL="285750" indent="-285750">
+              <a:buFont typeface="Arial" panose="020B0604020202020204" pitchFamily="34" charset="0"/>
+              <a:buChar char="•"/>
+            </a:pPr>
+            <a:r>
+              <a:rPr lang="ru-RU" sz="1800" dirty="0">
+                <a:effectLst/>
+                <a:latin typeface="Times New Roman" panose="02020603050405020304" pitchFamily="18" charset="0"/>
+                <a:ea typeface="Times New Roman" panose="02020603050405020304" pitchFamily="18" charset="0"/>
+              </a:rPr>
+              <a:t>Развитие векторного представления слов</a:t>
+            </a:r>
+            <a:endParaRPr lang="en-US" sz="1800" dirty="0">
+              <a:effectLst/>
+              <a:latin typeface="Times New Roman" panose="02020603050405020304" pitchFamily="18" charset="0"/>
+              <a:ea typeface="Times New Roman" panose="02020603050405020304" pitchFamily="18" charset="0"/>
+            </a:endParaRPr>
+          </a:p>
+          <a:p>
+            <a:pPr marL="285750" indent="-285750">
+              <a:buFont typeface="Arial" panose="020B0604020202020204" pitchFamily="34" charset="0"/>
+              <a:buChar char="•"/>
+            </a:pPr>
+            <a:r>
+              <a:rPr lang="ru-RU" sz="1800" dirty="0">
+                <a:solidFill>
+                  <a:srgbClr val="FF0000"/>
+                </a:solidFill>
+                <a:effectLst/>
+                <a:latin typeface="Times New Roman" panose="02020603050405020304" pitchFamily="18" charset="0"/>
+                <a:ea typeface="Times New Roman" panose="02020603050405020304" pitchFamily="18" charset="0"/>
+              </a:rPr>
+              <a:t>Виды языковых моделей</a:t>
+            </a:r>
+            <a:endParaRPr lang="ru-RU" dirty="0">
+              <a:solidFill>
+                <a:srgbClr val="FF0000"/>
+              </a:solidFill>
+              <a:latin typeface="Times New Roman" panose="02020603050405020304" pitchFamily="18" charset="0"/>
+              <a:ea typeface="Times New Roman" panose="02020603050405020304" pitchFamily="18" charset="0"/>
+            </a:endParaRPr>
+          </a:p>
+          <a:p>
+            <a:endParaRPr lang="ru-RU" sz="1800" dirty="0">
+              <a:effectLst/>
+              <a:latin typeface="Times New Roman" panose="02020603050405020304" pitchFamily="18" charset="0"/>
+              <a:ea typeface="Times New Roman" panose="02020603050405020304" pitchFamily="18" charset="0"/>
+            </a:endParaRPr>
+          </a:p>
+          <a:p>
+            <a:pPr marL="285750" indent="-285750">
+              <a:buFont typeface="Arial" panose="020B0604020202020204" pitchFamily="34" charset="0"/>
+              <a:buChar char="•"/>
+            </a:pPr>
+            <a:endParaRPr lang="ru-RU" dirty="0">
+              <a:solidFill>
+                <a:srgbClr val="FF0000"/>
+              </a:solidFill>
+            </a:endParaRPr>
+          </a:p>
+        </p:txBody>
+      </p:sp>
     </p:spTree>
     <p:extLst>
       <p:ext uri="{BB962C8B-B14F-4D97-AF65-F5344CB8AC3E}">
@@ -12976,21 +10620,7 @@
                 <a:latin typeface="Times New Roman" panose="02020603050405020304" pitchFamily="18" charset="0"/>
                 <a:cs typeface="Times New Roman" panose="02020603050405020304" pitchFamily="18" charset="0"/>
               </a:rPr>
-              <a:t>предметной</a:t>
-            </a:r>
-            <a:r>
-              <a:rPr lang="ru-RU" sz="3600" b="1" spc="-45" dirty="0">
-                <a:latin typeface="Times New Roman" panose="02020603050405020304" pitchFamily="18" charset="0"/>
-                <a:cs typeface="Times New Roman" panose="02020603050405020304" pitchFamily="18" charset="0"/>
-              </a:rPr>
-              <a:t> </a:t>
-            </a:r>
-            <a:r>
-              <a:rPr lang="ru-RU" sz="3600" b="1" spc="-5" dirty="0">
-                <a:latin typeface="Times New Roman" panose="02020603050405020304" pitchFamily="18" charset="0"/>
-                <a:cs typeface="Times New Roman" panose="02020603050405020304" pitchFamily="18" charset="0"/>
-              </a:rPr>
-              <a:t>области</a:t>
+              <a:t>аналогов</a:t>
             </a:r>
             <a:endParaRPr lang="ru-RU" sz="3600" b="1" dirty="0"/>
           </a:p>
@@ -13256,10 +10886,10 @@
       </p:sp>
       <p:sp>
         <p:nvSpPr>
-          <p:cNvPr id="8" name="TextBox 7">
-            <a:extLst>
-              <a:ext uri="{FF2B5EF4-FFF2-40B4-BE49-F238E27FC236}">
-                <a16:creationId xmlns:a16="http://schemas.microsoft.com/office/drawing/2014/main" id="{0690496E-5500-4436-96D6-A89EA7F41D2D}"/>
+          <p:cNvPr id="13" name="TextBox 12">
+            <a:extLst>
+              <a:ext uri="{FF2B5EF4-FFF2-40B4-BE49-F238E27FC236}">
+                <a16:creationId xmlns:a16="http://schemas.microsoft.com/office/drawing/2014/main" id="{8829ADFE-12FF-4483-8865-F2D17FE7480E}"/>
               </a:ext>
             </a:extLst>
           </p:cNvPr>
@@ -13268,8 +10898,8 @@
         </p:nvSpPr>
         <p:spPr>
           <a:xfrm>
-            <a:off x="609600" y="1567160"/>
-            <a:ext cx="6096000" cy="923330"/>
+            <a:off x="933449" y="1659285"/>
+            <a:ext cx="8429625" cy="3539430"/>
           </a:xfrm>
           <a:prstGeom prst="rect">
             <a:avLst/>
@@ -13287,13 +10917,18 @@
               <a:buChar char="•"/>
             </a:pPr>
             <a:r>
-              <a:rPr lang="ru-RU" sz="1800" dirty="0">
+              <a:rPr lang="en-US" sz="3200" dirty="0">
                 <a:effectLst/>
                 <a:latin typeface="Times New Roman" panose="02020603050405020304" pitchFamily="18" charset="0"/>
                 <a:ea typeface="Times New Roman" panose="02020603050405020304" pitchFamily="18" charset="0"/>
               </a:rPr>
-              <a:t>Развитие векторного представления слов</a:t>
-            </a:r>
+              <a:t>IBM Watson</a:t>
+            </a:r>
+            <a:endParaRPr lang="ru-RU" sz="3200" dirty="0">
+              <a:effectLst/>
+              <a:latin typeface="Times New Roman" panose="02020603050405020304" pitchFamily="18" charset="0"/>
+              <a:ea typeface="Times New Roman" panose="02020603050405020304" pitchFamily="18" charset="0"/>
+            </a:endParaRPr>
           </a:p>
           <a:p>
             <a:pPr marL="285750" indent="-285750">
@@ -13301,17 +10936,27 @@
               <a:buChar char="•"/>
             </a:pPr>
             <a:r>
-              <a:rPr lang="ru-RU" sz="1800" dirty="0">
+              <a:rPr lang="ru-RU" sz="3200" dirty="0" err="1">
+                <a:solidFill>
+                  <a:srgbClr val="000000"/>
+                </a:solidFill>
                 <a:effectLst/>
                 <a:latin typeface="Times New Roman" panose="02020603050405020304" pitchFamily="18" charset="0"/>
                 <a:ea typeface="Times New Roman" panose="02020603050405020304" pitchFamily="18" charset="0"/>
               </a:rPr>
-              <a:t>Виды языковых моделей</a:t>
-            </a:r>
-            <a:endParaRPr lang="ru-RU" dirty="0">
-              <a:latin typeface="Times New Roman" panose="02020603050405020304" pitchFamily="18" charset="0"/>
-              <a:ea typeface="Times New Roman" panose="02020603050405020304" pitchFamily="18" charset="0"/>
-            </a:endParaRPr>
+              <a:t>Azure</a:t>
+            </a:r>
+            <a:r>
+              <a:rPr lang="ru-RU" sz="3200" dirty="0">
+                <a:solidFill>
+                  <a:srgbClr val="000000"/>
+                </a:solidFill>
+                <a:effectLst/>
+                <a:latin typeface="Times New Roman" panose="02020603050405020304" pitchFamily="18" charset="0"/>
+                <a:ea typeface="Times New Roman" panose="02020603050405020304" pitchFamily="18" charset="0"/>
+              </a:rPr>
+              <a:t> Cognitive Services от Microsoft </a:t>
+            </a:r>
           </a:p>
           <a:p>
             <a:pPr marL="285750" indent="-285750">
@@ -13319,58 +10964,194 @@
               <a:buChar char="•"/>
             </a:pPr>
             <a:r>
-              <a:rPr lang="ru-RU" sz="1800" dirty="0">
-                <a:solidFill>
-                  <a:srgbClr val="FF0000"/>
+              <a:rPr lang="ru-RU" sz="3200" dirty="0">
+                <a:solidFill>
+                  <a:srgbClr val="000000"/>
                 </a:solidFill>
                 <a:effectLst/>
                 <a:latin typeface="Times New Roman" panose="02020603050405020304" pitchFamily="18" charset="0"/>
                 <a:ea typeface="Times New Roman" panose="02020603050405020304" pitchFamily="18" charset="0"/>
               </a:rPr>
-              <a:t>Выборка необходимых документов и данных</a:t>
-            </a:r>
-            <a:endParaRPr lang="ru-RU" dirty="0">
+              <a:t>Google </a:t>
+            </a:r>
+            <a:r>
+              <a:rPr lang="ru-RU" sz="3200" dirty="0" err="1">
+                <a:solidFill>
+                  <a:srgbClr val="000000"/>
+                </a:solidFill>
+                <a:effectLst/>
+                <a:latin typeface="Times New Roman" panose="02020603050405020304" pitchFamily="18" charset="0"/>
+                <a:ea typeface="Times New Roman" panose="02020603050405020304" pitchFamily="18" charset="0"/>
+              </a:rPr>
+              <a:t>Cloud</a:t>
+            </a:r>
+            <a:r>
+              <a:rPr lang="ru-RU" sz="3200" dirty="0">
+                <a:solidFill>
+                  <a:srgbClr val="000000"/>
+                </a:solidFill>
+                <a:effectLst/>
+                <a:latin typeface="Times New Roman" panose="02020603050405020304" pitchFamily="18" charset="0"/>
+                <a:ea typeface="Times New Roman" panose="02020603050405020304" pitchFamily="18" charset="0"/>
+              </a:rPr>
+              <a:t> AI </a:t>
+            </a:r>
+            <a:endParaRPr lang="ru-RU" sz="3200" dirty="0">
               <a:solidFill>
-                <a:srgbClr val="FF0000"/>
+                <a:srgbClr val="000000"/>
               </a:solidFill>
+              <a:latin typeface="Times New Roman" panose="02020603050405020304" pitchFamily="18" charset="0"/>
+              <a:ea typeface="Times New Roman" panose="02020603050405020304" pitchFamily="18" charset="0"/>
             </a:endParaRPr>
+          </a:p>
+          <a:p>
+            <a:pPr marL="285750" indent="-285750">
+              <a:buFont typeface="Arial" panose="020B0604020202020204" pitchFamily="34" charset="0"/>
+              <a:buChar char="•"/>
+            </a:pPr>
+            <a:r>
+              <a:rPr lang="ru-RU" sz="3200" dirty="0">
+                <a:solidFill>
+                  <a:srgbClr val="000000"/>
+                </a:solidFill>
+                <a:effectLst/>
+                <a:latin typeface="Times New Roman" panose="02020603050405020304" pitchFamily="18" charset="0"/>
+                <a:ea typeface="Times New Roman" panose="02020603050405020304" pitchFamily="18" charset="0"/>
+              </a:rPr>
+              <a:t>Amazon </a:t>
+            </a:r>
+            <a:r>
+              <a:rPr lang="ru-RU" sz="3200" dirty="0" err="1">
+                <a:solidFill>
+                  <a:srgbClr val="000000"/>
+                </a:solidFill>
+                <a:effectLst/>
+                <a:latin typeface="Times New Roman" panose="02020603050405020304" pitchFamily="18" charset="0"/>
+                <a:ea typeface="Times New Roman" panose="02020603050405020304" pitchFamily="18" charset="0"/>
+              </a:rPr>
+              <a:t>Lex</a:t>
+            </a:r>
+            <a:r>
+              <a:rPr lang="ru-RU" sz="3200" dirty="0">
+                <a:solidFill>
+                  <a:srgbClr val="000000"/>
+                </a:solidFill>
+                <a:effectLst/>
+                <a:latin typeface="Times New Roman" panose="02020603050405020304" pitchFamily="18" charset="0"/>
+                <a:ea typeface="Times New Roman" panose="02020603050405020304" pitchFamily="18" charset="0"/>
+              </a:rPr>
+              <a:t> </a:t>
+            </a:r>
+          </a:p>
+          <a:p>
+            <a:pPr marL="285750" indent="-285750">
+              <a:buFont typeface="Arial" panose="020B0604020202020204" pitchFamily="34" charset="0"/>
+              <a:buChar char="•"/>
+            </a:pPr>
+            <a:r>
+              <a:rPr lang="ru-RU" sz="3200" dirty="0" err="1">
+                <a:solidFill>
+                  <a:srgbClr val="000000"/>
+                </a:solidFill>
+                <a:effectLst/>
+                <a:latin typeface="Times New Roman" panose="02020603050405020304" pitchFamily="18" charset="0"/>
+                <a:ea typeface="Times New Roman" panose="02020603050405020304" pitchFamily="18" charset="0"/>
+              </a:rPr>
+              <a:t>OpenAI</a:t>
+            </a:r>
+            <a:r>
+              <a:rPr lang="ru-RU" sz="3200" dirty="0">
+                <a:solidFill>
+                  <a:srgbClr val="000000"/>
+                </a:solidFill>
+                <a:effectLst/>
+                <a:latin typeface="Times New Roman" panose="02020603050405020304" pitchFamily="18" charset="0"/>
+                <a:ea typeface="Times New Roman" panose="02020603050405020304" pitchFamily="18" charset="0"/>
+              </a:rPr>
+              <a:t> GPT </a:t>
+            </a:r>
+            <a:endParaRPr lang="ru-RU" sz="3200" dirty="0">
+              <a:solidFill>
+                <a:srgbClr val="000000"/>
+              </a:solidFill>
+              <a:latin typeface="Times New Roman" panose="02020603050405020304" pitchFamily="18" charset="0"/>
+              <a:ea typeface="Times New Roman" panose="02020603050405020304" pitchFamily="18" charset="0"/>
+            </a:endParaRPr>
+          </a:p>
+          <a:p>
+            <a:pPr marL="285750" indent="-285750">
+              <a:buFont typeface="Arial" panose="020B0604020202020204" pitchFamily="34" charset="0"/>
+              <a:buChar char="•"/>
+            </a:pPr>
+            <a:r>
+              <a:rPr lang="ru-RU" sz="3200" dirty="0" err="1">
+                <a:solidFill>
+                  <a:srgbClr val="000000"/>
+                </a:solidFill>
+                <a:effectLst/>
+                <a:latin typeface="Times New Roman" panose="02020603050405020304" pitchFamily="18" charset="0"/>
+                <a:ea typeface="Times New Roman" panose="02020603050405020304" pitchFamily="18" charset="0"/>
+              </a:rPr>
+              <a:t>Hugging</a:t>
+            </a:r>
+            <a:r>
+              <a:rPr lang="ru-RU" sz="3200" dirty="0">
+                <a:solidFill>
+                  <a:srgbClr val="000000"/>
+                </a:solidFill>
+                <a:effectLst/>
+                <a:latin typeface="Times New Roman" panose="02020603050405020304" pitchFamily="18" charset="0"/>
+                <a:ea typeface="Times New Roman" panose="02020603050405020304" pitchFamily="18" charset="0"/>
+              </a:rPr>
+              <a:t> Face </a:t>
+            </a:r>
+            <a:r>
+              <a:rPr lang="ru-RU" sz="3200" dirty="0" err="1">
+                <a:solidFill>
+                  <a:srgbClr val="000000"/>
+                </a:solidFill>
+                <a:effectLst/>
+                <a:latin typeface="Times New Roman" panose="02020603050405020304" pitchFamily="18" charset="0"/>
+                <a:ea typeface="Times New Roman" panose="02020603050405020304" pitchFamily="18" charset="0"/>
+              </a:rPr>
+              <a:t>Chat</a:t>
+            </a:r>
+            <a:r>
+              <a:rPr lang="ru-RU" sz="3200" dirty="0">
+                <a:solidFill>
+                  <a:srgbClr val="000000"/>
+                </a:solidFill>
+                <a:effectLst/>
+                <a:latin typeface="Times New Roman" panose="02020603050405020304" pitchFamily="18" charset="0"/>
+                <a:ea typeface="Times New Roman" panose="02020603050405020304" pitchFamily="18" charset="0"/>
+              </a:rPr>
+              <a:t> </a:t>
+            </a:r>
+          </a:p>
+          <a:p>
+            <a:pPr marL="285750" indent="-285750">
+              <a:buFont typeface="Arial" panose="020B0604020202020204" pitchFamily="34" charset="0"/>
+              <a:buChar char="•"/>
+            </a:pPr>
+            <a:r>
+              <a:rPr lang="ru-RU" sz="3200" dirty="0" err="1">
+                <a:solidFill>
+                  <a:srgbClr val="000000"/>
+                </a:solidFill>
+                <a:effectLst/>
+                <a:latin typeface="Times New Roman" panose="02020603050405020304" pitchFamily="18" charset="0"/>
+                <a:ea typeface="Times New Roman" panose="02020603050405020304" pitchFamily="18" charset="0"/>
+              </a:rPr>
+              <a:t>DeepSeek</a:t>
+            </a:r>
+            <a:endParaRPr lang="ru-RU" sz="3200" dirty="0"/>
           </a:p>
         </p:txBody>
       </p:sp>
-      <p:pic>
-        <p:nvPicPr>
-          <p:cNvPr id="3" name="Рисунок 2">
-            <a:extLst>
-              <a:ext uri="{FF2B5EF4-FFF2-40B4-BE49-F238E27FC236}">
-                <a16:creationId xmlns:a16="http://schemas.microsoft.com/office/drawing/2014/main" id="{9C54F0BB-F880-452A-9AE1-1866246C3D5E}"/>
-              </a:ext>
-            </a:extLst>
-          </p:cNvPr>
-          <p:cNvPicPr>
-            <a:picLocks noChangeAspect="1"/>
-          </p:cNvPicPr>
-          <p:nvPr/>
-        </p:nvPicPr>
-        <p:blipFill>
-          <a:blip r:embed="rId3"/>
-          <a:stretch>
-            <a:fillRect/>
-          </a:stretch>
-        </p:blipFill>
-        <p:spPr>
-          <a:xfrm>
-            <a:off x="2506820" y="2490490"/>
-            <a:ext cx="7178359" cy="4027181"/>
-          </a:xfrm>
-          <a:prstGeom prst="rect">
-            <a:avLst/>
-          </a:prstGeom>
-        </p:spPr>
-      </p:pic>
     </p:spTree>
     <p:extLst>
       <p:ext uri="{BB962C8B-B14F-4D97-AF65-F5344CB8AC3E}">
-        <p14:creationId xmlns:p14="http://schemas.microsoft.com/office/powerpoint/2010/main" val="2180972438"/>
+        <p14:creationId xmlns:p14="http://schemas.microsoft.com/office/powerpoint/2010/main" val="2807276060"/>
       </p:ext>
     </p:extLst>
   </p:cSld>
@@ -13415,8 +11196,8 @@
         </p:nvSpPr>
         <p:spPr>
           <a:xfrm>
-            <a:off x="609600" y="381001"/>
-            <a:ext cx="5867400" cy="634119"/>
+            <a:off x="609599" y="381001"/>
+            <a:ext cx="6600825" cy="634119"/>
           </a:xfrm>
         </p:spPr>
         <p:txBody>
@@ -13430,23 +11211,25 @@
                 <a:latin typeface="Times New Roman" panose="02020603050405020304" pitchFamily="18" charset="0"/>
                 <a:cs typeface="Times New Roman" panose="02020603050405020304" pitchFamily="18" charset="0"/>
               </a:rPr>
-              <a:t>Обзор</a:t>
-            </a:r>
-            <a:r>
-              <a:rPr lang="ru-RU" sz="3600" b="1" spc="-50" dirty="0">
-                <a:latin typeface="Times New Roman" panose="02020603050405020304" pitchFamily="18" charset="0"/>
-                <a:cs typeface="Times New Roman" panose="02020603050405020304" pitchFamily="18" charset="0"/>
-              </a:rPr>
-              <a:t> </a:t>
-            </a:r>
-            <a:r>
+              <a:t>Функциональные требования</a:t>
+            </a:r>
+            <a:br>
               <a:rPr lang="ru-RU" sz="3600" b="1" spc="-5" dirty="0">
                 <a:latin typeface="Times New Roman" panose="02020603050405020304" pitchFamily="18" charset="0"/>
                 <a:cs typeface="Times New Roman" panose="02020603050405020304" pitchFamily="18" charset="0"/>
               </a:rPr>
-              <a:t>аналогов</a:t>
-            </a:r>
-            <a:endParaRPr lang="ru-RU" sz="3600" b="1" dirty="0"/>
+            </a:br>
+            <a:r>
+              <a:rPr lang="ru-RU" sz="2400" b="1" spc="15" dirty="0">
+                <a:solidFill>
+                  <a:srgbClr val="92D050"/>
+                </a:solidFill>
+                <a:latin typeface="Times New Roman" panose="02020603050405020304" pitchFamily="18" charset="0"/>
+                <a:cs typeface="Times New Roman" panose="02020603050405020304" pitchFamily="18" charset="0"/>
+              </a:rPr>
+              <a:t>Языковые модели</a:t>
+            </a:r>
+            <a:endParaRPr lang="ru-RU" sz="2400" b="1" dirty="0"/>
           </a:p>
         </p:txBody>
       </p:sp>
@@ -13708,274 +11491,82 @@
           </a:p>
         </p:txBody>
       </p:sp>
-      <p:sp>
-        <p:nvSpPr>
-          <p:cNvPr id="13" name="TextBox 12">
-            <a:extLst>
-              <a:ext uri="{FF2B5EF4-FFF2-40B4-BE49-F238E27FC236}">
-                <a16:creationId xmlns:a16="http://schemas.microsoft.com/office/drawing/2014/main" id="{8829ADFE-12FF-4483-8865-F2D17FE7480E}"/>
-              </a:ext>
-            </a:extLst>
-          </p:cNvPr>
-          <p:cNvSpPr txBox="1"/>
+      <p:pic>
+        <p:nvPicPr>
+          <p:cNvPr id="5" name="Рисунок 4">
+            <a:extLst>
+              <a:ext uri="{FF2B5EF4-FFF2-40B4-BE49-F238E27FC236}">
+                <a16:creationId xmlns:a16="http://schemas.microsoft.com/office/drawing/2014/main" id="{41C8E26E-2CE1-4B33-AE97-FE89623F498F}"/>
+              </a:ext>
+            </a:extLst>
+          </p:cNvPr>
+          <p:cNvPicPr>
+            <a:picLocks noChangeAspect="1"/>
+          </p:cNvPicPr>
           <p:nvPr/>
-        </p:nvSpPr>
+        </p:nvPicPr>
+        <p:blipFill>
+          <a:blip r:embed="rId3">
+            <a:extLst>
+              <a:ext uri="{28A0092B-C50C-407E-A947-70E740481C1C}">
+                <a14:useLocalDpi xmlns:a14="http://schemas.microsoft.com/office/drawing/2010/main" val="0"/>
+              </a:ext>
+            </a:extLst>
+          </a:blip>
+          <a:stretch>
+            <a:fillRect/>
+          </a:stretch>
+        </p:blipFill>
         <p:spPr>
           <a:xfrm>
-            <a:off x="933449" y="1659285"/>
-            <a:ext cx="8429625" cy="3539430"/>
+            <a:off x="1619249" y="2200274"/>
+            <a:ext cx="2752725" cy="2752725"/>
           </a:xfrm>
           <a:prstGeom prst="rect">
             <a:avLst/>
           </a:prstGeom>
-          <a:noFill/>
         </p:spPr>
-        <p:txBody>
-          <a:bodyPr wrap="square">
-            <a:spAutoFit/>
-          </a:bodyPr>
-          <a:lstStyle/>
-          <a:p>
-            <a:pPr marL="285750" indent="-285750">
-              <a:buFont typeface="Arial" panose="020B0604020202020204" pitchFamily="34" charset="0"/>
-              <a:buChar char="•"/>
-            </a:pPr>
-            <a:r>
-              <a:rPr lang="en-US" sz="3200" dirty="0">
-                <a:effectLst/>
-                <a:latin typeface="Times New Roman" panose="02020603050405020304" pitchFamily="18" charset="0"/>
-                <a:ea typeface="Times New Roman" panose="02020603050405020304" pitchFamily="18" charset="0"/>
-              </a:rPr>
-              <a:t>IBM Watson</a:t>
-            </a:r>
-            <a:endParaRPr lang="ru-RU" sz="3200" dirty="0">
-              <a:effectLst/>
-              <a:latin typeface="Times New Roman" panose="02020603050405020304" pitchFamily="18" charset="0"/>
-              <a:ea typeface="Times New Roman" panose="02020603050405020304" pitchFamily="18" charset="0"/>
-            </a:endParaRPr>
-          </a:p>
-          <a:p>
-            <a:pPr marL="285750" indent="-285750">
-              <a:buFont typeface="Arial" panose="020B0604020202020204" pitchFamily="34" charset="0"/>
-              <a:buChar char="•"/>
-            </a:pPr>
-            <a:r>
-              <a:rPr lang="ru-RU" sz="3200" dirty="0" err="1">
-                <a:solidFill>
-                  <a:srgbClr val="000000"/>
-                </a:solidFill>
-                <a:effectLst/>
-                <a:latin typeface="Times New Roman" panose="02020603050405020304" pitchFamily="18" charset="0"/>
-                <a:ea typeface="Times New Roman" panose="02020603050405020304" pitchFamily="18" charset="0"/>
-              </a:rPr>
-              <a:t>Azure</a:t>
-            </a:r>
-            <a:r>
-              <a:rPr lang="ru-RU" sz="3200" dirty="0">
-                <a:solidFill>
-                  <a:srgbClr val="000000"/>
-                </a:solidFill>
-                <a:effectLst/>
-                <a:latin typeface="Times New Roman" panose="02020603050405020304" pitchFamily="18" charset="0"/>
-                <a:ea typeface="Times New Roman" panose="02020603050405020304" pitchFamily="18" charset="0"/>
-              </a:rPr>
-              <a:t> Cognitive Services от Microsoft </a:t>
-            </a:r>
-          </a:p>
-          <a:p>
-            <a:pPr marL="285750" indent="-285750">
-              <a:buFont typeface="Arial" panose="020B0604020202020204" pitchFamily="34" charset="0"/>
-              <a:buChar char="•"/>
-            </a:pPr>
-            <a:r>
-              <a:rPr lang="ru-RU" sz="3200" dirty="0">
-                <a:solidFill>
-                  <a:srgbClr val="000000"/>
-                </a:solidFill>
-                <a:effectLst/>
-                <a:latin typeface="Times New Roman" panose="02020603050405020304" pitchFamily="18" charset="0"/>
-                <a:ea typeface="Times New Roman" panose="02020603050405020304" pitchFamily="18" charset="0"/>
-              </a:rPr>
-              <a:t>Google </a:t>
-            </a:r>
-            <a:r>
-              <a:rPr lang="ru-RU" sz="3200" dirty="0" err="1">
-                <a:solidFill>
-                  <a:srgbClr val="000000"/>
-                </a:solidFill>
-                <a:effectLst/>
-                <a:latin typeface="Times New Roman" panose="02020603050405020304" pitchFamily="18" charset="0"/>
-                <a:ea typeface="Times New Roman" panose="02020603050405020304" pitchFamily="18" charset="0"/>
-              </a:rPr>
-              <a:t>Cloud</a:t>
-            </a:r>
-            <a:r>
-              <a:rPr lang="ru-RU" sz="3200" dirty="0">
-                <a:solidFill>
-                  <a:srgbClr val="000000"/>
-                </a:solidFill>
-                <a:effectLst/>
-                <a:latin typeface="Times New Roman" panose="02020603050405020304" pitchFamily="18" charset="0"/>
-                <a:ea typeface="Times New Roman" panose="02020603050405020304" pitchFamily="18" charset="0"/>
-              </a:rPr>
-              <a:t> AI </a:t>
-            </a:r>
-            <a:endParaRPr lang="ru-RU" sz="3200" dirty="0">
-              <a:solidFill>
-                <a:srgbClr val="000000"/>
-              </a:solidFill>
-              <a:latin typeface="Times New Roman" panose="02020603050405020304" pitchFamily="18" charset="0"/>
-              <a:ea typeface="Times New Roman" panose="02020603050405020304" pitchFamily="18" charset="0"/>
-            </a:endParaRPr>
-          </a:p>
-          <a:p>
-            <a:pPr marL="285750" indent="-285750">
-              <a:buFont typeface="Arial" panose="020B0604020202020204" pitchFamily="34" charset="0"/>
-              <a:buChar char="•"/>
-            </a:pPr>
-            <a:r>
-              <a:rPr lang="ru-RU" sz="3200" dirty="0">
-                <a:solidFill>
-                  <a:srgbClr val="000000"/>
-                </a:solidFill>
-                <a:effectLst/>
-                <a:latin typeface="Times New Roman" panose="02020603050405020304" pitchFamily="18" charset="0"/>
-                <a:ea typeface="Times New Roman" panose="02020603050405020304" pitchFamily="18" charset="0"/>
-              </a:rPr>
-              <a:t>Amazon </a:t>
-            </a:r>
-            <a:r>
-              <a:rPr lang="ru-RU" sz="3200" dirty="0" err="1">
-                <a:solidFill>
-                  <a:srgbClr val="000000"/>
-                </a:solidFill>
-                <a:effectLst/>
-                <a:latin typeface="Times New Roman" panose="02020603050405020304" pitchFamily="18" charset="0"/>
-                <a:ea typeface="Times New Roman" panose="02020603050405020304" pitchFamily="18" charset="0"/>
-              </a:rPr>
-              <a:t>Lex</a:t>
-            </a:r>
-            <a:r>
-              <a:rPr lang="ru-RU" sz="3200" dirty="0">
-                <a:solidFill>
-                  <a:srgbClr val="000000"/>
-                </a:solidFill>
-                <a:effectLst/>
-                <a:latin typeface="Times New Roman" panose="02020603050405020304" pitchFamily="18" charset="0"/>
-                <a:ea typeface="Times New Roman" panose="02020603050405020304" pitchFamily="18" charset="0"/>
-              </a:rPr>
-              <a:t> </a:t>
-            </a:r>
-          </a:p>
-          <a:p>
-            <a:pPr marL="285750" indent="-285750">
-              <a:buFont typeface="Arial" panose="020B0604020202020204" pitchFamily="34" charset="0"/>
-              <a:buChar char="•"/>
-            </a:pPr>
-            <a:r>
-              <a:rPr lang="ru-RU" sz="3200" dirty="0" err="1">
-                <a:solidFill>
-                  <a:srgbClr val="000000"/>
-                </a:solidFill>
-                <a:effectLst/>
-                <a:latin typeface="Times New Roman" panose="02020603050405020304" pitchFamily="18" charset="0"/>
-                <a:ea typeface="Times New Roman" panose="02020603050405020304" pitchFamily="18" charset="0"/>
-              </a:rPr>
-              <a:t>OpenAI</a:t>
-            </a:r>
-            <a:r>
-              <a:rPr lang="ru-RU" sz="3200" dirty="0">
-                <a:solidFill>
-                  <a:srgbClr val="000000"/>
-                </a:solidFill>
-                <a:effectLst/>
-                <a:latin typeface="Times New Roman" panose="02020603050405020304" pitchFamily="18" charset="0"/>
-                <a:ea typeface="Times New Roman" panose="02020603050405020304" pitchFamily="18" charset="0"/>
-              </a:rPr>
-              <a:t> GPT </a:t>
-            </a:r>
-            <a:endParaRPr lang="ru-RU" sz="3200" dirty="0">
-              <a:solidFill>
-                <a:srgbClr val="000000"/>
-              </a:solidFill>
-              <a:latin typeface="Times New Roman" panose="02020603050405020304" pitchFamily="18" charset="0"/>
-              <a:ea typeface="Times New Roman" panose="02020603050405020304" pitchFamily="18" charset="0"/>
-            </a:endParaRPr>
-          </a:p>
-          <a:p>
-            <a:pPr marL="285750" indent="-285750">
-              <a:buFont typeface="Arial" panose="020B0604020202020204" pitchFamily="34" charset="0"/>
-              <a:buChar char="•"/>
-            </a:pPr>
-            <a:r>
-              <a:rPr lang="ru-RU" sz="3200" dirty="0" err="1">
-                <a:solidFill>
-                  <a:srgbClr val="000000"/>
-                </a:solidFill>
-                <a:effectLst/>
-                <a:latin typeface="Times New Roman" panose="02020603050405020304" pitchFamily="18" charset="0"/>
-                <a:ea typeface="Times New Roman" panose="02020603050405020304" pitchFamily="18" charset="0"/>
-              </a:rPr>
-              <a:t>Hugging</a:t>
-            </a:r>
-            <a:r>
-              <a:rPr lang="ru-RU" sz="3200" dirty="0">
-                <a:solidFill>
-                  <a:srgbClr val="000000"/>
-                </a:solidFill>
-                <a:effectLst/>
-                <a:latin typeface="Times New Roman" panose="02020603050405020304" pitchFamily="18" charset="0"/>
-                <a:ea typeface="Times New Roman" panose="02020603050405020304" pitchFamily="18" charset="0"/>
-              </a:rPr>
-              <a:t> Face </a:t>
-            </a:r>
-            <a:r>
-              <a:rPr lang="ru-RU" sz="3200" dirty="0" err="1">
-                <a:solidFill>
-                  <a:srgbClr val="000000"/>
-                </a:solidFill>
-                <a:effectLst/>
-                <a:latin typeface="Times New Roman" panose="02020603050405020304" pitchFamily="18" charset="0"/>
-                <a:ea typeface="Times New Roman" panose="02020603050405020304" pitchFamily="18" charset="0"/>
-              </a:rPr>
-              <a:t>Chat</a:t>
-            </a:r>
-            <a:r>
-              <a:rPr lang="ru-RU" sz="3200" dirty="0">
-                <a:solidFill>
-                  <a:srgbClr val="000000"/>
-                </a:solidFill>
-                <a:effectLst/>
-                <a:latin typeface="Times New Roman" panose="02020603050405020304" pitchFamily="18" charset="0"/>
-                <a:ea typeface="Times New Roman" panose="02020603050405020304" pitchFamily="18" charset="0"/>
-              </a:rPr>
-              <a:t> </a:t>
-            </a:r>
-          </a:p>
-          <a:p>
-            <a:pPr marL="285750" indent="-285750">
-              <a:buFont typeface="Arial" panose="020B0604020202020204" pitchFamily="34" charset="0"/>
-              <a:buChar char="•"/>
-            </a:pPr>
-            <a:r>
-              <a:rPr lang="ru-RU" sz="3200" dirty="0" err="1">
-                <a:solidFill>
-                  <a:srgbClr val="000000"/>
-                </a:solidFill>
-                <a:effectLst/>
-                <a:latin typeface="Times New Roman" panose="02020603050405020304" pitchFamily="18" charset="0"/>
-                <a:ea typeface="Times New Roman" panose="02020603050405020304" pitchFamily="18" charset="0"/>
-              </a:rPr>
-              <a:t>DeepSeek</a:t>
-            </a:r>
-            <a:endParaRPr lang="ru-RU" sz="3200" dirty="0"/>
-          </a:p>
-        </p:txBody>
-      </p:sp>
+      </p:pic>
+      <p:pic>
+        <p:nvPicPr>
+          <p:cNvPr id="7" name="Рисунок 6">
+            <a:extLst>
+              <a:ext uri="{FF2B5EF4-FFF2-40B4-BE49-F238E27FC236}">
+                <a16:creationId xmlns:a16="http://schemas.microsoft.com/office/drawing/2014/main" id="{72799552-C075-4A8E-9AE0-94394B3E6AF2}"/>
+              </a:ext>
+            </a:extLst>
+          </p:cNvPr>
+          <p:cNvPicPr>
+            <a:picLocks noChangeAspect="1"/>
+          </p:cNvPicPr>
+          <p:nvPr/>
+        </p:nvPicPr>
+        <p:blipFill>
+          <a:blip r:embed="rId4">
+            <a:extLst>
+              <a:ext uri="{28A0092B-C50C-407E-A947-70E740481C1C}">
+                <a14:useLocalDpi xmlns:a14="http://schemas.microsoft.com/office/drawing/2010/main" val="0"/>
+              </a:ext>
+            </a:extLst>
+          </a:blip>
+          <a:stretch>
+            <a:fillRect/>
+          </a:stretch>
+        </p:blipFill>
+        <p:spPr>
+          <a:xfrm>
+            <a:off x="6096000" y="2200273"/>
+            <a:ext cx="4893735" cy="2752726"/>
+          </a:xfrm>
+          <a:prstGeom prst="rect">
+            <a:avLst/>
+          </a:prstGeom>
+        </p:spPr>
+      </p:pic>
     </p:spTree>
     <p:extLst>
       <p:ext uri="{BB962C8B-B14F-4D97-AF65-F5344CB8AC3E}">
-        <p14:creationId xmlns:p14="http://schemas.microsoft.com/office/powerpoint/2010/main" val="2807276060"/>
+        <p14:creationId xmlns:p14="http://schemas.microsoft.com/office/powerpoint/2010/main" val="2469480691"/>
       </p:ext>
     </p:extLst>
   </p:cSld>
@@ -14004,6 +11595,118 @@
       </p:grpSpPr>
       <p:sp>
         <p:nvSpPr>
+          <p:cNvPr id="28" name="Овал 27">
+            <a:extLst>
+              <a:ext uri="{FF2B5EF4-FFF2-40B4-BE49-F238E27FC236}">
+                <a16:creationId xmlns:a16="http://schemas.microsoft.com/office/drawing/2014/main" id="{7340A6A5-36B5-4874-8CCD-C08C7948456E}"/>
+              </a:ext>
+            </a:extLst>
+          </p:cNvPr>
+          <p:cNvSpPr/>
+          <p:nvPr/>
+        </p:nvSpPr>
+        <p:spPr>
+          <a:xfrm>
+            <a:off x="8194863" y="3434560"/>
+            <a:ext cx="2766780" cy="2764943"/>
+          </a:xfrm>
+          <a:prstGeom prst="ellipse">
+            <a:avLst/>
+          </a:prstGeom>
+          <a:solidFill>
+            <a:srgbClr val="8D99AE">
+              <a:alpha val="10000"/>
+            </a:srgbClr>
+          </a:solidFill>
+          <a:ln w="0">
+            <a:noFill/>
+          </a:ln>
+        </p:spPr>
+        <p:style>
+          <a:lnRef idx="0">
+            <a:scrgbClr r="0" g="0" b="0"/>
+          </a:lnRef>
+          <a:fillRef idx="0">
+            <a:scrgbClr r="0" g="0" b="0"/>
+          </a:fillRef>
+          <a:effectRef idx="0">
+            <a:scrgbClr r="0" g="0" b="0"/>
+          </a:effectRef>
+          <a:fontRef idx="minor"/>
+        </p:style>
+        <p:txBody>
+          <a:bodyPr wrap="none" lIns="90000" tIns="45000" rIns="90000" bIns="45000" anchor="ctr">
+            <a:noAutofit/>
+          </a:bodyPr>
+          <a:lstStyle/>
+          <a:p>
+            <a:endParaRPr lang="ru-RU" sz="1800" b="0" strike="noStrike" spc="-1">
+              <a:solidFill>
+                <a:srgbClr val="FFFFFF"/>
+              </a:solidFill>
+              <a:latin typeface="Noto Sans"/>
+            </a:endParaRPr>
+          </a:p>
+        </p:txBody>
+      </p:sp>
+      <p:sp>
+        <p:nvSpPr>
+          <p:cNvPr id="24" name="Овал 23">
+            <a:extLst>
+              <a:ext uri="{FF2B5EF4-FFF2-40B4-BE49-F238E27FC236}">
+                <a16:creationId xmlns:a16="http://schemas.microsoft.com/office/drawing/2014/main" id="{8E6F4934-811A-4133-BFF9-8795604D8B5D}"/>
+              </a:ext>
+            </a:extLst>
+          </p:cNvPr>
+          <p:cNvSpPr/>
+          <p:nvPr/>
+        </p:nvSpPr>
+        <p:spPr>
+          <a:xfrm>
+            <a:off x="2226196" y="3310105"/>
+            <a:ext cx="2766780" cy="2764943"/>
+          </a:xfrm>
+          <a:prstGeom prst="ellipse">
+            <a:avLst/>
+          </a:prstGeom>
+          <a:solidFill>
+            <a:srgbClr val="8D99AE">
+              <a:alpha val="10000"/>
+            </a:srgbClr>
+          </a:solidFill>
+          <a:ln w="0">
+            <a:noFill/>
+          </a:ln>
+        </p:spPr>
+        <p:style>
+          <a:lnRef idx="0">
+            <a:scrgbClr r="0" g="0" b="0"/>
+          </a:lnRef>
+          <a:fillRef idx="0">
+            <a:scrgbClr r="0" g="0" b="0"/>
+          </a:fillRef>
+          <a:effectRef idx="0">
+            <a:scrgbClr r="0" g="0" b="0"/>
+          </a:effectRef>
+          <a:fontRef idx="minor"/>
+        </p:style>
+        <p:txBody>
+          <a:bodyPr wrap="none" lIns="90000" tIns="45000" rIns="90000" bIns="45000" anchor="ctr">
+            <a:noAutofit/>
+          </a:bodyPr>
+          <a:lstStyle/>
+          <a:p>
+            <a:endParaRPr lang="ru-RU" sz="1800" b="0" strike="noStrike" spc="-1">
+              <a:solidFill>
+                <a:srgbClr val="FFFFFF"/>
+              </a:solidFill>
+              <a:latin typeface="Noto Sans"/>
+            </a:endParaRPr>
+          </a:p>
+        </p:txBody>
+      </p:sp>
+      <p:sp>
+        <p:nvSpPr>
           <p:cNvPr id="4" name="Заголовок 3">
             <a:extLst>
               <a:ext uri="{FF2B5EF4-FFF2-40B4-BE49-F238E27FC236}">
@@ -14051,7 +11754,7 @@
                 <a:latin typeface="Times New Roman" panose="02020603050405020304" pitchFamily="18" charset="0"/>
                 <a:cs typeface="Times New Roman" panose="02020603050405020304" pitchFamily="18" charset="0"/>
               </a:rPr>
-              <a:t>Языковые модели</a:t>
+              <a:t>Инструменты реализации</a:t>
             </a:r>
             <a:endParaRPr lang="ru-RU" sz="2400" b="1" dirty="0"/>
           </a:p>
@@ -14317,10 +12020,10 @@
       </p:sp>
       <p:pic>
         <p:nvPicPr>
-          <p:cNvPr id="5" name="Рисунок 4">
-            <a:extLst>
-              <a:ext uri="{FF2B5EF4-FFF2-40B4-BE49-F238E27FC236}">
-                <a16:creationId xmlns:a16="http://schemas.microsoft.com/office/drawing/2014/main" id="{41C8E26E-2CE1-4B33-AE97-FE89623F498F}"/>
+          <p:cNvPr id="3" name="Рисунок 2">
+            <a:extLst>
+              <a:ext uri="{FF2B5EF4-FFF2-40B4-BE49-F238E27FC236}">
+                <a16:creationId xmlns:a16="http://schemas.microsoft.com/office/drawing/2014/main" id="{E57E9AA0-172D-4668-90CC-D8DF31313DA9}"/>
               </a:ext>
             </a:extLst>
           </p:cNvPr>
@@ -14343,8 +12046,8 @@
         </p:blipFill>
         <p:spPr>
           <a:xfrm>
-            <a:off x="1876424" y="2200274"/>
-            <a:ext cx="2752725" cy="2752725"/>
+            <a:off x="8711068" y="3376307"/>
+            <a:ext cx="1721935" cy="1007332"/>
           </a:xfrm>
           <a:prstGeom prst="rect">
             <a:avLst/>
@@ -14353,10 +12056,10 @@
       </p:pic>
       <p:pic>
         <p:nvPicPr>
-          <p:cNvPr id="7" name="Рисунок 6">
-            <a:extLst>
-              <a:ext uri="{FF2B5EF4-FFF2-40B4-BE49-F238E27FC236}">
-                <a16:creationId xmlns:a16="http://schemas.microsoft.com/office/drawing/2014/main" id="{72799552-C075-4A8E-9AE0-94394B3E6AF2}"/>
+          <p:cNvPr id="18" name="Рисунок 17">
+            <a:extLst>
+              <a:ext uri="{FF2B5EF4-FFF2-40B4-BE49-F238E27FC236}">
+                <a16:creationId xmlns:a16="http://schemas.microsoft.com/office/drawing/2014/main" id="{DB7E0D96-ED2C-44CA-B45E-1C011D825661}"/>
               </a:ext>
             </a:extLst>
           </p:cNvPr>
@@ -14378,19 +12081,535 @@
           </a:stretch>
         </p:blipFill>
         <p:spPr>
-          <a:xfrm>
-            <a:off x="6519332" y="2200273"/>
-            <a:ext cx="4893735" cy="2752726"/>
+          <a:xfrm rot="994768">
+            <a:off x="3410303" y="3519359"/>
+            <a:ext cx="1173668" cy="1173668"/>
           </a:xfrm>
           <a:prstGeom prst="rect">
             <a:avLst/>
           </a:prstGeom>
         </p:spPr>
       </p:pic>
+      <p:pic>
+        <p:nvPicPr>
+          <p:cNvPr id="22" name="Рисунок 21">
+            <a:extLst>
+              <a:ext uri="{FF2B5EF4-FFF2-40B4-BE49-F238E27FC236}">
+                <a16:creationId xmlns:a16="http://schemas.microsoft.com/office/drawing/2014/main" id="{E2A9A2B7-646C-464A-A626-AA34C71C0119}"/>
+              </a:ext>
+            </a:extLst>
+          </p:cNvPr>
+          <p:cNvPicPr>
+            <a:picLocks noChangeAspect="1"/>
+          </p:cNvPicPr>
+          <p:nvPr/>
+        </p:nvPicPr>
+        <p:blipFill>
+          <a:blip r:embed="rId5">
+            <a:extLst>
+              <a:ext uri="{28A0092B-C50C-407E-A947-70E740481C1C}">
+                <a14:useLocalDpi xmlns:a14="http://schemas.microsoft.com/office/drawing/2010/main" val="0"/>
+              </a:ext>
+            </a:extLst>
+          </a:blip>
+          <a:stretch>
+            <a:fillRect/>
+          </a:stretch>
+        </p:blipFill>
+        <p:spPr>
+          <a:xfrm>
+            <a:off x="8414919" y="4273485"/>
+            <a:ext cx="907931" cy="907931"/>
+          </a:xfrm>
+          <a:prstGeom prst="rect">
+            <a:avLst/>
+          </a:prstGeom>
+        </p:spPr>
+      </p:pic>
+      <p:sp>
+        <p:nvSpPr>
+          <p:cNvPr id="23" name="TextBox 22">
+            <a:extLst>
+              <a:ext uri="{FF2B5EF4-FFF2-40B4-BE49-F238E27FC236}">
+                <a16:creationId xmlns:a16="http://schemas.microsoft.com/office/drawing/2014/main" id="{E152CB38-789E-4A50-97BC-303D06E38976}"/>
+              </a:ext>
+            </a:extLst>
+          </p:cNvPr>
+          <p:cNvSpPr txBox="1"/>
+          <p:nvPr/>
+        </p:nvSpPr>
+        <p:spPr>
+          <a:xfrm>
+            <a:off x="-430815" y="1598531"/>
+            <a:ext cx="3420000" cy="653760"/>
+          </a:xfrm>
+          <a:prstGeom prst="rect">
+            <a:avLst/>
+          </a:prstGeom>
+          <a:noFill/>
+          <a:ln w="0">
+            <a:noFill/>
+          </a:ln>
+        </p:spPr>
+        <p:txBody>
+          <a:bodyPr lIns="90000" tIns="45000" rIns="90000" bIns="45000" anchor="t">
+            <a:noAutofit/>
+          </a:bodyPr>
+          <a:lstStyle/>
+          <a:p>
+            <a:pPr algn="r"/>
+            <a:r>
+              <a:rPr lang="ru-RU" sz="1800" b="1" strike="noStrike" spc="-1" dirty="0">
+                <a:solidFill>
+                  <a:srgbClr val="000000"/>
+                </a:solidFill>
+                <a:latin typeface="Times New Roman"/>
+              </a:rPr>
+              <a:t>1. IDE, ЯП, Менеджер зависимостей</a:t>
+            </a:r>
+            <a:endParaRPr lang="ru-RU" sz="1800" b="0" strike="noStrike" spc="-1" dirty="0">
+              <a:solidFill>
+                <a:srgbClr val="000000"/>
+              </a:solidFill>
+              <a:latin typeface="Times New Roman"/>
+            </a:endParaRPr>
+          </a:p>
+        </p:txBody>
+      </p:sp>
+      <p:pic>
+        <p:nvPicPr>
+          <p:cNvPr id="15" name="Рисунок 14">
+            <a:extLst>
+              <a:ext uri="{FF2B5EF4-FFF2-40B4-BE49-F238E27FC236}">
+                <a16:creationId xmlns:a16="http://schemas.microsoft.com/office/drawing/2014/main" id="{851124D5-C611-40B5-A2B6-35DDFC1DE4E9}"/>
+              </a:ext>
+            </a:extLst>
+          </p:cNvPr>
+          <p:cNvPicPr>
+            <a:picLocks noChangeAspect="1"/>
+          </p:cNvPicPr>
+          <p:nvPr/>
+        </p:nvPicPr>
+        <p:blipFill>
+          <a:blip r:embed="rId6">
+            <a:extLst>
+              <a:ext uri="{28A0092B-C50C-407E-A947-70E740481C1C}">
+                <a14:useLocalDpi xmlns:a14="http://schemas.microsoft.com/office/drawing/2010/main" val="0"/>
+              </a:ext>
+            </a:extLst>
+          </a:blip>
+          <a:stretch>
+            <a:fillRect/>
+          </a:stretch>
+        </p:blipFill>
+        <p:spPr>
+          <a:xfrm>
+            <a:off x="2531663" y="3728613"/>
+            <a:ext cx="1173668" cy="1173668"/>
+          </a:xfrm>
+          <a:prstGeom prst="rect">
+            <a:avLst/>
+          </a:prstGeom>
+        </p:spPr>
+      </p:pic>
+      <p:sp>
+        <p:nvSpPr>
+          <p:cNvPr id="25" name="TextBox 24">
+            <a:extLst>
+              <a:ext uri="{FF2B5EF4-FFF2-40B4-BE49-F238E27FC236}">
+                <a16:creationId xmlns:a16="http://schemas.microsoft.com/office/drawing/2014/main" id="{164734E7-62FE-412A-890B-89406EABB178}"/>
+              </a:ext>
+            </a:extLst>
+          </p:cNvPr>
+          <p:cNvSpPr txBox="1"/>
+          <p:nvPr/>
+        </p:nvSpPr>
+        <p:spPr>
+          <a:xfrm>
+            <a:off x="2676133" y="4902281"/>
+            <a:ext cx="1616031" cy="680040"/>
+          </a:xfrm>
+          <a:prstGeom prst="rect">
+            <a:avLst/>
+          </a:prstGeom>
+          <a:noFill/>
+          <a:ln w="0">
+            <a:noFill/>
+          </a:ln>
+        </p:spPr>
+        <p:txBody>
+          <a:bodyPr lIns="90000" tIns="45000" rIns="90000" bIns="45000" anchor="t">
+            <a:noAutofit/>
+          </a:bodyPr>
+          <a:lstStyle/>
+          <a:p>
+            <a:pPr algn="r">
+              <a:lnSpc>
+                <a:spcPct val="100000"/>
+              </a:lnSpc>
+              <a:spcBef>
+                <a:spcPts val="1191"/>
+              </a:spcBef>
+              <a:spcAft>
+                <a:spcPts val="992"/>
+              </a:spcAft>
+            </a:pPr>
+            <a:r>
+              <a:rPr lang="ru-RU" sz="1400" b="0" strike="noStrike" spc="-1" dirty="0">
+                <a:solidFill>
+                  <a:srgbClr val="666666"/>
+                </a:solidFill>
+                <a:latin typeface="Times New Roman"/>
+              </a:rPr>
+              <a:t>Visual Studio Code</a:t>
+            </a:r>
+            <a:br>
+              <a:rPr sz="1400" dirty="0"/>
+            </a:br>
+            <a:r>
+              <a:rPr lang="ru-RU" sz="1400" b="0" strike="noStrike" spc="-1" dirty="0">
+                <a:solidFill>
+                  <a:srgbClr val="666666"/>
+                </a:solidFill>
+                <a:latin typeface="Times New Roman"/>
+              </a:rPr>
+              <a:t>Python 3.1</a:t>
+            </a:r>
+            <a:r>
+              <a:rPr lang="en-US" sz="1400" b="0" strike="noStrike" spc="-1" dirty="0">
+                <a:solidFill>
+                  <a:srgbClr val="666666"/>
+                </a:solidFill>
+                <a:latin typeface="Times New Roman"/>
+              </a:rPr>
+              <a:t>2</a:t>
+            </a:r>
+            <a:br>
+              <a:rPr sz="1400" dirty="0"/>
+            </a:br>
+            <a:r>
+              <a:rPr lang="en-US" sz="1400" b="0" strike="noStrike" spc="-1" dirty="0">
+                <a:solidFill>
+                  <a:srgbClr val="666666"/>
+                </a:solidFill>
+                <a:latin typeface="Times New Roman"/>
+              </a:rPr>
+              <a:t>UV</a:t>
+            </a:r>
+            <a:endParaRPr lang="ru-RU" sz="1400" b="0" strike="noStrike" spc="-1" dirty="0">
+              <a:solidFill>
+                <a:srgbClr val="000000"/>
+              </a:solidFill>
+              <a:latin typeface="Times New Roman"/>
+            </a:endParaRPr>
+          </a:p>
+        </p:txBody>
+      </p:sp>
+      <p:sp>
+        <p:nvSpPr>
+          <p:cNvPr id="27" name="TextBox 26">
+            <a:extLst>
+              <a:ext uri="{FF2B5EF4-FFF2-40B4-BE49-F238E27FC236}">
+                <a16:creationId xmlns:a16="http://schemas.microsoft.com/office/drawing/2014/main" id="{2F396673-C858-4FAA-9C14-E147E79C93D8}"/>
+              </a:ext>
+            </a:extLst>
+          </p:cNvPr>
+          <p:cNvSpPr txBox="1"/>
+          <p:nvPr/>
+        </p:nvSpPr>
+        <p:spPr>
+          <a:xfrm>
+            <a:off x="5728563" y="2447822"/>
+            <a:ext cx="1800000" cy="403560"/>
+          </a:xfrm>
+          <a:prstGeom prst="rect">
+            <a:avLst/>
+          </a:prstGeom>
+          <a:noFill/>
+          <a:ln w="0">
+            <a:noFill/>
+          </a:ln>
+        </p:spPr>
+        <p:txBody>
+          <a:bodyPr lIns="90000" tIns="45000" rIns="90000" bIns="45000" anchor="t">
+            <a:noAutofit/>
+          </a:bodyPr>
+          <a:lstStyle/>
+          <a:p>
+            <a:pPr algn="r"/>
+            <a:r>
+              <a:rPr lang="ru-RU" sz="1800" b="1" strike="noStrike" spc="-1" dirty="0">
+                <a:solidFill>
+                  <a:srgbClr val="000000"/>
+                </a:solidFill>
+                <a:latin typeface="Times New Roman"/>
+              </a:rPr>
+              <a:t>2. Библиотеки</a:t>
+            </a:r>
+            <a:endParaRPr lang="ru-RU" sz="1800" b="0" strike="noStrike" spc="-1" dirty="0">
+              <a:solidFill>
+                <a:srgbClr val="000000"/>
+              </a:solidFill>
+              <a:latin typeface="Times New Roman"/>
+            </a:endParaRPr>
+          </a:p>
+        </p:txBody>
+      </p:sp>
+      <p:sp>
+        <p:nvSpPr>
+          <p:cNvPr id="29" name="TextBox 28">
+            <a:extLst>
+              <a:ext uri="{FF2B5EF4-FFF2-40B4-BE49-F238E27FC236}">
+                <a16:creationId xmlns:a16="http://schemas.microsoft.com/office/drawing/2014/main" id="{805F42EB-1F8A-47E2-9457-9EB41F910C6E}"/>
+              </a:ext>
+            </a:extLst>
+          </p:cNvPr>
+          <p:cNvSpPr txBox="1"/>
+          <p:nvPr/>
+        </p:nvSpPr>
+        <p:spPr>
+          <a:xfrm>
+            <a:off x="9317057" y="5181416"/>
+            <a:ext cx="1079458" cy="680040"/>
+          </a:xfrm>
+          <a:prstGeom prst="rect">
+            <a:avLst/>
+          </a:prstGeom>
+          <a:noFill/>
+          <a:ln w="0">
+            <a:noFill/>
+          </a:ln>
+        </p:spPr>
+        <p:txBody>
+          <a:bodyPr lIns="90000" tIns="45000" rIns="90000" bIns="45000" anchor="t">
+            <a:noAutofit/>
+          </a:bodyPr>
+          <a:lstStyle/>
+          <a:p>
+            <a:pPr algn="r">
+              <a:lnSpc>
+                <a:spcPct val="100000"/>
+              </a:lnSpc>
+              <a:spcBef>
+                <a:spcPts val="1191"/>
+              </a:spcBef>
+              <a:spcAft>
+                <a:spcPts val="992"/>
+              </a:spcAft>
+            </a:pPr>
+            <a:r>
+              <a:rPr lang="en-US" sz="1400" b="0" strike="noStrike" spc="-1" dirty="0" err="1">
+                <a:solidFill>
+                  <a:srgbClr val="666666"/>
+                </a:solidFill>
+                <a:latin typeface="Times New Roman"/>
+              </a:rPr>
+              <a:t>Streamlit</a:t>
+            </a:r>
+            <a:br>
+              <a:rPr sz="1400" dirty="0"/>
+            </a:br>
+            <a:r>
+              <a:rPr lang="en-US" sz="1400" b="0" strike="noStrike" spc="-1" dirty="0" err="1">
+                <a:solidFill>
+                  <a:srgbClr val="666666"/>
+                </a:solidFill>
+                <a:latin typeface="Times New Roman"/>
+              </a:rPr>
+              <a:t>Ollama</a:t>
+            </a:r>
+            <a:br>
+              <a:rPr sz="1400" dirty="0"/>
+            </a:br>
+            <a:r>
+              <a:rPr lang="en-US" sz="1400" spc="-1" dirty="0" err="1">
+                <a:solidFill>
+                  <a:srgbClr val="666666"/>
+                </a:solidFill>
+                <a:latin typeface="Times New Roman"/>
+              </a:rPr>
+              <a:t>LangChain</a:t>
+            </a:r>
+            <a:endParaRPr lang="ru-RU" sz="1400" b="0" strike="noStrike" spc="-1" dirty="0">
+              <a:solidFill>
+                <a:srgbClr val="000000"/>
+              </a:solidFill>
+              <a:latin typeface="Times New Roman"/>
+            </a:endParaRPr>
+          </a:p>
+        </p:txBody>
+      </p:sp>
+      <p:pic>
+        <p:nvPicPr>
+          <p:cNvPr id="35" name="Рисунок 34">
+            <a:extLst>
+              <a:ext uri="{FF2B5EF4-FFF2-40B4-BE49-F238E27FC236}">
+                <a16:creationId xmlns:a16="http://schemas.microsoft.com/office/drawing/2014/main" id="{3E1FFA71-0B2D-4C57-8E08-BA28455257A0}"/>
+              </a:ext>
+            </a:extLst>
+          </p:cNvPr>
+          <p:cNvPicPr>
+            <a:picLocks noChangeAspect="1"/>
+          </p:cNvPicPr>
+          <p:nvPr/>
+        </p:nvPicPr>
+        <p:blipFill>
+          <a:blip r:embed="rId7">
+            <a:extLst>
+              <a:ext uri="{28A0092B-C50C-407E-A947-70E740481C1C}">
+                <a14:useLocalDpi xmlns:a14="http://schemas.microsoft.com/office/drawing/2010/main" val="0"/>
+              </a:ext>
+            </a:extLst>
+          </a:blip>
+          <a:stretch>
+            <a:fillRect/>
+          </a:stretch>
+        </p:blipFill>
+        <p:spPr>
+          <a:xfrm>
+            <a:off x="9322850" y="3919027"/>
+            <a:ext cx="1633000" cy="1633000"/>
+          </a:xfrm>
+          <a:prstGeom prst="rect">
+            <a:avLst/>
+          </a:prstGeom>
+        </p:spPr>
+      </p:pic>
+      <p:cxnSp>
+        <p:nvCxnSpPr>
+          <p:cNvPr id="42" name="Соединитель: изогнутый 41">
+            <a:extLst>
+              <a:ext uri="{FF2B5EF4-FFF2-40B4-BE49-F238E27FC236}">
+                <a16:creationId xmlns:a16="http://schemas.microsoft.com/office/drawing/2014/main" id="{1CBAC8C6-8783-41CD-8D96-04C0AE4F21AB}"/>
+              </a:ext>
+            </a:extLst>
+          </p:cNvPr>
+          <p:cNvCxnSpPr>
+            <a:cxnSpLocks/>
+          </p:cNvCxnSpPr>
+          <p:nvPr/>
+        </p:nvCxnSpPr>
+        <p:spPr>
+          <a:xfrm rot="16200000" flipH="1">
+            <a:off x="1595960" y="2404436"/>
+            <a:ext cx="1110564" cy="949687"/>
+          </a:xfrm>
+          <a:prstGeom prst="curvedConnector3">
+            <a:avLst/>
+          </a:prstGeom>
+          <a:ln>
+            <a:prstDash val="dash"/>
+            <a:tailEnd type="triangle"/>
+          </a:ln>
+        </p:spPr>
+        <p:style>
+          <a:lnRef idx="3">
+            <a:schemeClr val="accent3"/>
+          </a:lnRef>
+          <a:fillRef idx="0">
+            <a:schemeClr val="accent3"/>
+          </a:fillRef>
+          <a:effectRef idx="2">
+            <a:schemeClr val="accent3"/>
+          </a:effectRef>
+          <a:fontRef idx="minor">
+            <a:schemeClr val="tx1"/>
+          </a:fontRef>
+        </p:style>
+      </p:cxnSp>
+      <p:cxnSp>
+        <p:nvCxnSpPr>
+          <p:cNvPr id="45" name="Соединитель: изогнутый 44">
+            <a:extLst>
+              <a:ext uri="{FF2B5EF4-FFF2-40B4-BE49-F238E27FC236}">
+                <a16:creationId xmlns:a16="http://schemas.microsoft.com/office/drawing/2014/main" id="{CAA0A684-7A54-4932-B858-7F4B463BF089}"/>
+              </a:ext>
+            </a:extLst>
+          </p:cNvPr>
+          <p:cNvCxnSpPr>
+            <a:cxnSpLocks/>
+            <a:endCxn id="27" idx="1"/>
+          </p:cNvCxnSpPr>
+          <p:nvPr/>
+        </p:nvCxnSpPr>
+        <p:spPr>
+          <a:xfrm flipV="1">
+            <a:off x="4663438" y="2649602"/>
+            <a:ext cx="1065125" cy="884174"/>
+          </a:xfrm>
+          <a:prstGeom prst="curvedConnector3">
+            <a:avLst>
+              <a:gd name="adj1" fmla="val 50000"/>
+            </a:avLst>
+          </a:prstGeom>
+          <a:ln>
+            <a:prstDash val="dash"/>
+            <a:tailEnd type="triangle"/>
+          </a:ln>
+        </p:spPr>
+        <p:style>
+          <a:lnRef idx="3">
+            <a:schemeClr val="accent3"/>
+          </a:lnRef>
+          <a:fillRef idx="0">
+            <a:schemeClr val="accent3"/>
+          </a:fillRef>
+          <a:effectRef idx="2">
+            <a:schemeClr val="accent3"/>
+          </a:effectRef>
+          <a:fontRef idx="minor">
+            <a:schemeClr val="tx1"/>
+          </a:fontRef>
+        </p:style>
+      </p:cxnSp>
+      <p:cxnSp>
+        <p:nvCxnSpPr>
+          <p:cNvPr id="49" name="Соединитель: изогнутый 48">
+            <a:extLst>
+              <a:ext uri="{FF2B5EF4-FFF2-40B4-BE49-F238E27FC236}">
+                <a16:creationId xmlns:a16="http://schemas.microsoft.com/office/drawing/2014/main" id="{E42C1362-6AFD-4BF5-87F6-553B75576697}"/>
+              </a:ext>
+            </a:extLst>
+          </p:cNvPr>
+          <p:cNvCxnSpPr>
+            <a:cxnSpLocks/>
+            <a:stCxn id="27" idx="3"/>
+            <a:endCxn id="3" idx="0"/>
+          </p:cNvCxnSpPr>
+          <p:nvPr/>
+        </p:nvCxnSpPr>
+        <p:spPr>
+          <a:xfrm>
+            <a:off x="7528563" y="2649602"/>
+            <a:ext cx="2043473" cy="726705"/>
+          </a:xfrm>
+          <a:prstGeom prst="curvedConnector2">
+            <a:avLst/>
+          </a:prstGeom>
+          <a:ln>
+            <a:prstDash val="dash"/>
+            <a:tailEnd type="triangle"/>
+          </a:ln>
+        </p:spPr>
+        <p:style>
+          <a:lnRef idx="3">
+            <a:schemeClr val="accent3"/>
+          </a:lnRef>
+          <a:fillRef idx="0">
+            <a:schemeClr val="accent3"/>
+          </a:fillRef>
+          <a:effectRef idx="2">
+            <a:schemeClr val="accent3"/>
+          </a:effectRef>
+          <a:fontRef idx="minor">
+            <a:schemeClr val="tx1"/>
+          </a:fontRef>
+        </p:style>
+      </p:cxnSp>
     </p:spTree>
     <p:extLst>
       <p:ext uri="{BB962C8B-B14F-4D97-AF65-F5344CB8AC3E}">
-        <p14:creationId xmlns:p14="http://schemas.microsoft.com/office/powerpoint/2010/main" val="2469480691"/>
+        <p14:creationId xmlns:p14="http://schemas.microsoft.com/office/powerpoint/2010/main" val="3448689448"/>
       </p:ext>
     </p:extLst>
   </p:cSld>
@@ -14419,118 +12638,6 @@
       </p:grpSpPr>
       <p:sp>
         <p:nvSpPr>
-          <p:cNvPr id="28" name="Овал 27">
-            <a:extLst>
-              <a:ext uri="{FF2B5EF4-FFF2-40B4-BE49-F238E27FC236}">
-                <a16:creationId xmlns:a16="http://schemas.microsoft.com/office/drawing/2014/main" id="{7340A6A5-36B5-4874-8CCD-C08C7948456E}"/>
-              </a:ext>
-            </a:extLst>
-          </p:cNvPr>
-          <p:cNvSpPr/>
-          <p:nvPr/>
-        </p:nvSpPr>
-        <p:spPr>
-          <a:xfrm>
-            <a:off x="8194863" y="3434560"/>
-            <a:ext cx="2766780" cy="2764943"/>
-          </a:xfrm>
-          <a:prstGeom prst="ellipse">
-            <a:avLst/>
-          </a:prstGeom>
-          <a:solidFill>
-            <a:srgbClr val="8D99AE">
-              <a:alpha val="10000"/>
-            </a:srgbClr>
-          </a:solidFill>
-          <a:ln w="0">
-            <a:noFill/>
-          </a:ln>
-        </p:spPr>
-        <p:style>
-          <a:lnRef idx="0">
-            <a:scrgbClr r="0" g="0" b="0"/>
-          </a:lnRef>
-          <a:fillRef idx="0">
-            <a:scrgbClr r="0" g="0" b="0"/>
-          </a:fillRef>
-          <a:effectRef idx="0">
-            <a:scrgbClr r="0" g="0" b="0"/>
-          </a:effectRef>
-          <a:fontRef idx="minor"/>
-        </p:style>
-        <p:txBody>
-          <a:bodyPr wrap="none" lIns="90000" tIns="45000" rIns="90000" bIns="45000" anchor="ctr">
-            <a:noAutofit/>
-          </a:bodyPr>
-          <a:lstStyle/>
-          <a:p>
-            <a:endParaRPr lang="ru-RU" sz="1800" b="0" strike="noStrike" spc="-1">
-              <a:solidFill>
-                <a:srgbClr val="FFFFFF"/>
-              </a:solidFill>
-              <a:latin typeface="Noto Sans"/>
-            </a:endParaRPr>
-          </a:p>
-        </p:txBody>
-      </p:sp>
-      <p:sp>
-        <p:nvSpPr>
-          <p:cNvPr id="24" name="Овал 23">
-            <a:extLst>
-              <a:ext uri="{FF2B5EF4-FFF2-40B4-BE49-F238E27FC236}">
-                <a16:creationId xmlns:a16="http://schemas.microsoft.com/office/drawing/2014/main" id="{8E6F4934-811A-4133-BFF9-8795604D8B5D}"/>
-              </a:ext>
-            </a:extLst>
-          </p:cNvPr>
-          <p:cNvSpPr/>
-          <p:nvPr/>
-        </p:nvSpPr>
-        <p:spPr>
-          <a:xfrm>
-            <a:off x="2226196" y="3310105"/>
-            <a:ext cx="2766780" cy="2764943"/>
-          </a:xfrm>
-          <a:prstGeom prst="ellipse">
-            <a:avLst/>
-          </a:prstGeom>
-          <a:solidFill>
-            <a:srgbClr val="8D99AE">
-              <a:alpha val="10000"/>
-            </a:srgbClr>
-          </a:solidFill>
-          <a:ln w="0">
-            <a:noFill/>
-          </a:ln>
-        </p:spPr>
-        <p:style>
-          <a:lnRef idx="0">
-            <a:scrgbClr r="0" g="0" b="0"/>
-          </a:lnRef>
-          <a:fillRef idx="0">
-            <a:scrgbClr r="0" g="0" b="0"/>
-          </a:fillRef>
-          <a:effectRef idx="0">
-            <a:scrgbClr r="0" g="0" b="0"/>
-          </a:effectRef>
-          <a:fontRef idx="minor"/>
-        </p:style>
-        <p:txBody>
-          <a:bodyPr wrap="none" lIns="90000" tIns="45000" rIns="90000" bIns="45000" anchor="ctr">
-            <a:noAutofit/>
-          </a:bodyPr>
-          <a:lstStyle/>
-          <a:p>
-            <a:endParaRPr lang="ru-RU" sz="1800" b="0" strike="noStrike" spc="-1">
-              <a:solidFill>
-                <a:srgbClr val="FFFFFF"/>
-              </a:solidFill>
-              <a:latin typeface="Noto Sans"/>
-            </a:endParaRPr>
-          </a:p>
-        </p:txBody>
-      </p:sp>
-      <p:sp>
-        <p:nvSpPr>
           <p:cNvPr id="4" name="Заголовок 3">
             <a:extLst>
               <a:ext uri="{FF2B5EF4-FFF2-40B4-BE49-F238E27FC236}">
@@ -14562,7 +12669,7 @@
                 <a:latin typeface="Times New Roman" panose="02020603050405020304" pitchFamily="18" charset="0"/>
                 <a:cs typeface="Times New Roman" panose="02020603050405020304" pitchFamily="18" charset="0"/>
               </a:rPr>
-              <a:t>Функциональные требования</a:t>
+              <a:t>Проектирование</a:t>
             </a:r>
             <a:br>
               <a:rPr lang="ru-RU" sz="3600" b="1" spc="-5" dirty="0">
@@ -14578,7 +12685,7 @@
                 <a:latin typeface="Times New Roman" panose="02020603050405020304" pitchFamily="18" charset="0"/>
                 <a:cs typeface="Times New Roman" panose="02020603050405020304" pitchFamily="18" charset="0"/>
               </a:rPr>
-              <a:t>Инструменты реализации</a:t>
+              <a:t>Диаграмма прецендентов</a:t>
             </a:r>
             <a:endParaRPr lang="ru-RU" sz="2400" b="1" dirty="0"/>
           </a:p>
@@ -14844,596 +12951,36 @@
       </p:sp>
       <p:pic>
         <p:nvPicPr>
-          <p:cNvPr id="3" name="Рисунок 2">
-            <a:extLst>
-              <a:ext uri="{FF2B5EF4-FFF2-40B4-BE49-F238E27FC236}">
-                <a16:creationId xmlns:a16="http://schemas.microsoft.com/office/drawing/2014/main" id="{E57E9AA0-172D-4668-90CC-D8DF31313DA9}"/>
-              </a:ext>
-            </a:extLst>
-          </p:cNvPr>
-          <p:cNvPicPr>
-            <a:picLocks noChangeAspect="1"/>
-          </p:cNvPicPr>
+          <p:cNvPr id="8" name="Рисунок 7">
+            <a:extLst>
+              <a:ext uri="{FF2B5EF4-FFF2-40B4-BE49-F238E27FC236}">
+                <a16:creationId xmlns:a16="http://schemas.microsoft.com/office/drawing/2014/main" id="{D8349CD2-1213-4989-BCC7-D85E6AB8D06B}"/>
+              </a:ext>
+            </a:extLst>
+          </p:cNvPr>
+          <p:cNvPicPr/>
           <p:nvPr/>
         </p:nvPicPr>
         <p:blipFill>
-          <a:blip r:embed="rId3">
-            <a:extLst>
-              <a:ext uri="{28A0092B-C50C-407E-A947-70E740481C1C}">
-                <a14:useLocalDpi xmlns:a14="http://schemas.microsoft.com/office/drawing/2010/main" val="0"/>
-              </a:ext>
-            </a:extLst>
-          </a:blip>
+          <a:blip r:embed="rId3"/>
           <a:stretch>
             <a:fillRect/>
           </a:stretch>
         </p:blipFill>
         <p:spPr>
           <a:xfrm>
-            <a:off x="8711068" y="3376307"/>
-            <a:ext cx="1721935" cy="1007332"/>
+            <a:off x="2577306" y="1381832"/>
+            <a:ext cx="7037388" cy="4765292"/>
           </a:xfrm>
           <a:prstGeom prst="rect">
             <a:avLst/>
           </a:prstGeom>
         </p:spPr>
       </p:pic>
-      <p:pic>
-        <p:nvPicPr>
-          <p:cNvPr id="18" name="Рисунок 17">
-            <a:extLst>
-              <a:ext uri="{FF2B5EF4-FFF2-40B4-BE49-F238E27FC236}">
-                <a16:creationId xmlns:a16="http://schemas.microsoft.com/office/drawing/2014/main" id="{DB7E0D96-ED2C-44CA-B45E-1C011D825661}"/>
-              </a:ext>
-            </a:extLst>
-          </p:cNvPr>
-          <p:cNvPicPr>
-            <a:picLocks noChangeAspect="1"/>
-          </p:cNvPicPr>
-          <p:nvPr/>
-        </p:nvPicPr>
-        <p:blipFill>
-          <a:blip r:embed="rId4">
-            <a:extLst>
-              <a:ext uri="{28A0092B-C50C-407E-A947-70E740481C1C}">
-                <a14:useLocalDpi xmlns:a14="http://schemas.microsoft.com/office/drawing/2010/main" val="0"/>
-              </a:ext>
-            </a:extLst>
-          </a:blip>
-          <a:stretch>
-            <a:fillRect/>
-          </a:stretch>
-        </p:blipFill>
-        <p:spPr>
-          <a:xfrm rot="994768">
-            <a:off x="3410303" y="3519359"/>
-            <a:ext cx="1173668" cy="1173668"/>
-          </a:xfrm>
-          <a:prstGeom prst="rect">
-            <a:avLst/>
-          </a:prstGeom>
-        </p:spPr>
-      </p:pic>
-      <p:pic>
-        <p:nvPicPr>
-          <p:cNvPr id="22" name="Рисунок 21">
-            <a:extLst>
-              <a:ext uri="{FF2B5EF4-FFF2-40B4-BE49-F238E27FC236}">
-                <a16:creationId xmlns:a16="http://schemas.microsoft.com/office/drawing/2014/main" id="{E2A9A2B7-646C-464A-A626-AA34C71C0119}"/>
-              </a:ext>
-            </a:extLst>
-          </p:cNvPr>
-          <p:cNvPicPr>
-            <a:picLocks noChangeAspect="1"/>
-          </p:cNvPicPr>
-          <p:nvPr/>
-        </p:nvPicPr>
-        <p:blipFill>
-          <a:blip r:embed="rId5">
-            <a:extLst>
-              <a:ext uri="{28A0092B-C50C-407E-A947-70E740481C1C}">
-                <a14:useLocalDpi xmlns:a14="http://schemas.microsoft.com/office/drawing/2010/main" val="0"/>
-              </a:ext>
-            </a:extLst>
-          </a:blip>
-          <a:stretch>
-            <a:fillRect/>
-          </a:stretch>
-        </p:blipFill>
-        <p:spPr>
-          <a:xfrm>
-            <a:off x="8414919" y="4273485"/>
-            <a:ext cx="907931" cy="907931"/>
-          </a:xfrm>
-          <a:prstGeom prst="rect">
-            <a:avLst/>
-          </a:prstGeom>
-        </p:spPr>
-      </p:pic>
-      <p:sp>
-        <p:nvSpPr>
-          <p:cNvPr id="23" name="TextBox 22">
-            <a:extLst>
-              <a:ext uri="{FF2B5EF4-FFF2-40B4-BE49-F238E27FC236}">
-                <a16:creationId xmlns:a16="http://schemas.microsoft.com/office/drawing/2014/main" id="{E152CB38-789E-4A50-97BC-303D06E38976}"/>
-              </a:ext>
-            </a:extLst>
-          </p:cNvPr>
-          <p:cNvSpPr txBox="1"/>
-          <p:nvPr/>
-        </p:nvSpPr>
-        <p:spPr>
-          <a:xfrm>
-            <a:off x="-430815" y="1598531"/>
-            <a:ext cx="3420000" cy="653760"/>
-          </a:xfrm>
-          <a:prstGeom prst="rect">
-            <a:avLst/>
-          </a:prstGeom>
-          <a:noFill/>
-          <a:ln w="0">
-            <a:noFill/>
-          </a:ln>
-        </p:spPr>
-        <p:txBody>
-          <a:bodyPr lIns="90000" tIns="45000" rIns="90000" bIns="45000" anchor="t">
-            <a:noAutofit/>
-          </a:bodyPr>
-          <a:lstStyle/>
-          <a:p>
-            <a:pPr algn="r"/>
-            <a:r>
-              <a:rPr lang="ru-RU" sz="1800" b="1" strike="noStrike" spc="-1" dirty="0">
-                <a:solidFill>
-                  <a:srgbClr val="000000"/>
-                </a:solidFill>
-                <a:latin typeface="Times New Roman"/>
-              </a:rPr>
-              <a:t>1. IDE, ЯП, Менеджер зависимостей</a:t>
-            </a:r>
-            <a:endParaRPr lang="ru-RU" sz="1800" b="0" strike="noStrike" spc="-1" dirty="0">
-              <a:solidFill>
-                <a:srgbClr val="000000"/>
-              </a:solidFill>
-              <a:latin typeface="Times New Roman"/>
-            </a:endParaRPr>
-          </a:p>
-        </p:txBody>
-      </p:sp>
-      <p:pic>
-        <p:nvPicPr>
-          <p:cNvPr id="15" name="Рисунок 14">
-            <a:extLst>
-              <a:ext uri="{FF2B5EF4-FFF2-40B4-BE49-F238E27FC236}">
-                <a16:creationId xmlns:a16="http://schemas.microsoft.com/office/drawing/2014/main" id="{851124D5-C611-40B5-A2B6-35DDFC1DE4E9}"/>
-              </a:ext>
-            </a:extLst>
-          </p:cNvPr>
-          <p:cNvPicPr>
-            <a:picLocks noChangeAspect="1"/>
-          </p:cNvPicPr>
-          <p:nvPr/>
-        </p:nvPicPr>
-        <p:blipFill>
-          <a:blip r:embed="rId6">
-            <a:extLst>
-              <a:ext uri="{28A0092B-C50C-407E-A947-70E740481C1C}">
-                <a14:useLocalDpi xmlns:a14="http://schemas.microsoft.com/office/drawing/2010/main" val="0"/>
-              </a:ext>
-            </a:extLst>
-          </a:blip>
-          <a:stretch>
-            <a:fillRect/>
-          </a:stretch>
-        </p:blipFill>
-        <p:spPr>
-          <a:xfrm>
-            <a:off x="2531663" y="3728613"/>
-            <a:ext cx="1173668" cy="1173668"/>
-          </a:xfrm>
-          <a:prstGeom prst="rect">
-            <a:avLst/>
-          </a:prstGeom>
-        </p:spPr>
-      </p:pic>
-      <p:sp>
-        <p:nvSpPr>
-          <p:cNvPr id="25" name="TextBox 24">
-            <a:extLst>
-              <a:ext uri="{FF2B5EF4-FFF2-40B4-BE49-F238E27FC236}">
-                <a16:creationId xmlns:a16="http://schemas.microsoft.com/office/drawing/2014/main" id="{164734E7-62FE-412A-890B-89406EABB178}"/>
-              </a:ext>
-            </a:extLst>
-          </p:cNvPr>
-          <p:cNvSpPr txBox="1"/>
-          <p:nvPr/>
-        </p:nvSpPr>
-        <p:spPr>
-          <a:xfrm>
-            <a:off x="2676133" y="4902281"/>
-            <a:ext cx="1616031" cy="680040"/>
-          </a:xfrm>
-          <a:prstGeom prst="rect">
-            <a:avLst/>
-          </a:prstGeom>
-          <a:noFill/>
-          <a:ln w="0">
-            <a:noFill/>
-          </a:ln>
-        </p:spPr>
-        <p:txBody>
-          <a:bodyPr lIns="90000" tIns="45000" rIns="90000" bIns="45000" anchor="t">
-            <a:noAutofit/>
-          </a:bodyPr>
-          <a:lstStyle/>
-          <a:p>
-            <a:pPr algn="r">
-              <a:lnSpc>
-                <a:spcPct val="100000"/>
-              </a:lnSpc>
-              <a:spcBef>
-                <a:spcPts val="1191"/>
-              </a:spcBef>
-              <a:spcAft>
-                <a:spcPts val="992"/>
-              </a:spcAft>
-            </a:pPr>
-            <a:r>
-              <a:rPr lang="ru-RU" sz="1400" b="0" strike="noStrike" spc="-1" dirty="0">
-                <a:solidFill>
-                  <a:srgbClr val="666666"/>
-                </a:solidFill>
-                <a:latin typeface="Times New Roman"/>
-              </a:rPr>
-              <a:t>Visual Studio Code</a:t>
-            </a:r>
-            <a:br>
-              <a:rPr sz="1400" dirty="0"/>
-            </a:br>
-            <a:r>
-              <a:rPr lang="ru-RU" sz="1400" b="0" strike="noStrike" spc="-1" dirty="0">
-                <a:solidFill>
-                  <a:srgbClr val="666666"/>
-                </a:solidFill>
-                <a:latin typeface="Times New Roman"/>
-              </a:rPr>
-              <a:t>Python 3.1</a:t>
-            </a:r>
-            <a:r>
-              <a:rPr lang="en-US" sz="1400" b="0" strike="noStrike" spc="-1" dirty="0">
-                <a:solidFill>
-                  <a:srgbClr val="666666"/>
-                </a:solidFill>
-                <a:latin typeface="Times New Roman"/>
-              </a:rPr>
-              <a:t>2</a:t>
-            </a:r>
-            <a:br>
-              <a:rPr sz="1400" dirty="0"/>
-            </a:br>
-            <a:r>
-              <a:rPr lang="en-US" sz="1400" b="0" strike="noStrike" spc="-1" dirty="0">
-                <a:solidFill>
-                  <a:srgbClr val="666666"/>
-                </a:solidFill>
-                <a:latin typeface="Times New Roman"/>
-              </a:rPr>
-              <a:t>UV</a:t>
-            </a:r>
-            <a:endParaRPr lang="ru-RU" sz="1400" b="0" strike="noStrike" spc="-1" dirty="0">
-              <a:solidFill>
-                <a:srgbClr val="000000"/>
-              </a:solidFill>
-              <a:latin typeface="Times New Roman"/>
-            </a:endParaRPr>
-          </a:p>
-        </p:txBody>
-      </p:sp>
-      <p:sp>
-        <p:nvSpPr>
-          <p:cNvPr id="27" name="TextBox 26">
-            <a:extLst>
-              <a:ext uri="{FF2B5EF4-FFF2-40B4-BE49-F238E27FC236}">
-                <a16:creationId xmlns:a16="http://schemas.microsoft.com/office/drawing/2014/main" id="{2F396673-C858-4FAA-9C14-E147E79C93D8}"/>
-              </a:ext>
-            </a:extLst>
-          </p:cNvPr>
-          <p:cNvSpPr txBox="1"/>
-          <p:nvPr/>
-        </p:nvSpPr>
-        <p:spPr>
-          <a:xfrm>
-            <a:off x="5728563" y="2447822"/>
-            <a:ext cx="1800000" cy="403560"/>
-          </a:xfrm>
-          <a:prstGeom prst="rect">
-            <a:avLst/>
-          </a:prstGeom>
-          <a:noFill/>
-          <a:ln w="0">
-            <a:noFill/>
-          </a:ln>
-        </p:spPr>
-        <p:txBody>
-          <a:bodyPr lIns="90000" tIns="45000" rIns="90000" bIns="45000" anchor="t">
-            <a:noAutofit/>
-          </a:bodyPr>
-          <a:lstStyle/>
-          <a:p>
-            <a:pPr algn="r"/>
-            <a:r>
-              <a:rPr lang="ru-RU" sz="1800" b="1" strike="noStrike" spc="-1" dirty="0">
-                <a:solidFill>
-                  <a:srgbClr val="000000"/>
-                </a:solidFill>
-                <a:latin typeface="Times New Roman"/>
-              </a:rPr>
-              <a:t>2. Библиотеки</a:t>
-            </a:r>
-            <a:endParaRPr lang="ru-RU" sz="1800" b="0" strike="noStrike" spc="-1" dirty="0">
-              <a:solidFill>
-                <a:srgbClr val="000000"/>
-              </a:solidFill>
-              <a:latin typeface="Times New Roman"/>
-            </a:endParaRPr>
-          </a:p>
-        </p:txBody>
-      </p:sp>
-      <p:sp>
-        <p:nvSpPr>
-          <p:cNvPr id="29" name="TextBox 28">
-            <a:extLst>
-              <a:ext uri="{FF2B5EF4-FFF2-40B4-BE49-F238E27FC236}">
-                <a16:creationId xmlns:a16="http://schemas.microsoft.com/office/drawing/2014/main" id="{805F42EB-1F8A-47E2-9457-9EB41F910C6E}"/>
-              </a:ext>
-            </a:extLst>
-          </p:cNvPr>
-          <p:cNvSpPr txBox="1"/>
-          <p:nvPr/>
-        </p:nvSpPr>
-        <p:spPr>
-          <a:xfrm>
-            <a:off x="9317057" y="5181416"/>
-            <a:ext cx="1079458" cy="680040"/>
-          </a:xfrm>
-          <a:prstGeom prst="rect">
-            <a:avLst/>
-          </a:prstGeom>
-          <a:noFill/>
-          <a:ln w="0">
-            <a:noFill/>
-          </a:ln>
-        </p:spPr>
-        <p:txBody>
-          <a:bodyPr lIns="90000" tIns="45000" rIns="90000" bIns="45000" anchor="t">
-            <a:noAutofit/>
-          </a:bodyPr>
-          <a:lstStyle/>
-          <a:p>
-            <a:pPr algn="r">
-              <a:lnSpc>
-                <a:spcPct val="100000"/>
-              </a:lnSpc>
-              <a:spcBef>
-                <a:spcPts val="1191"/>
-              </a:spcBef>
-              <a:spcAft>
-                <a:spcPts val="992"/>
-              </a:spcAft>
-            </a:pPr>
-            <a:r>
-              <a:rPr lang="en-US" sz="1400" b="0" strike="noStrike" spc="-1" dirty="0" err="1">
-                <a:solidFill>
-                  <a:srgbClr val="666666"/>
-                </a:solidFill>
-                <a:latin typeface="Times New Roman"/>
-              </a:rPr>
-              <a:t>Streamlit</a:t>
-            </a:r>
-            <a:br>
-              <a:rPr sz="1400" dirty="0"/>
-            </a:br>
-            <a:r>
-              <a:rPr lang="en-US" sz="1400" b="0" strike="noStrike" spc="-1" dirty="0" err="1">
-                <a:solidFill>
-                  <a:srgbClr val="666666"/>
-                </a:solidFill>
-                <a:latin typeface="Times New Roman"/>
-              </a:rPr>
-              <a:t>Ollama</a:t>
-            </a:r>
-            <a:br>
-              <a:rPr sz="1400" dirty="0"/>
-            </a:br>
-            <a:r>
-              <a:rPr lang="en-US" sz="1400" spc="-1" dirty="0" err="1">
-                <a:solidFill>
-                  <a:srgbClr val="666666"/>
-                </a:solidFill>
-                <a:latin typeface="Times New Roman"/>
-              </a:rPr>
-              <a:t>LangChain</a:t>
-            </a:r>
-            <a:endParaRPr lang="ru-RU" sz="1400" b="0" strike="noStrike" spc="-1" dirty="0">
-              <a:solidFill>
-                <a:srgbClr val="000000"/>
-              </a:solidFill>
-              <a:latin typeface="Times New Roman"/>
-            </a:endParaRPr>
-          </a:p>
-        </p:txBody>
-      </p:sp>
-      <p:pic>
-        <p:nvPicPr>
-          <p:cNvPr id="35" name="Рисунок 34">
-            <a:extLst>
-              <a:ext uri="{FF2B5EF4-FFF2-40B4-BE49-F238E27FC236}">
-                <a16:creationId xmlns:a16="http://schemas.microsoft.com/office/drawing/2014/main" id="{3E1FFA71-0B2D-4C57-8E08-BA28455257A0}"/>
-              </a:ext>
-            </a:extLst>
-          </p:cNvPr>
-          <p:cNvPicPr>
-            <a:picLocks noChangeAspect="1"/>
-          </p:cNvPicPr>
-          <p:nvPr/>
-        </p:nvPicPr>
-        <p:blipFill>
-          <a:blip r:embed="rId7">
-            <a:extLst>
-              <a:ext uri="{28A0092B-C50C-407E-A947-70E740481C1C}">
-                <a14:useLocalDpi xmlns:a14="http://schemas.microsoft.com/office/drawing/2010/main" val="0"/>
-              </a:ext>
-            </a:extLst>
-          </a:blip>
-          <a:stretch>
-            <a:fillRect/>
-          </a:stretch>
-        </p:blipFill>
-        <p:spPr>
-          <a:xfrm>
-            <a:off x="9322850" y="3919027"/>
-            <a:ext cx="1633000" cy="1633000"/>
-          </a:xfrm>
-          <a:prstGeom prst="rect">
-            <a:avLst/>
-          </a:prstGeom>
-        </p:spPr>
-      </p:pic>
-      <p:cxnSp>
-        <p:nvCxnSpPr>
-          <p:cNvPr id="42" name="Соединитель: изогнутый 41">
-            <a:extLst>
-              <a:ext uri="{FF2B5EF4-FFF2-40B4-BE49-F238E27FC236}">
-                <a16:creationId xmlns:a16="http://schemas.microsoft.com/office/drawing/2014/main" id="{1CBAC8C6-8783-41CD-8D96-04C0AE4F21AB}"/>
-              </a:ext>
-            </a:extLst>
-          </p:cNvPr>
-          <p:cNvCxnSpPr>
-            <a:cxnSpLocks/>
-          </p:cNvCxnSpPr>
-          <p:nvPr/>
-        </p:nvCxnSpPr>
-        <p:spPr>
-          <a:xfrm rot="16200000" flipH="1">
-            <a:off x="1595960" y="2404436"/>
-            <a:ext cx="1110564" cy="949687"/>
-          </a:xfrm>
-          <a:prstGeom prst="curvedConnector3">
-            <a:avLst/>
-          </a:prstGeom>
-          <a:ln>
-            <a:prstDash val="dash"/>
-            <a:tailEnd type="triangle"/>
-          </a:ln>
-        </p:spPr>
-        <p:style>
-          <a:lnRef idx="3">
-            <a:schemeClr val="accent3"/>
-          </a:lnRef>
-          <a:fillRef idx="0">
-            <a:schemeClr val="accent3"/>
-          </a:fillRef>
-          <a:effectRef idx="2">
-            <a:schemeClr val="accent3"/>
-          </a:effectRef>
-          <a:fontRef idx="minor">
-            <a:schemeClr val="tx1"/>
-          </a:fontRef>
-        </p:style>
-      </p:cxnSp>
-      <p:cxnSp>
-        <p:nvCxnSpPr>
-          <p:cNvPr id="45" name="Соединитель: изогнутый 44">
-            <a:extLst>
-              <a:ext uri="{FF2B5EF4-FFF2-40B4-BE49-F238E27FC236}">
-                <a16:creationId xmlns:a16="http://schemas.microsoft.com/office/drawing/2014/main" id="{CAA0A684-7A54-4932-B858-7F4B463BF089}"/>
-              </a:ext>
-            </a:extLst>
-          </p:cNvPr>
-          <p:cNvCxnSpPr>
-            <a:cxnSpLocks/>
-            <a:endCxn id="27" idx="1"/>
-          </p:cNvCxnSpPr>
-          <p:nvPr/>
-        </p:nvCxnSpPr>
-        <p:spPr>
-          <a:xfrm flipV="1">
-            <a:off x="4663438" y="2649602"/>
-            <a:ext cx="1065125" cy="884174"/>
-          </a:xfrm>
-          <a:prstGeom prst="curvedConnector3">
-            <a:avLst>
-              <a:gd name="adj1" fmla="val 50000"/>
-            </a:avLst>
-          </a:prstGeom>
-          <a:ln>
-            <a:prstDash val="dash"/>
-            <a:tailEnd type="triangle"/>
-          </a:ln>
-        </p:spPr>
-        <p:style>
-          <a:lnRef idx="3">
-            <a:schemeClr val="accent3"/>
-          </a:lnRef>
-          <a:fillRef idx="0">
-            <a:schemeClr val="accent3"/>
-          </a:fillRef>
-          <a:effectRef idx="2">
-            <a:schemeClr val="accent3"/>
-          </a:effectRef>
-          <a:fontRef idx="minor">
-            <a:schemeClr val="tx1"/>
-          </a:fontRef>
-        </p:style>
-      </p:cxnSp>
-      <p:cxnSp>
-        <p:nvCxnSpPr>
-          <p:cNvPr id="49" name="Соединитель: изогнутый 48">
-            <a:extLst>
-              <a:ext uri="{FF2B5EF4-FFF2-40B4-BE49-F238E27FC236}">
-                <a16:creationId xmlns:a16="http://schemas.microsoft.com/office/drawing/2014/main" id="{E42C1362-6AFD-4BF5-87F6-553B75576697}"/>
-              </a:ext>
-            </a:extLst>
-          </p:cNvPr>
-          <p:cNvCxnSpPr>
-            <a:cxnSpLocks/>
-            <a:stCxn id="27" idx="3"/>
-            <a:endCxn id="3" idx="0"/>
-          </p:cNvCxnSpPr>
-          <p:nvPr/>
-        </p:nvCxnSpPr>
-        <p:spPr>
-          <a:xfrm>
-            <a:off x="7528563" y="2649602"/>
-            <a:ext cx="2043473" cy="726705"/>
-          </a:xfrm>
-          <a:prstGeom prst="curvedConnector2">
-            <a:avLst/>
-          </a:prstGeom>
-          <a:ln>
-            <a:prstDash val="dash"/>
-            <a:tailEnd type="triangle"/>
-          </a:ln>
-        </p:spPr>
-        <p:style>
-          <a:lnRef idx="3">
-            <a:schemeClr val="accent3"/>
-          </a:lnRef>
-          <a:fillRef idx="0">
-            <a:schemeClr val="accent3"/>
-          </a:fillRef>
-          <a:effectRef idx="2">
-            <a:schemeClr val="accent3"/>
-          </a:effectRef>
-          <a:fontRef idx="minor">
-            <a:schemeClr val="tx1"/>
-          </a:fontRef>
-        </p:style>
-      </p:cxnSp>
     </p:spTree>
     <p:extLst>
       <p:ext uri="{BB962C8B-B14F-4D97-AF65-F5344CB8AC3E}">
-        <p14:creationId xmlns:p14="http://schemas.microsoft.com/office/powerpoint/2010/main" val="3448689448"/>
+        <p14:creationId xmlns:p14="http://schemas.microsoft.com/office/powerpoint/2010/main" val="2971326667"/>
       </p:ext>
     </p:extLst>
   </p:cSld>

--- a/4 FOURTH COURSE/Semester 8/ДИПЛОМ/Отчеты/Презентация_Бекиш Е.П. 2025.pptx
+++ b/4 FOURTH COURSE/Semester 8/ДИПЛОМ/Отчеты/Презентация_Бекиш Е.П. 2025.pptx
@@ -5,7 +5,7 @@
     <p:sldMasterId id="2147483648" r:id="rId1"/>
   </p:sldMasterIdLst>
   <p:notesMasterIdLst>
-    <p:notesMasterId r:id="rId18"/>
+    <p:notesMasterId r:id="rId19"/>
   </p:notesMasterIdLst>
   <p:sldIdLst>
     <p:sldId id="258" r:id="rId2"/>
@@ -23,7 +23,8 @@
     <p:sldId id="332" r:id="rId14"/>
     <p:sldId id="333" r:id="rId15"/>
     <p:sldId id="334" r:id="rId16"/>
-    <p:sldId id="337" r:id="rId17"/>
+    <p:sldId id="339" r:id="rId17"/>
+    <p:sldId id="337" r:id="rId18"/>
   </p:sldIdLst>
   <p:sldSz cx="12192000" cy="6858000"/>
   <p:notesSz cx="6858000" cy="9144000"/>
@@ -130,6 +131,1061 @@
 </p:presentation>
 </file>
 
+<file path=ppt/charts/chart1.xml><?xml version="1.0" encoding="utf-8"?>
+<c:chartSpace xmlns:c="http://schemas.openxmlformats.org/drawingml/2006/chart" xmlns:a="http://schemas.openxmlformats.org/drawingml/2006/main" xmlns:r="http://schemas.openxmlformats.org/officeDocument/2006/relationships" xmlns:c16r2="http://schemas.microsoft.com/office/drawing/2015/06/chart">
+  <c:date1904 val="0"/>
+  <c:lang val="ru-RU"/>
+  <c:roundedCorners val="0"/>
+  <mc:AlternateContent xmlns:mc="http://schemas.openxmlformats.org/markup-compatibility/2006">
+    <mc:Choice xmlns:c14="http://schemas.microsoft.com/office/drawing/2007/8/2/chart" Requires="c14">
+      <c14:style val="102"/>
+    </mc:Choice>
+    <mc:Fallback>
+      <c:style val="2"/>
+    </mc:Fallback>
+  </mc:AlternateContent>
+  <c:chart>
+    <c:title>
+      <c:tx>
+        <c:rich>
+          <a:bodyPr rot="0" spcFirstLastPara="1" vertOverflow="ellipsis" vert="horz" wrap="square" anchor="ctr" anchorCtr="1"/>
+          <a:lstStyle/>
+          <a:p>
+            <a:pPr>
+              <a:defRPr sz="1862" b="0" i="0" u="none" strike="noStrike" kern="1200" spc="0" baseline="0">
+                <a:solidFill>
+                  <a:schemeClr val="tx1">
+                    <a:lumMod val="65000"/>
+                    <a:lumOff val="35000"/>
+                  </a:schemeClr>
+                </a:solidFill>
+                <a:latin typeface="+mn-lt"/>
+                <a:ea typeface="+mn-ea"/>
+                <a:cs typeface="+mn-cs"/>
+              </a:defRPr>
+            </a:pPr>
+            <a:r>
+              <a:rPr lang="ru-RU" dirty="0"/>
+              <a:t>Метрика</a:t>
+            </a:r>
+          </a:p>
+        </c:rich>
+      </c:tx>
+      <c:overlay val="0"/>
+      <c:spPr>
+        <a:noFill/>
+        <a:ln>
+          <a:noFill/>
+        </a:ln>
+        <a:effectLst/>
+      </c:spPr>
+      <c:txPr>
+        <a:bodyPr rot="0" spcFirstLastPara="1" vertOverflow="ellipsis" vert="horz" wrap="square" anchor="ctr" anchorCtr="1"/>
+        <a:lstStyle/>
+        <a:p>
+          <a:pPr>
+            <a:defRPr sz="1862" b="0" i="0" u="none" strike="noStrike" kern="1200" spc="0" baseline="0">
+              <a:solidFill>
+                <a:schemeClr val="tx1">
+                  <a:lumMod val="65000"/>
+                  <a:lumOff val="35000"/>
+                </a:schemeClr>
+              </a:solidFill>
+              <a:latin typeface="+mn-lt"/>
+              <a:ea typeface="+mn-ea"/>
+              <a:cs typeface="+mn-cs"/>
+            </a:defRPr>
+          </a:pPr>
+          <a:endParaRPr lang="ru-RU"/>
+        </a:p>
+      </c:txPr>
+    </c:title>
+    <c:autoTitleDeleted val="0"/>
+    <c:plotArea>
+      <c:layout/>
+      <c:barChart>
+        <c:barDir val="col"/>
+        <c:grouping val="stacked"/>
+        <c:varyColors val="0"/>
+        <c:ser>
+          <c:idx val="0"/>
+          <c:order val="0"/>
+          <c:tx>
+            <c:strRef>
+              <c:f>Лист1!$B$1</c:f>
+              <c:strCache>
+                <c:ptCount val="1"/>
+                <c:pt idx="0">
+                  <c:v>Релевантно</c:v>
+                </c:pt>
+              </c:strCache>
+            </c:strRef>
+          </c:tx>
+          <c:spPr>
+            <a:solidFill>
+              <a:srgbClr val="92D050"/>
+            </a:solidFill>
+            <a:ln>
+              <a:noFill/>
+            </a:ln>
+            <a:effectLst/>
+          </c:spPr>
+          <c:invertIfNegative val="0"/>
+          <c:cat>
+            <c:strRef>
+              <c:extLst>
+                <c:ext xmlns:c15="http://schemas.microsoft.com/office/drawing/2012/chart" uri="{02D57815-91ED-43cb-92C2-25804820EDAC}">
+                  <c15:fullRef>
+                    <c15:sqref>Лист1!$A$2:$A$5</c15:sqref>
+                  </c15:fullRef>
+                </c:ext>
+              </c:extLst>
+              <c:f>Лист1!$A$2:$A$4</c:f>
+              <c:strCache>
+                <c:ptCount val="3"/>
+                <c:pt idx="0">
+                  <c:v>llama3.2</c:v>
+                </c:pt>
+                <c:pt idx="1">
+                  <c:v>llama3.1</c:v>
+                </c:pt>
+                <c:pt idx="2">
+                  <c:v>GigaChat</c:v>
+                </c:pt>
+              </c:strCache>
+            </c:strRef>
+          </c:cat>
+          <c:val>
+            <c:numRef>
+              <c:extLst>
+                <c:ext xmlns:c15="http://schemas.microsoft.com/office/drawing/2012/chart" uri="{02D57815-91ED-43cb-92C2-25804820EDAC}">
+                  <c15:fullRef>
+                    <c15:sqref>Лист1!$B$2:$B$5</c15:sqref>
+                  </c15:fullRef>
+                </c:ext>
+              </c:extLst>
+              <c:f>Лист1!$B$2:$B$4</c:f>
+              <c:numCache>
+                <c:formatCode>General</c:formatCode>
+                <c:ptCount val="3"/>
+                <c:pt idx="0">
+                  <c:v>17</c:v>
+                </c:pt>
+                <c:pt idx="1">
+                  <c:v>22</c:v>
+                </c:pt>
+                <c:pt idx="2">
+                  <c:v>30</c:v>
+                </c:pt>
+              </c:numCache>
+            </c:numRef>
+          </c:val>
+          <c:extLst>
+            <c:ext xmlns:c16="http://schemas.microsoft.com/office/drawing/2014/chart" uri="{C3380CC4-5D6E-409C-BE32-E72D297353CC}">
+              <c16:uniqueId val="{00000000-1FDF-461D-BC53-C87879F61320}"/>
+            </c:ext>
+          </c:extLst>
+        </c:ser>
+        <c:ser>
+          <c:idx val="1"/>
+          <c:order val="1"/>
+          <c:tx>
+            <c:strRef>
+              <c:f>Лист1!$C$1</c:f>
+              <c:strCache>
+                <c:ptCount val="1"/>
+                <c:pt idx="0">
+                  <c:v>Не релевантно</c:v>
+                </c:pt>
+              </c:strCache>
+            </c:strRef>
+          </c:tx>
+          <c:spPr>
+            <a:solidFill>
+              <a:srgbClr val="FF0000"/>
+            </a:solidFill>
+            <a:ln>
+              <a:noFill/>
+            </a:ln>
+            <a:effectLst/>
+          </c:spPr>
+          <c:invertIfNegative val="0"/>
+          <c:cat>
+            <c:strRef>
+              <c:extLst>
+                <c:ext xmlns:c15="http://schemas.microsoft.com/office/drawing/2012/chart" uri="{02D57815-91ED-43cb-92C2-25804820EDAC}">
+                  <c15:fullRef>
+                    <c15:sqref>Лист1!$A$2:$A$5</c15:sqref>
+                  </c15:fullRef>
+                </c:ext>
+              </c:extLst>
+              <c:f>Лист1!$A$2:$A$4</c:f>
+              <c:strCache>
+                <c:ptCount val="3"/>
+                <c:pt idx="0">
+                  <c:v>llama3.2</c:v>
+                </c:pt>
+                <c:pt idx="1">
+                  <c:v>llama3.1</c:v>
+                </c:pt>
+                <c:pt idx="2">
+                  <c:v>GigaChat</c:v>
+                </c:pt>
+              </c:strCache>
+            </c:strRef>
+          </c:cat>
+          <c:val>
+            <c:numRef>
+              <c:extLst>
+                <c:ext xmlns:c15="http://schemas.microsoft.com/office/drawing/2012/chart" uri="{02D57815-91ED-43cb-92C2-25804820EDAC}">
+                  <c15:fullRef>
+                    <c15:sqref>Лист1!$C$2:$C$5</c15:sqref>
+                  </c15:fullRef>
+                </c:ext>
+              </c:extLst>
+              <c:f>Лист1!$C$2:$C$4</c:f>
+              <c:numCache>
+                <c:formatCode>General</c:formatCode>
+                <c:ptCount val="3"/>
+                <c:pt idx="0">
+                  <c:v>13</c:v>
+                </c:pt>
+                <c:pt idx="1">
+                  <c:v>8</c:v>
+                </c:pt>
+                <c:pt idx="2">
+                  <c:v>0</c:v>
+                </c:pt>
+              </c:numCache>
+            </c:numRef>
+          </c:val>
+          <c:extLst>
+            <c:ext xmlns:c16="http://schemas.microsoft.com/office/drawing/2014/chart" uri="{C3380CC4-5D6E-409C-BE32-E72D297353CC}">
+              <c16:uniqueId val="{00000001-1FDF-461D-BC53-C87879F61320}"/>
+            </c:ext>
+          </c:extLst>
+        </c:ser>
+        <c:dLbls>
+          <c:showLegendKey val="0"/>
+          <c:showVal val="0"/>
+          <c:showCatName val="0"/>
+          <c:showSerName val="0"/>
+          <c:showPercent val="0"/>
+          <c:showBubbleSize val="0"/>
+        </c:dLbls>
+        <c:gapWidth val="150"/>
+        <c:overlap val="100"/>
+        <c:axId val="2028067999"/>
+        <c:axId val="2028070079"/>
+        <c:extLst>
+          <c:ext xmlns:c15="http://schemas.microsoft.com/office/drawing/2012/chart" uri="{02D57815-91ED-43cb-92C2-25804820EDAC}">
+            <c15:filteredBarSeries>
+              <c15:ser>
+                <c:idx val="2"/>
+                <c:order val="2"/>
+                <c:tx>
+                  <c:strRef>
+                    <c:extLst>
+                      <c:ext uri="{02D57815-91ED-43cb-92C2-25804820EDAC}">
+                        <c15:formulaRef>
+                          <c15:sqref>Лист1!$D$1</c15:sqref>
+                        </c15:formulaRef>
+                      </c:ext>
+                    </c:extLst>
+                    <c:strCache>
+                      <c:ptCount val="1"/>
+                      <c:pt idx="0">
+                        <c:v>Столбец1</c:v>
+                      </c:pt>
+                    </c:strCache>
+                  </c:strRef>
+                </c:tx>
+                <c:spPr>
+                  <a:solidFill>
+                    <a:schemeClr val="accent4"/>
+                  </a:solidFill>
+                  <a:ln>
+                    <a:noFill/>
+                  </a:ln>
+                  <a:effectLst/>
+                </c:spPr>
+                <c:invertIfNegative val="0"/>
+                <c:cat>
+                  <c:strRef>
+                    <c:extLst>
+                      <c:ext uri="{02D57815-91ED-43cb-92C2-25804820EDAC}">
+                        <c15:fullRef>
+                          <c15:sqref>Лист1!$A$2:$A$5</c15:sqref>
+                        </c15:fullRef>
+                        <c15:formulaRef>
+                          <c15:sqref>Лист1!$A$2:$A$4</c15:sqref>
+                        </c15:formulaRef>
+                      </c:ext>
+                    </c:extLst>
+                    <c:strCache>
+                      <c:ptCount val="3"/>
+                      <c:pt idx="0">
+                        <c:v>llama3.2</c:v>
+                      </c:pt>
+                      <c:pt idx="1">
+                        <c:v>llama3.1</c:v>
+                      </c:pt>
+                      <c:pt idx="2">
+                        <c:v>GigaChat</c:v>
+                      </c:pt>
+                    </c:strCache>
+                  </c:strRef>
+                </c:cat>
+                <c:val>
+                  <c:numRef>
+                    <c:extLst>
+                      <c:ext uri="{02D57815-91ED-43cb-92C2-25804820EDAC}">
+                        <c15:fullRef>
+                          <c15:sqref>Лист1!$D$2:$D$5</c15:sqref>
+                        </c15:fullRef>
+                        <c15:formulaRef>
+                          <c15:sqref>Лист1!$D$2:$D$4</c15:sqref>
+                        </c15:formulaRef>
+                      </c:ext>
+                    </c:extLst>
+                    <c:numCache>
+                      <c:formatCode>General</c:formatCode>
+                      <c:ptCount val="3"/>
+                    </c:numCache>
+                  </c:numRef>
+                </c:val>
+                <c:extLst>
+                  <c:ext xmlns:c16="http://schemas.microsoft.com/office/drawing/2014/chart" uri="{C3380CC4-5D6E-409C-BE32-E72D297353CC}">
+                    <c16:uniqueId val="{00000002-1FDF-461D-BC53-C87879F61320}"/>
+                  </c:ext>
+                </c:extLst>
+              </c15:ser>
+            </c15:filteredBarSeries>
+          </c:ext>
+        </c:extLst>
+      </c:barChart>
+      <c:catAx>
+        <c:axId val="2028067999"/>
+        <c:scaling>
+          <c:orientation val="minMax"/>
+        </c:scaling>
+        <c:delete val="0"/>
+        <c:axPos val="b"/>
+        <c:numFmt formatCode="General" sourceLinked="1"/>
+        <c:majorTickMark val="none"/>
+        <c:minorTickMark val="none"/>
+        <c:tickLblPos val="nextTo"/>
+        <c:spPr>
+          <a:noFill/>
+          <a:ln w="9525" cap="flat" cmpd="sng" algn="ctr">
+            <a:solidFill>
+              <a:schemeClr val="tx1">
+                <a:lumMod val="15000"/>
+                <a:lumOff val="85000"/>
+              </a:schemeClr>
+            </a:solidFill>
+            <a:round/>
+          </a:ln>
+          <a:effectLst/>
+        </c:spPr>
+        <c:txPr>
+          <a:bodyPr rot="-60000000" spcFirstLastPara="1" vertOverflow="ellipsis" vert="horz" wrap="square" anchor="ctr" anchorCtr="1"/>
+          <a:lstStyle/>
+          <a:p>
+            <a:pPr>
+              <a:defRPr sz="1197" b="0" i="0" u="none" strike="noStrike" kern="1200" baseline="0">
+                <a:solidFill>
+                  <a:schemeClr val="tx1">
+                    <a:lumMod val="65000"/>
+                    <a:lumOff val="35000"/>
+                  </a:schemeClr>
+                </a:solidFill>
+                <a:latin typeface="+mn-lt"/>
+                <a:ea typeface="+mn-ea"/>
+                <a:cs typeface="+mn-cs"/>
+              </a:defRPr>
+            </a:pPr>
+            <a:endParaRPr lang="ru-RU"/>
+          </a:p>
+        </c:txPr>
+        <c:crossAx val="2028070079"/>
+        <c:crosses val="autoZero"/>
+        <c:auto val="1"/>
+        <c:lblAlgn val="ctr"/>
+        <c:lblOffset val="100"/>
+        <c:noMultiLvlLbl val="0"/>
+      </c:catAx>
+      <c:valAx>
+        <c:axId val="2028070079"/>
+        <c:scaling>
+          <c:orientation val="minMax"/>
+        </c:scaling>
+        <c:delete val="0"/>
+        <c:axPos val="l"/>
+        <c:majorGridlines>
+          <c:spPr>
+            <a:ln w="9525" cap="flat" cmpd="sng" algn="ctr">
+              <a:solidFill>
+                <a:schemeClr val="tx1">
+                  <a:lumMod val="15000"/>
+                  <a:lumOff val="85000"/>
+                </a:schemeClr>
+              </a:solidFill>
+              <a:round/>
+            </a:ln>
+            <a:effectLst/>
+          </c:spPr>
+        </c:majorGridlines>
+        <c:numFmt formatCode="General" sourceLinked="1"/>
+        <c:majorTickMark val="none"/>
+        <c:minorTickMark val="none"/>
+        <c:tickLblPos val="nextTo"/>
+        <c:spPr>
+          <a:noFill/>
+          <a:ln>
+            <a:noFill/>
+          </a:ln>
+          <a:effectLst/>
+        </c:spPr>
+        <c:txPr>
+          <a:bodyPr rot="-60000000" spcFirstLastPara="1" vertOverflow="ellipsis" vert="horz" wrap="square" anchor="ctr" anchorCtr="1"/>
+          <a:lstStyle/>
+          <a:p>
+            <a:pPr>
+              <a:defRPr sz="1197" b="0" i="0" u="none" strike="noStrike" kern="1200" baseline="0">
+                <a:solidFill>
+                  <a:schemeClr val="tx1">
+                    <a:lumMod val="65000"/>
+                    <a:lumOff val="35000"/>
+                  </a:schemeClr>
+                </a:solidFill>
+                <a:latin typeface="+mn-lt"/>
+                <a:ea typeface="+mn-ea"/>
+                <a:cs typeface="+mn-cs"/>
+              </a:defRPr>
+            </a:pPr>
+            <a:endParaRPr lang="ru-RU"/>
+          </a:p>
+        </c:txPr>
+        <c:crossAx val="2028067999"/>
+        <c:crosses val="autoZero"/>
+        <c:crossBetween val="between"/>
+      </c:valAx>
+      <c:spPr>
+        <a:noFill/>
+        <a:ln>
+          <a:noFill/>
+        </a:ln>
+        <a:effectLst/>
+      </c:spPr>
+    </c:plotArea>
+    <c:legend>
+      <c:legendPos val="b"/>
+      <c:overlay val="0"/>
+      <c:spPr>
+        <a:noFill/>
+        <a:ln>
+          <a:noFill/>
+        </a:ln>
+        <a:effectLst/>
+      </c:spPr>
+      <c:txPr>
+        <a:bodyPr rot="0" spcFirstLastPara="1" vertOverflow="ellipsis" vert="horz" wrap="square" anchor="ctr" anchorCtr="1"/>
+        <a:lstStyle/>
+        <a:p>
+          <a:pPr>
+            <a:defRPr sz="1197" b="0" i="0" u="none" strike="noStrike" kern="1200" baseline="0">
+              <a:solidFill>
+                <a:schemeClr val="tx1">
+                  <a:lumMod val="65000"/>
+                  <a:lumOff val="35000"/>
+                </a:schemeClr>
+              </a:solidFill>
+              <a:latin typeface="+mn-lt"/>
+              <a:ea typeface="+mn-ea"/>
+              <a:cs typeface="+mn-cs"/>
+            </a:defRPr>
+          </a:pPr>
+          <a:endParaRPr lang="ru-RU"/>
+        </a:p>
+      </c:txPr>
+    </c:legend>
+    <c:plotVisOnly val="1"/>
+    <c:dispBlanksAs val="gap"/>
+    <c:extLst>
+      <c:ext xmlns:c16r3="http://schemas.microsoft.com/office/drawing/2017/03/chart" uri="{56B9EC1D-385E-4148-901F-78D8002777C0}">
+        <c16r3:dataDisplayOptions16>
+          <c16r3:dispNaAsBlank val="1"/>
+        </c16r3:dataDisplayOptions16>
+      </c:ext>
+    </c:extLst>
+    <c:showDLblsOverMax val="0"/>
+  </c:chart>
+  <c:spPr>
+    <a:noFill/>
+    <a:ln>
+      <a:noFill/>
+    </a:ln>
+    <a:effectLst/>
+  </c:spPr>
+  <c:txPr>
+    <a:bodyPr/>
+    <a:lstStyle/>
+    <a:p>
+      <a:pPr>
+        <a:defRPr/>
+      </a:pPr>
+      <a:endParaRPr lang="ru-RU"/>
+    </a:p>
+  </c:txPr>
+  <c:externalData r:id="rId3">
+    <c:autoUpdate val="0"/>
+  </c:externalData>
+</c:chartSpace>
+</file>
+
+<file path=ppt/charts/colors1.xml><?xml version="1.0" encoding="utf-8"?>
+<cs:colorStyle xmlns:cs="http://schemas.microsoft.com/office/drawing/2012/chartStyle" xmlns:a="http://schemas.openxmlformats.org/drawingml/2006/main" meth="cycle" id="13">
+  <a:schemeClr val="accent6"/>
+  <a:schemeClr val="accent5"/>
+  <a:schemeClr val="accent4"/>
+  <cs:variation/>
+  <cs:variation>
+    <a:lumMod val="60000"/>
+  </cs:variation>
+  <cs:variation>
+    <a:lumMod val="80000"/>
+    <a:lumOff val="20000"/>
+  </cs:variation>
+  <cs:variation>
+    <a:lumMod val="80000"/>
+  </cs:variation>
+  <cs:variation>
+    <a:lumMod val="60000"/>
+    <a:lumOff val="40000"/>
+  </cs:variation>
+  <cs:variation>
+    <a:lumMod val="50000"/>
+  </cs:variation>
+  <cs:variation>
+    <a:lumMod val="70000"/>
+    <a:lumOff val="30000"/>
+  </cs:variation>
+  <cs:variation>
+    <a:lumMod val="70000"/>
+  </cs:variation>
+  <cs:variation>
+    <a:lumMod val="50000"/>
+    <a:lumOff val="50000"/>
+  </cs:variation>
+</cs:colorStyle>
+</file>
+
+<file path=ppt/charts/style1.xml><?xml version="1.0" encoding="utf-8"?>
+<cs:chartStyle xmlns:cs="http://schemas.microsoft.com/office/drawing/2012/chartStyle" xmlns:a="http://schemas.openxmlformats.org/drawingml/2006/main" id="297">
+  <cs:axisTitle>
+    <cs:lnRef idx="0"/>
+    <cs:fillRef idx="0"/>
+    <cs:effectRef idx="0"/>
+    <cs:fontRef idx="minor">
+      <a:schemeClr val="tx1">
+        <a:lumMod val="65000"/>
+        <a:lumOff val="35000"/>
+      </a:schemeClr>
+    </cs:fontRef>
+    <cs:defRPr sz="1330" kern="1200"/>
+  </cs:axisTitle>
+  <cs:categoryAxis>
+    <cs:lnRef idx="0"/>
+    <cs:fillRef idx="0"/>
+    <cs:effectRef idx="0"/>
+    <cs:fontRef idx="minor">
+      <a:schemeClr val="tx1">
+        <a:lumMod val="65000"/>
+        <a:lumOff val="35000"/>
+      </a:schemeClr>
+    </cs:fontRef>
+    <cs:spPr>
+      <a:ln w="9525" cap="flat" cmpd="sng" algn="ctr">
+        <a:solidFill>
+          <a:schemeClr val="tx1">
+            <a:lumMod val="15000"/>
+            <a:lumOff val="85000"/>
+          </a:schemeClr>
+        </a:solidFill>
+        <a:round/>
+      </a:ln>
+    </cs:spPr>
+    <cs:defRPr sz="1197" kern="1200"/>
+  </cs:categoryAxis>
+  <cs:chartArea mods="allowNoFillOverride allowNoLineOverride">
+    <cs:lnRef idx="0"/>
+    <cs:fillRef idx="0"/>
+    <cs:effectRef idx="0"/>
+    <cs:fontRef idx="minor">
+      <a:schemeClr val="tx1"/>
+    </cs:fontRef>
+    <cs:spPr>
+      <a:solidFill>
+        <a:schemeClr val="bg1"/>
+      </a:solidFill>
+      <a:ln w="9525" cap="flat" cmpd="sng" algn="ctr">
+        <a:solidFill>
+          <a:schemeClr val="tx1">
+            <a:lumMod val="15000"/>
+            <a:lumOff val="85000"/>
+          </a:schemeClr>
+        </a:solidFill>
+        <a:round/>
+      </a:ln>
+    </cs:spPr>
+    <cs:defRPr sz="1330" kern="1200"/>
+  </cs:chartArea>
+  <cs:dataLabel>
+    <cs:lnRef idx="0"/>
+    <cs:fillRef idx="0"/>
+    <cs:effectRef idx="0"/>
+    <cs:fontRef idx="minor">
+      <a:schemeClr val="tx1">
+        <a:lumMod val="75000"/>
+        <a:lumOff val="25000"/>
+      </a:schemeClr>
+    </cs:fontRef>
+    <cs:defRPr sz="1197" kern="1200"/>
+  </cs:dataLabel>
+  <cs:dataLabelCallout>
+    <cs:lnRef idx="0"/>
+    <cs:fillRef idx="0"/>
+    <cs:effectRef idx="0"/>
+    <cs:fontRef idx="minor">
+      <a:schemeClr val="dk1">
+        <a:lumMod val="65000"/>
+        <a:lumOff val="35000"/>
+      </a:schemeClr>
+    </cs:fontRef>
+    <cs:spPr>
+      <a:solidFill>
+        <a:schemeClr val="lt1"/>
+      </a:solidFill>
+      <a:ln>
+        <a:solidFill>
+          <a:schemeClr val="dk1">
+            <a:lumMod val="25000"/>
+            <a:lumOff val="75000"/>
+          </a:schemeClr>
+        </a:solidFill>
+      </a:ln>
+    </cs:spPr>
+    <cs:defRPr sz="1197" kern="1200"/>
+    <cs:bodyPr rot="0" spcFirstLastPara="1" vertOverflow="clip" horzOverflow="clip" vert="horz" wrap="square" lIns="36576" tIns="18288" rIns="36576" bIns="18288" anchor="ctr" anchorCtr="1">
+      <a:spAutoFit/>
+    </cs:bodyPr>
+  </cs:dataLabelCallout>
+  <cs:dataPoint>
+    <cs:lnRef idx="0"/>
+    <cs:fillRef idx="1">
+      <cs:styleClr val="auto"/>
+    </cs:fillRef>
+    <cs:effectRef idx="0"/>
+    <cs:fontRef idx="minor">
+      <a:schemeClr val="tx1"/>
+    </cs:fontRef>
+  </cs:dataPoint>
+  <cs:dataPoint3D>
+    <cs:lnRef idx="0"/>
+    <cs:fillRef idx="1">
+      <cs:styleClr val="auto"/>
+    </cs:fillRef>
+    <cs:effectRef idx="0"/>
+    <cs:fontRef idx="minor">
+      <a:schemeClr val="tx1"/>
+    </cs:fontRef>
+  </cs:dataPoint3D>
+  <cs:dataPointLine>
+    <cs:lnRef idx="0">
+      <cs:styleClr val="auto"/>
+    </cs:lnRef>
+    <cs:fillRef idx="1"/>
+    <cs:effectRef idx="0"/>
+    <cs:fontRef idx="minor">
+      <a:schemeClr val="tx1"/>
+    </cs:fontRef>
+    <cs:spPr>
+      <a:ln w="28575" cap="rnd">
+        <a:solidFill>
+          <a:schemeClr val="phClr"/>
+        </a:solidFill>
+        <a:round/>
+      </a:ln>
+    </cs:spPr>
+  </cs:dataPointLine>
+  <cs:dataPointMarker>
+    <cs:lnRef idx="0">
+      <cs:styleClr val="auto"/>
+    </cs:lnRef>
+    <cs:fillRef idx="1">
+      <cs:styleClr val="auto"/>
+    </cs:fillRef>
+    <cs:effectRef idx="0"/>
+    <cs:fontRef idx="minor">
+      <a:schemeClr val="tx1"/>
+    </cs:fontRef>
+    <cs:spPr>
+      <a:ln w="9525">
+        <a:solidFill>
+          <a:schemeClr val="phClr"/>
+        </a:solidFill>
+      </a:ln>
+    </cs:spPr>
+  </cs:dataPointMarker>
+  <cs:dataPointMarkerLayout symbol="circle" size="5"/>
+  <cs:dataPointWireframe>
+    <cs:lnRef idx="0">
+      <cs:styleClr val="auto"/>
+    </cs:lnRef>
+    <cs:fillRef idx="1"/>
+    <cs:effectRef idx="0"/>
+    <cs:fontRef idx="minor">
+      <a:schemeClr val="tx1"/>
+    </cs:fontRef>
+    <cs:spPr>
+      <a:ln w="9525" cap="rnd">
+        <a:solidFill>
+          <a:schemeClr val="phClr"/>
+        </a:solidFill>
+        <a:round/>
+      </a:ln>
+    </cs:spPr>
+  </cs:dataPointWireframe>
+  <cs:dataTable>
+    <cs:lnRef idx="0"/>
+    <cs:fillRef idx="0"/>
+    <cs:effectRef idx="0"/>
+    <cs:fontRef idx="minor">
+      <a:schemeClr val="tx1">
+        <a:lumMod val="65000"/>
+        <a:lumOff val="35000"/>
+      </a:schemeClr>
+    </cs:fontRef>
+    <cs:spPr>
+      <a:noFill/>
+      <a:ln w="9525" cap="flat" cmpd="sng" algn="ctr">
+        <a:solidFill>
+          <a:schemeClr val="tx1">
+            <a:lumMod val="15000"/>
+            <a:lumOff val="85000"/>
+          </a:schemeClr>
+        </a:solidFill>
+        <a:round/>
+      </a:ln>
+    </cs:spPr>
+    <cs:defRPr sz="1197" kern="1200"/>
+  </cs:dataTable>
+  <cs:downBar>
+    <cs:lnRef idx="0"/>
+    <cs:fillRef idx="0"/>
+    <cs:effectRef idx="0"/>
+    <cs:fontRef idx="minor">
+      <a:schemeClr val="tx1"/>
+    </cs:fontRef>
+    <cs:spPr>
+      <a:solidFill>
+        <a:schemeClr val="dk1">
+          <a:lumMod val="75000"/>
+          <a:lumOff val="25000"/>
+        </a:schemeClr>
+      </a:solidFill>
+      <a:ln w="9525" cap="flat" cmpd="sng" algn="ctr">
+        <a:solidFill>
+          <a:schemeClr val="tx1">
+            <a:lumMod val="65000"/>
+            <a:lumOff val="35000"/>
+          </a:schemeClr>
+        </a:solidFill>
+        <a:round/>
+      </a:ln>
+    </cs:spPr>
+  </cs:downBar>
+  <cs:dropLine>
+    <cs:lnRef idx="0"/>
+    <cs:fillRef idx="0"/>
+    <cs:effectRef idx="0"/>
+    <cs:fontRef idx="minor">
+      <a:schemeClr val="tx1"/>
+    </cs:fontRef>
+    <cs:spPr>
+      <a:ln w="9525" cap="flat" cmpd="sng" algn="ctr">
+        <a:solidFill>
+          <a:schemeClr val="tx1">
+            <a:lumMod val="35000"/>
+            <a:lumOff val="65000"/>
+          </a:schemeClr>
+        </a:solidFill>
+        <a:round/>
+      </a:ln>
+    </cs:spPr>
+  </cs:dropLine>
+  <cs:errorBar>
+    <cs:lnRef idx="0"/>
+    <cs:fillRef idx="0"/>
+    <cs:effectRef idx="0"/>
+    <cs:fontRef idx="minor">
+      <a:schemeClr val="tx1"/>
+    </cs:fontRef>
+    <cs:spPr>
+      <a:ln w="9525" cap="flat" cmpd="sng" algn="ctr">
+        <a:solidFill>
+          <a:schemeClr val="tx1">
+            <a:lumMod val="65000"/>
+            <a:lumOff val="35000"/>
+          </a:schemeClr>
+        </a:solidFill>
+        <a:round/>
+      </a:ln>
+    </cs:spPr>
+  </cs:errorBar>
+  <cs:floor>
+    <cs:lnRef idx="0"/>
+    <cs:fillRef idx="0"/>
+    <cs:effectRef idx="0"/>
+    <cs:fontRef idx="minor">
+      <a:schemeClr val="tx1"/>
+    </cs:fontRef>
+    <cs:spPr>
+      <a:noFill/>
+      <a:ln>
+        <a:noFill/>
+      </a:ln>
+    </cs:spPr>
+  </cs:floor>
+  <cs:gridlineMajor>
+    <cs:lnRef idx="0"/>
+    <cs:fillRef idx="0"/>
+    <cs:effectRef idx="0"/>
+    <cs:fontRef idx="minor">
+      <a:schemeClr val="tx1"/>
+    </cs:fontRef>
+    <cs:spPr>
+      <a:ln w="9525" cap="flat" cmpd="sng" algn="ctr">
+        <a:solidFill>
+          <a:schemeClr val="tx1">
+            <a:lumMod val="15000"/>
+            <a:lumOff val="85000"/>
+          </a:schemeClr>
+        </a:solidFill>
+        <a:round/>
+      </a:ln>
+    </cs:spPr>
+  </cs:gridlineMajor>
+  <cs:gridlineMinor>
+    <cs:lnRef idx="0"/>
+    <cs:fillRef idx="0"/>
+    <cs:effectRef idx="0"/>
+    <cs:fontRef idx="minor">
+      <a:schemeClr val="tx1"/>
+    </cs:fontRef>
+    <cs:spPr>
+      <a:ln w="9525" cap="flat" cmpd="sng" algn="ctr">
+        <a:solidFill>
+          <a:schemeClr val="tx1">
+            <a:lumMod val="5000"/>
+            <a:lumOff val="95000"/>
+          </a:schemeClr>
+        </a:solidFill>
+        <a:round/>
+      </a:ln>
+    </cs:spPr>
+  </cs:gridlineMinor>
+  <cs:hiLoLine>
+    <cs:lnRef idx="0"/>
+    <cs:fillRef idx="0"/>
+    <cs:effectRef idx="0"/>
+    <cs:fontRef idx="minor">
+      <a:schemeClr val="tx1"/>
+    </cs:fontRef>
+    <cs:spPr>
+      <a:ln w="9525" cap="flat" cmpd="sng" algn="ctr">
+        <a:solidFill>
+          <a:schemeClr val="tx1">
+            <a:lumMod val="50000"/>
+            <a:lumOff val="50000"/>
+          </a:schemeClr>
+        </a:solidFill>
+        <a:round/>
+      </a:ln>
+    </cs:spPr>
+  </cs:hiLoLine>
+  <cs:leaderLine>
+    <cs:lnRef idx="0"/>
+    <cs:fillRef idx="0"/>
+    <cs:effectRef idx="0"/>
+    <cs:fontRef idx="minor">
+      <a:schemeClr val="tx1"/>
+    </cs:fontRef>
+    <cs:spPr>
+      <a:ln w="9525" cap="flat" cmpd="sng" algn="ctr">
+        <a:solidFill>
+          <a:schemeClr val="tx1">
+            <a:lumMod val="35000"/>
+            <a:lumOff val="65000"/>
+          </a:schemeClr>
+        </a:solidFill>
+        <a:round/>
+      </a:ln>
+    </cs:spPr>
+  </cs:leaderLine>
+  <cs:legend>
+    <cs:lnRef idx="0"/>
+    <cs:fillRef idx="0"/>
+    <cs:effectRef idx="0"/>
+    <cs:fontRef idx="minor">
+      <a:schemeClr val="tx1">
+        <a:lumMod val="65000"/>
+        <a:lumOff val="35000"/>
+      </a:schemeClr>
+    </cs:fontRef>
+    <cs:defRPr sz="1197" kern="1200"/>
+  </cs:legend>
+  <cs:plotArea mods="allowNoFillOverride allowNoLineOverride">
+    <cs:lnRef idx="0"/>
+    <cs:fillRef idx="0"/>
+    <cs:effectRef idx="0"/>
+    <cs:fontRef idx="minor">
+      <a:schemeClr val="tx1"/>
+    </cs:fontRef>
+  </cs:plotArea>
+  <cs:plotArea3D mods="allowNoFillOverride allowNoLineOverride">
+    <cs:lnRef idx="0"/>
+    <cs:fillRef idx="0"/>
+    <cs:effectRef idx="0"/>
+    <cs:fontRef idx="minor">
+      <a:schemeClr val="tx1"/>
+    </cs:fontRef>
+  </cs:plotArea3D>
+  <cs:seriesAxis>
+    <cs:lnRef idx="0"/>
+    <cs:fillRef idx="0"/>
+    <cs:effectRef idx="0"/>
+    <cs:fontRef idx="minor">
+      <a:schemeClr val="tx1">
+        <a:lumMod val="65000"/>
+        <a:lumOff val="35000"/>
+      </a:schemeClr>
+    </cs:fontRef>
+    <cs:defRPr sz="1197" kern="1200"/>
+  </cs:seriesAxis>
+  <cs:seriesLine>
+    <cs:lnRef idx="0"/>
+    <cs:fillRef idx="0"/>
+    <cs:effectRef idx="0"/>
+    <cs:fontRef idx="minor">
+      <a:schemeClr val="tx1"/>
+    </cs:fontRef>
+    <cs:spPr>
+      <a:ln w="9525" cap="flat" cmpd="sng" algn="ctr">
+        <a:solidFill>
+          <a:schemeClr val="tx1">
+            <a:lumMod val="35000"/>
+            <a:lumOff val="65000"/>
+          </a:schemeClr>
+        </a:solidFill>
+        <a:round/>
+      </a:ln>
+    </cs:spPr>
+  </cs:seriesLine>
+  <cs:title>
+    <cs:lnRef idx="0"/>
+    <cs:fillRef idx="0"/>
+    <cs:effectRef idx="0"/>
+    <cs:fontRef idx="minor">
+      <a:schemeClr val="tx1">
+        <a:lumMod val="65000"/>
+        <a:lumOff val="35000"/>
+      </a:schemeClr>
+    </cs:fontRef>
+    <cs:defRPr sz="1862" b="0" kern="1200" spc="0" baseline="0"/>
+  </cs:title>
+  <cs:trendline>
+    <cs:lnRef idx="0">
+      <cs:styleClr val="auto"/>
+    </cs:lnRef>
+    <cs:fillRef idx="0"/>
+    <cs:effectRef idx="0"/>
+    <cs:fontRef idx="minor">
+      <a:schemeClr val="tx1"/>
+    </cs:fontRef>
+    <cs:spPr>
+      <a:ln w="19050" cap="rnd">
+        <a:solidFill>
+          <a:schemeClr val="phClr"/>
+        </a:solidFill>
+        <a:prstDash val="sysDot"/>
+      </a:ln>
+    </cs:spPr>
+  </cs:trendline>
+  <cs:trendlineLabel>
+    <cs:lnRef idx="0"/>
+    <cs:fillRef idx="0"/>
+    <cs:effectRef idx="0"/>
+    <cs:fontRef idx="minor">
+      <a:schemeClr val="tx1">
+        <a:lumMod val="65000"/>
+        <a:lumOff val="35000"/>
+      </a:schemeClr>
+    </cs:fontRef>
+    <cs:defRPr sz="1197" kern="1200"/>
+  </cs:trendlineLabel>
+  <cs:upBar>
+    <cs:lnRef idx="0"/>
+    <cs:fillRef idx="0"/>
+    <cs:effectRef idx="0"/>
+    <cs:fontRef idx="minor">
+      <a:schemeClr val="tx1"/>
+    </cs:fontRef>
+    <cs:spPr>
+      <a:solidFill>
+        <a:schemeClr val="lt1"/>
+      </a:solidFill>
+      <a:ln w="9525" cap="flat" cmpd="sng" algn="ctr">
+        <a:solidFill>
+          <a:schemeClr val="tx1">
+            <a:lumMod val="65000"/>
+            <a:lumOff val="35000"/>
+          </a:schemeClr>
+        </a:solidFill>
+        <a:round/>
+      </a:ln>
+    </cs:spPr>
+  </cs:upBar>
+  <cs:valueAxis>
+    <cs:lnRef idx="0"/>
+    <cs:fillRef idx="0"/>
+    <cs:effectRef idx="0"/>
+    <cs:fontRef idx="minor">
+      <a:schemeClr val="tx1">
+        <a:lumMod val="65000"/>
+        <a:lumOff val="35000"/>
+      </a:schemeClr>
+    </cs:fontRef>
+    <cs:defRPr sz="1197" kern="1200"/>
+  </cs:valueAxis>
+  <cs:wall>
+    <cs:lnRef idx="0"/>
+    <cs:fillRef idx="0"/>
+    <cs:effectRef idx="0"/>
+    <cs:fontRef idx="minor">
+      <a:schemeClr val="tx1"/>
+    </cs:fontRef>
+    <cs:spPr>
+      <a:noFill/>
+      <a:ln>
+        <a:noFill/>
+      </a:ln>
+    </cs:spPr>
+  </cs:wall>
+</cs:chartStyle>
+</file>
+
 <file path=ppt/notesMasters/notesMaster1.xml><?xml version="1.0" encoding="utf-8"?>
 <p:notesMaster xmlns:a="http://schemas.openxmlformats.org/drawingml/2006/main" xmlns:r="http://schemas.openxmlformats.org/officeDocument/2006/relationships" xmlns:p="http://schemas.openxmlformats.org/presentationml/2006/main">
   <p:cSld>
@@ -212,7 +1268,7 @@
           <a:p>
             <a:fld id="{580F5BFA-D483-41BD-8D49-AC442DC68376}" type="datetimeFigureOut">
               <a:rPr lang="ru-RU" smtClean="0"/>
-              <a:t>23.06.2025</a:t>
+              <a:t>27.06.2025</a:t>
             </a:fld>
             <a:endParaRPr lang="ru-RU"/>
           </a:p>
@@ -626,7 +1682,7 @@
           <a:p>
             <a:fld id="{C1C91D50-5AC6-4343-86C8-9B6F6DA071FD}" type="datetimeFigureOut">
               <a:rPr lang="ru-RU" smtClean="0"/>
-              <a:t>23.06.2025</a:t>
+              <a:t>27.06.2025</a:t>
             </a:fld>
             <a:endParaRPr lang="ru-RU"/>
           </a:p>
@@ -824,7 +1880,7 @@
           <a:p>
             <a:fld id="{C1C91D50-5AC6-4343-86C8-9B6F6DA071FD}" type="datetimeFigureOut">
               <a:rPr lang="ru-RU" smtClean="0"/>
-              <a:t>23.06.2025</a:t>
+              <a:t>27.06.2025</a:t>
             </a:fld>
             <a:endParaRPr lang="ru-RU"/>
           </a:p>
@@ -1032,7 +2088,7 @@
           <a:p>
             <a:fld id="{C1C91D50-5AC6-4343-86C8-9B6F6DA071FD}" type="datetimeFigureOut">
               <a:rPr lang="ru-RU" smtClean="0"/>
-              <a:t>23.06.2025</a:t>
+              <a:t>27.06.2025</a:t>
             </a:fld>
             <a:endParaRPr lang="ru-RU"/>
           </a:p>
@@ -1648,7 +2704,7 @@
           <a:p>
             <a:fld id="{C1C91D50-5AC6-4343-86C8-9B6F6DA071FD}" type="datetimeFigureOut">
               <a:rPr lang="ru-RU" smtClean="0"/>
-              <a:t>23.06.2025</a:t>
+              <a:t>27.06.2025</a:t>
             </a:fld>
             <a:endParaRPr lang="ru-RU"/>
           </a:p>
@@ -1923,7 +2979,7 @@
           <a:p>
             <a:fld id="{C1C91D50-5AC6-4343-86C8-9B6F6DA071FD}" type="datetimeFigureOut">
               <a:rPr lang="ru-RU" smtClean="0"/>
-              <a:t>23.06.2025</a:t>
+              <a:t>27.06.2025</a:t>
             </a:fld>
             <a:endParaRPr lang="ru-RU"/>
           </a:p>
@@ -2188,7 +3244,7 @@
           <a:p>
             <a:fld id="{C1C91D50-5AC6-4343-86C8-9B6F6DA071FD}" type="datetimeFigureOut">
               <a:rPr lang="ru-RU" smtClean="0"/>
-              <a:t>23.06.2025</a:t>
+              <a:t>27.06.2025</a:t>
             </a:fld>
             <a:endParaRPr lang="ru-RU"/>
           </a:p>
@@ -2600,7 +3656,7 @@
           <a:p>
             <a:fld id="{C1C91D50-5AC6-4343-86C8-9B6F6DA071FD}" type="datetimeFigureOut">
               <a:rPr lang="ru-RU" smtClean="0"/>
-              <a:t>23.06.2025</a:t>
+              <a:t>27.06.2025</a:t>
             </a:fld>
             <a:endParaRPr lang="ru-RU"/>
           </a:p>
@@ -2741,7 +3797,7 @@
           <a:p>
             <a:fld id="{C1C91D50-5AC6-4343-86C8-9B6F6DA071FD}" type="datetimeFigureOut">
               <a:rPr lang="ru-RU" smtClean="0"/>
-              <a:t>23.06.2025</a:t>
+              <a:t>27.06.2025</a:t>
             </a:fld>
             <a:endParaRPr lang="ru-RU"/>
           </a:p>
@@ -2854,7 +3910,7 @@
           <a:p>
             <a:fld id="{C1C91D50-5AC6-4343-86C8-9B6F6DA071FD}" type="datetimeFigureOut">
               <a:rPr lang="ru-RU" smtClean="0"/>
-              <a:t>23.06.2025</a:t>
+              <a:t>27.06.2025</a:t>
             </a:fld>
             <a:endParaRPr lang="ru-RU"/>
           </a:p>
@@ -3165,7 +4221,7 @@
           <a:p>
             <a:fld id="{C1C91D50-5AC6-4343-86C8-9B6F6DA071FD}" type="datetimeFigureOut">
               <a:rPr lang="ru-RU" smtClean="0"/>
-              <a:t>23.06.2025</a:t>
+              <a:t>27.06.2025</a:t>
             </a:fld>
             <a:endParaRPr lang="ru-RU"/>
           </a:p>
@@ -3453,7 +4509,7 @@
           <a:p>
             <a:fld id="{C1C91D50-5AC6-4343-86C8-9B6F6DA071FD}" type="datetimeFigureOut">
               <a:rPr lang="ru-RU" smtClean="0"/>
-              <a:t>23.06.2025</a:t>
+              <a:t>27.06.2025</a:t>
             </a:fld>
             <a:endParaRPr lang="ru-RU"/>
           </a:p>
@@ -3694,7 +4750,7 @@
           <a:p>
             <a:fld id="{C1C91D50-5AC6-4343-86C8-9B6F6DA071FD}" type="datetimeFigureOut">
               <a:rPr lang="ru-RU" smtClean="0"/>
-              <a:t>23.06.2025</a:t>
+              <a:t>27.06.2025</a:t>
             </a:fld>
             <a:endParaRPr lang="ru-RU"/>
           </a:p>
@@ -4783,7 +5839,7 @@
         <p:spPr>
           <a:xfrm>
             <a:off x="6667500" y="4510714"/>
-            <a:ext cx="5334000" cy="1848583"/>
+            <a:ext cx="5334000" cy="2291781"/>
           </a:xfrm>
           <a:prstGeom prst="rect">
             <a:avLst/>
@@ -5097,6 +6153,57 @@
               </a:rPr>
               <a:t>Яковлевич </a:t>
             </a:r>
+            <a:endParaRPr lang="en-US" sz="1600" b="1" spc="-5" dirty="0">
+              <a:solidFill>
+                <a:schemeClr val="bg1"/>
+              </a:solidFill>
+              <a:latin typeface="Times New Roman" panose="02020603050405020304" pitchFamily="18" charset="0"/>
+              <a:cs typeface="Times New Roman" panose="02020603050405020304" pitchFamily="18" charset="0"/>
+            </a:endParaRPr>
+          </a:p>
+          <a:p>
+            <a:pPr marL="1957705" marR="5080">
+              <a:lnSpc>
+                <a:spcPts val="1730"/>
+              </a:lnSpc>
+              <a:spcBef>
+                <a:spcPts val="120"/>
+              </a:spcBef>
+            </a:pPr>
+            <a:endParaRPr lang="en-US" sz="1200" spc="-5" dirty="0">
+              <a:solidFill>
+                <a:schemeClr val="bg1"/>
+              </a:solidFill>
+              <a:latin typeface="Times New Roman" panose="02020603050405020304" pitchFamily="18" charset="0"/>
+              <a:cs typeface="Times New Roman" panose="02020603050405020304" pitchFamily="18" charset="0"/>
+            </a:endParaRPr>
+          </a:p>
+          <a:p>
+            <a:pPr marL="1957705" marR="5080">
+              <a:lnSpc>
+                <a:spcPts val="1730"/>
+              </a:lnSpc>
+              <a:spcBef>
+                <a:spcPts val="120"/>
+              </a:spcBef>
+            </a:pPr>
+            <a:r>
+              <a:rPr lang="en-US" sz="1200" spc="-5" dirty="0">
+                <a:solidFill>
+                  <a:schemeClr val="bg1"/>
+                </a:solidFill>
+                <a:latin typeface="Times New Roman" panose="02020603050405020304" pitchFamily="18" charset="0"/>
+                <a:cs typeface="Times New Roman" panose="02020603050405020304" pitchFamily="18" charset="0"/>
+              </a:rPr>
+              <a:t>	02.07.2025</a:t>
+            </a:r>
+            <a:endParaRPr lang="ru-RU" sz="1200" spc="-5" dirty="0">
+              <a:solidFill>
+                <a:schemeClr val="bg1"/>
+              </a:solidFill>
+              <a:latin typeface="Times New Roman" panose="02020603050405020304" pitchFamily="18" charset="0"/>
+              <a:cs typeface="Times New Roman" panose="02020603050405020304" pitchFamily="18" charset="0"/>
+            </a:endParaRPr>
           </a:p>
         </p:txBody>
       </p:sp>
@@ -7506,6 +8613,367 @@
 </file>
 
 <file path=ppt/slides/slide16.xml><?xml version="1.0" encoding="utf-8"?>
+<p:sld xmlns:a="http://schemas.openxmlformats.org/drawingml/2006/main" xmlns:r="http://schemas.openxmlformats.org/officeDocument/2006/relationships" xmlns:p="http://schemas.openxmlformats.org/presentationml/2006/main">
+  <p:cSld>
+    <p:spTree>
+      <p:nvGrpSpPr>
+        <p:cNvPr id="1" name=""/>
+        <p:cNvGrpSpPr/>
+        <p:nvPr/>
+      </p:nvGrpSpPr>
+      <p:grpSpPr>
+        <a:xfrm>
+          <a:off x="0" y="0"/>
+          <a:ext cx="0" cy="0"/>
+          <a:chOff x="0" y="0"/>
+          <a:chExt cx="0" cy="0"/>
+        </a:xfrm>
+      </p:grpSpPr>
+      <p:sp>
+        <p:nvSpPr>
+          <p:cNvPr id="4" name="Заголовок 3">
+            <a:extLst>
+              <a:ext uri="{FF2B5EF4-FFF2-40B4-BE49-F238E27FC236}">
+                <a16:creationId xmlns:a16="http://schemas.microsoft.com/office/drawing/2014/main" id="{50A4DD60-3A2E-4A3E-90CA-082C44663A86}"/>
+              </a:ext>
+            </a:extLst>
+          </p:cNvPr>
+          <p:cNvSpPr>
+            <a:spLocks noGrp="1"/>
+          </p:cNvSpPr>
+          <p:nvPr>
+            <p:ph type="title"/>
+          </p:nvPr>
+        </p:nvSpPr>
+        <p:spPr>
+          <a:xfrm>
+            <a:off x="609599" y="381001"/>
+            <a:ext cx="6600825" cy="634119"/>
+          </a:xfrm>
+        </p:spPr>
+        <p:txBody>
+          <a:bodyPr>
+            <a:noAutofit/>
+          </a:bodyPr>
+          <a:lstStyle/>
+          <a:p>
+            <a:r>
+              <a:rPr lang="ru-RU" sz="3600" b="1" spc="-5" dirty="0">
+                <a:latin typeface="Times New Roman" panose="02020603050405020304" pitchFamily="18" charset="0"/>
+                <a:cs typeface="Times New Roman" panose="02020603050405020304" pitchFamily="18" charset="0"/>
+              </a:rPr>
+              <a:t>Тестирование</a:t>
+            </a:r>
+            <a:br>
+              <a:rPr lang="ru-RU" sz="3600" b="1" spc="-5" dirty="0">
+                <a:latin typeface="Times New Roman" panose="02020603050405020304" pitchFamily="18" charset="0"/>
+                <a:cs typeface="Times New Roman" panose="02020603050405020304" pitchFamily="18" charset="0"/>
+              </a:rPr>
+            </a:br>
+            <a:endParaRPr lang="ru-RU" sz="2400" b="1" dirty="0"/>
+          </a:p>
+        </p:txBody>
+      </p:sp>
+      <p:grpSp>
+        <p:nvGrpSpPr>
+          <p:cNvPr id="10" name="object 2">
+            <a:extLst>
+              <a:ext uri="{FF2B5EF4-FFF2-40B4-BE49-F238E27FC236}">
+                <a16:creationId xmlns:a16="http://schemas.microsoft.com/office/drawing/2014/main" id="{801F69FD-FD2B-4FE3-8525-E2760ED7B1B5}"/>
+              </a:ext>
+            </a:extLst>
+          </p:cNvPr>
+          <p:cNvGrpSpPr/>
+          <p:nvPr/>
+        </p:nvGrpSpPr>
+        <p:grpSpPr>
+          <a:xfrm>
+            <a:off x="10955850" y="6147124"/>
+            <a:ext cx="1236343" cy="488315"/>
+            <a:chOff x="10955850" y="6147124"/>
+            <a:chExt cx="1236343" cy="488315"/>
+          </a:xfrm>
+        </p:grpSpPr>
+        <p:pic>
+          <p:nvPicPr>
+            <p:cNvPr id="11" name="object 5">
+              <a:extLst>
+                <a:ext uri="{FF2B5EF4-FFF2-40B4-BE49-F238E27FC236}">
+                  <a16:creationId xmlns:a16="http://schemas.microsoft.com/office/drawing/2014/main" id="{ACD1142E-2D23-4826-A26B-8656EA3F8DAA}"/>
+                </a:ext>
+              </a:extLst>
+            </p:cNvPr>
+            <p:cNvPicPr/>
+            <p:nvPr/>
+          </p:nvPicPr>
+          <p:blipFill>
+            <a:blip r:embed="rId2" cstate="print"/>
+            <a:stretch>
+              <a:fillRect/>
+            </a:stretch>
+          </p:blipFill>
+          <p:spPr>
+            <a:xfrm>
+              <a:off x="10955850" y="6147125"/>
+              <a:ext cx="1008800" cy="487775"/>
+            </a:xfrm>
+            <a:prstGeom prst="rect">
+              <a:avLst/>
+            </a:prstGeom>
+          </p:spPr>
+        </p:pic>
+        <p:sp>
+          <p:nvSpPr>
+            <p:cNvPr id="12" name="object 6">
+              <a:extLst>
+                <a:ext uri="{FF2B5EF4-FFF2-40B4-BE49-F238E27FC236}">
+                  <a16:creationId xmlns:a16="http://schemas.microsoft.com/office/drawing/2014/main" id="{B6FEB8CD-C6F7-4ADB-A2D6-8A9C09029397}"/>
+                </a:ext>
+              </a:extLst>
+            </p:cNvPr>
+            <p:cNvSpPr/>
+            <p:nvPr/>
+          </p:nvSpPr>
+          <p:spPr>
+            <a:xfrm>
+              <a:off x="11193974" y="6147124"/>
+              <a:ext cx="998219" cy="488315"/>
+            </a:xfrm>
+            <a:custGeom>
+              <a:avLst/>
+              <a:gdLst/>
+              <a:ahLst/>
+              <a:cxnLst/>
+              <a:rect l="l" t="t" r="r" b="b"/>
+              <a:pathLst>
+                <a:path w="998220" h="488315">
+                  <a:moveTo>
+                    <a:pt x="998024" y="487774"/>
+                  </a:moveTo>
+                  <a:lnTo>
+                    <a:pt x="0" y="487774"/>
+                  </a:lnTo>
+                  <a:lnTo>
+                    <a:pt x="201759" y="0"/>
+                  </a:lnTo>
+                  <a:lnTo>
+                    <a:pt x="998024" y="0"/>
+                  </a:lnTo>
+                  <a:lnTo>
+                    <a:pt x="998024" y="487774"/>
+                  </a:lnTo>
+                  <a:close/>
+                </a:path>
+              </a:pathLst>
+            </a:custGeom>
+            <a:solidFill>
+              <a:srgbClr val="3C378D"/>
+            </a:solidFill>
+          </p:spPr>
+          <p:txBody>
+            <a:bodyPr wrap="square" lIns="0" tIns="0" rIns="0" bIns="0" rtlCol="0"/>
+            <a:lstStyle/>
+            <a:p>
+              <a:endParaRPr dirty="0"/>
+            </a:p>
+          </p:txBody>
+        </p:sp>
+      </p:grpSp>
+      <p:sp>
+        <p:nvSpPr>
+          <p:cNvPr id="16" name="object 8">
+            <a:extLst>
+              <a:ext uri="{FF2B5EF4-FFF2-40B4-BE49-F238E27FC236}">
+                <a16:creationId xmlns:a16="http://schemas.microsoft.com/office/drawing/2014/main" id="{B0C0F2A2-66F1-4C9D-A3CB-666040B4F36E}"/>
+              </a:ext>
+            </a:extLst>
+          </p:cNvPr>
+          <p:cNvSpPr txBox="1">
+            <a:spLocks/>
+          </p:cNvSpPr>
+          <p:nvPr/>
+        </p:nvSpPr>
+        <p:spPr>
+          <a:xfrm>
+            <a:off x="11488994" y="6135939"/>
+            <a:ext cx="570865" cy="520142"/>
+          </a:xfrm>
+          <a:prstGeom prst="rect">
+            <a:avLst/>
+          </a:prstGeom>
+        </p:spPr>
+        <p:txBody>
+          <a:bodyPr vert="horz" wrap="square" lIns="0" tIns="0" rIns="0" bIns="0" rtlCol="0">
+            <a:spAutoFit/>
+          </a:bodyPr>
+          <a:lstStyle>
+            <a:defPPr>
+              <a:defRPr lang="ru-RU"/>
+            </a:defPPr>
+            <a:lvl1pPr marL="0" algn="l" defTabSz="914400" rtl="0" eaLnBrk="1" latinLnBrk="0" hangingPunct="1">
+              <a:defRPr sz="1800" kern="1200">
+                <a:solidFill>
+                  <a:schemeClr val="tx1"/>
+                </a:solidFill>
+                <a:latin typeface="+mn-lt"/>
+                <a:ea typeface="+mn-ea"/>
+                <a:cs typeface="+mn-cs"/>
+              </a:defRPr>
+            </a:lvl1pPr>
+            <a:lvl2pPr marL="457200" algn="l" defTabSz="914400" rtl="0" eaLnBrk="1" latinLnBrk="0" hangingPunct="1">
+              <a:defRPr sz="1800" kern="1200">
+                <a:solidFill>
+                  <a:schemeClr val="tx1"/>
+                </a:solidFill>
+                <a:latin typeface="+mn-lt"/>
+                <a:ea typeface="+mn-ea"/>
+                <a:cs typeface="+mn-cs"/>
+              </a:defRPr>
+            </a:lvl2pPr>
+            <a:lvl3pPr marL="914400" algn="l" defTabSz="914400" rtl="0" eaLnBrk="1" latinLnBrk="0" hangingPunct="1">
+              <a:defRPr sz="1800" kern="1200">
+                <a:solidFill>
+                  <a:schemeClr val="tx1"/>
+                </a:solidFill>
+                <a:latin typeface="+mn-lt"/>
+                <a:ea typeface="+mn-ea"/>
+                <a:cs typeface="+mn-cs"/>
+              </a:defRPr>
+            </a:lvl3pPr>
+            <a:lvl4pPr marL="1371600" algn="l" defTabSz="914400" rtl="0" eaLnBrk="1" latinLnBrk="0" hangingPunct="1">
+              <a:defRPr sz="1800" kern="1200">
+                <a:solidFill>
+                  <a:schemeClr val="tx1"/>
+                </a:solidFill>
+                <a:latin typeface="+mn-lt"/>
+                <a:ea typeface="+mn-ea"/>
+                <a:cs typeface="+mn-cs"/>
+              </a:defRPr>
+            </a:lvl4pPr>
+            <a:lvl5pPr marL="1828800" algn="l" defTabSz="914400" rtl="0" eaLnBrk="1" latinLnBrk="0" hangingPunct="1">
+              <a:defRPr sz="1800" kern="1200">
+                <a:solidFill>
+                  <a:schemeClr val="tx1"/>
+                </a:solidFill>
+                <a:latin typeface="+mn-lt"/>
+                <a:ea typeface="+mn-ea"/>
+                <a:cs typeface="+mn-cs"/>
+              </a:defRPr>
+            </a:lvl5pPr>
+            <a:lvl6pPr marL="2286000" algn="l" defTabSz="914400" rtl="0" eaLnBrk="1" latinLnBrk="0" hangingPunct="1">
+              <a:defRPr sz="1800" kern="1200">
+                <a:solidFill>
+                  <a:schemeClr val="tx1"/>
+                </a:solidFill>
+                <a:latin typeface="+mn-lt"/>
+                <a:ea typeface="+mn-ea"/>
+                <a:cs typeface="+mn-cs"/>
+              </a:defRPr>
+            </a:lvl6pPr>
+            <a:lvl7pPr marL="2743200" algn="l" defTabSz="914400" rtl="0" eaLnBrk="1" latinLnBrk="0" hangingPunct="1">
+              <a:defRPr sz="1800" kern="1200">
+                <a:solidFill>
+                  <a:schemeClr val="tx1"/>
+                </a:solidFill>
+                <a:latin typeface="+mn-lt"/>
+                <a:ea typeface="+mn-ea"/>
+                <a:cs typeface="+mn-cs"/>
+              </a:defRPr>
+            </a:lvl7pPr>
+            <a:lvl8pPr marL="3200400" algn="l" defTabSz="914400" rtl="0" eaLnBrk="1" latinLnBrk="0" hangingPunct="1">
+              <a:defRPr sz="1800" kern="1200">
+                <a:solidFill>
+                  <a:schemeClr val="tx1"/>
+                </a:solidFill>
+                <a:latin typeface="+mn-lt"/>
+                <a:ea typeface="+mn-ea"/>
+                <a:cs typeface="+mn-cs"/>
+              </a:defRPr>
+            </a:lvl8pPr>
+            <a:lvl9pPr marL="3657600" algn="l" defTabSz="914400" rtl="0" eaLnBrk="1" latinLnBrk="0" hangingPunct="1">
+              <a:defRPr sz="1800" kern="1200">
+                <a:solidFill>
+                  <a:schemeClr val="tx1"/>
+                </a:solidFill>
+                <a:latin typeface="+mn-lt"/>
+                <a:ea typeface="+mn-ea"/>
+                <a:cs typeface="+mn-cs"/>
+              </a:defRPr>
+            </a:lvl9pPr>
+          </a:lstStyle>
+          <a:p>
+            <a:pPr marL="38100">
+              <a:lnSpc>
+                <a:spcPts val="3970"/>
+              </a:lnSpc>
+            </a:pPr>
+            <a:fld id="{81D60167-4931-47E6-BA6A-407CBD079E47}" type="slidenum">
+              <a:rPr lang="ru-RU" sz="4000" smtClean="0">
+                <a:solidFill>
+                  <a:schemeClr val="bg1"/>
+                </a:solidFill>
+                <a:latin typeface="Times New Roman" panose="02020603050405020304" pitchFamily="18" charset="0"/>
+                <a:cs typeface="Times New Roman" panose="02020603050405020304" pitchFamily="18" charset="0"/>
+              </a:rPr>
+              <a:pPr marL="38100">
+                <a:lnSpc>
+                  <a:spcPts val="3970"/>
+                </a:lnSpc>
+              </a:pPr>
+              <a:t>16</a:t>
+            </a:fld>
+            <a:endParaRPr lang="ru-RU" sz="4000" dirty="0">
+              <a:solidFill>
+                <a:schemeClr val="bg1"/>
+              </a:solidFill>
+              <a:latin typeface="Times New Roman" panose="02020603050405020304" pitchFamily="18" charset="0"/>
+              <a:cs typeface="Times New Roman" panose="02020603050405020304" pitchFamily="18" charset="0"/>
+            </a:endParaRPr>
+          </a:p>
+        </p:txBody>
+      </p:sp>
+      <p:graphicFrame>
+        <p:nvGraphicFramePr>
+          <p:cNvPr id="5" name="Диаграмма 4">
+            <a:extLst>
+              <a:ext uri="{FF2B5EF4-FFF2-40B4-BE49-F238E27FC236}">
+                <a16:creationId xmlns:a16="http://schemas.microsoft.com/office/drawing/2014/main" id="{D579F6EE-72F1-4AED-B6ED-1333704710A2}"/>
+              </a:ext>
+            </a:extLst>
+          </p:cNvPr>
+          <p:cNvGraphicFramePr/>
+          <p:nvPr>
+            <p:extLst>
+              <p:ext uri="{D42A27DB-BD31-4B8C-83A1-F6EECF244321}">
+                <p14:modId xmlns:p14="http://schemas.microsoft.com/office/powerpoint/2010/main" val="1100678202"/>
+              </p:ext>
+            </p:extLst>
+          </p:nvPr>
+        </p:nvGraphicFramePr>
+        <p:xfrm>
+          <a:off x="2032000" y="719666"/>
+          <a:ext cx="8128000" cy="5418667"/>
+        </p:xfrm>
+        <a:graphic>
+          <a:graphicData uri="http://schemas.openxmlformats.org/drawingml/2006/chart">
+            <c:chart xmlns:c="http://schemas.openxmlformats.org/drawingml/2006/chart" xmlns:r="http://schemas.openxmlformats.org/officeDocument/2006/relationships" r:id="rId3"/>
+          </a:graphicData>
+        </a:graphic>
+      </p:graphicFrame>
+    </p:spTree>
+    <p:extLst>
+      <p:ext uri="{BB962C8B-B14F-4D97-AF65-F5344CB8AC3E}">
+        <p14:creationId xmlns:p14="http://schemas.microsoft.com/office/powerpoint/2010/main" val="105225292"/>
+      </p:ext>
+    </p:extLst>
+  </p:cSld>
+  <p:clrMapOvr>
+    <a:masterClrMapping/>
+  </p:clrMapOvr>
+</p:sld>
+</file>
+
+<file path=ppt/slides/slide17.xml><?xml version="1.0" encoding="utf-8"?>
 <p:sld xmlns:a="http://schemas.openxmlformats.org/drawingml/2006/main" xmlns:r="http://schemas.openxmlformats.org/officeDocument/2006/relationships" xmlns:p="http://schemas.openxmlformats.org/presentationml/2006/main">
   <p:cSld>
     <p:spTree>

--- a/4 FOURTH COURSE/Semester 8/ДИПЛОМ/Отчеты/Презентация_Бекиш Е.П. 2025.pptx
+++ b/4 FOURTH COURSE/Semester 8/ДИПЛОМ/Отчеты/Презентация_Бекиш Е.П. 2025.pptx
@@ -233,14 +233,7 @@
           <c:invertIfNegative val="0"/>
           <c:cat>
             <c:strRef>
-              <c:extLst>
-                <c:ext xmlns:c15="http://schemas.microsoft.com/office/drawing/2012/chart" uri="{02D57815-91ED-43cb-92C2-25804820EDAC}">
-                  <c15:fullRef>
-                    <c15:sqref>Лист1!$A$2:$A$5</c15:sqref>
-                  </c15:fullRef>
-                </c:ext>
-              </c:extLst>
-              <c:f>Лист1!$A$2:$A$4</c:f>
+              <c:f>Лист1!$A$2:$A$5</c:f>
               <c:strCache>
                 <c:ptCount val="3"/>
                 <c:pt idx="0">
@@ -253,18 +246,12 @@
                   <c:v>GigaChat</c:v>
                 </c:pt>
               </c:strCache>
+              <c:extLst/>
             </c:strRef>
           </c:cat>
           <c:val>
             <c:numRef>
-              <c:extLst>
-                <c:ext xmlns:c15="http://schemas.microsoft.com/office/drawing/2012/chart" uri="{02D57815-91ED-43cb-92C2-25804820EDAC}">
-                  <c15:fullRef>
-                    <c15:sqref>Лист1!$B$2:$B$5</c15:sqref>
-                  </c15:fullRef>
-                </c:ext>
-              </c:extLst>
-              <c:f>Лист1!$B$2:$B$4</c:f>
+              <c:f>Лист1!$B$2:$B$5</c:f>
               <c:numCache>
                 <c:formatCode>General</c:formatCode>
                 <c:ptCount val="3"/>
@@ -278,6 +265,7 @@
                   <c:v>30</c:v>
                 </c:pt>
               </c:numCache>
+              <c:extLst/>
             </c:numRef>
           </c:val>
           <c:extLst>
@@ -312,14 +300,7 @@
           <c:invertIfNegative val="0"/>
           <c:cat>
             <c:strRef>
-              <c:extLst>
-                <c:ext xmlns:c15="http://schemas.microsoft.com/office/drawing/2012/chart" uri="{02D57815-91ED-43cb-92C2-25804820EDAC}">
-                  <c15:fullRef>
-                    <c15:sqref>Лист1!$A$2:$A$5</c15:sqref>
-                  </c15:fullRef>
-                </c:ext>
-              </c:extLst>
-              <c:f>Лист1!$A$2:$A$4</c:f>
+              <c:f>Лист1!$A$2:$A$5</c:f>
               <c:strCache>
                 <c:ptCount val="3"/>
                 <c:pt idx="0">
@@ -332,18 +313,12 @@
                   <c:v>GigaChat</c:v>
                 </c:pt>
               </c:strCache>
+              <c:extLst/>
             </c:strRef>
           </c:cat>
           <c:val>
             <c:numRef>
-              <c:extLst>
-                <c:ext xmlns:c15="http://schemas.microsoft.com/office/drawing/2012/chart" uri="{02D57815-91ED-43cb-92C2-25804820EDAC}">
-                  <c15:fullRef>
-                    <c15:sqref>Лист1!$C$2:$C$5</c15:sqref>
-                  </c15:fullRef>
-                </c:ext>
-              </c:extLst>
-              <c:f>Лист1!$C$2:$C$4</c:f>
+              <c:f>Лист1!$C$2:$C$5</c:f>
               <c:numCache>
                 <c:formatCode>General</c:formatCode>
                 <c:ptCount val="3"/>
@@ -357,6 +332,7 @@
                   <c:v>0</c:v>
                 </c:pt>
               </c:numCache>
+              <c:extLst/>
             </c:numRef>
           </c:val>
           <c:extLst>
@@ -414,11 +390,8 @@
                   <c:strRef>
                     <c:extLst>
                       <c:ext uri="{02D57815-91ED-43cb-92C2-25804820EDAC}">
-                        <c15:fullRef>
+                        <c15:formulaRef>
                           <c15:sqref>Лист1!$A$2:$A$5</c15:sqref>
-                        </c15:fullRef>
-                        <c15:formulaRef>
-                          <c15:sqref>Лист1!$A$2:$A$4</c15:sqref>
                         </c15:formulaRef>
                       </c:ext>
                     </c:extLst>
@@ -440,11 +413,8 @@
                   <c:numRef>
                     <c:extLst>
                       <c:ext uri="{02D57815-91ED-43cb-92C2-25804820EDAC}">
-                        <c15:fullRef>
+                        <c15:formulaRef>
                           <c15:sqref>Лист1!$D$2:$D$5</c15:sqref>
-                        </c15:fullRef>
-                        <c15:formulaRef>
-                          <c15:sqref>Лист1!$D$2:$D$4</c15:sqref>
                         </c15:formulaRef>
                       </c:ext>
                     </c:extLst>
@@ -1268,7 +1238,7 @@
           <a:p>
             <a:fld id="{580F5BFA-D483-41BD-8D49-AC442DC68376}" type="datetimeFigureOut">
               <a:rPr lang="ru-RU" smtClean="0"/>
-              <a:t>27.06.2025</a:t>
+              <a:t>28.06.2025</a:t>
             </a:fld>
             <a:endParaRPr lang="ru-RU"/>
           </a:p>
@@ -1682,7 +1652,7 @@
           <a:p>
             <a:fld id="{C1C91D50-5AC6-4343-86C8-9B6F6DA071FD}" type="datetimeFigureOut">
               <a:rPr lang="ru-RU" smtClean="0"/>
-              <a:t>27.06.2025</a:t>
+              <a:t>28.06.2025</a:t>
             </a:fld>
             <a:endParaRPr lang="ru-RU"/>
           </a:p>
@@ -1880,7 +1850,7 @@
           <a:p>
             <a:fld id="{C1C91D50-5AC6-4343-86C8-9B6F6DA071FD}" type="datetimeFigureOut">
               <a:rPr lang="ru-RU" smtClean="0"/>
-              <a:t>27.06.2025</a:t>
+              <a:t>28.06.2025</a:t>
             </a:fld>
             <a:endParaRPr lang="ru-RU"/>
           </a:p>
@@ -2088,7 +2058,7 @@
           <a:p>
             <a:fld id="{C1C91D50-5AC6-4343-86C8-9B6F6DA071FD}" type="datetimeFigureOut">
               <a:rPr lang="ru-RU" smtClean="0"/>
-              <a:t>27.06.2025</a:t>
+              <a:t>28.06.2025</a:t>
             </a:fld>
             <a:endParaRPr lang="ru-RU"/>
           </a:p>
@@ -2704,7 +2674,7 @@
           <a:p>
             <a:fld id="{C1C91D50-5AC6-4343-86C8-9B6F6DA071FD}" type="datetimeFigureOut">
               <a:rPr lang="ru-RU" smtClean="0"/>
-              <a:t>27.06.2025</a:t>
+              <a:t>28.06.2025</a:t>
             </a:fld>
             <a:endParaRPr lang="ru-RU"/>
           </a:p>
@@ -2979,7 +2949,7 @@
           <a:p>
             <a:fld id="{C1C91D50-5AC6-4343-86C8-9B6F6DA071FD}" type="datetimeFigureOut">
               <a:rPr lang="ru-RU" smtClean="0"/>
-              <a:t>27.06.2025</a:t>
+              <a:t>28.06.2025</a:t>
             </a:fld>
             <a:endParaRPr lang="ru-RU"/>
           </a:p>
@@ -3244,7 +3214,7 @@
           <a:p>
             <a:fld id="{C1C91D50-5AC6-4343-86C8-9B6F6DA071FD}" type="datetimeFigureOut">
               <a:rPr lang="ru-RU" smtClean="0"/>
-              <a:t>27.06.2025</a:t>
+              <a:t>28.06.2025</a:t>
             </a:fld>
             <a:endParaRPr lang="ru-RU"/>
           </a:p>
@@ -3656,7 +3626,7 @@
           <a:p>
             <a:fld id="{C1C91D50-5AC6-4343-86C8-9B6F6DA071FD}" type="datetimeFigureOut">
               <a:rPr lang="ru-RU" smtClean="0"/>
-              <a:t>27.06.2025</a:t>
+              <a:t>28.06.2025</a:t>
             </a:fld>
             <a:endParaRPr lang="ru-RU"/>
           </a:p>
@@ -3797,7 +3767,7 @@
           <a:p>
             <a:fld id="{C1C91D50-5AC6-4343-86C8-9B6F6DA071FD}" type="datetimeFigureOut">
               <a:rPr lang="ru-RU" smtClean="0"/>
-              <a:t>27.06.2025</a:t>
+              <a:t>28.06.2025</a:t>
             </a:fld>
             <a:endParaRPr lang="ru-RU"/>
           </a:p>
@@ -3910,7 +3880,7 @@
           <a:p>
             <a:fld id="{C1C91D50-5AC6-4343-86C8-9B6F6DA071FD}" type="datetimeFigureOut">
               <a:rPr lang="ru-RU" smtClean="0"/>
-              <a:t>27.06.2025</a:t>
+              <a:t>28.06.2025</a:t>
             </a:fld>
             <a:endParaRPr lang="ru-RU"/>
           </a:p>
@@ -4221,7 +4191,7 @@
           <a:p>
             <a:fld id="{C1C91D50-5AC6-4343-86C8-9B6F6DA071FD}" type="datetimeFigureOut">
               <a:rPr lang="ru-RU" smtClean="0"/>
-              <a:t>27.06.2025</a:t>
+              <a:t>28.06.2025</a:t>
             </a:fld>
             <a:endParaRPr lang="ru-RU"/>
           </a:p>
@@ -4509,7 +4479,7 @@
           <a:p>
             <a:fld id="{C1C91D50-5AC6-4343-86C8-9B6F6DA071FD}" type="datetimeFigureOut">
               <a:rPr lang="ru-RU" smtClean="0"/>
-              <a:t>27.06.2025</a:t>
+              <a:t>28.06.2025</a:t>
             </a:fld>
             <a:endParaRPr lang="ru-RU"/>
           </a:p>
@@ -4750,7 +4720,7 @@
           <a:p>
             <a:fld id="{C1C91D50-5AC6-4343-86C8-9B6F6DA071FD}" type="datetimeFigureOut">
               <a:rPr lang="ru-RU" smtClean="0"/>
-              <a:t>27.06.2025</a:t>
+              <a:t>28.06.2025</a:t>
             </a:fld>
             <a:endParaRPr lang="ru-RU"/>
           </a:p>

--- a/4 FOURTH COURSE/Semester 8/ДИПЛОМ/Отчеты/Презентация_Бекиш Е.П. 2025.pptx
+++ b/4 FOURTH COURSE/Semester 8/ДИПЛОМ/Отчеты/Презентация_Бекиш Е.П. 2025.pptx
@@ -5,26 +5,25 @@
     <p:sldMasterId id="2147483648" r:id="rId1"/>
   </p:sldMasterIdLst>
   <p:notesMasterIdLst>
-    <p:notesMasterId r:id="rId19"/>
+    <p:notesMasterId r:id="rId18"/>
   </p:notesMasterIdLst>
   <p:sldIdLst>
     <p:sldId id="258" r:id="rId2"/>
     <p:sldId id="260" r:id="rId3"/>
-    <p:sldId id="324" r:id="rId4"/>
-    <p:sldId id="321" r:id="rId5"/>
-    <p:sldId id="323" r:id="rId6"/>
-    <p:sldId id="327" r:id="rId7"/>
-    <p:sldId id="326" r:id="rId8"/>
-    <p:sldId id="328" r:id="rId9"/>
-    <p:sldId id="329" r:id="rId10"/>
-    <p:sldId id="330" r:id="rId11"/>
-    <p:sldId id="331" r:id="rId12"/>
-    <p:sldId id="338" r:id="rId13"/>
-    <p:sldId id="332" r:id="rId14"/>
-    <p:sldId id="333" r:id="rId15"/>
-    <p:sldId id="334" r:id="rId16"/>
-    <p:sldId id="339" r:id="rId17"/>
-    <p:sldId id="337" r:id="rId18"/>
+    <p:sldId id="340" r:id="rId4"/>
+    <p:sldId id="323" r:id="rId5"/>
+    <p:sldId id="327" r:id="rId6"/>
+    <p:sldId id="326" r:id="rId7"/>
+    <p:sldId id="328" r:id="rId8"/>
+    <p:sldId id="329" r:id="rId9"/>
+    <p:sldId id="330" r:id="rId10"/>
+    <p:sldId id="331" r:id="rId11"/>
+    <p:sldId id="338" r:id="rId12"/>
+    <p:sldId id="332" r:id="rId13"/>
+    <p:sldId id="333" r:id="rId14"/>
+    <p:sldId id="334" r:id="rId15"/>
+    <p:sldId id="339" r:id="rId16"/>
+    <p:sldId id="337" r:id="rId17"/>
   </p:sldIdLst>
   <p:sldSz cx="12192000" cy="6858000"/>
   <p:notesSz cx="6858000" cy="9144000"/>
@@ -1238,7 +1237,7 @@
           <a:p>
             <a:fld id="{580F5BFA-D483-41BD-8D49-AC442DC68376}" type="datetimeFigureOut">
               <a:rPr lang="ru-RU" smtClean="0"/>
-              <a:t>28.06.2025</a:t>
+              <a:t>02.07.2025</a:t>
             </a:fld>
             <a:endParaRPr lang="ru-RU"/>
           </a:p>
@@ -1652,7 +1651,7 @@
           <a:p>
             <a:fld id="{C1C91D50-5AC6-4343-86C8-9B6F6DA071FD}" type="datetimeFigureOut">
               <a:rPr lang="ru-RU" smtClean="0"/>
-              <a:t>28.06.2025</a:t>
+              <a:t>02.07.2025</a:t>
             </a:fld>
             <a:endParaRPr lang="ru-RU"/>
           </a:p>
@@ -1850,7 +1849,7 @@
           <a:p>
             <a:fld id="{C1C91D50-5AC6-4343-86C8-9B6F6DA071FD}" type="datetimeFigureOut">
               <a:rPr lang="ru-RU" smtClean="0"/>
-              <a:t>28.06.2025</a:t>
+              <a:t>02.07.2025</a:t>
             </a:fld>
             <a:endParaRPr lang="ru-RU"/>
           </a:p>
@@ -2058,7 +2057,7 @@
           <a:p>
             <a:fld id="{C1C91D50-5AC6-4343-86C8-9B6F6DA071FD}" type="datetimeFigureOut">
               <a:rPr lang="ru-RU" smtClean="0"/>
-              <a:t>28.06.2025</a:t>
+              <a:t>02.07.2025</a:t>
             </a:fld>
             <a:endParaRPr lang="ru-RU"/>
           </a:p>
@@ -2674,7 +2673,7 @@
           <a:p>
             <a:fld id="{C1C91D50-5AC6-4343-86C8-9B6F6DA071FD}" type="datetimeFigureOut">
               <a:rPr lang="ru-RU" smtClean="0"/>
-              <a:t>28.06.2025</a:t>
+              <a:t>02.07.2025</a:t>
             </a:fld>
             <a:endParaRPr lang="ru-RU"/>
           </a:p>
@@ -2949,7 +2948,7 @@
           <a:p>
             <a:fld id="{C1C91D50-5AC6-4343-86C8-9B6F6DA071FD}" type="datetimeFigureOut">
               <a:rPr lang="ru-RU" smtClean="0"/>
-              <a:t>28.06.2025</a:t>
+              <a:t>02.07.2025</a:t>
             </a:fld>
             <a:endParaRPr lang="ru-RU"/>
           </a:p>
@@ -3214,7 +3213,7 @@
           <a:p>
             <a:fld id="{C1C91D50-5AC6-4343-86C8-9B6F6DA071FD}" type="datetimeFigureOut">
               <a:rPr lang="ru-RU" smtClean="0"/>
-              <a:t>28.06.2025</a:t>
+              <a:t>02.07.2025</a:t>
             </a:fld>
             <a:endParaRPr lang="ru-RU"/>
           </a:p>
@@ -3626,7 +3625,7 @@
           <a:p>
             <a:fld id="{C1C91D50-5AC6-4343-86C8-9B6F6DA071FD}" type="datetimeFigureOut">
               <a:rPr lang="ru-RU" smtClean="0"/>
-              <a:t>28.06.2025</a:t>
+              <a:t>02.07.2025</a:t>
             </a:fld>
             <a:endParaRPr lang="ru-RU"/>
           </a:p>
@@ -3767,7 +3766,7 @@
           <a:p>
             <a:fld id="{C1C91D50-5AC6-4343-86C8-9B6F6DA071FD}" type="datetimeFigureOut">
               <a:rPr lang="ru-RU" smtClean="0"/>
-              <a:t>28.06.2025</a:t>
+              <a:t>02.07.2025</a:t>
             </a:fld>
             <a:endParaRPr lang="ru-RU"/>
           </a:p>
@@ -3880,7 +3879,7 @@
           <a:p>
             <a:fld id="{C1C91D50-5AC6-4343-86C8-9B6F6DA071FD}" type="datetimeFigureOut">
               <a:rPr lang="ru-RU" smtClean="0"/>
-              <a:t>28.06.2025</a:t>
+              <a:t>02.07.2025</a:t>
             </a:fld>
             <a:endParaRPr lang="ru-RU"/>
           </a:p>
@@ -4191,7 +4190,7 @@
           <a:p>
             <a:fld id="{C1C91D50-5AC6-4343-86C8-9B6F6DA071FD}" type="datetimeFigureOut">
               <a:rPr lang="ru-RU" smtClean="0"/>
-              <a:t>28.06.2025</a:t>
+              <a:t>02.07.2025</a:t>
             </a:fld>
             <a:endParaRPr lang="ru-RU"/>
           </a:p>
@@ -4479,7 +4478,7 @@
           <a:p>
             <a:fld id="{C1C91D50-5AC6-4343-86C8-9B6F6DA071FD}" type="datetimeFigureOut">
               <a:rPr lang="ru-RU" smtClean="0"/>
-              <a:t>28.06.2025</a:t>
+              <a:t>02.07.2025</a:t>
             </a:fld>
             <a:endParaRPr lang="ru-RU"/>
           </a:p>
@@ -4720,7 +4719,7 @@
           <a:p>
             <a:fld id="{C1C91D50-5AC6-4343-86C8-9B6F6DA071FD}" type="datetimeFigureOut">
               <a:rPr lang="ru-RU" smtClean="0"/>
-              <a:t>28.06.2025</a:t>
+              <a:t>02.07.2025</a:t>
             </a:fld>
             <a:endParaRPr lang="ru-RU"/>
           </a:p>
@@ -5808,8 +5807,8 @@
         </p:nvSpPr>
         <p:spPr>
           <a:xfrm>
-            <a:off x="6667500" y="4510714"/>
-            <a:ext cx="5334000" cy="2291781"/>
+            <a:off x="6667500" y="4367280"/>
+            <a:ext cx="5334000" cy="1848583"/>
           </a:xfrm>
           <a:prstGeom prst="rect">
             <a:avLst/>
@@ -6124,50 +6123,6 @@
               <a:t>Яковлевич </a:t>
             </a:r>
             <a:endParaRPr lang="en-US" sz="1600" b="1" spc="-5" dirty="0">
-              <a:solidFill>
-                <a:schemeClr val="bg1"/>
-              </a:solidFill>
-              <a:latin typeface="Times New Roman" panose="02020603050405020304" pitchFamily="18" charset="0"/>
-              <a:cs typeface="Times New Roman" panose="02020603050405020304" pitchFamily="18" charset="0"/>
-            </a:endParaRPr>
-          </a:p>
-          <a:p>
-            <a:pPr marL="1957705" marR="5080">
-              <a:lnSpc>
-                <a:spcPts val="1730"/>
-              </a:lnSpc>
-              <a:spcBef>
-                <a:spcPts val="120"/>
-              </a:spcBef>
-            </a:pPr>
-            <a:endParaRPr lang="en-US" sz="1200" spc="-5" dirty="0">
-              <a:solidFill>
-                <a:schemeClr val="bg1"/>
-              </a:solidFill>
-              <a:latin typeface="Times New Roman" panose="02020603050405020304" pitchFamily="18" charset="0"/>
-              <a:cs typeface="Times New Roman" panose="02020603050405020304" pitchFamily="18" charset="0"/>
-            </a:endParaRPr>
-          </a:p>
-          <a:p>
-            <a:pPr marL="1957705" marR="5080">
-              <a:lnSpc>
-                <a:spcPts val="1730"/>
-              </a:lnSpc>
-              <a:spcBef>
-                <a:spcPts val="120"/>
-              </a:spcBef>
-            </a:pPr>
-            <a:r>
-              <a:rPr lang="en-US" sz="1200" spc="-5" dirty="0">
-                <a:solidFill>
-                  <a:schemeClr val="bg1"/>
-                </a:solidFill>
-                <a:latin typeface="Times New Roman" panose="02020603050405020304" pitchFamily="18" charset="0"/>
-                <a:cs typeface="Times New Roman" panose="02020603050405020304" pitchFamily="18" charset="0"/>
-              </a:rPr>
-              <a:t>	02.07.2025</a:t>
-            </a:r>
-            <a:endParaRPr lang="ru-RU" sz="1200" spc="-5" dirty="0">
               <a:solidFill>
                 <a:schemeClr val="bg1"/>
               </a:solidFill>
@@ -6256,7 +6211,7 @@
                 <a:latin typeface="Times New Roman" panose="02020603050405020304" pitchFamily="18" charset="0"/>
                 <a:cs typeface="Times New Roman" panose="02020603050405020304" pitchFamily="18" charset="0"/>
               </a:rPr>
-              <a:t>Диаграмма последовательности</a:t>
+              <a:t>Макеты интерфейса</a:t>
             </a:r>
             <a:endParaRPr lang="ru-RU" sz="2400" b="1" dirty="0"/>
           </a:p>
@@ -6522,10 +6477,10 @@
       </p:sp>
       <p:pic>
         <p:nvPicPr>
-          <p:cNvPr id="9" name="Рисунок 8">
-            <a:extLst>
-              <a:ext uri="{FF2B5EF4-FFF2-40B4-BE49-F238E27FC236}">
-                <a16:creationId xmlns:a16="http://schemas.microsoft.com/office/drawing/2014/main" id="{B0E0ED56-C924-4D95-98DA-3BF4D08BA323}"/>
+          <p:cNvPr id="18" name="Рисунок 17">
+            <a:extLst>
+              <a:ext uri="{FF2B5EF4-FFF2-40B4-BE49-F238E27FC236}">
+                <a16:creationId xmlns:a16="http://schemas.microsoft.com/office/drawing/2014/main" id="{97A6F558-8B60-4792-B461-F6467D3F92E7}"/>
               </a:ext>
             </a:extLst>
           </p:cNvPr>
@@ -6540,8 +6495,8 @@
         </p:blipFill>
         <p:spPr>
           <a:xfrm>
-            <a:off x="7210424" y="1525893"/>
-            <a:ext cx="3430379" cy="4951106"/>
+            <a:off x="1012250" y="1367494"/>
+            <a:ext cx="5097974" cy="2493890"/>
           </a:xfrm>
           <a:prstGeom prst="rect">
             <a:avLst/>
@@ -6550,10 +6505,10 @@
       </p:pic>
       <p:pic>
         <p:nvPicPr>
-          <p:cNvPr id="13" name="Рисунок 12">
-            <a:extLst>
-              <a:ext uri="{FF2B5EF4-FFF2-40B4-BE49-F238E27FC236}">
-                <a16:creationId xmlns:a16="http://schemas.microsoft.com/office/drawing/2014/main" id="{EC5D7735-9641-45B1-BD27-5E69B5D41B3B}"/>
+          <p:cNvPr id="19" name="Рисунок 18">
+            <a:extLst>
+              <a:ext uri="{FF2B5EF4-FFF2-40B4-BE49-F238E27FC236}">
+                <a16:creationId xmlns:a16="http://schemas.microsoft.com/office/drawing/2014/main" id="{BA589EFC-3E18-44C2-BF47-7D095513EDF2}"/>
               </a:ext>
             </a:extLst>
           </p:cNvPr>
@@ -6568,8 +6523,64 @@
         </p:blipFill>
         <p:spPr>
           <a:xfrm>
-            <a:off x="1371600" y="1525893"/>
-            <a:ext cx="3886200" cy="4951106"/>
+            <a:off x="6096001" y="1373329"/>
+            <a:ext cx="5097973" cy="2493890"/>
+          </a:xfrm>
+          <a:prstGeom prst="rect">
+            <a:avLst/>
+          </a:prstGeom>
+        </p:spPr>
+      </p:pic>
+      <p:pic>
+        <p:nvPicPr>
+          <p:cNvPr id="20" name="Рисунок 19">
+            <a:extLst>
+              <a:ext uri="{FF2B5EF4-FFF2-40B4-BE49-F238E27FC236}">
+                <a16:creationId xmlns:a16="http://schemas.microsoft.com/office/drawing/2014/main" id="{E834973B-E3A2-43BD-8D14-0D226F74F526}"/>
+              </a:ext>
+            </a:extLst>
+          </p:cNvPr>
+          <p:cNvPicPr/>
+          <p:nvPr/>
+        </p:nvPicPr>
+        <p:blipFill>
+          <a:blip r:embed="rId5"/>
+          <a:stretch>
+            <a:fillRect/>
+          </a:stretch>
+        </p:blipFill>
+        <p:spPr>
+          <a:xfrm>
+            <a:off x="1005139" y="3838645"/>
+            <a:ext cx="5097974" cy="2493890"/>
+          </a:xfrm>
+          <a:prstGeom prst="rect">
+            <a:avLst/>
+          </a:prstGeom>
+        </p:spPr>
+      </p:pic>
+      <p:pic>
+        <p:nvPicPr>
+          <p:cNvPr id="21" name="Рисунок 20">
+            <a:extLst>
+              <a:ext uri="{FF2B5EF4-FFF2-40B4-BE49-F238E27FC236}">
+                <a16:creationId xmlns:a16="http://schemas.microsoft.com/office/drawing/2014/main" id="{64CDCC1B-8EC8-4B55-B27A-8939EF170ECC}"/>
+              </a:ext>
+            </a:extLst>
+          </p:cNvPr>
+          <p:cNvPicPr/>
+          <p:nvPr/>
+        </p:nvPicPr>
+        <p:blipFill>
+          <a:blip r:embed="rId6"/>
+          <a:stretch>
+            <a:fillRect/>
+          </a:stretch>
+        </p:blipFill>
+        <p:spPr>
+          <a:xfrm>
+            <a:off x="6095873" y="3829051"/>
+            <a:ext cx="5097974" cy="2493890"/>
           </a:xfrm>
           <a:prstGeom prst="rect">
             <a:avLst/>
@@ -6579,7 +6590,7 @@
     </p:spTree>
     <p:extLst>
       <p:ext uri="{BB962C8B-B14F-4D97-AF65-F5344CB8AC3E}">
-        <p14:creationId xmlns:p14="http://schemas.microsoft.com/office/powerpoint/2010/main" val="3760270214"/>
+        <p14:creationId xmlns:p14="http://schemas.microsoft.com/office/powerpoint/2010/main" val="114794431"/>
       </p:ext>
     </p:extLst>
   </p:cSld>
@@ -6639,7 +6650,7 @@
                 <a:latin typeface="Times New Roman" panose="02020603050405020304" pitchFamily="18" charset="0"/>
                 <a:cs typeface="Times New Roman" panose="02020603050405020304" pitchFamily="18" charset="0"/>
               </a:rPr>
-              <a:t>Проектирование</a:t>
+              <a:t>Реализация</a:t>
             </a:r>
             <a:br>
               <a:rPr lang="ru-RU" sz="3600" b="1" spc="-5" dirty="0">
@@ -6655,7 +6666,7 @@
                 <a:latin typeface="Times New Roman" panose="02020603050405020304" pitchFamily="18" charset="0"/>
                 <a:cs typeface="Times New Roman" panose="02020603050405020304" pitchFamily="18" charset="0"/>
               </a:rPr>
-              <a:t>Макеты интерфейса</a:t>
+              <a:t>Диаграмма пакетов</a:t>
             </a:r>
             <a:endParaRPr lang="ru-RU" sz="2400" b="1" dirty="0"/>
           </a:p>
@@ -6921,10 +6932,10 @@
       </p:sp>
       <p:pic>
         <p:nvPicPr>
-          <p:cNvPr id="18" name="Рисунок 17">
-            <a:extLst>
-              <a:ext uri="{FF2B5EF4-FFF2-40B4-BE49-F238E27FC236}">
-                <a16:creationId xmlns:a16="http://schemas.microsoft.com/office/drawing/2014/main" id="{97A6F558-8B60-4792-B461-F6467D3F92E7}"/>
+          <p:cNvPr id="8" name="Рисунок 7">
+            <a:extLst>
+              <a:ext uri="{FF2B5EF4-FFF2-40B4-BE49-F238E27FC236}">
+                <a16:creationId xmlns:a16="http://schemas.microsoft.com/office/drawing/2014/main" id="{36AFC2D1-B84E-4554-B938-AE1275711ED4}"/>
               </a:ext>
             </a:extLst>
           </p:cNvPr>
@@ -6939,92 +6950,8 @@
         </p:blipFill>
         <p:spPr>
           <a:xfrm>
-            <a:off x="1012250" y="1367494"/>
-            <a:ext cx="5097974" cy="2493890"/>
-          </a:xfrm>
-          <a:prstGeom prst="rect">
-            <a:avLst/>
-          </a:prstGeom>
-        </p:spPr>
-      </p:pic>
-      <p:pic>
-        <p:nvPicPr>
-          <p:cNvPr id="19" name="Рисунок 18">
-            <a:extLst>
-              <a:ext uri="{FF2B5EF4-FFF2-40B4-BE49-F238E27FC236}">
-                <a16:creationId xmlns:a16="http://schemas.microsoft.com/office/drawing/2014/main" id="{BA589EFC-3E18-44C2-BF47-7D095513EDF2}"/>
-              </a:ext>
-            </a:extLst>
-          </p:cNvPr>
-          <p:cNvPicPr/>
-          <p:nvPr/>
-        </p:nvPicPr>
-        <p:blipFill>
-          <a:blip r:embed="rId4"/>
-          <a:stretch>
-            <a:fillRect/>
-          </a:stretch>
-        </p:blipFill>
-        <p:spPr>
-          <a:xfrm>
-            <a:off x="6096001" y="1373329"/>
-            <a:ext cx="5097973" cy="2493890"/>
-          </a:xfrm>
-          <a:prstGeom prst="rect">
-            <a:avLst/>
-          </a:prstGeom>
-        </p:spPr>
-      </p:pic>
-      <p:pic>
-        <p:nvPicPr>
-          <p:cNvPr id="20" name="Рисунок 19">
-            <a:extLst>
-              <a:ext uri="{FF2B5EF4-FFF2-40B4-BE49-F238E27FC236}">
-                <a16:creationId xmlns:a16="http://schemas.microsoft.com/office/drawing/2014/main" id="{E834973B-E3A2-43BD-8D14-0D226F74F526}"/>
-              </a:ext>
-            </a:extLst>
-          </p:cNvPr>
-          <p:cNvPicPr/>
-          <p:nvPr/>
-        </p:nvPicPr>
-        <p:blipFill>
-          <a:blip r:embed="rId5"/>
-          <a:stretch>
-            <a:fillRect/>
-          </a:stretch>
-        </p:blipFill>
-        <p:spPr>
-          <a:xfrm>
-            <a:off x="1005139" y="3838645"/>
-            <a:ext cx="5097974" cy="2493890"/>
-          </a:xfrm>
-          <a:prstGeom prst="rect">
-            <a:avLst/>
-          </a:prstGeom>
-        </p:spPr>
-      </p:pic>
-      <p:pic>
-        <p:nvPicPr>
-          <p:cNvPr id="21" name="Рисунок 20">
-            <a:extLst>
-              <a:ext uri="{FF2B5EF4-FFF2-40B4-BE49-F238E27FC236}">
-                <a16:creationId xmlns:a16="http://schemas.microsoft.com/office/drawing/2014/main" id="{64CDCC1B-8EC8-4B55-B27A-8939EF170ECC}"/>
-              </a:ext>
-            </a:extLst>
-          </p:cNvPr>
-          <p:cNvPicPr/>
-          <p:nvPr/>
-        </p:nvPicPr>
-        <p:blipFill>
-          <a:blip r:embed="rId6"/>
-          <a:stretch>
-            <a:fillRect/>
-          </a:stretch>
-        </p:blipFill>
-        <p:spPr>
-          <a:xfrm>
-            <a:off x="6095873" y="3829051"/>
-            <a:ext cx="5097974" cy="2493890"/>
+            <a:off x="2405856" y="1683001"/>
+            <a:ext cx="7380288" cy="4452938"/>
           </a:xfrm>
           <a:prstGeom prst="rect">
             <a:avLst/>
@@ -7034,7 +6961,7 @@
     </p:spTree>
     <p:extLst>
       <p:ext uri="{BB962C8B-B14F-4D97-AF65-F5344CB8AC3E}">
-        <p14:creationId xmlns:p14="http://schemas.microsoft.com/office/powerpoint/2010/main" val="114794431"/>
+        <p14:creationId xmlns:p14="http://schemas.microsoft.com/office/powerpoint/2010/main" val="2733110833"/>
       </p:ext>
     </p:extLst>
   </p:cSld>
@@ -7094,7 +7021,7 @@
                 <a:latin typeface="Times New Roman" panose="02020603050405020304" pitchFamily="18" charset="0"/>
                 <a:cs typeface="Times New Roman" panose="02020603050405020304" pitchFamily="18" charset="0"/>
               </a:rPr>
-              <a:t>Реализация</a:t>
+              <a:t>Тестирование</a:t>
             </a:r>
             <a:br>
               <a:rPr lang="ru-RU" sz="3600" b="1" spc="-5" dirty="0">
@@ -7102,16 +7029,6 @@
                 <a:cs typeface="Times New Roman" panose="02020603050405020304" pitchFamily="18" charset="0"/>
               </a:rPr>
             </a:br>
-            <a:r>
-              <a:rPr lang="ru-RU" sz="2400" b="1" spc="15" dirty="0">
-                <a:solidFill>
-                  <a:srgbClr val="92D050"/>
-                </a:solidFill>
-                <a:latin typeface="Times New Roman" panose="02020603050405020304" pitchFamily="18" charset="0"/>
-                <a:cs typeface="Times New Roman" panose="02020603050405020304" pitchFamily="18" charset="0"/>
-              </a:rPr>
-              <a:t>Диаграмма пакетов</a:t>
-            </a:r>
             <a:endParaRPr lang="ru-RU" sz="2400" b="1" dirty="0"/>
           </a:p>
         </p:txBody>
@@ -7376,10 +7293,10 @@
       </p:sp>
       <p:pic>
         <p:nvPicPr>
-          <p:cNvPr id="8" name="Рисунок 7">
-            <a:extLst>
-              <a:ext uri="{FF2B5EF4-FFF2-40B4-BE49-F238E27FC236}">
-                <a16:creationId xmlns:a16="http://schemas.microsoft.com/office/drawing/2014/main" id="{36AFC2D1-B84E-4554-B938-AE1275711ED4}"/>
+          <p:cNvPr id="14" name="Рисунок 13">
+            <a:extLst>
+              <a:ext uri="{FF2B5EF4-FFF2-40B4-BE49-F238E27FC236}">
+                <a16:creationId xmlns:a16="http://schemas.microsoft.com/office/drawing/2014/main" id="{04056743-9390-419D-B60B-04A31362A3FA}"/>
               </a:ext>
             </a:extLst>
           </p:cNvPr>
@@ -7394,8 +7311,36 @@
         </p:blipFill>
         <p:spPr>
           <a:xfrm>
-            <a:off x="2405856" y="1683001"/>
-            <a:ext cx="7380288" cy="4452938"/>
+            <a:off x="3125787" y="1015120"/>
+            <a:ext cx="5940425" cy="2689860"/>
+          </a:xfrm>
+          <a:prstGeom prst="rect">
+            <a:avLst/>
+          </a:prstGeom>
+        </p:spPr>
+      </p:pic>
+      <p:pic>
+        <p:nvPicPr>
+          <p:cNvPr id="15" name="Рисунок 14">
+            <a:extLst>
+              <a:ext uri="{FF2B5EF4-FFF2-40B4-BE49-F238E27FC236}">
+                <a16:creationId xmlns:a16="http://schemas.microsoft.com/office/drawing/2014/main" id="{E3570E67-BAAB-4104-B352-9699B5CBBCBF}"/>
+              </a:ext>
+            </a:extLst>
+          </p:cNvPr>
+          <p:cNvPicPr/>
+          <p:nvPr/>
+        </p:nvPicPr>
+        <p:blipFill>
+          <a:blip r:embed="rId4"/>
+          <a:stretch>
+            <a:fillRect/>
+          </a:stretch>
+        </p:blipFill>
+        <p:spPr>
+          <a:xfrm>
+            <a:off x="3125787" y="3794759"/>
+            <a:ext cx="5940425" cy="2682240"/>
           </a:xfrm>
           <a:prstGeom prst="rect">
             <a:avLst/>
@@ -7405,7 +7350,7 @@
     </p:spTree>
     <p:extLst>
       <p:ext uri="{BB962C8B-B14F-4D97-AF65-F5344CB8AC3E}">
-        <p14:creationId xmlns:p14="http://schemas.microsoft.com/office/powerpoint/2010/main" val="2733110833"/>
+        <p14:creationId xmlns:p14="http://schemas.microsoft.com/office/powerpoint/2010/main" val="3933491286"/>
       </p:ext>
     </p:extLst>
   </p:cSld>
@@ -7737,10 +7682,10 @@
       </p:sp>
       <p:pic>
         <p:nvPicPr>
-          <p:cNvPr id="14" name="Рисунок 13">
-            <a:extLst>
-              <a:ext uri="{FF2B5EF4-FFF2-40B4-BE49-F238E27FC236}">
-                <a16:creationId xmlns:a16="http://schemas.microsoft.com/office/drawing/2014/main" id="{04056743-9390-419D-B60B-04A31362A3FA}"/>
+          <p:cNvPr id="18" name="Рисунок 17">
+            <a:extLst>
+              <a:ext uri="{FF2B5EF4-FFF2-40B4-BE49-F238E27FC236}">
+                <a16:creationId xmlns:a16="http://schemas.microsoft.com/office/drawing/2014/main" id="{8C0FBF5A-F94C-4612-A3C2-1BDBDA7EA3BF}"/>
               </a:ext>
             </a:extLst>
           </p:cNvPr>
@@ -7755,8 +7700,8 @@
         </p:blipFill>
         <p:spPr>
           <a:xfrm>
-            <a:off x="3125787" y="1015120"/>
-            <a:ext cx="5940425" cy="2689860"/>
+            <a:off x="3601405" y="923190"/>
+            <a:ext cx="5433060" cy="2774560"/>
           </a:xfrm>
           <a:prstGeom prst="rect">
             <a:avLst/>
@@ -7765,10 +7710,10 @@
       </p:pic>
       <p:pic>
         <p:nvPicPr>
-          <p:cNvPr id="15" name="Рисунок 14">
-            <a:extLst>
-              <a:ext uri="{FF2B5EF4-FFF2-40B4-BE49-F238E27FC236}">
-                <a16:creationId xmlns:a16="http://schemas.microsoft.com/office/drawing/2014/main" id="{E3570E67-BAAB-4104-B352-9699B5CBBCBF}"/>
+          <p:cNvPr id="19" name="Рисунок 18">
+            <a:extLst>
+              <a:ext uri="{FF2B5EF4-FFF2-40B4-BE49-F238E27FC236}">
+                <a16:creationId xmlns:a16="http://schemas.microsoft.com/office/drawing/2014/main" id="{6AD03514-C9AA-4D55-A4C1-85B728982FA2}"/>
               </a:ext>
             </a:extLst>
           </p:cNvPr>
@@ -7783,8 +7728,8 @@
         </p:blipFill>
         <p:spPr>
           <a:xfrm>
-            <a:off x="3125787" y="3794759"/>
-            <a:ext cx="5940425" cy="2682240"/>
+            <a:off x="3601406" y="3933825"/>
+            <a:ext cx="5433060" cy="2575214"/>
           </a:xfrm>
           <a:prstGeom prst="rect">
             <a:avLst/>
@@ -7794,7 +7739,7 @@
     </p:spTree>
     <p:extLst>
       <p:ext uri="{BB962C8B-B14F-4D97-AF65-F5344CB8AC3E}">
-        <p14:creationId xmlns:p14="http://schemas.microsoft.com/office/powerpoint/2010/main" val="3933491286"/>
+        <p14:creationId xmlns:p14="http://schemas.microsoft.com/office/powerpoint/2010/main" val="3633498959"/>
       </p:ext>
     </p:extLst>
   </p:cSld>
@@ -8129,7 +8074,7 @@
           <p:cNvPr id="18" name="Рисунок 17">
             <a:extLst>
               <a:ext uri="{FF2B5EF4-FFF2-40B4-BE49-F238E27FC236}">
-                <a16:creationId xmlns:a16="http://schemas.microsoft.com/office/drawing/2014/main" id="{8C0FBF5A-F94C-4612-A3C2-1BDBDA7EA3BF}"/>
+                <a16:creationId xmlns:a16="http://schemas.microsoft.com/office/drawing/2014/main" id="{5CE6C0CA-608D-4230-BA45-1DE6663A0E90}"/>
               </a:ext>
             </a:extLst>
           </p:cNvPr>
@@ -8144,8 +8089,8 @@
         </p:blipFill>
         <p:spPr>
           <a:xfrm>
-            <a:off x="3601405" y="923190"/>
-            <a:ext cx="5433060" cy="2774560"/>
+            <a:off x="3347722" y="915180"/>
+            <a:ext cx="5940425" cy="2792095"/>
           </a:xfrm>
           <a:prstGeom prst="rect">
             <a:avLst/>
@@ -8157,7 +8102,7 @@
           <p:cNvPr id="19" name="Рисунок 18">
             <a:extLst>
               <a:ext uri="{FF2B5EF4-FFF2-40B4-BE49-F238E27FC236}">
-                <a16:creationId xmlns:a16="http://schemas.microsoft.com/office/drawing/2014/main" id="{6AD03514-C9AA-4D55-A4C1-85B728982FA2}"/>
+                <a16:creationId xmlns:a16="http://schemas.microsoft.com/office/drawing/2014/main" id="{6A6632AE-F5E4-49C2-AE94-9B7F4BB11BD2}"/>
               </a:ext>
             </a:extLst>
           </p:cNvPr>
@@ -8172,8 +8117,8 @@
         </p:blipFill>
         <p:spPr>
           <a:xfrm>
-            <a:off x="3601406" y="3933825"/>
-            <a:ext cx="5433060" cy="2575214"/>
+            <a:off x="3347723" y="3819915"/>
+            <a:ext cx="5940425" cy="2826385"/>
           </a:xfrm>
           <a:prstGeom prst="rect">
             <a:avLst/>
@@ -8183,7 +8128,7 @@
     </p:spTree>
     <p:extLst>
       <p:ext uri="{BB962C8B-B14F-4D97-AF65-F5344CB8AC3E}">
-        <p14:creationId xmlns:p14="http://schemas.microsoft.com/office/powerpoint/2010/main" val="3633498959"/>
+        <p14:creationId xmlns:p14="http://schemas.microsoft.com/office/powerpoint/2010/main" val="2123573189"/>
       </p:ext>
     </p:extLst>
   </p:cSld>
@@ -8513,66 +8458,38 @@
           </a:p>
         </p:txBody>
       </p:sp>
-      <p:pic>
-        <p:nvPicPr>
-          <p:cNvPr id="18" name="Рисунок 17">
-            <a:extLst>
-              <a:ext uri="{FF2B5EF4-FFF2-40B4-BE49-F238E27FC236}">
-                <a16:creationId xmlns:a16="http://schemas.microsoft.com/office/drawing/2014/main" id="{5CE6C0CA-608D-4230-BA45-1DE6663A0E90}"/>
-              </a:ext>
-            </a:extLst>
-          </p:cNvPr>
-          <p:cNvPicPr/>
-          <p:nvPr/>
-        </p:nvPicPr>
-        <p:blipFill>
-          <a:blip r:embed="rId3"/>
-          <a:stretch>
-            <a:fillRect/>
-          </a:stretch>
-        </p:blipFill>
-        <p:spPr>
-          <a:xfrm>
-            <a:off x="3347722" y="915180"/>
-            <a:ext cx="5940425" cy="2792095"/>
-          </a:xfrm>
-          <a:prstGeom prst="rect">
-            <a:avLst/>
-          </a:prstGeom>
-        </p:spPr>
-      </p:pic>
-      <p:pic>
-        <p:nvPicPr>
-          <p:cNvPr id="19" name="Рисунок 18">
-            <a:extLst>
-              <a:ext uri="{FF2B5EF4-FFF2-40B4-BE49-F238E27FC236}">
-                <a16:creationId xmlns:a16="http://schemas.microsoft.com/office/drawing/2014/main" id="{6A6632AE-F5E4-49C2-AE94-9B7F4BB11BD2}"/>
-              </a:ext>
-            </a:extLst>
-          </p:cNvPr>
-          <p:cNvPicPr/>
-          <p:nvPr/>
-        </p:nvPicPr>
-        <p:blipFill>
-          <a:blip r:embed="rId4"/>
-          <a:stretch>
-            <a:fillRect/>
-          </a:stretch>
-        </p:blipFill>
-        <p:spPr>
-          <a:xfrm>
-            <a:off x="3347723" y="3819915"/>
-            <a:ext cx="5940425" cy="2826385"/>
-          </a:xfrm>
-          <a:prstGeom prst="rect">
-            <a:avLst/>
-          </a:prstGeom>
-        </p:spPr>
-      </p:pic>
+      <p:graphicFrame>
+        <p:nvGraphicFramePr>
+          <p:cNvPr id="5" name="Диаграмма 4">
+            <a:extLst>
+              <a:ext uri="{FF2B5EF4-FFF2-40B4-BE49-F238E27FC236}">
+                <a16:creationId xmlns:a16="http://schemas.microsoft.com/office/drawing/2014/main" id="{D579F6EE-72F1-4AED-B6ED-1333704710A2}"/>
+              </a:ext>
+            </a:extLst>
+          </p:cNvPr>
+          <p:cNvGraphicFramePr/>
+          <p:nvPr>
+            <p:extLst>
+              <p:ext uri="{D42A27DB-BD31-4B8C-83A1-F6EECF244321}">
+                <p14:modId xmlns:p14="http://schemas.microsoft.com/office/powerpoint/2010/main" val="1100678202"/>
+              </p:ext>
+            </p:extLst>
+          </p:nvPr>
+        </p:nvGraphicFramePr>
+        <p:xfrm>
+          <a:off x="2032000" y="719666"/>
+          <a:ext cx="8128000" cy="5418667"/>
+        </p:xfrm>
+        <a:graphic>
+          <a:graphicData uri="http://schemas.openxmlformats.org/drawingml/2006/chart">
+            <c:chart xmlns:c="http://schemas.openxmlformats.org/drawingml/2006/chart" xmlns:r="http://schemas.openxmlformats.org/officeDocument/2006/relationships" r:id="rId3"/>
+          </a:graphicData>
+        </a:graphic>
+      </p:graphicFrame>
     </p:spTree>
     <p:extLst>
       <p:ext uri="{BB962C8B-B14F-4D97-AF65-F5344CB8AC3E}">
-        <p14:creationId xmlns:p14="http://schemas.microsoft.com/office/powerpoint/2010/main" val="2123573189"/>
+        <p14:creationId xmlns:p14="http://schemas.microsoft.com/office/powerpoint/2010/main" val="105225292"/>
       </p:ext>
     </p:extLst>
   </p:cSld>
@@ -8632,7 +8549,7 @@
                 <a:latin typeface="Times New Roman" panose="02020603050405020304" pitchFamily="18" charset="0"/>
                 <a:cs typeface="Times New Roman" panose="02020603050405020304" pitchFamily="18" charset="0"/>
               </a:rPr>
-              <a:t>Тестирование</a:t>
+              <a:t>Заключение</a:t>
             </a:r>
             <a:br>
               <a:rPr lang="ru-RU" sz="3600" b="1" spc="-5" dirty="0">
@@ -8641,6 +8558,836 @@
               </a:rPr>
             </a:br>
             <a:endParaRPr lang="ru-RU" sz="2400" b="1" dirty="0"/>
+          </a:p>
+        </p:txBody>
+      </p:sp>
+      <p:sp>
+        <p:nvSpPr>
+          <p:cNvPr id="14" name="TextBox 13">
+            <a:extLst>
+              <a:ext uri="{FF2B5EF4-FFF2-40B4-BE49-F238E27FC236}">
+                <a16:creationId xmlns:a16="http://schemas.microsoft.com/office/drawing/2014/main" id="{995A966E-DA39-4785-B3BF-7857AC9AC00F}"/>
+              </a:ext>
+            </a:extLst>
+          </p:cNvPr>
+          <p:cNvSpPr txBox="1"/>
+          <p:nvPr/>
+        </p:nvSpPr>
+        <p:spPr>
+          <a:xfrm>
+            <a:off x="609599" y="1689062"/>
+            <a:ext cx="10363201" cy="3820533"/>
+          </a:xfrm>
+          <a:prstGeom prst="rect">
+            <a:avLst/>
+          </a:prstGeom>
+          <a:noFill/>
+        </p:spPr>
+        <p:txBody>
+          <a:bodyPr wrap="square">
+            <a:spAutoFit/>
+          </a:bodyPr>
+          <a:lstStyle/>
+          <a:p>
+            <a:pPr marL="12700" marR="5080" algn="just">
+              <a:lnSpc>
+                <a:spcPct val="150000"/>
+              </a:lnSpc>
+              <a:spcBef>
+                <a:spcPts val="100"/>
+              </a:spcBef>
+            </a:pPr>
+            <a:r>
+              <a:rPr lang="ru-RU" dirty="0">
+                <a:latin typeface="Times New Roman" panose="02020603050405020304" pitchFamily="18" charset="0"/>
+                <a:cs typeface="Times New Roman" panose="02020603050405020304" pitchFamily="18" charset="0"/>
+              </a:rPr>
+              <a:t>	В ходе выполнения работы был разработан программный комплекс интеллектуального поиска в </a:t>
+            </a:r>
+            <a:r>
+              <a:rPr lang="ru-RU">
+                <a:latin typeface="Times New Roman" panose="02020603050405020304" pitchFamily="18" charset="0"/>
+                <a:cs typeface="Times New Roman" panose="02020603050405020304" pitchFamily="18" charset="0"/>
+              </a:rPr>
+              <a:t>корпоративных документах, </a:t>
+            </a:r>
+            <a:r>
+              <a:rPr lang="ru-RU" dirty="0">
+                <a:latin typeface="Times New Roman" panose="02020603050405020304" pitchFamily="18" charset="0"/>
+                <a:cs typeface="Times New Roman" panose="02020603050405020304" pitchFamily="18" charset="0"/>
+              </a:rPr>
+              <a:t>который позволяет повысить эффективность работы с информационными данными, что поможет ускорить бизнес-процессы.</a:t>
+            </a:r>
+          </a:p>
+          <a:p>
+            <a:pPr marL="12700" marR="5080" algn="just">
+              <a:lnSpc>
+                <a:spcPct val="150000"/>
+              </a:lnSpc>
+              <a:spcBef>
+                <a:spcPts val="100"/>
+              </a:spcBef>
+            </a:pPr>
+            <a:r>
+              <a:rPr lang="ru-RU" dirty="0">
+                <a:latin typeface="Times New Roman" panose="02020603050405020304" pitchFamily="18" charset="0"/>
+                <a:cs typeface="Times New Roman" panose="02020603050405020304" pitchFamily="18" charset="0"/>
+              </a:rPr>
+              <a:t>	Дальнейшее развитие программного комплекса планируется в рамках магистерской диссертации.</a:t>
+            </a:r>
+          </a:p>
+          <a:p>
+            <a:pPr marL="12700" marR="5080" algn="just">
+              <a:lnSpc>
+                <a:spcPct val="150000"/>
+              </a:lnSpc>
+              <a:spcBef>
+                <a:spcPts val="100"/>
+              </a:spcBef>
+            </a:pPr>
+            <a:r>
+              <a:rPr lang="ru-RU" dirty="0">
+                <a:latin typeface="Times New Roman" panose="02020603050405020304" pitchFamily="18" charset="0"/>
+                <a:cs typeface="Times New Roman" panose="02020603050405020304" pitchFamily="18" charset="0"/>
+              </a:rPr>
+              <a:t>	По теме бакалаврской работы была подготовлена статья</a:t>
+            </a:r>
+            <a:r>
+              <a:rPr lang="en-US" dirty="0">
+                <a:latin typeface="Times New Roman" panose="02020603050405020304" pitchFamily="18" charset="0"/>
+                <a:cs typeface="Times New Roman" panose="02020603050405020304" pitchFamily="18" charset="0"/>
+              </a:rPr>
+              <a:t>:</a:t>
+            </a:r>
+            <a:endParaRPr lang="ru-RU" dirty="0">
+              <a:latin typeface="Times New Roman" panose="02020603050405020304" pitchFamily="18" charset="0"/>
+              <a:cs typeface="Times New Roman" panose="02020603050405020304" pitchFamily="18" charset="0"/>
+            </a:endParaRPr>
+          </a:p>
+          <a:p>
+            <a:pPr marL="298450" marR="5080" indent="-285750" algn="just">
+              <a:lnSpc>
+                <a:spcPct val="150000"/>
+              </a:lnSpc>
+              <a:spcBef>
+                <a:spcPts val="100"/>
+              </a:spcBef>
+              <a:buFont typeface="Arial" panose="020B0604020202020204" pitchFamily="34" charset="0"/>
+              <a:buChar char="•"/>
+            </a:pPr>
+            <a:r>
+              <a:rPr lang="ru-RU" dirty="0">
+                <a:latin typeface="Times New Roman" panose="02020603050405020304" pitchFamily="18" charset="0"/>
+                <a:cs typeface="Times New Roman" panose="02020603050405020304" pitchFamily="18" charset="0"/>
+              </a:rPr>
+              <a:t>Бекиш Е.П. Система интеллектуального поиска в корпоративных базах знаний // </a:t>
+            </a:r>
+            <a:r>
+              <a:rPr lang="ru-RU" sz="1800" dirty="0">
+                <a:solidFill>
+                  <a:srgbClr val="000000"/>
+                </a:solidFill>
+                <a:effectLst/>
+                <a:latin typeface="Times New Roman" panose="02020603050405020304" pitchFamily="18" charset="0"/>
+                <a:ea typeface="Times New Roman" panose="02020603050405020304" pitchFamily="18" charset="0"/>
+              </a:rPr>
+              <a:t>XIII Региональная научно-практическая конференция «НАУКА И ПРАКТИКА: ПРОЕКТНАЯ ДЕЯТЕЛЬНОСТЬ – ОТ ИДЕИ ДО ВНЕДРЕНИЯ – 2024»</a:t>
+            </a:r>
+            <a:r>
+              <a:rPr lang="ru-RU" dirty="0">
+                <a:solidFill>
+                  <a:srgbClr val="000000"/>
+                </a:solidFill>
+                <a:latin typeface="Times New Roman" panose="02020603050405020304" pitchFamily="18" charset="0"/>
+                <a:ea typeface="Times New Roman" panose="02020603050405020304" pitchFamily="18" charset="0"/>
+              </a:rPr>
+              <a:t>. Принято к публикации.</a:t>
+            </a:r>
+            <a:endParaRPr lang="ru-RU" dirty="0">
+              <a:latin typeface="Times New Roman" panose="02020603050405020304" pitchFamily="18" charset="0"/>
+              <a:cs typeface="Times New Roman" panose="02020603050405020304" pitchFamily="18" charset="0"/>
+            </a:endParaRPr>
+          </a:p>
+        </p:txBody>
+      </p:sp>
+    </p:spTree>
+    <p:extLst>
+      <p:ext uri="{BB962C8B-B14F-4D97-AF65-F5344CB8AC3E}">
+        <p14:creationId xmlns:p14="http://schemas.microsoft.com/office/powerpoint/2010/main" val="2160518405"/>
+      </p:ext>
+    </p:extLst>
+  </p:cSld>
+  <p:clrMapOvr>
+    <a:masterClrMapping/>
+  </p:clrMapOvr>
+</p:sld>
+</file>
+
+<file path=ppt/slides/slide2.xml><?xml version="1.0" encoding="utf-8"?>
+<p:sld xmlns:a="http://schemas.openxmlformats.org/drawingml/2006/main" xmlns:r="http://schemas.openxmlformats.org/officeDocument/2006/relationships" xmlns:p="http://schemas.openxmlformats.org/presentationml/2006/main">
+  <p:cSld>
+    <p:spTree>
+      <p:nvGrpSpPr>
+        <p:cNvPr id="1" name=""/>
+        <p:cNvGrpSpPr/>
+        <p:nvPr/>
+      </p:nvGrpSpPr>
+      <p:grpSpPr>
+        <a:xfrm>
+          <a:off x="0" y="0"/>
+          <a:ext cx="0" cy="0"/>
+          <a:chOff x="0" y="0"/>
+          <a:chExt cx="0" cy="0"/>
+        </a:xfrm>
+      </p:grpSpPr>
+      <p:sp>
+        <p:nvSpPr>
+          <p:cNvPr id="2" name="object 2"/>
+          <p:cNvSpPr txBox="1">
+            <a:spLocks noGrp="1"/>
+          </p:cNvSpPr>
+          <p:nvPr>
+            <p:ph type="title"/>
+          </p:nvPr>
+        </p:nvSpPr>
+        <p:spPr>
+          <a:xfrm>
+            <a:off x="789182" y="381000"/>
+            <a:ext cx="3889375" cy="566822"/>
+          </a:xfrm>
+          <a:prstGeom prst="rect">
+            <a:avLst/>
+          </a:prstGeom>
+        </p:spPr>
+        <p:txBody>
+          <a:bodyPr vert="horz" wrap="square" lIns="0" tIns="12700" rIns="0" bIns="0" rtlCol="0">
+            <a:spAutoFit/>
+          </a:bodyPr>
+          <a:lstStyle/>
+          <a:p>
+            <a:pPr marL="12700">
+              <a:lnSpc>
+                <a:spcPct val="100000"/>
+              </a:lnSpc>
+              <a:spcBef>
+                <a:spcPts val="100"/>
+              </a:spcBef>
+            </a:pPr>
+            <a:r>
+              <a:rPr b="1" spc="-5" dirty="0">
+                <a:latin typeface="Times New Roman" panose="02020603050405020304" pitchFamily="18" charset="0"/>
+                <a:cs typeface="Times New Roman" panose="02020603050405020304" pitchFamily="18" charset="0"/>
+              </a:rPr>
+              <a:t>Цель</a:t>
+            </a:r>
+            <a:r>
+              <a:rPr b="1" spc="-55" dirty="0">
+                <a:latin typeface="Times New Roman" panose="02020603050405020304" pitchFamily="18" charset="0"/>
+                <a:cs typeface="Times New Roman" panose="02020603050405020304" pitchFamily="18" charset="0"/>
+              </a:rPr>
+              <a:t> </a:t>
+            </a:r>
+            <a:r>
+              <a:rPr b="1" dirty="0">
+                <a:latin typeface="Times New Roman" panose="02020603050405020304" pitchFamily="18" charset="0"/>
+                <a:cs typeface="Times New Roman" panose="02020603050405020304" pitchFamily="18" charset="0"/>
+              </a:rPr>
+              <a:t>и</a:t>
+            </a:r>
+            <a:r>
+              <a:rPr b="1" spc="-50" dirty="0">
+                <a:latin typeface="Times New Roman" panose="02020603050405020304" pitchFamily="18" charset="0"/>
+                <a:cs typeface="Times New Roman" panose="02020603050405020304" pitchFamily="18" charset="0"/>
+              </a:rPr>
+              <a:t> </a:t>
+            </a:r>
+            <a:r>
+              <a:rPr b="1" spc="-5" dirty="0">
+                <a:latin typeface="Times New Roman" panose="02020603050405020304" pitchFamily="18" charset="0"/>
+                <a:cs typeface="Times New Roman" panose="02020603050405020304" pitchFamily="18" charset="0"/>
+              </a:rPr>
+              <a:t>задачи</a:t>
+            </a:r>
+          </a:p>
+        </p:txBody>
+      </p:sp>
+      <p:sp>
+        <p:nvSpPr>
+          <p:cNvPr id="3" name="object 3"/>
+          <p:cNvSpPr txBox="1"/>
+          <p:nvPr/>
+        </p:nvSpPr>
+        <p:spPr>
+          <a:xfrm>
+            <a:off x="789182" y="1222419"/>
+            <a:ext cx="10047605" cy="4342214"/>
+          </a:xfrm>
+          <a:prstGeom prst="rect">
+            <a:avLst/>
+          </a:prstGeom>
+        </p:spPr>
+        <p:txBody>
+          <a:bodyPr vert="horz" wrap="square" lIns="0" tIns="134620" rIns="0" bIns="0" rtlCol="0">
+            <a:spAutoFit/>
+          </a:bodyPr>
+          <a:lstStyle/>
+          <a:p>
+            <a:pPr marL="12700">
+              <a:lnSpc>
+                <a:spcPct val="100000"/>
+              </a:lnSpc>
+              <a:spcBef>
+                <a:spcPts val="1060"/>
+              </a:spcBef>
+            </a:pPr>
+            <a:r>
+              <a:rPr b="1" spc="-5" dirty="0">
+                <a:latin typeface="Times New Roman" panose="02020603050405020304" pitchFamily="18" charset="0"/>
+                <a:cs typeface="Times New Roman" panose="02020603050405020304" pitchFamily="18" charset="0"/>
+              </a:rPr>
+              <a:t>Цель</a:t>
+            </a:r>
+            <a:r>
+              <a:rPr b="1" spc="-55" dirty="0">
+                <a:latin typeface="Times New Roman" panose="02020603050405020304" pitchFamily="18" charset="0"/>
+                <a:cs typeface="Times New Roman" panose="02020603050405020304" pitchFamily="18" charset="0"/>
+              </a:rPr>
+              <a:t> </a:t>
+            </a:r>
+            <a:r>
+              <a:rPr b="1" spc="-5" dirty="0">
+                <a:latin typeface="Times New Roman" panose="02020603050405020304" pitchFamily="18" charset="0"/>
+                <a:cs typeface="Times New Roman" panose="02020603050405020304" pitchFamily="18" charset="0"/>
+              </a:rPr>
+              <a:t>работы</a:t>
+            </a:r>
+            <a:endParaRPr b="1" dirty="0">
+              <a:latin typeface="Times New Roman" panose="02020603050405020304" pitchFamily="18" charset="0"/>
+              <a:cs typeface="Times New Roman" panose="02020603050405020304" pitchFamily="18" charset="0"/>
+            </a:endParaRPr>
+          </a:p>
+          <a:p>
+            <a:pPr indent="450215" algn="just">
+              <a:lnSpc>
+                <a:spcPct val="150000"/>
+              </a:lnSpc>
+              <a:spcAft>
+                <a:spcPts val="800"/>
+              </a:spcAft>
+            </a:pPr>
+            <a:r>
+              <a:rPr lang="ru-RU" sz="1800" dirty="0">
+                <a:solidFill>
+                  <a:srgbClr val="000000"/>
+                </a:solidFill>
+                <a:effectLst/>
+                <a:latin typeface="Times New Roman" panose="02020603050405020304" pitchFamily="18" charset="0"/>
+                <a:ea typeface="Times New Roman" panose="02020603050405020304" pitchFamily="18" charset="0"/>
+              </a:rPr>
+              <a:t>разработать программный комплекс, который сокращает время доступа сотрудников к корпоративной информации за счет обработки запросов к внутренним документам предприятия, формата </a:t>
+            </a:r>
+            <a:r>
+              <a:rPr lang="en-US" sz="1800" dirty="0">
+                <a:solidFill>
+                  <a:srgbClr val="000000"/>
+                </a:solidFill>
+                <a:effectLst/>
+                <a:latin typeface="Times New Roman" panose="02020603050405020304" pitchFamily="18" charset="0"/>
+                <a:ea typeface="Times New Roman" panose="02020603050405020304" pitchFamily="18" charset="0"/>
+              </a:rPr>
+              <a:t>txt, pdf, docx, doc, pptx, ppt,</a:t>
+            </a:r>
+            <a:r>
+              <a:rPr lang="ru-RU" sz="1800" dirty="0">
+                <a:solidFill>
+                  <a:srgbClr val="000000"/>
+                </a:solidFill>
+                <a:effectLst/>
+                <a:latin typeface="Times New Roman" panose="02020603050405020304" pitchFamily="18" charset="0"/>
+                <a:ea typeface="Times New Roman" panose="02020603050405020304" pitchFamily="18" charset="0"/>
+              </a:rPr>
+              <a:t> на естественном языке и средствами ИИ.</a:t>
+            </a:r>
+            <a:endParaRPr b="1" dirty="0">
+              <a:latin typeface="Times New Roman" panose="02020603050405020304" pitchFamily="18" charset="0"/>
+              <a:cs typeface="Times New Roman" panose="02020603050405020304" pitchFamily="18" charset="0"/>
+            </a:endParaRPr>
+          </a:p>
+          <a:p>
+            <a:pPr>
+              <a:lnSpc>
+                <a:spcPct val="100000"/>
+              </a:lnSpc>
+              <a:spcBef>
+                <a:spcPts val="40"/>
+              </a:spcBef>
+            </a:pPr>
+            <a:endParaRPr b="1" dirty="0">
+              <a:latin typeface="Times New Roman" panose="02020603050405020304" pitchFamily="18" charset="0"/>
+              <a:cs typeface="Times New Roman" panose="02020603050405020304" pitchFamily="18" charset="0"/>
+            </a:endParaRPr>
+          </a:p>
+          <a:p>
+            <a:pPr marL="12700">
+              <a:lnSpc>
+                <a:spcPct val="100000"/>
+              </a:lnSpc>
+            </a:pPr>
+            <a:r>
+              <a:rPr b="1" spc="-5" dirty="0">
+                <a:latin typeface="Times New Roman" panose="02020603050405020304" pitchFamily="18" charset="0"/>
+                <a:cs typeface="Times New Roman" panose="02020603050405020304" pitchFamily="18" charset="0"/>
+              </a:rPr>
+              <a:t>Задачи:</a:t>
+            </a:r>
+            <a:endParaRPr b="1" dirty="0">
+              <a:latin typeface="Times New Roman" panose="02020603050405020304" pitchFamily="18" charset="0"/>
+              <a:cs typeface="Times New Roman" panose="02020603050405020304" pitchFamily="18" charset="0"/>
+            </a:endParaRPr>
+          </a:p>
+          <a:p>
+            <a:pPr marL="904875" indent="-400050">
+              <a:lnSpc>
+                <a:spcPct val="100000"/>
+              </a:lnSpc>
+              <a:spcBef>
+                <a:spcPts val="960"/>
+              </a:spcBef>
+              <a:buFont typeface="Microsoft Sans Serif"/>
+              <a:buAutoNum type="arabicPeriod"/>
+              <a:tabLst>
+                <a:tab pos="904875" algn="l"/>
+                <a:tab pos="905510" algn="l"/>
+              </a:tabLst>
+            </a:pPr>
+            <a:r>
+              <a:rPr lang="ru-RU" dirty="0">
+                <a:latin typeface="Times New Roman" panose="02020603050405020304" pitchFamily="18" charset="0"/>
+                <a:cs typeface="Times New Roman" panose="02020603050405020304" pitchFamily="18" charset="0"/>
+              </a:rPr>
+              <a:t>Провести анализ необходимых требований; </a:t>
+            </a:r>
+          </a:p>
+          <a:p>
+            <a:pPr marL="904875" indent="-400050">
+              <a:lnSpc>
+                <a:spcPct val="100000"/>
+              </a:lnSpc>
+              <a:spcBef>
+                <a:spcPts val="960"/>
+              </a:spcBef>
+              <a:buFont typeface="Microsoft Sans Serif"/>
+              <a:buAutoNum type="arabicPeriod"/>
+              <a:tabLst>
+                <a:tab pos="904875" algn="l"/>
+                <a:tab pos="905510" algn="l"/>
+              </a:tabLst>
+            </a:pPr>
+            <a:r>
+              <a:rPr lang="ru-RU" dirty="0">
+                <a:latin typeface="Times New Roman" panose="02020603050405020304" pitchFamily="18" charset="0"/>
+                <a:cs typeface="Times New Roman" panose="02020603050405020304" pitchFamily="18" charset="0"/>
+              </a:rPr>
+              <a:t>Определить спецификации и реализовать функциональные возможности; </a:t>
+            </a:r>
+          </a:p>
+          <a:p>
+            <a:pPr marL="904875" indent="-400050">
+              <a:lnSpc>
+                <a:spcPct val="100000"/>
+              </a:lnSpc>
+              <a:spcBef>
+                <a:spcPts val="960"/>
+              </a:spcBef>
+              <a:buFont typeface="Microsoft Sans Serif"/>
+              <a:buAutoNum type="arabicPeriod"/>
+              <a:tabLst>
+                <a:tab pos="904875" algn="l"/>
+                <a:tab pos="905510" algn="l"/>
+              </a:tabLst>
+            </a:pPr>
+            <a:r>
+              <a:rPr lang="ru-RU" spc="-5" dirty="0">
+                <a:latin typeface="Times New Roman" panose="02020603050405020304" pitchFamily="18" charset="0"/>
+                <a:cs typeface="Times New Roman" panose="02020603050405020304" pitchFamily="18" charset="0"/>
+              </a:rPr>
+              <a:t>Выполнить проектирование интерфейса и архитектуры</a:t>
+            </a:r>
+            <a:r>
+              <a:rPr lang="ru-RU" dirty="0">
+                <a:latin typeface="Times New Roman" panose="02020603050405020304" pitchFamily="18" charset="0"/>
+                <a:cs typeface="Times New Roman" panose="02020603050405020304" pitchFamily="18" charset="0"/>
+              </a:rPr>
+              <a:t>; </a:t>
+            </a:r>
+          </a:p>
+          <a:p>
+            <a:pPr marL="904875" indent="-400050">
+              <a:lnSpc>
+                <a:spcPct val="100000"/>
+              </a:lnSpc>
+              <a:spcBef>
+                <a:spcPts val="960"/>
+              </a:spcBef>
+              <a:buFont typeface="Microsoft Sans Serif"/>
+              <a:buAutoNum type="arabicPeriod"/>
+              <a:tabLst>
+                <a:tab pos="904875" algn="l"/>
+                <a:tab pos="905510" algn="l"/>
+              </a:tabLst>
+            </a:pPr>
+            <a:r>
+              <a:rPr lang="ru-RU" dirty="0">
+                <a:latin typeface="Times New Roman" panose="02020603050405020304" pitchFamily="18" charset="0"/>
+                <a:cs typeface="Times New Roman" panose="02020603050405020304" pitchFamily="18" charset="0"/>
+              </a:rPr>
+              <a:t>Реализация программного комплекса; </a:t>
+            </a:r>
+          </a:p>
+          <a:p>
+            <a:pPr marL="904875" indent="-400050">
+              <a:lnSpc>
+                <a:spcPct val="100000"/>
+              </a:lnSpc>
+              <a:spcBef>
+                <a:spcPts val="960"/>
+              </a:spcBef>
+              <a:buFont typeface="Microsoft Sans Serif"/>
+              <a:buAutoNum type="arabicPeriod"/>
+              <a:tabLst>
+                <a:tab pos="904875" algn="l"/>
+                <a:tab pos="905510" algn="l"/>
+              </a:tabLst>
+            </a:pPr>
+            <a:r>
+              <a:rPr lang="ru-RU" spc="-5" dirty="0">
+                <a:latin typeface="Times New Roman" panose="02020603050405020304" pitchFamily="18" charset="0"/>
+                <a:cs typeface="Times New Roman" panose="02020603050405020304" pitchFamily="18" charset="0"/>
+              </a:rPr>
+              <a:t>Тестирование программного комплекса.</a:t>
+            </a:r>
+          </a:p>
+        </p:txBody>
+      </p:sp>
+      <p:grpSp>
+        <p:nvGrpSpPr>
+          <p:cNvPr id="4" name="object 4"/>
+          <p:cNvGrpSpPr/>
+          <p:nvPr/>
+        </p:nvGrpSpPr>
+        <p:grpSpPr>
+          <a:xfrm>
+            <a:off x="10955850" y="6147124"/>
+            <a:ext cx="1236345" cy="488315"/>
+            <a:chOff x="10955850" y="6147124"/>
+            <a:chExt cx="1236345" cy="488315"/>
+          </a:xfrm>
+        </p:grpSpPr>
+        <p:pic>
+          <p:nvPicPr>
+            <p:cNvPr id="5" name="object 5"/>
+            <p:cNvPicPr/>
+            <p:nvPr/>
+          </p:nvPicPr>
+          <p:blipFill>
+            <a:blip r:embed="rId2" cstate="print"/>
+            <a:stretch>
+              <a:fillRect/>
+            </a:stretch>
+          </p:blipFill>
+          <p:spPr>
+            <a:xfrm>
+              <a:off x="10955850" y="6147125"/>
+              <a:ext cx="1008800" cy="487775"/>
+            </a:xfrm>
+            <a:prstGeom prst="rect">
+              <a:avLst/>
+            </a:prstGeom>
+          </p:spPr>
+        </p:pic>
+        <p:sp>
+          <p:nvSpPr>
+            <p:cNvPr id="6" name="object 6"/>
+            <p:cNvSpPr/>
+            <p:nvPr/>
+          </p:nvSpPr>
+          <p:spPr>
+            <a:xfrm>
+              <a:off x="11193975" y="6147124"/>
+              <a:ext cx="998219" cy="488315"/>
+            </a:xfrm>
+            <a:custGeom>
+              <a:avLst/>
+              <a:gdLst/>
+              <a:ahLst/>
+              <a:cxnLst/>
+              <a:rect l="l" t="t" r="r" b="b"/>
+              <a:pathLst>
+                <a:path w="998220" h="488315">
+                  <a:moveTo>
+                    <a:pt x="998024" y="487774"/>
+                  </a:moveTo>
+                  <a:lnTo>
+                    <a:pt x="0" y="487774"/>
+                  </a:lnTo>
+                  <a:lnTo>
+                    <a:pt x="201759" y="0"/>
+                  </a:lnTo>
+                  <a:lnTo>
+                    <a:pt x="998024" y="0"/>
+                  </a:lnTo>
+                  <a:lnTo>
+                    <a:pt x="998024" y="487774"/>
+                  </a:lnTo>
+                  <a:close/>
+                </a:path>
+              </a:pathLst>
+            </a:custGeom>
+            <a:solidFill>
+              <a:srgbClr val="3C378D"/>
+            </a:solidFill>
+          </p:spPr>
+          <p:txBody>
+            <a:bodyPr wrap="square" lIns="0" tIns="0" rIns="0" bIns="0" rtlCol="0"/>
+            <a:lstStyle/>
+            <a:p>
+              <a:endParaRPr>
+                <a:latin typeface="Times New Roman" panose="02020603050405020304" pitchFamily="18" charset="0"/>
+                <a:cs typeface="Times New Roman" panose="02020603050405020304" pitchFamily="18" charset="0"/>
+              </a:endParaRPr>
+            </a:p>
+          </p:txBody>
+        </p:sp>
+      </p:grpSp>
+      <p:sp>
+        <p:nvSpPr>
+          <p:cNvPr id="7" name="object 7"/>
+          <p:cNvSpPr txBox="1">
+            <a:spLocks noGrp="1"/>
+          </p:cNvSpPr>
+          <p:nvPr>
+            <p:ph type="sldNum" sz="quarter" idx="7"/>
+          </p:nvPr>
+        </p:nvSpPr>
+        <p:spPr>
+          <a:xfrm>
+            <a:off x="11488994" y="6135939"/>
+            <a:ext cx="570865" cy="522604"/>
+          </a:xfrm>
+          <a:prstGeom prst="rect">
+            <a:avLst/>
+          </a:prstGeom>
+        </p:spPr>
+        <p:txBody>
+          <a:bodyPr vert="horz" wrap="square" lIns="0" tIns="0" rIns="0" bIns="0" rtlCol="0">
+            <a:spAutoFit/>
+          </a:bodyPr>
+          <a:lstStyle>
+            <a:defPPr>
+              <a:defRPr lang="ru-RU"/>
+            </a:defPPr>
+            <a:lvl1pPr marL="0" algn="l" defTabSz="914400" rtl="0" eaLnBrk="1" latinLnBrk="0" hangingPunct="1">
+              <a:defRPr sz="3500" b="0" i="0" kern="1200">
+                <a:solidFill>
+                  <a:schemeClr val="bg1"/>
+                </a:solidFill>
+                <a:latin typeface="Microsoft Sans Serif"/>
+                <a:ea typeface="+mn-ea"/>
+                <a:cs typeface="Microsoft Sans Serif"/>
+              </a:defRPr>
+            </a:lvl1pPr>
+            <a:lvl2pPr marL="457200" algn="l" defTabSz="914400" rtl="0" eaLnBrk="1" latinLnBrk="0" hangingPunct="1">
+              <a:defRPr sz="1800" kern="1200">
+                <a:solidFill>
+                  <a:schemeClr val="tx1"/>
+                </a:solidFill>
+                <a:latin typeface="+mn-lt"/>
+                <a:ea typeface="+mn-ea"/>
+                <a:cs typeface="+mn-cs"/>
+              </a:defRPr>
+            </a:lvl2pPr>
+            <a:lvl3pPr marL="914400" algn="l" defTabSz="914400" rtl="0" eaLnBrk="1" latinLnBrk="0" hangingPunct="1">
+              <a:defRPr sz="1800" kern="1200">
+                <a:solidFill>
+                  <a:schemeClr val="tx1"/>
+                </a:solidFill>
+                <a:latin typeface="+mn-lt"/>
+                <a:ea typeface="+mn-ea"/>
+                <a:cs typeface="+mn-cs"/>
+              </a:defRPr>
+            </a:lvl3pPr>
+            <a:lvl4pPr marL="1371600" algn="l" defTabSz="914400" rtl="0" eaLnBrk="1" latinLnBrk="0" hangingPunct="1">
+              <a:defRPr sz="1800" kern="1200">
+                <a:solidFill>
+                  <a:schemeClr val="tx1"/>
+                </a:solidFill>
+                <a:latin typeface="+mn-lt"/>
+                <a:ea typeface="+mn-ea"/>
+                <a:cs typeface="+mn-cs"/>
+              </a:defRPr>
+            </a:lvl4pPr>
+            <a:lvl5pPr marL="1828800" algn="l" defTabSz="914400" rtl="0" eaLnBrk="1" latinLnBrk="0" hangingPunct="1">
+              <a:defRPr sz="1800" kern="1200">
+                <a:solidFill>
+                  <a:schemeClr val="tx1"/>
+                </a:solidFill>
+                <a:latin typeface="+mn-lt"/>
+                <a:ea typeface="+mn-ea"/>
+                <a:cs typeface="+mn-cs"/>
+              </a:defRPr>
+            </a:lvl5pPr>
+            <a:lvl6pPr marL="2286000" algn="l" defTabSz="914400" rtl="0" eaLnBrk="1" latinLnBrk="0" hangingPunct="1">
+              <a:defRPr sz="1800" kern="1200">
+                <a:solidFill>
+                  <a:schemeClr val="tx1"/>
+                </a:solidFill>
+                <a:latin typeface="+mn-lt"/>
+                <a:ea typeface="+mn-ea"/>
+                <a:cs typeface="+mn-cs"/>
+              </a:defRPr>
+            </a:lvl6pPr>
+            <a:lvl7pPr marL="2743200" algn="l" defTabSz="914400" rtl="0" eaLnBrk="1" latinLnBrk="0" hangingPunct="1">
+              <a:defRPr sz="1800" kern="1200">
+                <a:solidFill>
+                  <a:schemeClr val="tx1"/>
+                </a:solidFill>
+                <a:latin typeface="+mn-lt"/>
+                <a:ea typeface="+mn-ea"/>
+                <a:cs typeface="+mn-cs"/>
+              </a:defRPr>
+            </a:lvl7pPr>
+            <a:lvl8pPr marL="3200400" algn="l" defTabSz="914400" rtl="0" eaLnBrk="1" latinLnBrk="0" hangingPunct="1">
+              <a:defRPr sz="1800" kern="1200">
+                <a:solidFill>
+                  <a:schemeClr val="tx1"/>
+                </a:solidFill>
+                <a:latin typeface="+mn-lt"/>
+                <a:ea typeface="+mn-ea"/>
+                <a:cs typeface="+mn-cs"/>
+              </a:defRPr>
+            </a:lvl8pPr>
+            <a:lvl9pPr marL="3657600" algn="l" defTabSz="914400" rtl="0" eaLnBrk="1" latinLnBrk="0" hangingPunct="1">
+              <a:defRPr sz="1800" kern="1200">
+                <a:solidFill>
+                  <a:schemeClr val="tx1"/>
+                </a:solidFill>
+                <a:latin typeface="+mn-lt"/>
+                <a:ea typeface="+mn-ea"/>
+                <a:cs typeface="+mn-cs"/>
+              </a:defRPr>
+            </a:lvl9pPr>
+          </a:lstStyle>
+          <a:p>
+            <a:pPr marL="38100">
+              <a:lnSpc>
+                <a:spcPts val="3970"/>
+              </a:lnSpc>
+            </a:pPr>
+            <a:fld id="{81D60167-4931-47E6-BA6A-407CBD079E47}" type="slidenum">
+              <a:rPr lang="ru-RU" smtClean="0"/>
+              <a:pPr marL="38100">
+                <a:lnSpc>
+                  <a:spcPts val="3970"/>
+                </a:lnSpc>
+              </a:pPr>
+              <a:t>2</a:t>
+            </a:fld>
+            <a:endParaRPr dirty="0">
+              <a:latin typeface="Times New Roman" panose="02020603050405020304" pitchFamily="18" charset="0"/>
+              <a:cs typeface="Times New Roman" panose="02020603050405020304" pitchFamily="18" charset="0"/>
+            </a:endParaRPr>
+          </a:p>
+        </p:txBody>
+      </p:sp>
+    </p:spTree>
+  </p:cSld>
+  <p:clrMapOvr>
+    <a:masterClrMapping/>
+  </p:clrMapOvr>
+</p:sld>
+</file>
+
+<file path=ppt/slides/slide3.xml><?xml version="1.0" encoding="utf-8"?>
+<p:sld xmlns:a="http://schemas.openxmlformats.org/drawingml/2006/main" xmlns:r="http://schemas.openxmlformats.org/officeDocument/2006/relationships" xmlns:p="http://schemas.openxmlformats.org/presentationml/2006/main">
+  <p:cSld>
+    <p:spTree>
+      <p:nvGrpSpPr>
+        <p:cNvPr id="1" name=""/>
+        <p:cNvGrpSpPr/>
+        <p:nvPr/>
+      </p:nvGrpSpPr>
+      <p:grpSpPr>
+        <a:xfrm>
+          <a:off x="0" y="0"/>
+          <a:ext cx="0" cy="0"/>
+          <a:chOff x="0" y="0"/>
+          <a:chExt cx="0" cy="0"/>
+        </a:xfrm>
+      </p:grpSpPr>
+      <p:sp>
+        <p:nvSpPr>
+          <p:cNvPr id="4" name="Заголовок 3">
+            <a:extLst>
+              <a:ext uri="{FF2B5EF4-FFF2-40B4-BE49-F238E27FC236}">
+                <a16:creationId xmlns:a16="http://schemas.microsoft.com/office/drawing/2014/main" id="{50A4DD60-3A2E-4A3E-90CA-082C44663A86}"/>
+              </a:ext>
+            </a:extLst>
+          </p:cNvPr>
+          <p:cNvSpPr>
+            <a:spLocks noGrp="1"/>
+          </p:cNvSpPr>
+          <p:nvPr>
+            <p:ph type="title"/>
+          </p:nvPr>
+        </p:nvSpPr>
+        <p:spPr>
+          <a:xfrm>
+            <a:off x="609600" y="381001"/>
+            <a:ext cx="5867400" cy="634119"/>
+          </a:xfrm>
+        </p:spPr>
+        <p:txBody>
+          <a:bodyPr>
+            <a:noAutofit/>
+          </a:bodyPr>
+          <a:lstStyle/>
+          <a:p>
+            <a:r>
+              <a:rPr lang="ru-RU" sz="3600" b="1" spc="-5" dirty="0">
+                <a:latin typeface="Times New Roman" panose="02020603050405020304" pitchFamily="18" charset="0"/>
+                <a:cs typeface="Times New Roman" panose="02020603050405020304" pitchFamily="18" charset="0"/>
+              </a:rPr>
+              <a:t>Обзор</a:t>
+            </a:r>
+            <a:r>
+              <a:rPr lang="ru-RU" sz="3600" b="1" spc="-50" dirty="0">
+                <a:latin typeface="Times New Roman" panose="02020603050405020304" pitchFamily="18" charset="0"/>
+                <a:cs typeface="Times New Roman" panose="02020603050405020304" pitchFamily="18" charset="0"/>
+              </a:rPr>
+              <a:t> </a:t>
+            </a:r>
+            <a:r>
+              <a:rPr lang="ru-RU" sz="3600" b="1" spc="-5" dirty="0">
+                <a:latin typeface="Times New Roman" panose="02020603050405020304" pitchFamily="18" charset="0"/>
+                <a:cs typeface="Times New Roman" panose="02020603050405020304" pitchFamily="18" charset="0"/>
+              </a:rPr>
+              <a:t>предметной</a:t>
+            </a:r>
+            <a:r>
+              <a:rPr lang="ru-RU" sz="3600" b="1" spc="-45" dirty="0">
+                <a:latin typeface="Times New Roman" panose="02020603050405020304" pitchFamily="18" charset="0"/>
+                <a:cs typeface="Times New Roman" panose="02020603050405020304" pitchFamily="18" charset="0"/>
+              </a:rPr>
+              <a:t> </a:t>
+            </a:r>
+            <a:r>
+              <a:rPr lang="ru-RU" sz="3600" b="1" spc="-5" dirty="0">
+                <a:latin typeface="Times New Roman" panose="02020603050405020304" pitchFamily="18" charset="0"/>
+                <a:cs typeface="Times New Roman" panose="02020603050405020304" pitchFamily="18" charset="0"/>
+              </a:rPr>
+              <a:t>области</a:t>
+            </a:r>
+            <a:endParaRPr lang="ru-RU" sz="3600" b="1" dirty="0"/>
           </a:p>
         </p:txBody>
       </p:sp>
@@ -8890,7 +9637,7 @@
                   <a:spcPts val="3970"/>
                 </a:lnSpc>
               </a:pPr>
-              <a:t>16</a:t>
+              <a:t>3</a:t>
             </a:fld>
             <a:endParaRPr lang="ru-RU" sz="4000" dirty="0">
               <a:solidFill>
@@ -8902,115 +9649,12 @@
           </a:p>
         </p:txBody>
       </p:sp>
-      <p:graphicFrame>
-        <p:nvGraphicFramePr>
-          <p:cNvPr id="5" name="Диаграмма 4">
-            <a:extLst>
-              <a:ext uri="{FF2B5EF4-FFF2-40B4-BE49-F238E27FC236}">
-                <a16:creationId xmlns:a16="http://schemas.microsoft.com/office/drawing/2014/main" id="{D579F6EE-72F1-4AED-B6ED-1333704710A2}"/>
-              </a:ext>
-            </a:extLst>
-          </p:cNvPr>
-          <p:cNvGraphicFramePr/>
-          <p:nvPr>
-            <p:extLst>
-              <p:ext uri="{D42A27DB-BD31-4B8C-83A1-F6EECF244321}">
-                <p14:modId xmlns:p14="http://schemas.microsoft.com/office/powerpoint/2010/main" val="1100678202"/>
-              </p:ext>
-            </p:extLst>
-          </p:nvPr>
-        </p:nvGraphicFramePr>
-        <p:xfrm>
-          <a:off x="2032000" y="719666"/>
-          <a:ext cx="8128000" cy="5418667"/>
-        </p:xfrm>
-        <a:graphic>
-          <a:graphicData uri="http://schemas.openxmlformats.org/drawingml/2006/chart">
-            <c:chart xmlns:c="http://schemas.openxmlformats.org/drawingml/2006/chart" xmlns:r="http://schemas.openxmlformats.org/officeDocument/2006/relationships" r:id="rId3"/>
-          </a:graphicData>
-        </a:graphic>
-      </p:graphicFrame>
-    </p:spTree>
-    <p:extLst>
-      <p:ext uri="{BB962C8B-B14F-4D97-AF65-F5344CB8AC3E}">
-        <p14:creationId xmlns:p14="http://schemas.microsoft.com/office/powerpoint/2010/main" val="105225292"/>
-      </p:ext>
-    </p:extLst>
-  </p:cSld>
-  <p:clrMapOvr>
-    <a:masterClrMapping/>
-  </p:clrMapOvr>
-</p:sld>
-</file>
-
-<file path=ppt/slides/slide17.xml><?xml version="1.0" encoding="utf-8"?>
-<p:sld xmlns:a="http://schemas.openxmlformats.org/drawingml/2006/main" xmlns:r="http://schemas.openxmlformats.org/officeDocument/2006/relationships" xmlns:p="http://schemas.openxmlformats.org/presentationml/2006/main">
-  <p:cSld>
-    <p:spTree>
-      <p:nvGrpSpPr>
-        <p:cNvPr id="1" name=""/>
-        <p:cNvGrpSpPr/>
-        <p:nvPr/>
-      </p:nvGrpSpPr>
-      <p:grpSpPr>
-        <a:xfrm>
-          <a:off x="0" y="0"/>
-          <a:ext cx="0" cy="0"/>
-          <a:chOff x="0" y="0"/>
-          <a:chExt cx="0" cy="0"/>
-        </a:xfrm>
-      </p:grpSpPr>
       <p:sp>
         <p:nvSpPr>
-          <p:cNvPr id="4" name="Заголовок 3">
-            <a:extLst>
-              <a:ext uri="{FF2B5EF4-FFF2-40B4-BE49-F238E27FC236}">
-                <a16:creationId xmlns:a16="http://schemas.microsoft.com/office/drawing/2014/main" id="{50A4DD60-3A2E-4A3E-90CA-082C44663A86}"/>
-              </a:ext>
-            </a:extLst>
-          </p:cNvPr>
-          <p:cNvSpPr>
-            <a:spLocks noGrp="1"/>
-          </p:cNvSpPr>
-          <p:nvPr>
-            <p:ph type="title"/>
-          </p:nvPr>
-        </p:nvSpPr>
-        <p:spPr>
-          <a:xfrm>
-            <a:off x="609599" y="381001"/>
-            <a:ext cx="6600825" cy="634119"/>
-          </a:xfrm>
-        </p:spPr>
-        <p:txBody>
-          <a:bodyPr>
-            <a:noAutofit/>
-          </a:bodyPr>
-          <a:lstStyle/>
-          <a:p>
-            <a:r>
-              <a:rPr lang="ru-RU" sz="3600" b="1" spc="-5" dirty="0">
-                <a:latin typeface="Times New Roman" panose="02020603050405020304" pitchFamily="18" charset="0"/>
-                <a:cs typeface="Times New Roman" panose="02020603050405020304" pitchFamily="18" charset="0"/>
-              </a:rPr>
-              <a:t>Заключение</a:t>
-            </a:r>
-            <a:br>
-              <a:rPr lang="ru-RU" sz="3600" b="1" spc="-5" dirty="0">
-                <a:latin typeface="Times New Roman" panose="02020603050405020304" pitchFamily="18" charset="0"/>
-                <a:cs typeface="Times New Roman" panose="02020603050405020304" pitchFamily="18" charset="0"/>
-              </a:rPr>
-            </a:br>
-            <a:endParaRPr lang="ru-RU" sz="2400" b="1" dirty="0"/>
-          </a:p>
-        </p:txBody>
-      </p:sp>
-      <p:sp>
-        <p:nvSpPr>
-          <p:cNvPr id="14" name="TextBox 13">
-            <a:extLst>
-              <a:ext uri="{FF2B5EF4-FFF2-40B4-BE49-F238E27FC236}">
-                <a16:creationId xmlns:a16="http://schemas.microsoft.com/office/drawing/2014/main" id="{995A966E-DA39-4785-B3BF-7857AC9AC00F}"/>
+          <p:cNvPr id="9" name="TextBox 8">
+            <a:extLst>
+              <a:ext uri="{FF2B5EF4-FFF2-40B4-BE49-F238E27FC236}">
+                <a16:creationId xmlns:a16="http://schemas.microsoft.com/office/drawing/2014/main" id="{6E885EAC-94DE-4FF5-BD17-2FD5C2926486}"/>
               </a:ext>
             </a:extLst>
           </p:cNvPr>
@@ -9019,8 +9663,8 @@
         </p:nvSpPr>
         <p:spPr>
           <a:xfrm>
-            <a:off x="609599" y="1689062"/>
-            <a:ext cx="10363201" cy="3820533"/>
+            <a:off x="495300" y="1062335"/>
+            <a:ext cx="6165476" cy="1261884"/>
           </a:xfrm>
           <a:prstGeom prst="rect">
             <a:avLst/>
@@ -9033,131 +9677,685 @@
           </a:bodyPr>
           <a:lstStyle/>
           <a:p>
-            <a:pPr marL="12700" marR="5080" algn="just">
-              <a:lnSpc>
-                <a:spcPct val="150000"/>
-              </a:lnSpc>
-              <a:spcBef>
-                <a:spcPts val="100"/>
-              </a:spcBef>
-            </a:pPr>
-            <a:r>
-              <a:rPr lang="ru-RU" dirty="0">
-                <a:latin typeface="Times New Roman" panose="02020603050405020304" pitchFamily="18" charset="0"/>
-                <a:cs typeface="Times New Roman" panose="02020603050405020304" pitchFamily="18" charset="0"/>
-              </a:rPr>
-              <a:t>	В ходе выполнения работы был разработан программный комплекс интеллектуального поиска в </a:t>
-            </a:r>
-            <a:r>
-              <a:rPr lang="ru-RU">
-                <a:latin typeface="Times New Roman" panose="02020603050405020304" pitchFamily="18" charset="0"/>
-                <a:cs typeface="Times New Roman" panose="02020603050405020304" pitchFamily="18" charset="0"/>
-              </a:rPr>
-              <a:t>корпоративных документах, </a:t>
-            </a:r>
-            <a:r>
-              <a:rPr lang="ru-RU" dirty="0">
-                <a:latin typeface="Times New Roman" panose="02020603050405020304" pitchFamily="18" charset="0"/>
-                <a:cs typeface="Times New Roman" panose="02020603050405020304" pitchFamily="18" charset="0"/>
-              </a:rPr>
-              <a:t>который позволяет повысить эффективность работы с информационными данными, что поможет ускорить бизнес-процессы.</a:t>
-            </a:r>
-          </a:p>
-          <a:p>
-            <a:pPr marL="12700" marR="5080" algn="just">
-              <a:lnSpc>
-                <a:spcPct val="150000"/>
-              </a:lnSpc>
-              <a:spcBef>
-                <a:spcPts val="100"/>
-              </a:spcBef>
-            </a:pPr>
-            <a:r>
-              <a:rPr lang="ru-RU" dirty="0">
-                <a:latin typeface="Times New Roman" panose="02020603050405020304" pitchFamily="18" charset="0"/>
-                <a:cs typeface="Times New Roman" panose="02020603050405020304" pitchFamily="18" charset="0"/>
-              </a:rPr>
-              <a:t>	Дальнейшее развитие программного комплекса планируется в рамках магистерской диссертации.</a:t>
-            </a:r>
-          </a:p>
-          <a:p>
-            <a:pPr marL="12700" marR="5080" algn="just">
-              <a:lnSpc>
-                <a:spcPct val="150000"/>
-              </a:lnSpc>
-              <a:spcBef>
-                <a:spcPts val="100"/>
-              </a:spcBef>
-            </a:pPr>
-            <a:r>
-              <a:rPr lang="ru-RU" dirty="0">
-                <a:latin typeface="Times New Roman" panose="02020603050405020304" pitchFamily="18" charset="0"/>
-                <a:cs typeface="Times New Roman" panose="02020603050405020304" pitchFamily="18" charset="0"/>
-              </a:rPr>
-              <a:t>	По теме бакалаврской работы была подготовлена статья</a:t>
-            </a:r>
-            <a:r>
-              <a:rPr lang="en-US" dirty="0">
-                <a:latin typeface="Times New Roman" panose="02020603050405020304" pitchFamily="18" charset="0"/>
-                <a:cs typeface="Times New Roman" panose="02020603050405020304" pitchFamily="18" charset="0"/>
-              </a:rPr>
-              <a:t>:</a:t>
-            </a:r>
-            <a:endParaRPr lang="ru-RU" dirty="0">
-              <a:latin typeface="Times New Roman" panose="02020603050405020304" pitchFamily="18" charset="0"/>
-              <a:cs typeface="Times New Roman" panose="02020603050405020304" pitchFamily="18" charset="0"/>
-            </a:endParaRPr>
-          </a:p>
-          <a:p>
-            <a:pPr marL="298450" marR="5080" indent="-285750" algn="just">
-              <a:lnSpc>
-                <a:spcPct val="150000"/>
-              </a:lnSpc>
-              <a:spcBef>
-                <a:spcPts val="100"/>
-              </a:spcBef>
+            <a:pPr marL="285750" indent="-285750">
               <a:buFont typeface="Arial" panose="020B0604020202020204" pitchFamily="34" charset="0"/>
               <a:buChar char="•"/>
             </a:pPr>
             <a:r>
-              <a:rPr lang="ru-RU" dirty="0">
-                <a:latin typeface="Times New Roman" panose="02020603050405020304" pitchFamily="18" charset="0"/>
-                <a:cs typeface="Times New Roman" panose="02020603050405020304" pitchFamily="18" charset="0"/>
-              </a:rPr>
-              <a:t>Бекиш Е.П. Система интеллектуального поиска в корпоративных базах знаний // </a:t>
-            </a:r>
-            <a:r>
-              <a:rPr lang="ru-RU" sz="1800" dirty="0">
-                <a:solidFill>
-                  <a:srgbClr val="000000"/>
+              <a:rPr lang="ru-RU" sz="2000" dirty="0">
+                <a:solidFill>
+                  <a:srgbClr val="FF0000"/>
                 </a:solidFill>
                 <a:effectLst/>
                 <a:latin typeface="Times New Roman" panose="02020603050405020304" pitchFamily="18" charset="0"/>
                 <a:ea typeface="Times New Roman" panose="02020603050405020304" pitchFamily="18" charset="0"/>
               </a:rPr>
-              <a:t>XIII Региональная научно-практическая конференция «НАУКА И ПРАКТИКА: ПРОЕКТНАЯ ДЕЯТЕЛЬНОСТЬ – ОТ ИДЕИ ДО ВНЕДРЕНИЯ – 2024»</a:t>
-            </a:r>
-            <a:r>
-              <a:rPr lang="ru-RU" dirty="0">
-                <a:solidFill>
-                  <a:srgbClr val="000000"/>
-                </a:solidFill>
+              <a:t>Выборка необходимых документов и данных</a:t>
+            </a:r>
+            <a:endParaRPr lang="en-US" sz="2000" dirty="0">
+              <a:solidFill>
+                <a:srgbClr val="FF0000"/>
+              </a:solidFill>
+              <a:effectLst/>
+              <a:latin typeface="Times New Roman" panose="02020603050405020304" pitchFamily="18" charset="0"/>
+              <a:ea typeface="Times New Roman" panose="02020603050405020304" pitchFamily="18" charset="0"/>
+            </a:endParaRPr>
+          </a:p>
+          <a:p>
+            <a:pPr marL="285750" indent="-285750">
+              <a:buFont typeface="Arial" panose="020B0604020202020204" pitchFamily="34" charset="0"/>
+              <a:buChar char="•"/>
+            </a:pPr>
+            <a:r>
+              <a:rPr lang="ru-RU" sz="2000" dirty="0">
+                <a:effectLst/>
                 <a:latin typeface="Times New Roman" panose="02020603050405020304" pitchFamily="18" charset="0"/>
                 <a:ea typeface="Times New Roman" panose="02020603050405020304" pitchFamily="18" charset="0"/>
               </a:rPr>
-              <a:t>. Принято к публикации.</a:t>
-            </a:r>
+              <a:t>Виды языковых моделей</a:t>
+            </a:r>
+            <a:endParaRPr lang="ru-RU" sz="2000" dirty="0">
+              <a:latin typeface="Times New Roman" panose="02020603050405020304" pitchFamily="18" charset="0"/>
+              <a:ea typeface="Times New Roman" panose="02020603050405020304" pitchFamily="18" charset="0"/>
+            </a:endParaRPr>
+          </a:p>
+          <a:p>
+            <a:endParaRPr lang="ru-RU" sz="1800" dirty="0">
+              <a:effectLst/>
+              <a:latin typeface="Times New Roman" panose="02020603050405020304" pitchFamily="18" charset="0"/>
+              <a:ea typeface="Times New Roman" panose="02020603050405020304" pitchFamily="18" charset="0"/>
+            </a:endParaRPr>
+          </a:p>
+          <a:p>
+            <a:pPr marL="285750" indent="-285750">
+              <a:buFont typeface="Arial" panose="020B0604020202020204" pitchFamily="34" charset="0"/>
+              <a:buChar char="•"/>
+            </a:pPr>
             <a:endParaRPr lang="ru-RU" dirty="0">
-              <a:latin typeface="Times New Roman" panose="02020603050405020304" pitchFamily="18" charset="0"/>
-              <a:cs typeface="Times New Roman" panose="02020603050405020304" pitchFamily="18" charset="0"/>
+              <a:solidFill>
+                <a:srgbClr val="FF0000"/>
+              </a:solidFill>
             </a:endParaRPr>
           </a:p>
         </p:txBody>
       </p:sp>
+      <p:pic>
+        <p:nvPicPr>
+          <p:cNvPr id="13" name="Рисунок 12">
+            <a:extLst>
+              <a:ext uri="{FF2B5EF4-FFF2-40B4-BE49-F238E27FC236}">
+                <a16:creationId xmlns:a16="http://schemas.microsoft.com/office/drawing/2014/main" id="{E6817DB1-EEB1-4586-BDDF-5421B66F05EA}"/>
+              </a:ext>
+            </a:extLst>
+          </p:cNvPr>
+          <p:cNvPicPr>
+            <a:picLocks noChangeAspect="1"/>
+          </p:cNvPicPr>
+          <p:nvPr/>
+        </p:nvPicPr>
+        <p:blipFill>
+          <a:blip r:embed="rId3"/>
+          <a:stretch>
+            <a:fillRect/>
+          </a:stretch>
+        </p:blipFill>
+        <p:spPr>
+          <a:xfrm>
+            <a:off x="6633880" y="4357270"/>
+            <a:ext cx="1341193" cy="419553"/>
+          </a:xfrm>
+          <a:prstGeom prst="rect">
+            <a:avLst/>
+          </a:prstGeom>
+        </p:spPr>
+      </p:pic>
+      <p:sp>
+        <p:nvSpPr>
+          <p:cNvPr id="14" name="Прямоугольник: скругленные углы 13">
+            <a:extLst>
+              <a:ext uri="{FF2B5EF4-FFF2-40B4-BE49-F238E27FC236}">
+                <a16:creationId xmlns:a16="http://schemas.microsoft.com/office/drawing/2014/main" id="{C919CB08-4F35-42DF-A3DC-35AA9D345713}"/>
+              </a:ext>
+            </a:extLst>
+          </p:cNvPr>
+          <p:cNvSpPr/>
+          <p:nvPr/>
+        </p:nvSpPr>
+        <p:spPr>
+          <a:xfrm>
+            <a:off x="9081949" y="1808418"/>
+            <a:ext cx="1467268" cy="767781"/>
+          </a:xfrm>
+          <a:prstGeom prst="roundRect">
+            <a:avLst/>
+          </a:prstGeom>
+        </p:spPr>
+        <p:style>
+          <a:lnRef idx="2">
+            <a:schemeClr val="dk1"/>
+          </a:lnRef>
+          <a:fillRef idx="1">
+            <a:schemeClr val="lt1"/>
+          </a:fillRef>
+          <a:effectRef idx="0">
+            <a:schemeClr val="dk1"/>
+          </a:effectRef>
+          <a:fontRef idx="minor">
+            <a:schemeClr val="dk1"/>
+          </a:fontRef>
+        </p:style>
+        <p:txBody>
+          <a:bodyPr rtlCol="0" anchor="ctr"/>
+          <a:lstStyle/>
+          <a:p>
+            <a:pPr algn="ctr"/>
+            <a:r>
+              <a:rPr lang="ru-RU" dirty="0"/>
+              <a:t>Запрос</a:t>
+            </a:r>
+          </a:p>
+        </p:txBody>
+      </p:sp>
+      <p:sp>
+        <p:nvSpPr>
+          <p:cNvPr id="15" name="Блок-схема: ручной ввод 14">
+            <a:extLst>
+              <a:ext uri="{FF2B5EF4-FFF2-40B4-BE49-F238E27FC236}">
+                <a16:creationId xmlns:a16="http://schemas.microsoft.com/office/drawing/2014/main" id="{7EAED474-9094-435B-902B-11B574561731}"/>
+              </a:ext>
+            </a:extLst>
+          </p:cNvPr>
+          <p:cNvSpPr/>
+          <p:nvPr/>
+        </p:nvSpPr>
+        <p:spPr>
+          <a:xfrm>
+            <a:off x="6506476" y="1855866"/>
+            <a:ext cx="1596003" cy="672884"/>
+          </a:xfrm>
+          <a:prstGeom prst="flowChartManualInput">
+            <a:avLst/>
+          </a:prstGeom>
+          <a:solidFill>
+            <a:schemeClr val="accent1">
+              <a:lumMod val="20000"/>
+              <a:lumOff val="80000"/>
+            </a:schemeClr>
+          </a:solidFill>
+          <a:ln>
+            <a:solidFill>
+              <a:schemeClr val="tx1"/>
+            </a:solidFill>
+          </a:ln>
+        </p:spPr>
+        <p:style>
+          <a:lnRef idx="2">
+            <a:schemeClr val="accent1">
+              <a:shade val="50000"/>
+            </a:schemeClr>
+          </a:lnRef>
+          <a:fillRef idx="1">
+            <a:schemeClr val="accent1"/>
+          </a:fillRef>
+          <a:effectRef idx="0">
+            <a:schemeClr val="accent1"/>
+          </a:effectRef>
+          <a:fontRef idx="minor">
+            <a:schemeClr val="lt1"/>
+          </a:fontRef>
+        </p:style>
+        <p:txBody>
+          <a:bodyPr rtlCol="0" anchor="ctr"/>
+          <a:lstStyle/>
+          <a:p>
+            <a:pPr algn="ctr"/>
+            <a:r>
+              <a:rPr lang="ru-RU" dirty="0">
+                <a:solidFill>
+                  <a:schemeClr val="tx1"/>
+                </a:solidFill>
+              </a:rPr>
+              <a:t>Векторизация</a:t>
+            </a:r>
+          </a:p>
+        </p:txBody>
+      </p:sp>
+      <p:sp>
+        <p:nvSpPr>
+          <p:cNvPr id="17" name="Блок-схема: несколько документов 16">
+            <a:extLst>
+              <a:ext uri="{FF2B5EF4-FFF2-40B4-BE49-F238E27FC236}">
+                <a16:creationId xmlns:a16="http://schemas.microsoft.com/office/drawing/2014/main" id="{763036B9-BC5D-48E9-ABE5-21278649739F}"/>
+              </a:ext>
+            </a:extLst>
+          </p:cNvPr>
+          <p:cNvSpPr/>
+          <p:nvPr/>
+        </p:nvSpPr>
+        <p:spPr>
+          <a:xfrm>
+            <a:off x="6630216" y="3294952"/>
+            <a:ext cx="1456101" cy="1044388"/>
+          </a:xfrm>
+          <a:prstGeom prst="flowChartMultidocument">
+            <a:avLst/>
+          </a:prstGeom>
+        </p:spPr>
+        <p:style>
+          <a:lnRef idx="2">
+            <a:schemeClr val="dk1"/>
+          </a:lnRef>
+          <a:fillRef idx="1">
+            <a:schemeClr val="lt1"/>
+          </a:fillRef>
+          <a:effectRef idx="0">
+            <a:schemeClr val="dk1"/>
+          </a:effectRef>
+          <a:fontRef idx="minor">
+            <a:schemeClr val="dk1"/>
+          </a:fontRef>
+        </p:style>
+        <p:txBody>
+          <a:bodyPr rtlCol="0" anchor="ctr"/>
+          <a:lstStyle/>
+          <a:p>
+            <a:pPr algn="ctr"/>
+            <a:r>
+              <a:rPr lang="ru-RU" dirty="0"/>
+              <a:t>Контекст</a:t>
+            </a:r>
+          </a:p>
+        </p:txBody>
+      </p:sp>
+      <p:sp>
+        <p:nvSpPr>
+          <p:cNvPr id="19" name="Цилиндр 18">
+            <a:extLst>
+              <a:ext uri="{FF2B5EF4-FFF2-40B4-BE49-F238E27FC236}">
+                <a16:creationId xmlns:a16="http://schemas.microsoft.com/office/drawing/2014/main" id="{60E004B3-6294-429C-88A8-300003BE79DB}"/>
+              </a:ext>
+            </a:extLst>
+          </p:cNvPr>
+          <p:cNvSpPr/>
+          <p:nvPr/>
+        </p:nvSpPr>
+        <p:spPr>
+          <a:xfrm>
+            <a:off x="4434187" y="3174363"/>
+            <a:ext cx="1219200" cy="1261884"/>
+          </a:xfrm>
+          <a:prstGeom prst="can">
+            <a:avLst/>
+          </a:prstGeom>
+          <a:solidFill>
+            <a:schemeClr val="accent1">
+              <a:lumMod val="20000"/>
+              <a:lumOff val="80000"/>
+            </a:schemeClr>
+          </a:solidFill>
+          <a:ln>
+            <a:solidFill>
+              <a:schemeClr val="tx1"/>
+            </a:solidFill>
+          </a:ln>
+        </p:spPr>
+        <p:style>
+          <a:lnRef idx="2">
+            <a:schemeClr val="accent1">
+              <a:shade val="50000"/>
+            </a:schemeClr>
+          </a:lnRef>
+          <a:fillRef idx="1">
+            <a:schemeClr val="accent1"/>
+          </a:fillRef>
+          <a:effectRef idx="0">
+            <a:schemeClr val="accent1"/>
+          </a:effectRef>
+          <a:fontRef idx="minor">
+            <a:schemeClr val="lt1"/>
+          </a:fontRef>
+        </p:style>
+        <p:txBody>
+          <a:bodyPr rtlCol="0" anchor="ctr"/>
+          <a:lstStyle/>
+          <a:p>
+            <a:pPr algn="ctr"/>
+            <a:r>
+              <a:rPr lang="en-US" dirty="0">
+                <a:solidFill>
+                  <a:schemeClr val="tx1"/>
+                </a:solidFill>
+              </a:rPr>
+              <a:t>Vector DB</a:t>
+            </a:r>
+            <a:endParaRPr lang="ru-RU" dirty="0">
+              <a:solidFill>
+                <a:schemeClr val="tx1"/>
+              </a:solidFill>
+            </a:endParaRPr>
+          </a:p>
+        </p:txBody>
+      </p:sp>
+      <p:sp>
+        <p:nvSpPr>
+          <p:cNvPr id="20" name="Прямоугольник: скругленные углы 19">
+            <a:extLst>
+              <a:ext uri="{FF2B5EF4-FFF2-40B4-BE49-F238E27FC236}">
+                <a16:creationId xmlns:a16="http://schemas.microsoft.com/office/drawing/2014/main" id="{671A3FE0-6692-4CBD-8106-E637BBFB9369}"/>
+              </a:ext>
+            </a:extLst>
+          </p:cNvPr>
+          <p:cNvSpPr/>
+          <p:nvPr/>
+        </p:nvSpPr>
+        <p:spPr>
+          <a:xfrm>
+            <a:off x="9081076" y="3430379"/>
+            <a:ext cx="1467268" cy="767781"/>
+          </a:xfrm>
+          <a:prstGeom prst="roundRect">
+            <a:avLst/>
+          </a:prstGeom>
+          <a:solidFill>
+            <a:schemeClr val="accent1">
+              <a:lumMod val="20000"/>
+              <a:lumOff val="80000"/>
+            </a:schemeClr>
+          </a:solidFill>
+          <a:ln>
+            <a:solidFill>
+              <a:schemeClr val="tx1"/>
+            </a:solidFill>
+          </a:ln>
+        </p:spPr>
+        <p:style>
+          <a:lnRef idx="2">
+            <a:schemeClr val="dk1"/>
+          </a:lnRef>
+          <a:fillRef idx="1">
+            <a:schemeClr val="lt1"/>
+          </a:fillRef>
+          <a:effectRef idx="0">
+            <a:schemeClr val="dk1"/>
+          </a:effectRef>
+          <a:fontRef idx="minor">
+            <a:schemeClr val="dk1"/>
+          </a:fontRef>
+        </p:style>
+        <p:txBody>
+          <a:bodyPr rtlCol="0" anchor="ctr"/>
+          <a:lstStyle/>
+          <a:p>
+            <a:pPr algn="ctr"/>
+            <a:r>
+              <a:rPr lang="en-US" dirty="0"/>
+              <a:t>LLM</a:t>
+            </a:r>
+            <a:endParaRPr lang="ru-RU" dirty="0"/>
+          </a:p>
+        </p:txBody>
+      </p:sp>
+      <p:sp>
+        <p:nvSpPr>
+          <p:cNvPr id="22" name="Прямоугольник: скругленные углы 21">
+            <a:extLst>
+              <a:ext uri="{FF2B5EF4-FFF2-40B4-BE49-F238E27FC236}">
+                <a16:creationId xmlns:a16="http://schemas.microsoft.com/office/drawing/2014/main" id="{F7421BE5-071E-4E7B-8524-E3577B19093B}"/>
+              </a:ext>
+            </a:extLst>
+          </p:cNvPr>
+          <p:cNvSpPr/>
+          <p:nvPr/>
+        </p:nvSpPr>
+        <p:spPr>
+          <a:xfrm>
+            <a:off x="9081076" y="5027884"/>
+            <a:ext cx="1467268" cy="767781"/>
+          </a:xfrm>
+          <a:prstGeom prst="roundRect">
+            <a:avLst/>
+          </a:prstGeom>
+        </p:spPr>
+        <p:style>
+          <a:lnRef idx="2">
+            <a:schemeClr val="dk1"/>
+          </a:lnRef>
+          <a:fillRef idx="1">
+            <a:schemeClr val="lt1"/>
+          </a:fillRef>
+          <a:effectRef idx="0">
+            <a:schemeClr val="dk1"/>
+          </a:effectRef>
+          <a:fontRef idx="minor">
+            <a:schemeClr val="dk1"/>
+          </a:fontRef>
+        </p:style>
+        <p:txBody>
+          <a:bodyPr rtlCol="0" anchor="ctr"/>
+          <a:lstStyle/>
+          <a:p>
+            <a:pPr algn="ctr"/>
+            <a:r>
+              <a:rPr lang="ru-RU" dirty="0"/>
+              <a:t>Ответ</a:t>
+            </a:r>
+          </a:p>
+        </p:txBody>
+      </p:sp>
+      <p:cxnSp>
+        <p:nvCxnSpPr>
+          <p:cNvPr id="5" name="Прямая со стрелкой 4">
+            <a:extLst>
+              <a:ext uri="{FF2B5EF4-FFF2-40B4-BE49-F238E27FC236}">
+                <a16:creationId xmlns:a16="http://schemas.microsoft.com/office/drawing/2014/main" id="{D0ABCE0C-A612-4CB1-B83D-9FBF851F066C}"/>
+              </a:ext>
+            </a:extLst>
+          </p:cNvPr>
+          <p:cNvCxnSpPr>
+            <a:stCxn id="14" idx="1"/>
+            <a:endCxn id="15" idx="3"/>
+          </p:cNvCxnSpPr>
+          <p:nvPr/>
+        </p:nvCxnSpPr>
+        <p:spPr>
+          <a:xfrm flipH="1" flipV="1">
+            <a:off x="8102479" y="2192308"/>
+            <a:ext cx="979470" cy="1"/>
+          </a:xfrm>
+          <a:prstGeom prst="straightConnector1">
+            <a:avLst/>
+          </a:prstGeom>
+          <a:ln>
+            <a:tailEnd type="triangle"/>
+          </a:ln>
+        </p:spPr>
+        <p:style>
+          <a:lnRef idx="3">
+            <a:schemeClr val="dk1"/>
+          </a:lnRef>
+          <a:fillRef idx="0">
+            <a:schemeClr val="dk1"/>
+          </a:fillRef>
+          <a:effectRef idx="2">
+            <a:schemeClr val="dk1"/>
+          </a:effectRef>
+          <a:fontRef idx="minor">
+            <a:schemeClr val="tx1"/>
+          </a:fontRef>
+        </p:style>
+      </p:cxnSp>
+      <p:cxnSp>
+        <p:nvCxnSpPr>
+          <p:cNvPr id="7" name="Соединитель: уступ 6">
+            <a:extLst>
+              <a:ext uri="{FF2B5EF4-FFF2-40B4-BE49-F238E27FC236}">
+                <a16:creationId xmlns:a16="http://schemas.microsoft.com/office/drawing/2014/main" id="{00E66827-374C-4107-8FCA-5CC1CBDDC9A3}"/>
+              </a:ext>
+            </a:extLst>
+          </p:cNvPr>
+          <p:cNvCxnSpPr>
+            <a:endCxn id="19" idx="1"/>
+          </p:cNvCxnSpPr>
+          <p:nvPr/>
+        </p:nvCxnSpPr>
+        <p:spPr>
+          <a:xfrm rot="10800000" flipV="1">
+            <a:off x="5043788" y="2192307"/>
+            <a:ext cx="1433213" cy="982055"/>
+          </a:xfrm>
+          <a:prstGeom prst="bentConnector2">
+            <a:avLst/>
+          </a:prstGeom>
+          <a:ln>
+            <a:tailEnd type="triangle"/>
+          </a:ln>
+        </p:spPr>
+        <p:style>
+          <a:lnRef idx="3">
+            <a:schemeClr val="dk1"/>
+          </a:lnRef>
+          <a:fillRef idx="0">
+            <a:schemeClr val="dk1"/>
+          </a:fillRef>
+          <a:effectRef idx="2">
+            <a:schemeClr val="dk1"/>
+          </a:effectRef>
+          <a:fontRef idx="minor">
+            <a:schemeClr val="tx1"/>
+          </a:fontRef>
+        </p:style>
+      </p:cxnSp>
+      <p:cxnSp>
+        <p:nvCxnSpPr>
+          <p:cNvPr id="23" name="Прямая со стрелкой 22">
+            <a:extLst>
+              <a:ext uri="{FF2B5EF4-FFF2-40B4-BE49-F238E27FC236}">
+                <a16:creationId xmlns:a16="http://schemas.microsoft.com/office/drawing/2014/main" id="{D4E6F6F0-5F19-4A30-A664-95ACE0893AFF}"/>
+              </a:ext>
+            </a:extLst>
+          </p:cNvPr>
+          <p:cNvCxnSpPr>
+            <a:stCxn id="19" idx="4"/>
+            <a:endCxn id="17" idx="1"/>
+          </p:cNvCxnSpPr>
+          <p:nvPr/>
+        </p:nvCxnSpPr>
+        <p:spPr>
+          <a:xfrm>
+            <a:off x="5653387" y="3805305"/>
+            <a:ext cx="976829" cy="11841"/>
+          </a:xfrm>
+          <a:prstGeom prst="straightConnector1">
+            <a:avLst/>
+          </a:prstGeom>
+          <a:ln>
+            <a:tailEnd type="triangle"/>
+          </a:ln>
+        </p:spPr>
+        <p:style>
+          <a:lnRef idx="3">
+            <a:schemeClr val="dk1"/>
+          </a:lnRef>
+          <a:fillRef idx="0">
+            <a:schemeClr val="dk1"/>
+          </a:fillRef>
+          <a:effectRef idx="2">
+            <a:schemeClr val="dk1"/>
+          </a:effectRef>
+          <a:fontRef idx="minor">
+            <a:schemeClr val="tx1"/>
+          </a:fontRef>
+        </p:style>
+      </p:cxnSp>
+      <p:cxnSp>
+        <p:nvCxnSpPr>
+          <p:cNvPr id="25" name="Прямая со стрелкой 24">
+            <a:extLst>
+              <a:ext uri="{FF2B5EF4-FFF2-40B4-BE49-F238E27FC236}">
+                <a16:creationId xmlns:a16="http://schemas.microsoft.com/office/drawing/2014/main" id="{42BE04A6-B9B1-44B7-B2F6-0FDFCFBF5A7F}"/>
+              </a:ext>
+            </a:extLst>
+          </p:cNvPr>
+          <p:cNvCxnSpPr>
+            <a:stCxn id="17" idx="3"/>
+            <a:endCxn id="20" idx="1"/>
+          </p:cNvCxnSpPr>
+          <p:nvPr/>
+        </p:nvCxnSpPr>
+        <p:spPr>
+          <a:xfrm flipV="1">
+            <a:off x="8086317" y="3814270"/>
+            <a:ext cx="994759" cy="2876"/>
+          </a:xfrm>
+          <a:prstGeom prst="straightConnector1">
+            <a:avLst/>
+          </a:prstGeom>
+          <a:ln>
+            <a:tailEnd type="triangle"/>
+          </a:ln>
+        </p:spPr>
+        <p:style>
+          <a:lnRef idx="3">
+            <a:schemeClr val="dk1"/>
+          </a:lnRef>
+          <a:fillRef idx="0">
+            <a:schemeClr val="dk1"/>
+          </a:fillRef>
+          <a:effectRef idx="2">
+            <a:schemeClr val="dk1"/>
+          </a:effectRef>
+          <a:fontRef idx="minor">
+            <a:schemeClr val="tx1"/>
+          </a:fontRef>
+        </p:style>
+      </p:cxnSp>
+      <p:cxnSp>
+        <p:nvCxnSpPr>
+          <p:cNvPr id="27" name="Прямая со стрелкой 26">
+            <a:extLst>
+              <a:ext uri="{FF2B5EF4-FFF2-40B4-BE49-F238E27FC236}">
+                <a16:creationId xmlns:a16="http://schemas.microsoft.com/office/drawing/2014/main" id="{9755D809-2FB6-4C74-90EB-C3E78C0DE5C3}"/>
+              </a:ext>
+            </a:extLst>
+          </p:cNvPr>
+          <p:cNvCxnSpPr>
+            <a:stCxn id="20" idx="2"/>
+            <a:endCxn id="22" idx="0"/>
+          </p:cNvCxnSpPr>
+          <p:nvPr/>
+        </p:nvCxnSpPr>
+        <p:spPr>
+          <a:xfrm>
+            <a:off x="9814710" y="4198160"/>
+            <a:ext cx="0" cy="829724"/>
+          </a:xfrm>
+          <a:prstGeom prst="straightConnector1">
+            <a:avLst/>
+          </a:prstGeom>
+          <a:ln>
+            <a:tailEnd type="triangle"/>
+          </a:ln>
+        </p:spPr>
+        <p:style>
+          <a:lnRef idx="3">
+            <a:schemeClr val="dk1"/>
+          </a:lnRef>
+          <a:fillRef idx="0">
+            <a:schemeClr val="dk1"/>
+          </a:fillRef>
+          <a:effectRef idx="2">
+            <a:schemeClr val="dk1"/>
+          </a:effectRef>
+          <a:fontRef idx="minor">
+            <a:schemeClr val="tx1"/>
+          </a:fontRef>
+        </p:style>
+      </p:cxnSp>
+      <p:cxnSp>
+        <p:nvCxnSpPr>
+          <p:cNvPr id="29" name="Прямая со стрелкой 28">
+            <a:extLst>
+              <a:ext uri="{FF2B5EF4-FFF2-40B4-BE49-F238E27FC236}">
+                <a16:creationId xmlns:a16="http://schemas.microsoft.com/office/drawing/2014/main" id="{72A37A15-69DE-4BD9-9A5F-EDAFE71D5FA1}"/>
+              </a:ext>
+            </a:extLst>
+          </p:cNvPr>
+          <p:cNvCxnSpPr>
+            <a:endCxn id="20" idx="0"/>
+          </p:cNvCxnSpPr>
+          <p:nvPr/>
+        </p:nvCxnSpPr>
+        <p:spPr>
+          <a:xfrm>
+            <a:off x="9814710" y="2576199"/>
+            <a:ext cx="0" cy="854180"/>
+          </a:xfrm>
+          <a:prstGeom prst="straightConnector1">
+            <a:avLst/>
+          </a:prstGeom>
+          <a:ln>
+            <a:tailEnd type="triangle"/>
+          </a:ln>
+        </p:spPr>
+        <p:style>
+          <a:lnRef idx="3">
+            <a:schemeClr val="dk1"/>
+          </a:lnRef>
+          <a:fillRef idx="0">
+            <a:schemeClr val="dk1"/>
+          </a:fillRef>
+          <a:effectRef idx="2">
+            <a:schemeClr val="dk1"/>
+          </a:effectRef>
+          <a:fontRef idx="minor">
+            <a:schemeClr val="tx1"/>
+          </a:fontRef>
+        </p:style>
+      </p:cxnSp>
     </p:spTree>
     <p:extLst>
       <p:ext uri="{BB962C8B-B14F-4D97-AF65-F5344CB8AC3E}">
-        <p14:creationId xmlns:p14="http://schemas.microsoft.com/office/powerpoint/2010/main" val="2160518405"/>
+        <p14:creationId xmlns:p14="http://schemas.microsoft.com/office/powerpoint/2010/main" val="864261287"/>
       </p:ext>
     </p:extLst>
   </p:cSld>
@@ -9167,591 +10365,7 @@
 </p:sld>
 </file>
 
-<file path=ppt/slides/slide2.xml><?xml version="1.0" encoding="utf-8"?>
-<p:sld xmlns:a="http://schemas.openxmlformats.org/drawingml/2006/main" xmlns:r="http://schemas.openxmlformats.org/officeDocument/2006/relationships" xmlns:p="http://schemas.openxmlformats.org/presentationml/2006/main">
-  <p:cSld>
-    <p:spTree>
-      <p:nvGrpSpPr>
-        <p:cNvPr id="1" name=""/>
-        <p:cNvGrpSpPr/>
-        <p:nvPr/>
-      </p:nvGrpSpPr>
-      <p:grpSpPr>
-        <a:xfrm>
-          <a:off x="0" y="0"/>
-          <a:ext cx="0" cy="0"/>
-          <a:chOff x="0" y="0"/>
-          <a:chExt cx="0" cy="0"/>
-        </a:xfrm>
-      </p:grpSpPr>
-      <p:sp>
-        <p:nvSpPr>
-          <p:cNvPr id="2" name="object 2"/>
-          <p:cNvSpPr txBox="1">
-            <a:spLocks noGrp="1"/>
-          </p:cNvSpPr>
-          <p:nvPr>
-            <p:ph type="title"/>
-          </p:nvPr>
-        </p:nvSpPr>
-        <p:spPr>
-          <a:xfrm>
-            <a:off x="789182" y="381000"/>
-            <a:ext cx="3889375" cy="566822"/>
-          </a:xfrm>
-          <a:prstGeom prst="rect">
-            <a:avLst/>
-          </a:prstGeom>
-        </p:spPr>
-        <p:txBody>
-          <a:bodyPr vert="horz" wrap="square" lIns="0" tIns="12700" rIns="0" bIns="0" rtlCol="0">
-            <a:spAutoFit/>
-          </a:bodyPr>
-          <a:lstStyle/>
-          <a:p>
-            <a:pPr marL="12700">
-              <a:lnSpc>
-                <a:spcPct val="100000"/>
-              </a:lnSpc>
-              <a:spcBef>
-                <a:spcPts val="100"/>
-              </a:spcBef>
-            </a:pPr>
-            <a:r>
-              <a:rPr b="1" spc="-5" dirty="0">
-                <a:latin typeface="Times New Roman" panose="02020603050405020304" pitchFamily="18" charset="0"/>
-                <a:cs typeface="Times New Roman" panose="02020603050405020304" pitchFamily="18" charset="0"/>
-              </a:rPr>
-              <a:t>Цель</a:t>
-            </a:r>
-            <a:r>
-              <a:rPr b="1" spc="-55" dirty="0">
-                <a:latin typeface="Times New Roman" panose="02020603050405020304" pitchFamily="18" charset="0"/>
-                <a:cs typeface="Times New Roman" panose="02020603050405020304" pitchFamily="18" charset="0"/>
-              </a:rPr>
-              <a:t> </a:t>
-            </a:r>
-            <a:r>
-              <a:rPr b="1" dirty="0">
-                <a:latin typeface="Times New Roman" panose="02020603050405020304" pitchFamily="18" charset="0"/>
-                <a:cs typeface="Times New Roman" panose="02020603050405020304" pitchFamily="18" charset="0"/>
-              </a:rPr>
-              <a:t>и</a:t>
-            </a:r>
-            <a:r>
-              <a:rPr b="1" spc="-50" dirty="0">
-                <a:latin typeface="Times New Roman" panose="02020603050405020304" pitchFamily="18" charset="0"/>
-                <a:cs typeface="Times New Roman" panose="02020603050405020304" pitchFamily="18" charset="0"/>
-              </a:rPr>
-              <a:t> </a:t>
-            </a:r>
-            <a:r>
-              <a:rPr b="1" spc="-5" dirty="0">
-                <a:latin typeface="Times New Roman" panose="02020603050405020304" pitchFamily="18" charset="0"/>
-                <a:cs typeface="Times New Roman" panose="02020603050405020304" pitchFamily="18" charset="0"/>
-              </a:rPr>
-              <a:t>задачи</a:t>
-            </a:r>
-          </a:p>
-        </p:txBody>
-      </p:sp>
-      <p:sp>
-        <p:nvSpPr>
-          <p:cNvPr id="3" name="object 3"/>
-          <p:cNvSpPr txBox="1"/>
-          <p:nvPr/>
-        </p:nvSpPr>
-        <p:spPr>
-          <a:xfrm>
-            <a:off x="789182" y="1222419"/>
-            <a:ext cx="10047605" cy="4342214"/>
-          </a:xfrm>
-          <a:prstGeom prst="rect">
-            <a:avLst/>
-          </a:prstGeom>
-        </p:spPr>
-        <p:txBody>
-          <a:bodyPr vert="horz" wrap="square" lIns="0" tIns="134620" rIns="0" bIns="0" rtlCol="0">
-            <a:spAutoFit/>
-          </a:bodyPr>
-          <a:lstStyle/>
-          <a:p>
-            <a:pPr marL="12700">
-              <a:lnSpc>
-                <a:spcPct val="100000"/>
-              </a:lnSpc>
-              <a:spcBef>
-                <a:spcPts val="1060"/>
-              </a:spcBef>
-            </a:pPr>
-            <a:r>
-              <a:rPr b="1" spc="-5" dirty="0">
-                <a:latin typeface="Times New Roman" panose="02020603050405020304" pitchFamily="18" charset="0"/>
-                <a:cs typeface="Times New Roman" panose="02020603050405020304" pitchFamily="18" charset="0"/>
-              </a:rPr>
-              <a:t>Цель</a:t>
-            </a:r>
-            <a:r>
-              <a:rPr b="1" spc="-55" dirty="0">
-                <a:latin typeface="Times New Roman" panose="02020603050405020304" pitchFamily="18" charset="0"/>
-                <a:cs typeface="Times New Roman" panose="02020603050405020304" pitchFamily="18" charset="0"/>
-              </a:rPr>
-              <a:t> </a:t>
-            </a:r>
-            <a:r>
-              <a:rPr b="1" spc="-5" dirty="0">
-                <a:latin typeface="Times New Roman" panose="02020603050405020304" pitchFamily="18" charset="0"/>
-                <a:cs typeface="Times New Roman" panose="02020603050405020304" pitchFamily="18" charset="0"/>
-              </a:rPr>
-              <a:t>работы</a:t>
-            </a:r>
-            <a:endParaRPr b="1" dirty="0">
-              <a:latin typeface="Times New Roman" panose="02020603050405020304" pitchFamily="18" charset="0"/>
-              <a:cs typeface="Times New Roman" panose="02020603050405020304" pitchFamily="18" charset="0"/>
-            </a:endParaRPr>
-          </a:p>
-          <a:p>
-            <a:pPr indent="450215" algn="just">
-              <a:lnSpc>
-                <a:spcPct val="150000"/>
-              </a:lnSpc>
-              <a:spcAft>
-                <a:spcPts val="800"/>
-              </a:spcAft>
-            </a:pPr>
-            <a:r>
-              <a:rPr lang="ru-RU" sz="1800" dirty="0">
-                <a:solidFill>
-                  <a:srgbClr val="000000"/>
-                </a:solidFill>
-                <a:effectLst/>
-                <a:latin typeface="Times New Roman" panose="02020603050405020304" pitchFamily="18" charset="0"/>
-                <a:ea typeface="Times New Roman" panose="02020603050405020304" pitchFamily="18" charset="0"/>
-              </a:rPr>
-              <a:t>разработать программный комплекс, который сокращает время доступа сотрудников к корпоративной информации за счет обработки запросов к внутренним документам предприятия, формата </a:t>
-            </a:r>
-            <a:r>
-              <a:rPr lang="en-US" sz="1800" dirty="0">
-                <a:solidFill>
-                  <a:srgbClr val="000000"/>
-                </a:solidFill>
-                <a:effectLst/>
-                <a:latin typeface="Times New Roman" panose="02020603050405020304" pitchFamily="18" charset="0"/>
-                <a:ea typeface="Times New Roman" panose="02020603050405020304" pitchFamily="18" charset="0"/>
-              </a:rPr>
-              <a:t>txt, pdf, docx, doc, pptx, ppt,</a:t>
-            </a:r>
-            <a:r>
-              <a:rPr lang="ru-RU" sz="1800" dirty="0">
-                <a:solidFill>
-                  <a:srgbClr val="000000"/>
-                </a:solidFill>
-                <a:effectLst/>
-                <a:latin typeface="Times New Roman" panose="02020603050405020304" pitchFamily="18" charset="0"/>
-                <a:ea typeface="Times New Roman" panose="02020603050405020304" pitchFamily="18" charset="0"/>
-              </a:rPr>
-              <a:t> на естественном языке и средствами ИИ.</a:t>
-            </a:r>
-            <a:endParaRPr b="1" dirty="0">
-              <a:latin typeface="Times New Roman" panose="02020603050405020304" pitchFamily="18" charset="0"/>
-              <a:cs typeface="Times New Roman" panose="02020603050405020304" pitchFamily="18" charset="0"/>
-            </a:endParaRPr>
-          </a:p>
-          <a:p>
-            <a:pPr>
-              <a:lnSpc>
-                <a:spcPct val="100000"/>
-              </a:lnSpc>
-              <a:spcBef>
-                <a:spcPts val="40"/>
-              </a:spcBef>
-            </a:pPr>
-            <a:endParaRPr b="1" dirty="0">
-              <a:latin typeface="Times New Roman" panose="02020603050405020304" pitchFamily="18" charset="0"/>
-              <a:cs typeface="Times New Roman" panose="02020603050405020304" pitchFamily="18" charset="0"/>
-            </a:endParaRPr>
-          </a:p>
-          <a:p>
-            <a:pPr marL="12700">
-              <a:lnSpc>
-                <a:spcPct val="100000"/>
-              </a:lnSpc>
-            </a:pPr>
-            <a:r>
-              <a:rPr b="1" spc="-5" dirty="0">
-                <a:latin typeface="Times New Roman" panose="02020603050405020304" pitchFamily="18" charset="0"/>
-                <a:cs typeface="Times New Roman" panose="02020603050405020304" pitchFamily="18" charset="0"/>
-              </a:rPr>
-              <a:t>Задачи:</a:t>
-            </a:r>
-            <a:endParaRPr b="1" dirty="0">
-              <a:latin typeface="Times New Roman" panose="02020603050405020304" pitchFamily="18" charset="0"/>
-              <a:cs typeface="Times New Roman" panose="02020603050405020304" pitchFamily="18" charset="0"/>
-            </a:endParaRPr>
-          </a:p>
-          <a:p>
-            <a:pPr marL="904875" indent="-400050">
-              <a:lnSpc>
-                <a:spcPct val="100000"/>
-              </a:lnSpc>
-              <a:spcBef>
-                <a:spcPts val="960"/>
-              </a:spcBef>
-              <a:buFont typeface="Microsoft Sans Serif"/>
-              <a:buAutoNum type="arabicPeriod"/>
-              <a:tabLst>
-                <a:tab pos="904875" algn="l"/>
-                <a:tab pos="905510" algn="l"/>
-              </a:tabLst>
-            </a:pPr>
-            <a:r>
-              <a:rPr lang="ru-RU" dirty="0">
-                <a:latin typeface="Times New Roman" panose="02020603050405020304" pitchFamily="18" charset="0"/>
-                <a:cs typeface="Times New Roman" panose="02020603050405020304" pitchFamily="18" charset="0"/>
-              </a:rPr>
-              <a:t>Провести анализ необходимых требований; </a:t>
-            </a:r>
-          </a:p>
-          <a:p>
-            <a:pPr marL="904875" indent="-400050">
-              <a:lnSpc>
-                <a:spcPct val="100000"/>
-              </a:lnSpc>
-              <a:spcBef>
-                <a:spcPts val="960"/>
-              </a:spcBef>
-              <a:buFont typeface="Microsoft Sans Serif"/>
-              <a:buAutoNum type="arabicPeriod"/>
-              <a:tabLst>
-                <a:tab pos="904875" algn="l"/>
-                <a:tab pos="905510" algn="l"/>
-              </a:tabLst>
-            </a:pPr>
-            <a:r>
-              <a:rPr lang="ru-RU" dirty="0">
-                <a:latin typeface="Times New Roman" panose="02020603050405020304" pitchFamily="18" charset="0"/>
-                <a:cs typeface="Times New Roman" panose="02020603050405020304" pitchFamily="18" charset="0"/>
-              </a:rPr>
-              <a:t>Определить спецификации и реализовать функциональные возможности; </a:t>
-            </a:r>
-          </a:p>
-          <a:p>
-            <a:pPr marL="904875" indent="-400050">
-              <a:lnSpc>
-                <a:spcPct val="100000"/>
-              </a:lnSpc>
-              <a:spcBef>
-                <a:spcPts val="960"/>
-              </a:spcBef>
-              <a:buFont typeface="Microsoft Sans Serif"/>
-              <a:buAutoNum type="arabicPeriod"/>
-              <a:tabLst>
-                <a:tab pos="904875" algn="l"/>
-                <a:tab pos="905510" algn="l"/>
-              </a:tabLst>
-            </a:pPr>
-            <a:r>
-              <a:rPr lang="ru-RU" spc="-5" dirty="0">
-                <a:latin typeface="Times New Roman" panose="02020603050405020304" pitchFamily="18" charset="0"/>
-                <a:cs typeface="Times New Roman" panose="02020603050405020304" pitchFamily="18" charset="0"/>
-              </a:rPr>
-              <a:t>Выполнить проектирование интерфейса и архитектуры</a:t>
-            </a:r>
-            <a:r>
-              <a:rPr lang="ru-RU" dirty="0">
-                <a:latin typeface="Times New Roman" panose="02020603050405020304" pitchFamily="18" charset="0"/>
-                <a:cs typeface="Times New Roman" panose="02020603050405020304" pitchFamily="18" charset="0"/>
-              </a:rPr>
-              <a:t>; </a:t>
-            </a:r>
-          </a:p>
-          <a:p>
-            <a:pPr marL="904875" indent="-400050">
-              <a:lnSpc>
-                <a:spcPct val="100000"/>
-              </a:lnSpc>
-              <a:spcBef>
-                <a:spcPts val="960"/>
-              </a:spcBef>
-              <a:buFont typeface="Microsoft Sans Serif"/>
-              <a:buAutoNum type="arabicPeriod"/>
-              <a:tabLst>
-                <a:tab pos="904875" algn="l"/>
-                <a:tab pos="905510" algn="l"/>
-              </a:tabLst>
-            </a:pPr>
-            <a:r>
-              <a:rPr lang="ru-RU" dirty="0">
-                <a:latin typeface="Times New Roman" panose="02020603050405020304" pitchFamily="18" charset="0"/>
-                <a:cs typeface="Times New Roman" panose="02020603050405020304" pitchFamily="18" charset="0"/>
-              </a:rPr>
-              <a:t>Реализация программного комплекса; </a:t>
-            </a:r>
-          </a:p>
-          <a:p>
-            <a:pPr marL="904875" indent="-400050">
-              <a:lnSpc>
-                <a:spcPct val="100000"/>
-              </a:lnSpc>
-              <a:spcBef>
-                <a:spcPts val="960"/>
-              </a:spcBef>
-              <a:buFont typeface="Microsoft Sans Serif"/>
-              <a:buAutoNum type="arabicPeriod"/>
-              <a:tabLst>
-                <a:tab pos="904875" algn="l"/>
-                <a:tab pos="905510" algn="l"/>
-              </a:tabLst>
-            </a:pPr>
-            <a:r>
-              <a:rPr lang="ru-RU" spc="-5" dirty="0">
-                <a:latin typeface="Times New Roman" panose="02020603050405020304" pitchFamily="18" charset="0"/>
-                <a:cs typeface="Times New Roman" panose="02020603050405020304" pitchFamily="18" charset="0"/>
-              </a:rPr>
-              <a:t>Тестирование программного комплекса.</a:t>
-            </a:r>
-          </a:p>
-        </p:txBody>
-      </p:sp>
-      <p:grpSp>
-        <p:nvGrpSpPr>
-          <p:cNvPr id="4" name="object 4"/>
-          <p:cNvGrpSpPr/>
-          <p:nvPr/>
-        </p:nvGrpSpPr>
-        <p:grpSpPr>
-          <a:xfrm>
-            <a:off x="10955850" y="6147124"/>
-            <a:ext cx="1236345" cy="488315"/>
-            <a:chOff x="10955850" y="6147124"/>
-            <a:chExt cx="1236345" cy="488315"/>
-          </a:xfrm>
-        </p:grpSpPr>
-        <p:pic>
-          <p:nvPicPr>
-            <p:cNvPr id="5" name="object 5"/>
-            <p:cNvPicPr/>
-            <p:nvPr/>
-          </p:nvPicPr>
-          <p:blipFill>
-            <a:blip r:embed="rId2" cstate="print"/>
-            <a:stretch>
-              <a:fillRect/>
-            </a:stretch>
-          </p:blipFill>
-          <p:spPr>
-            <a:xfrm>
-              <a:off x="10955850" y="6147125"/>
-              <a:ext cx="1008800" cy="487775"/>
-            </a:xfrm>
-            <a:prstGeom prst="rect">
-              <a:avLst/>
-            </a:prstGeom>
-          </p:spPr>
-        </p:pic>
-        <p:sp>
-          <p:nvSpPr>
-            <p:cNvPr id="6" name="object 6"/>
-            <p:cNvSpPr/>
-            <p:nvPr/>
-          </p:nvSpPr>
-          <p:spPr>
-            <a:xfrm>
-              <a:off x="11193975" y="6147124"/>
-              <a:ext cx="998219" cy="488315"/>
-            </a:xfrm>
-            <a:custGeom>
-              <a:avLst/>
-              <a:gdLst/>
-              <a:ahLst/>
-              <a:cxnLst/>
-              <a:rect l="l" t="t" r="r" b="b"/>
-              <a:pathLst>
-                <a:path w="998220" h="488315">
-                  <a:moveTo>
-                    <a:pt x="998024" y="487774"/>
-                  </a:moveTo>
-                  <a:lnTo>
-                    <a:pt x="0" y="487774"/>
-                  </a:lnTo>
-                  <a:lnTo>
-                    <a:pt x="201759" y="0"/>
-                  </a:lnTo>
-                  <a:lnTo>
-                    <a:pt x="998024" y="0"/>
-                  </a:lnTo>
-                  <a:lnTo>
-                    <a:pt x="998024" y="487774"/>
-                  </a:lnTo>
-                  <a:close/>
-                </a:path>
-              </a:pathLst>
-            </a:custGeom>
-            <a:solidFill>
-              <a:srgbClr val="3C378D"/>
-            </a:solidFill>
-          </p:spPr>
-          <p:txBody>
-            <a:bodyPr wrap="square" lIns="0" tIns="0" rIns="0" bIns="0" rtlCol="0"/>
-            <a:lstStyle/>
-            <a:p>
-              <a:endParaRPr>
-                <a:latin typeface="Times New Roman" panose="02020603050405020304" pitchFamily="18" charset="0"/>
-                <a:cs typeface="Times New Roman" panose="02020603050405020304" pitchFamily="18" charset="0"/>
-              </a:endParaRPr>
-            </a:p>
-          </p:txBody>
-        </p:sp>
-      </p:grpSp>
-      <p:sp>
-        <p:nvSpPr>
-          <p:cNvPr id="7" name="object 7"/>
-          <p:cNvSpPr txBox="1">
-            <a:spLocks noGrp="1"/>
-          </p:cNvSpPr>
-          <p:nvPr>
-            <p:ph type="sldNum" sz="quarter" idx="7"/>
-          </p:nvPr>
-        </p:nvSpPr>
-        <p:spPr>
-          <a:xfrm>
-            <a:off x="11488994" y="6135939"/>
-            <a:ext cx="570865" cy="522604"/>
-          </a:xfrm>
-          <a:prstGeom prst="rect">
-            <a:avLst/>
-          </a:prstGeom>
-        </p:spPr>
-        <p:txBody>
-          <a:bodyPr vert="horz" wrap="square" lIns="0" tIns="0" rIns="0" bIns="0" rtlCol="0">
-            <a:spAutoFit/>
-          </a:bodyPr>
-          <a:lstStyle>
-            <a:defPPr>
-              <a:defRPr lang="ru-RU"/>
-            </a:defPPr>
-            <a:lvl1pPr marL="0" algn="l" defTabSz="914400" rtl="0" eaLnBrk="1" latinLnBrk="0" hangingPunct="1">
-              <a:defRPr sz="3500" b="0" i="0" kern="1200">
-                <a:solidFill>
-                  <a:schemeClr val="bg1"/>
-                </a:solidFill>
-                <a:latin typeface="Microsoft Sans Serif"/>
-                <a:ea typeface="+mn-ea"/>
-                <a:cs typeface="Microsoft Sans Serif"/>
-              </a:defRPr>
-            </a:lvl1pPr>
-            <a:lvl2pPr marL="457200" algn="l" defTabSz="914400" rtl="0" eaLnBrk="1" latinLnBrk="0" hangingPunct="1">
-              <a:defRPr sz="1800" kern="1200">
-                <a:solidFill>
-                  <a:schemeClr val="tx1"/>
-                </a:solidFill>
-                <a:latin typeface="+mn-lt"/>
-                <a:ea typeface="+mn-ea"/>
-                <a:cs typeface="+mn-cs"/>
-              </a:defRPr>
-            </a:lvl2pPr>
-            <a:lvl3pPr marL="914400" algn="l" defTabSz="914400" rtl="0" eaLnBrk="1" latinLnBrk="0" hangingPunct="1">
-              <a:defRPr sz="1800" kern="1200">
-                <a:solidFill>
-                  <a:schemeClr val="tx1"/>
-                </a:solidFill>
-                <a:latin typeface="+mn-lt"/>
-                <a:ea typeface="+mn-ea"/>
-                <a:cs typeface="+mn-cs"/>
-              </a:defRPr>
-            </a:lvl3pPr>
-            <a:lvl4pPr marL="1371600" algn="l" defTabSz="914400" rtl="0" eaLnBrk="1" latinLnBrk="0" hangingPunct="1">
-              <a:defRPr sz="1800" kern="1200">
-                <a:solidFill>
-                  <a:schemeClr val="tx1"/>
-                </a:solidFill>
-                <a:latin typeface="+mn-lt"/>
-                <a:ea typeface="+mn-ea"/>
-                <a:cs typeface="+mn-cs"/>
-              </a:defRPr>
-            </a:lvl4pPr>
-            <a:lvl5pPr marL="1828800" algn="l" defTabSz="914400" rtl="0" eaLnBrk="1" latinLnBrk="0" hangingPunct="1">
-              <a:defRPr sz="1800" kern="1200">
-                <a:solidFill>
-                  <a:schemeClr val="tx1"/>
-                </a:solidFill>
-                <a:latin typeface="+mn-lt"/>
-                <a:ea typeface="+mn-ea"/>
-                <a:cs typeface="+mn-cs"/>
-              </a:defRPr>
-            </a:lvl5pPr>
-            <a:lvl6pPr marL="2286000" algn="l" defTabSz="914400" rtl="0" eaLnBrk="1" latinLnBrk="0" hangingPunct="1">
-              <a:defRPr sz="1800" kern="1200">
-                <a:solidFill>
-                  <a:schemeClr val="tx1"/>
-                </a:solidFill>
-                <a:latin typeface="+mn-lt"/>
-                <a:ea typeface="+mn-ea"/>
-                <a:cs typeface="+mn-cs"/>
-              </a:defRPr>
-            </a:lvl6pPr>
-            <a:lvl7pPr marL="2743200" algn="l" defTabSz="914400" rtl="0" eaLnBrk="1" latinLnBrk="0" hangingPunct="1">
-              <a:defRPr sz="1800" kern="1200">
-                <a:solidFill>
-                  <a:schemeClr val="tx1"/>
-                </a:solidFill>
-                <a:latin typeface="+mn-lt"/>
-                <a:ea typeface="+mn-ea"/>
-                <a:cs typeface="+mn-cs"/>
-              </a:defRPr>
-            </a:lvl7pPr>
-            <a:lvl8pPr marL="3200400" algn="l" defTabSz="914400" rtl="0" eaLnBrk="1" latinLnBrk="0" hangingPunct="1">
-              <a:defRPr sz="1800" kern="1200">
-                <a:solidFill>
-                  <a:schemeClr val="tx1"/>
-                </a:solidFill>
-                <a:latin typeface="+mn-lt"/>
-                <a:ea typeface="+mn-ea"/>
-                <a:cs typeface="+mn-cs"/>
-              </a:defRPr>
-            </a:lvl8pPr>
-            <a:lvl9pPr marL="3657600" algn="l" defTabSz="914400" rtl="0" eaLnBrk="1" latinLnBrk="0" hangingPunct="1">
-              <a:defRPr sz="1800" kern="1200">
-                <a:solidFill>
-                  <a:schemeClr val="tx1"/>
-                </a:solidFill>
-                <a:latin typeface="+mn-lt"/>
-                <a:ea typeface="+mn-ea"/>
-                <a:cs typeface="+mn-cs"/>
-              </a:defRPr>
-            </a:lvl9pPr>
-          </a:lstStyle>
-          <a:p>
-            <a:pPr marL="38100">
-              <a:lnSpc>
-                <a:spcPts val="3970"/>
-              </a:lnSpc>
-            </a:pPr>
-            <a:fld id="{81D60167-4931-47E6-BA6A-407CBD079E47}" type="slidenum">
-              <a:rPr lang="ru-RU" smtClean="0"/>
-              <a:pPr marL="38100">
-                <a:lnSpc>
-                  <a:spcPts val="3970"/>
-                </a:lnSpc>
-              </a:pPr>
-              <a:t>2</a:t>
-            </a:fld>
-            <a:endParaRPr dirty="0">
-              <a:latin typeface="Times New Roman" panose="02020603050405020304" pitchFamily="18" charset="0"/>
-              <a:cs typeface="Times New Roman" panose="02020603050405020304" pitchFamily="18" charset="0"/>
-            </a:endParaRPr>
-          </a:p>
-        </p:txBody>
-      </p:sp>
-    </p:spTree>
-  </p:cSld>
-  <p:clrMapOvr>
-    <a:masterClrMapping/>
-  </p:clrMapOvr>
-</p:sld>
-</file>
-
-<file path=ppt/slides/slide3.xml><?xml version="1.0" encoding="utf-8"?>
+<file path=ppt/slides/slide4.xml><?xml version="1.0" encoding="utf-8"?>
 <p:sld xmlns:a="http://schemas.openxmlformats.org/drawingml/2006/main" xmlns:r="http://schemas.openxmlformats.org/officeDocument/2006/relationships" xmlns:p="http://schemas.openxmlformats.org/presentationml/2006/main">
   <p:cSld>
     <p:spTree>
@@ -10081,1025 +10695,7 @@
                   <a:spcPts val="3970"/>
                 </a:lnSpc>
               </a:pPr>
-              <a:t>3</a:t>
-            </a:fld>
-            <a:endParaRPr lang="ru-RU" sz="4000" dirty="0">
-              <a:solidFill>
-                <a:schemeClr val="bg1"/>
-              </a:solidFill>
-              <a:latin typeface="Times New Roman" panose="02020603050405020304" pitchFamily="18" charset="0"/>
-              <a:cs typeface="Times New Roman" panose="02020603050405020304" pitchFamily="18" charset="0"/>
-            </a:endParaRPr>
-          </a:p>
-        </p:txBody>
-      </p:sp>
-      <p:pic>
-        <p:nvPicPr>
-          <p:cNvPr id="3" name="Рисунок 2">
-            <a:extLst>
-              <a:ext uri="{FF2B5EF4-FFF2-40B4-BE49-F238E27FC236}">
-                <a16:creationId xmlns:a16="http://schemas.microsoft.com/office/drawing/2014/main" id="{9C54F0BB-F880-452A-9AE1-1866246C3D5E}"/>
-              </a:ext>
-            </a:extLst>
-          </p:cNvPr>
-          <p:cNvPicPr>
-            <a:picLocks noChangeAspect="1"/>
-          </p:cNvPicPr>
-          <p:nvPr/>
-        </p:nvPicPr>
-        <p:blipFill>
-          <a:blip r:embed="rId3"/>
-          <a:stretch>
-            <a:fillRect/>
-          </a:stretch>
-        </p:blipFill>
-        <p:spPr>
-          <a:xfrm>
-            <a:off x="2506820" y="2490490"/>
-            <a:ext cx="7178359" cy="4027181"/>
-          </a:xfrm>
-          <a:prstGeom prst="rect">
-            <a:avLst/>
-          </a:prstGeom>
-        </p:spPr>
-      </p:pic>
-      <p:sp>
-        <p:nvSpPr>
-          <p:cNvPr id="9" name="TextBox 8">
-            <a:extLst>
-              <a:ext uri="{FF2B5EF4-FFF2-40B4-BE49-F238E27FC236}">
-                <a16:creationId xmlns:a16="http://schemas.microsoft.com/office/drawing/2014/main" id="{6E885EAC-94DE-4FF5-BD17-2FD5C2926486}"/>
-              </a:ext>
-            </a:extLst>
-          </p:cNvPr>
-          <p:cNvSpPr txBox="1"/>
-          <p:nvPr/>
-        </p:nvSpPr>
-        <p:spPr>
-          <a:xfrm>
-            <a:off x="495300" y="1062335"/>
-            <a:ext cx="5000625" cy="1477328"/>
-          </a:xfrm>
-          <a:prstGeom prst="rect">
-            <a:avLst/>
-          </a:prstGeom>
-          <a:noFill/>
-        </p:spPr>
-        <p:txBody>
-          <a:bodyPr wrap="square">
-            <a:spAutoFit/>
-          </a:bodyPr>
-          <a:lstStyle/>
-          <a:p>
-            <a:pPr marL="285750" indent="-285750">
-              <a:buFont typeface="Arial" panose="020B0604020202020204" pitchFamily="34" charset="0"/>
-              <a:buChar char="•"/>
-            </a:pPr>
-            <a:r>
-              <a:rPr lang="ru-RU" sz="1800" dirty="0">
-                <a:solidFill>
-                  <a:srgbClr val="FF0000"/>
-                </a:solidFill>
-                <a:effectLst/>
-                <a:latin typeface="Times New Roman" panose="02020603050405020304" pitchFamily="18" charset="0"/>
-                <a:ea typeface="Times New Roman" panose="02020603050405020304" pitchFamily="18" charset="0"/>
-              </a:rPr>
-              <a:t>Выборка необходимых документов и данных</a:t>
-            </a:r>
-            <a:endParaRPr lang="en-US" sz="1800" dirty="0">
-              <a:solidFill>
-                <a:srgbClr val="FF0000"/>
-              </a:solidFill>
-              <a:effectLst/>
-              <a:latin typeface="Times New Roman" panose="02020603050405020304" pitchFamily="18" charset="0"/>
-              <a:ea typeface="Times New Roman" panose="02020603050405020304" pitchFamily="18" charset="0"/>
-            </a:endParaRPr>
-          </a:p>
-          <a:p>
-            <a:pPr marL="285750" indent="-285750">
-              <a:buFont typeface="Arial" panose="020B0604020202020204" pitchFamily="34" charset="0"/>
-              <a:buChar char="•"/>
-            </a:pPr>
-            <a:r>
-              <a:rPr lang="ru-RU" sz="1800" dirty="0">
-                <a:effectLst/>
-                <a:latin typeface="Times New Roman" panose="02020603050405020304" pitchFamily="18" charset="0"/>
-                <a:ea typeface="Times New Roman" panose="02020603050405020304" pitchFamily="18" charset="0"/>
-              </a:rPr>
-              <a:t>Развитие векторного представления слов</a:t>
-            </a:r>
-            <a:endParaRPr lang="en-US" sz="1800" dirty="0">
-              <a:effectLst/>
-              <a:latin typeface="Times New Roman" panose="02020603050405020304" pitchFamily="18" charset="0"/>
-              <a:ea typeface="Times New Roman" panose="02020603050405020304" pitchFamily="18" charset="0"/>
-            </a:endParaRPr>
-          </a:p>
-          <a:p>
-            <a:pPr marL="285750" indent="-285750">
-              <a:buFont typeface="Arial" panose="020B0604020202020204" pitchFamily="34" charset="0"/>
-              <a:buChar char="•"/>
-            </a:pPr>
-            <a:r>
-              <a:rPr lang="ru-RU" sz="1800" dirty="0">
-                <a:effectLst/>
-                <a:latin typeface="Times New Roman" panose="02020603050405020304" pitchFamily="18" charset="0"/>
-                <a:ea typeface="Times New Roman" panose="02020603050405020304" pitchFamily="18" charset="0"/>
-              </a:rPr>
-              <a:t>Виды языковых моделей</a:t>
-            </a:r>
-            <a:endParaRPr lang="ru-RU" dirty="0">
-              <a:latin typeface="Times New Roman" panose="02020603050405020304" pitchFamily="18" charset="0"/>
-              <a:ea typeface="Times New Roman" panose="02020603050405020304" pitchFamily="18" charset="0"/>
-            </a:endParaRPr>
-          </a:p>
-          <a:p>
-            <a:endParaRPr lang="ru-RU" sz="1800" dirty="0">
-              <a:effectLst/>
-              <a:latin typeface="Times New Roman" panose="02020603050405020304" pitchFamily="18" charset="0"/>
-              <a:ea typeface="Times New Roman" panose="02020603050405020304" pitchFamily="18" charset="0"/>
-            </a:endParaRPr>
-          </a:p>
-          <a:p>
-            <a:pPr marL="285750" indent="-285750">
-              <a:buFont typeface="Arial" panose="020B0604020202020204" pitchFamily="34" charset="0"/>
-              <a:buChar char="•"/>
-            </a:pPr>
-            <a:endParaRPr lang="ru-RU" dirty="0">
-              <a:solidFill>
-                <a:srgbClr val="FF0000"/>
-              </a:solidFill>
-            </a:endParaRPr>
-          </a:p>
-        </p:txBody>
-      </p:sp>
-    </p:spTree>
-    <p:extLst>
-      <p:ext uri="{BB962C8B-B14F-4D97-AF65-F5344CB8AC3E}">
-        <p14:creationId xmlns:p14="http://schemas.microsoft.com/office/powerpoint/2010/main" val="2180972438"/>
-      </p:ext>
-    </p:extLst>
-  </p:cSld>
-  <p:clrMapOvr>
-    <a:masterClrMapping/>
-  </p:clrMapOvr>
-</p:sld>
-</file>
-
-<file path=ppt/slides/slide4.xml><?xml version="1.0" encoding="utf-8"?>
-<p:sld xmlns:a="http://schemas.openxmlformats.org/drawingml/2006/main" xmlns:r="http://schemas.openxmlformats.org/officeDocument/2006/relationships" xmlns:p="http://schemas.openxmlformats.org/presentationml/2006/main">
-  <p:cSld>
-    <p:spTree>
-      <p:nvGrpSpPr>
-        <p:cNvPr id="1" name=""/>
-        <p:cNvGrpSpPr/>
-        <p:nvPr/>
-      </p:nvGrpSpPr>
-      <p:grpSpPr>
-        <a:xfrm>
-          <a:off x="0" y="0"/>
-          <a:ext cx="0" cy="0"/>
-          <a:chOff x="0" y="0"/>
-          <a:chExt cx="0" cy="0"/>
-        </a:xfrm>
-      </p:grpSpPr>
-      <p:sp>
-        <p:nvSpPr>
-          <p:cNvPr id="4" name="Заголовок 3">
-            <a:extLst>
-              <a:ext uri="{FF2B5EF4-FFF2-40B4-BE49-F238E27FC236}">
-                <a16:creationId xmlns:a16="http://schemas.microsoft.com/office/drawing/2014/main" id="{50A4DD60-3A2E-4A3E-90CA-082C44663A86}"/>
-              </a:ext>
-            </a:extLst>
-          </p:cNvPr>
-          <p:cNvSpPr>
-            <a:spLocks noGrp="1"/>
-          </p:cNvSpPr>
-          <p:nvPr>
-            <p:ph type="title"/>
-          </p:nvPr>
-        </p:nvSpPr>
-        <p:spPr>
-          <a:xfrm>
-            <a:off x="609600" y="381001"/>
-            <a:ext cx="5867400" cy="634119"/>
-          </a:xfrm>
-        </p:spPr>
-        <p:txBody>
-          <a:bodyPr>
-            <a:noAutofit/>
-          </a:bodyPr>
-          <a:lstStyle/>
-          <a:p>
-            <a:r>
-              <a:rPr lang="ru-RU" sz="3600" b="1" spc="-5" dirty="0">
-                <a:latin typeface="Times New Roman" panose="02020603050405020304" pitchFamily="18" charset="0"/>
-                <a:cs typeface="Times New Roman" panose="02020603050405020304" pitchFamily="18" charset="0"/>
-              </a:rPr>
-              <a:t>Обзор</a:t>
-            </a:r>
-            <a:r>
-              <a:rPr lang="ru-RU" sz="3600" b="1" spc="-50" dirty="0">
-                <a:latin typeface="Times New Roman" panose="02020603050405020304" pitchFamily="18" charset="0"/>
-                <a:cs typeface="Times New Roman" panose="02020603050405020304" pitchFamily="18" charset="0"/>
-              </a:rPr>
-              <a:t> </a:t>
-            </a:r>
-            <a:r>
-              <a:rPr lang="ru-RU" sz="3600" b="1" spc="-5" dirty="0">
-                <a:latin typeface="Times New Roman" panose="02020603050405020304" pitchFamily="18" charset="0"/>
-                <a:cs typeface="Times New Roman" panose="02020603050405020304" pitchFamily="18" charset="0"/>
-              </a:rPr>
-              <a:t>предметной</a:t>
-            </a:r>
-            <a:r>
-              <a:rPr lang="ru-RU" sz="3600" b="1" spc="-45" dirty="0">
-                <a:latin typeface="Times New Roman" panose="02020603050405020304" pitchFamily="18" charset="0"/>
-                <a:cs typeface="Times New Roman" panose="02020603050405020304" pitchFamily="18" charset="0"/>
-              </a:rPr>
-              <a:t> </a:t>
-            </a:r>
-            <a:r>
-              <a:rPr lang="ru-RU" sz="3600" b="1" spc="-5" dirty="0">
-                <a:latin typeface="Times New Roman" panose="02020603050405020304" pitchFamily="18" charset="0"/>
-                <a:cs typeface="Times New Roman" panose="02020603050405020304" pitchFamily="18" charset="0"/>
-              </a:rPr>
-              <a:t>области</a:t>
-            </a:r>
-            <a:endParaRPr lang="ru-RU" sz="3600" b="1" dirty="0"/>
-          </a:p>
-        </p:txBody>
-      </p:sp>
-      <p:grpSp>
-        <p:nvGrpSpPr>
-          <p:cNvPr id="10" name="object 2">
-            <a:extLst>
-              <a:ext uri="{FF2B5EF4-FFF2-40B4-BE49-F238E27FC236}">
-                <a16:creationId xmlns:a16="http://schemas.microsoft.com/office/drawing/2014/main" id="{801F69FD-FD2B-4FE3-8525-E2760ED7B1B5}"/>
-              </a:ext>
-            </a:extLst>
-          </p:cNvPr>
-          <p:cNvGrpSpPr/>
-          <p:nvPr/>
-        </p:nvGrpSpPr>
-        <p:grpSpPr>
-          <a:xfrm>
-            <a:off x="10955850" y="6147124"/>
-            <a:ext cx="1236343" cy="488315"/>
-            <a:chOff x="10955850" y="6147124"/>
-            <a:chExt cx="1236343" cy="488315"/>
-          </a:xfrm>
-        </p:grpSpPr>
-        <p:pic>
-          <p:nvPicPr>
-            <p:cNvPr id="11" name="object 5">
-              <a:extLst>
-                <a:ext uri="{FF2B5EF4-FFF2-40B4-BE49-F238E27FC236}">
-                  <a16:creationId xmlns:a16="http://schemas.microsoft.com/office/drawing/2014/main" id="{ACD1142E-2D23-4826-A26B-8656EA3F8DAA}"/>
-                </a:ext>
-              </a:extLst>
-            </p:cNvPr>
-            <p:cNvPicPr/>
-            <p:nvPr/>
-          </p:nvPicPr>
-          <p:blipFill>
-            <a:blip r:embed="rId2" cstate="print"/>
-            <a:stretch>
-              <a:fillRect/>
-            </a:stretch>
-          </p:blipFill>
-          <p:spPr>
-            <a:xfrm>
-              <a:off x="10955850" y="6147125"/>
-              <a:ext cx="1008800" cy="487775"/>
-            </a:xfrm>
-            <a:prstGeom prst="rect">
-              <a:avLst/>
-            </a:prstGeom>
-          </p:spPr>
-        </p:pic>
-        <p:sp>
-          <p:nvSpPr>
-            <p:cNvPr id="12" name="object 6">
-              <a:extLst>
-                <a:ext uri="{FF2B5EF4-FFF2-40B4-BE49-F238E27FC236}">
-                  <a16:creationId xmlns:a16="http://schemas.microsoft.com/office/drawing/2014/main" id="{B6FEB8CD-C6F7-4ADB-A2D6-8A9C09029397}"/>
-                </a:ext>
-              </a:extLst>
-            </p:cNvPr>
-            <p:cNvSpPr/>
-            <p:nvPr/>
-          </p:nvSpPr>
-          <p:spPr>
-            <a:xfrm>
-              <a:off x="11193974" y="6147124"/>
-              <a:ext cx="998219" cy="488315"/>
-            </a:xfrm>
-            <a:custGeom>
-              <a:avLst/>
-              <a:gdLst/>
-              <a:ahLst/>
-              <a:cxnLst/>
-              <a:rect l="l" t="t" r="r" b="b"/>
-              <a:pathLst>
-                <a:path w="998220" h="488315">
-                  <a:moveTo>
-                    <a:pt x="998024" y="487774"/>
-                  </a:moveTo>
-                  <a:lnTo>
-                    <a:pt x="0" y="487774"/>
-                  </a:lnTo>
-                  <a:lnTo>
-                    <a:pt x="201759" y="0"/>
-                  </a:lnTo>
-                  <a:lnTo>
-                    <a:pt x="998024" y="0"/>
-                  </a:lnTo>
-                  <a:lnTo>
-                    <a:pt x="998024" y="487774"/>
-                  </a:lnTo>
-                  <a:close/>
-                </a:path>
-              </a:pathLst>
-            </a:custGeom>
-            <a:solidFill>
-              <a:srgbClr val="3C378D"/>
-            </a:solidFill>
-          </p:spPr>
-          <p:txBody>
-            <a:bodyPr wrap="square" lIns="0" tIns="0" rIns="0" bIns="0" rtlCol="0"/>
-            <a:lstStyle/>
-            <a:p>
-              <a:endParaRPr dirty="0"/>
-            </a:p>
-          </p:txBody>
-        </p:sp>
-      </p:grpSp>
-      <p:sp>
-        <p:nvSpPr>
-          <p:cNvPr id="16" name="object 8">
-            <a:extLst>
-              <a:ext uri="{FF2B5EF4-FFF2-40B4-BE49-F238E27FC236}">
-                <a16:creationId xmlns:a16="http://schemas.microsoft.com/office/drawing/2014/main" id="{B0C0F2A2-66F1-4C9D-A3CB-666040B4F36E}"/>
-              </a:ext>
-            </a:extLst>
-          </p:cNvPr>
-          <p:cNvSpPr txBox="1">
-            <a:spLocks/>
-          </p:cNvSpPr>
-          <p:nvPr/>
-        </p:nvSpPr>
-        <p:spPr>
-          <a:xfrm>
-            <a:off x="11488994" y="6135939"/>
-            <a:ext cx="570865" cy="520142"/>
-          </a:xfrm>
-          <a:prstGeom prst="rect">
-            <a:avLst/>
-          </a:prstGeom>
-        </p:spPr>
-        <p:txBody>
-          <a:bodyPr vert="horz" wrap="square" lIns="0" tIns="0" rIns="0" bIns="0" rtlCol="0">
-            <a:spAutoFit/>
-          </a:bodyPr>
-          <a:lstStyle>
-            <a:defPPr>
-              <a:defRPr lang="ru-RU"/>
-            </a:defPPr>
-            <a:lvl1pPr marL="0" algn="l" defTabSz="914400" rtl="0" eaLnBrk="1" latinLnBrk="0" hangingPunct="1">
-              <a:defRPr sz="1800" kern="1200">
-                <a:solidFill>
-                  <a:schemeClr val="tx1"/>
-                </a:solidFill>
-                <a:latin typeface="+mn-lt"/>
-                <a:ea typeface="+mn-ea"/>
-                <a:cs typeface="+mn-cs"/>
-              </a:defRPr>
-            </a:lvl1pPr>
-            <a:lvl2pPr marL="457200" algn="l" defTabSz="914400" rtl="0" eaLnBrk="1" latinLnBrk="0" hangingPunct="1">
-              <a:defRPr sz="1800" kern="1200">
-                <a:solidFill>
-                  <a:schemeClr val="tx1"/>
-                </a:solidFill>
-                <a:latin typeface="+mn-lt"/>
-                <a:ea typeface="+mn-ea"/>
-                <a:cs typeface="+mn-cs"/>
-              </a:defRPr>
-            </a:lvl2pPr>
-            <a:lvl3pPr marL="914400" algn="l" defTabSz="914400" rtl="0" eaLnBrk="1" latinLnBrk="0" hangingPunct="1">
-              <a:defRPr sz="1800" kern="1200">
-                <a:solidFill>
-                  <a:schemeClr val="tx1"/>
-                </a:solidFill>
-                <a:latin typeface="+mn-lt"/>
-                <a:ea typeface="+mn-ea"/>
-                <a:cs typeface="+mn-cs"/>
-              </a:defRPr>
-            </a:lvl3pPr>
-            <a:lvl4pPr marL="1371600" algn="l" defTabSz="914400" rtl="0" eaLnBrk="1" latinLnBrk="0" hangingPunct="1">
-              <a:defRPr sz="1800" kern="1200">
-                <a:solidFill>
-                  <a:schemeClr val="tx1"/>
-                </a:solidFill>
-                <a:latin typeface="+mn-lt"/>
-                <a:ea typeface="+mn-ea"/>
-                <a:cs typeface="+mn-cs"/>
-              </a:defRPr>
-            </a:lvl4pPr>
-            <a:lvl5pPr marL="1828800" algn="l" defTabSz="914400" rtl="0" eaLnBrk="1" latinLnBrk="0" hangingPunct="1">
-              <a:defRPr sz="1800" kern="1200">
-                <a:solidFill>
-                  <a:schemeClr val="tx1"/>
-                </a:solidFill>
-                <a:latin typeface="+mn-lt"/>
-                <a:ea typeface="+mn-ea"/>
-                <a:cs typeface="+mn-cs"/>
-              </a:defRPr>
-            </a:lvl5pPr>
-            <a:lvl6pPr marL="2286000" algn="l" defTabSz="914400" rtl="0" eaLnBrk="1" latinLnBrk="0" hangingPunct="1">
-              <a:defRPr sz="1800" kern="1200">
-                <a:solidFill>
-                  <a:schemeClr val="tx1"/>
-                </a:solidFill>
-                <a:latin typeface="+mn-lt"/>
-                <a:ea typeface="+mn-ea"/>
-                <a:cs typeface="+mn-cs"/>
-              </a:defRPr>
-            </a:lvl6pPr>
-            <a:lvl7pPr marL="2743200" algn="l" defTabSz="914400" rtl="0" eaLnBrk="1" latinLnBrk="0" hangingPunct="1">
-              <a:defRPr sz="1800" kern="1200">
-                <a:solidFill>
-                  <a:schemeClr val="tx1"/>
-                </a:solidFill>
-                <a:latin typeface="+mn-lt"/>
-                <a:ea typeface="+mn-ea"/>
-                <a:cs typeface="+mn-cs"/>
-              </a:defRPr>
-            </a:lvl7pPr>
-            <a:lvl8pPr marL="3200400" algn="l" defTabSz="914400" rtl="0" eaLnBrk="1" latinLnBrk="0" hangingPunct="1">
-              <a:defRPr sz="1800" kern="1200">
-                <a:solidFill>
-                  <a:schemeClr val="tx1"/>
-                </a:solidFill>
-                <a:latin typeface="+mn-lt"/>
-                <a:ea typeface="+mn-ea"/>
-                <a:cs typeface="+mn-cs"/>
-              </a:defRPr>
-            </a:lvl8pPr>
-            <a:lvl9pPr marL="3657600" algn="l" defTabSz="914400" rtl="0" eaLnBrk="1" latinLnBrk="0" hangingPunct="1">
-              <a:defRPr sz="1800" kern="1200">
-                <a:solidFill>
-                  <a:schemeClr val="tx1"/>
-                </a:solidFill>
-                <a:latin typeface="+mn-lt"/>
-                <a:ea typeface="+mn-ea"/>
-                <a:cs typeface="+mn-cs"/>
-              </a:defRPr>
-            </a:lvl9pPr>
-          </a:lstStyle>
-          <a:p>
-            <a:pPr marL="38100">
-              <a:lnSpc>
-                <a:spcPts val="3970"/>
-              </a:lnSpc>
-            </a:pPr>
-            <a:fld id="{81D60167-4931-47E6-BA6A-407CBD079E47}" type="slidenum">
-              <a:rPr lang="ru-RU" sz="4000" smtClean="0">
-                <a:solidFill>
-                  <a:schemeClr val="bg1"/>
-                </a:solidFill>
-                <a:latin typeface="Times New Roman" panose="02020603050405020304" pitchFamily="18" charset="0"/>
-                <a:cs typeface="Times New Roman" panose="02020603050405020304" pitchFamily="18" charset="0"/>
-              </a:rPr>
-              <a:pPr marL="38100">
-                <a:lnSpc>
-                  <a:spcPts val="3970"/>
-                </a:lnSpc>
-              </a:pPr>
               <a:t>4</a:t>
-            </a:fld>
-            <a:endParaRPr lang="ru-RU" sz="4000" dirty="0">
-              <a:solidFill>
-                <a:schemeClr val="bg1"/>
-              </a:solidFill>
-              <a:latin typeface="Times New Roman" panose="02020603050405020304" pitchFamily="18" charset="0"/>
-              <a:cs typeface="Times New Roman" panose="02020603050405020304" pitchFamily="18" charset="0"/>
-            </a:endParaRPr>
-          </a:p>
-        </p:txBody>
-      </p:sp>
-      <p:sp>
-        <p:nvSpPr>
-          <p:cNvPr id="13" name="TextBox 12">
-            <a:extLst>
-              <a:ext uri="{FF2B5EF4-FFF2-40B4-BE49-F238E27FC236}">
-                <a16:creationId xmlns:a16="http://schemas.microsoft.com/office/drawing/2014/main" id="{9CC60907-F545-4322-BE25-AFA798214C21}"/>
-              </a:ext>
-            </a:extLst>
-          </p:cNvPr>
-          <p:cNvSpPr txBox="1"/>
-          <p:nvPr/>
-        </p:nvSpPr>
-        <p:spPr>
-          <a:xfrm>
-            <a:off x="495300" y="1062335"/>
-            <a:ext cx="5000625" cy="1477328"/>
-          </a:xfrm>
-          <a:prstGeom prst="rect">
-            <a:avLst/>
-          </a:prstGeom>
-          <a:noFill/>
-        </p:spPr>
-        <p:txBody>
-          <a:bodyPr wrap="square">
-            <a:spAutoFit/>
-          </a:bodyPr>
-          <a:lstStyle/>
-          <a:p>
-            <a:pPr marL="285750" indent="-285750">
-              <a:buFont typeface="Arial" panose="020B0604020202020204" pitchFamily="34" charset="0"/>
-              <a:buChar char="•"/>
-            </a:pPr>
-            <a:r>
-              <a:rPr lang="ru-RU" sz="1800" dirty="0">
-                <a:effectLst/>
-                <a:latin typeface="Times New Roman" panose="02020603050405020304" pitchFamily="18" charset="0"/>
-                <a:ea typeface="Times New Roman" panose="02020603050405020304" pitchFamily="18" charset="0"/>
-              </a:rPr>
-              <a:t>Выборка необходимых документов и данных</a:t>
-            </a:r>
-            <a:endParaRPr lang="en-US" sz="1800" dirty="0">
-              <a:effectLst/>
-              <a:latin typeface="Times New Roman" panose="02020603050405020304" pitchFamily="18" charset="0"/>
-              <a:ea typeface="Times New Roman" panose="02020603050405020304" pitchFamily="18" charset="0"/>
-            </a:endParaRPr>
-          </a:p>
-          <a:p>
-            <a:pPr marL="285750" indent="-285750">
-              <a:buFont typeface="Arial" panose="020B0604020202020204" pitchFamily="34" charset="0"/>
-              <a:buChar char="•"/>
-            </a:pPr>
-            <a:r>
-              <a:rPr lang="ru-RU" sz="1800" dirty="0">
-                <a:solidFill>
-                  <a:srgbClr val="FF0000"/>
-                </a:solidFill>
-                <a:effectLst/>
-                <a:latin typeface="Times New Roman" panose="02020603050405020304" pitchFamily="18" charset="0"/>
-                <a:ea typeface="Times New Roman" panose="02020603050405020304" pitchFamily="18" charset="0"/>
-              </a:rPr>
-              <a:t>Развитие векторного представления слов</a:t>
-            </a:r>
-            <a:endParaRPr lang="en-US" sz="1800" dirty="0">
-              <a:solidFill>
-                <a:srgbClr val="FF0000"/>
-              </a:solidFill>
-              <a:effectLst/>
-              <a:latin typeface="Times New Roman" panose="02020603050405020304" pitchFamily="18" charset="0"/>
-              <a:ea typeface="Times New Roman" panose="02020603050405020304" pitchFamily="18" charset="0"/>
-            </a:endParaRPr>
-          </a:p>
-          <a:p>
-            <a:pPr marL="285750" indent="-285750">
-              <a:buFont typeface="Arial" panose="020B0604020202020204" pitchFamily="34" charset="0"/>
-              <a:buChar char="•"/>
-            </a:pPr>
-            <a:r>
-              <a:rPr lang="ru-RU" sz="1800" dirty="0">
-                <a:effectLst/>
-                <a:latin typeface="Times New Roman" panose="02020603050405020304" pitchFamily="18" charset="0"/>
-                <a:ea typeface="Times New Roman" panose="02020603050405020304" pitchFamily="18" charset="0"/>
-              </a:rPr>
-              <a:t>Виды языковых моделей</a:t>
-            </a:r>
-            <a:endParaRPr lang="ru-RU" dirty="0">
-              <a:latin typeface="Times New Roman" panose="02020603050405020304" pitchFamily="18" charset="0"/>
-              <a:ea typeface="Times New Roman" panose="02020603050405020304" pitchFamily="18" charset="0"/>
-            </a:endParaRPr>
-          </a:p>
-          <a:p>
-            <a:endParaRPr lang="ru-RU" sz="1800" dirty="0">
-              <a:effectLst/>
-              <a:latin typeface="Times New Roman" panose="02020603050405020304" pitchFamily="18" charset="0"/>
-              <a:ea typeface="Times New Roman" panose="02020603050405020304" pitchFamily="18" charset="0"/>
-            </a:endParaRPr>
-          </a:p>
-          <a:p>
-            <a:pPr marL="285750" indent="-285750">
-              <a:buFont typeface="Arial" panose="020B0604020202020204" pitchFamily="34" charset="0"/>
-              <a:buChar char="•"/>
-            </a:pPr>
-            <a:endParaRPr lang="ru-RU" dirty="0">
-              <a:solidFill>
-                <a:srgbClr val="FF0000"/>
-              </a:solidFill>
-            </a:endParaRPr>
-          </a:p>
-        </p:txBody>
-      </p:sp>
-      <p:pic>
-        <p:nvPicPr>
-          <p:cNvPr id="3" name="Рисунок 2">
-            <a:extLst>
-              <a:ext uri="{FF2B5EF4-FFF2-40B4-BE49-F238E27FC236}">
-                <a16:creationId xmlns:a16="http://schemas.microsoft.com/office/drawing/2014/main" id="{1A0E5435-6A72-486F-95F2-4807416CD633}"/>
-              </a:ext>
-            </a:extLst>
-          </p:cNvPr>
-          <p:cNvPicPr>
-            <a:picLocks noChangeAspect="1"/>
-          </p:cNvPicPr>
-          <p:nvPr/>
-        </p:nvPicPr>
-        <p:blipFill>
-          <a:blip r:embed="rId3"/>
-          <a:stretch>
-            <a:fillRect/>
-          </a:stretch>
-        </p:blipFill>
-        <p:spPr>
-          <a:xfrm>
-            <a:off x="495300" y="2323310"/>
-            <a:ext cx="5528177" cy="2505381"/>
-          </a:xfrm>
-          <a:prstGeom prst="rect">
-            <a:avLst/>
-          </a:prstGeom>
-        </p:spPr>
-      </p:pic>
-      <p:pic>
-        <p:nvPicPr>
-          <p:cNvPr id="17" name="Рисунок 16">
-            <a:extLst>
-              <a:ext uri="{FF2B5EF4-FFF2-40B4-BE49-F238E27FC236}">
-                <a16:creationId xmlns:a16="http://schemas.microsoft.com/office/drawing/2014/main" id="{FAA9135F-7A5F-423E-9207-0D26AFF1CEC8}"/>
-              </a:ext>
-            </a:extLst>
-          </p:cNvPr>
-          <p:cNvPicPr>
-            <a:picLocks noChangeAspect="1"/>
-          </p:cNvPicPr>
-          <p:nvPr/>
-        </p:nvPicPr>
-        <p:blipFill>
-          <a:blip r:embed="rId4"/>
-          <a:stretch>
-            <a:fillRect/>
-          </a:stretch>
-        </p:blipFill>
-        <p:spPr>
-          <a:xfrm>
-            <a:off x="6477000" y="3080631"/>
-            <a:ext cx="5163271" cy="990738"/>
-          </a:xfrm>
-          <a:prstGeom prst="rect">
-            <a:avLst/>
-          </a:prstGeom>
-        </p:spPr>
-      </p:pic>
-    </p:spTree>
-    <p:extLst>
-      <p:ext uri="{BB962C8B-B14F-4D97-AF65-F5344CB8AC3E}">
-        <p14:creationId xmlns:p14="http://schemas.microsoft.com/office/powerpoint/2010/main" val="810823837"/>
-      </p:ext>
-    </p:extLst>
-  </p:cSld>
-  <p:clrMapOvr>
-    <a:masterClrMapping/>
-  </p:clrMapOvr>
-</p:sld>
-</file>
-
-<file path=ppt/slides/slide5.xml><?xml version="1.0" encoding="utf-8"?>
-<p:sld xmlns:a="http://schemas.openxmlformats.org/drawingml/2006/main" xmlns:r="http://schemas.openxmlformats.org/officeDocument/2006/relationships" xmlns:p="http://schemas.openxmlformats.org/presentationml/2006/main">
-  <p:cSld>
-    <p:spTree>
-      <p:nvGrpSpPr>
-        <p:cNvPr id="1" name=""/>
-        <p:cNvGrpSpPr/>
-        <p:nvPr/>
-      </p:nvGrpSpPr>
-      <p:grpSpPr>
-        <a:xfrm>
-          <a:off x="0" y="0"/>
-          <a:ext cx="0" cy="0"/>
-          <a:chOff x="0" y="0"/>
-          <a:chExt cx="0" cy="0"/>
-        </a:xfrm>
-      </p:grpSpPr>
-      <p:sp>
-        <p:nvSpPr>
-          <p:cNvPr id="4" name="Заголовок 3">
-            <a:extLst>
-              <a:ext uri="{FF2B5EF4-FFF2-40B4-BE49-F238E27FC236}">
-                <a16:creationId xmlns:a16="http://schemas.microsoft.com/office/drawing/2014/main" id="{50A4DD60-3A2E-4A3E-90CA-082C44663A86}"/>
-              </a:ext>
-            </a:extLst>
-          </p:cNvPr>
-          <p:cNvSpPr>
-            <a:spLocks noGrp="1"/>
-          </p:cNvSpPr>
-          <p:nvPr>
-            <p:ph type="title"/>
-          </p:nvPr>
-        </p:nvSpPr>
-        <p:spPr>
-          <a:xfrm>
-            <a:off x="609600" y="381001"/>
-            <a:ext cx="5867400" cy="634119"/>
-          </a:xfrm>
-        </p:spPr>
-        <p:txBody>
-          <a:bodyPr>
-            <a:noAutofit/>
-          </a:bodyPr>
-          <a:lstStyle/>
-          <a:p>
-            <a:r>
-              <a:rPr lang="ru-RU" sz="3600" b="1" spc="-5" dirty="0">
-                <a:latin typeface="Times New Roman" panose="02020603050405020304" pitchFamily="18" charset="0"/>
-                <a:cs typeface="Times New Roman" panose="02020603050405020304" pitchFamily="18" charset="0"/>
-              </a:rPr>
-              <a:t>Обзор</a:t>
-            </a:r>
-            <a:r>
-              <a:rPr lang="ru-RU" sz="3600" b="1" spc="-50" dirty="0">
-                <a:latin typeface="Times New Roman" panose="02020603050405020304" pitchFamily="18" charset="0"/>
-                <a:cs typeface="Times New Roman" panose="02020603050405020304" pitchFamily="18" charset="0"/>
-              </a:rPr>
-              <a:t> </a:t>
-            </a:r>
-            <a:r>
-              <a:rPr lang="ru-RU" sz="3600" b="1" spc="-5" dirty="0">
-                <a:latin typeface="Times New Roman" panose="02020603050405020304" pitchFamily="18" charset="0"/>
-                <a:cs typeface="Times New Roman" panose="02020603050405020304" pitchFamily="18" charset="0"/>
-              </a:rPr>
-              <a:t>предметной</a:t>
-            </a:r>
-            <a:r>
-              <a:rPr lang="ru-RU" sz="3600" b="1" spc="-45" dirty="0">
-                <a:latin typeface="Times New Roman" panose="02020603050405020304" pitchFamily="18" charset="0"/>
-                <a:cs typeface="Times New Roman" panose="02020603050405020304" pitchFamily="18" charset="0"/>
-              </a:rPr>
-              <a:t> </a:t>
-            </a:r>
-            <a:r>
-              <a:rPr lang="ru-RU" sz="3600" b="1" spc="-5" dirty="0">
-                <a:latin typeface="Times New Roman" panose="02020603050405020304" pitchFamily="18" charset="0"/>
-                <a:cs typeface="Times New Roman" panose="02020603050405020304" pitchFamily="18" charset="0"/>
-              </a:rPr>
-              <a:t>области</a:t>
-            </a:r>
-            <a:endParaRPr lang="ru-RU" sz="3600" b="1" dirty="0"/>
-          </a:p>
-        </p:txBody>
-      </p:sp>
-      <p:grpSp>
-        <p:nvGrpSpPr>
-          <p:cNvPr id="10" name="object 2">
-            <a:extLst>
-              <a:ext uri="{FF2B5EF4-FFF2-40B4-BE49-F238E27FC236}">
-                <a16:creationId xmlns:a16="http://schemas.microsoft.com/office/drawing/2014/main" id="{801F69FD-FD2B-4FE3-8525-E2760ED7B1B5}"/>
-              </a:ext>
-            </a:extLst>
-          </p:cNvPr>
-          <p:cNvGrpSpPr/>
-          <p:nvPr/>
-        </p:nvGrpSpPr>
-        <p:grpSpPr>
-          <a:xfrm>
-            <a:off x="10955850" y="6147124"/>
-            <a:ext cx="1236343" cy="488315"/>
-            <a:chOff x="10955850" y="6147124"/>
-            <a:chExt cx="1236343" cy="488315"/>
-          </a:xfrm>
-        </p:grpSpPr>
-        <p:pic>
-          <p:nvPicPr>
-            <p:cNvPr id="11" name="object 5">
-              <a:extLst>
-                <a:ext uri="{FF2B5EF4-FFF2-40B4-BE49-F238E27FC236}">
-                  <a16:creationId xmlns:a16="http://schemas.microsoft.com/office/drawing/2014/main" id="{ACD1142E-2D23-4826-A26B-8656EA3F8DAA}"/>
-                </a:ext>
-              </a:extLst>
-            </p:cNvPr>
-            <p:cNvPicPr/>
-            <p:nvPr/>
-          </p:nvPicPr>
-          <p:blipFill>
-            <a:blip r:embed="rId2" cstate="print"/>
-            <a:stretch>
-              <a:fillRect/>
-            </a:stretch>
-          </p:blipFill>
-          <p:spPr>
-            <a:xfrm>
-              <a:off x="10955850" y="6147125"/>
-              <a:ext cx="1008800" cy="487775"/>
-            </a:xfrm>
-            <a:prstGeom prst="rect">
-              <a:avLst/>
-            </a:prstGeom>
-          </p:spPr>
-        </p:pic>
-        <p:sp>
-          <p:nvSpPr>
-            <p:cNvPr id="12" name="object 6">
-              <a:extLst>
-                <a:ext uri="{FF2B5EF4-FFF2-40B4-BE49-F238E27FC236}">
-                  <a16:creationId xmlns:a16="http://schemas.microsoft.com/office/drawing/2014/main" id="{B6FEB8CD-C6F7-4ADB-A2D6-8A9C09029397}"/>
-                </a:ext>
-              </a:extLst>
-            </p:cNvPr>
-            <p:cNvSpPr/>
-            <p:nvPr/>
-          </p:nvSpPr>
-          <p:spPr>
-            <a:xfrm>
-              <a:off x="11193974" y="6147124"/>
-              <a:ext cx="998219" cy="488315"/>
-            </a:xfrm>
-            <a:custGeom>
-              <a:avLst/>
-              <a:gdLst/>
-              <a:ahLst/>
-              <a:cxnLst/>
-              <a:rect l="l" t="t" r="r" b="b"/>
-              <a:pathLst>
-                <a:path w="998220" h="488315">
-                  <a:moveTo>
-                    <a:pt x="998024" y="487774"/>
-                  </a:moveTo>
-                  <a:lnTo>
-                    <a:pt x="0" y="487774"/>
-                  </a:lnTo>
-                  <a:lnTo>
-                    <a:pt x="201759" y="0"/>
-                  </a:lnTo>
-                  <a:lnTo>
-                    <a:pt x="998024" y="0"/>
-                  </a:lnTo>
-                  <a:lnTo>
-                    <a:pt x="998024" y="487774"/>
-                  </a:lnTo>
-                  <a:close/>
-                </a:path>
-              </a:pathLst>
-            </a:custGeom>
-            <a:solidFill>
-              <a:srgbClr val="3C378D"/>
-            </a:solidFill>
-          </p:spPr>
-          <p:txBody>
-            <a:bodyPr wrap="square" lIns="0" tIns="0" rIns="0" bIns="0" rtlCol="0"/>
-            <a:lstStyle/>
-            <a:p>
-              <a:endParaRPr dirty="0"/>
-            </a:p>
-          </p:txBody>
-        </p:sp>
-      </p:grpSp>
-      <p:sp>
-        <p:nvSpPr>
-          <p:cNvPr id="16" name="object 8">
-            <a:extLst>
-              <a:ext uri="{FF2B5EF4-FFF2-40B4-BE49-F238E27FC236}">
-                <a16:creationId xmlns:a16="http://schemas.microsoft.com/office/drawing/2014/main" id="{B0C0F2A2-66F1-4C9D-A3CB-666040B4F36E}"/>
-              </a:ext>
-            </a:extLst>
-          </p:cNvPr>
-          <p:cNvSpPr txBox="1">
-            <a:spLocks/>
-          </p:cNvSpPr>
-          <p:nvPr/>
-        </p:nvSpPr>
-        <p:spPr>
-          <a:xfrm>
-            <a:off x="11488994" y="6135939"/>
-            <a:ext cx="570865" cy="520142"/>
-          </a:xfrm>
-          <a:prstGeom prst="rect">
-            <a:avLst/>
-          </a:prstGeom>
-        </p:spPr>
-        <p:txBody>
-          <a:bodyPr vert="horz" wrap="square" lIns="0" tIns="0" rIns="0" bIns="0" rtlCol="0">
-            <a:spAutoFit/>
-          </a:bodyPr>
-          <a:lstStyle>
-            <a:defPPr>
-              <a:defRPr lang="ru-RU"/>
-            </a:defPPr>
-            <a:lvl1pPr marL="0" algn="l" defTabSz="914400" rtl="0" eaLnBrk="1" latinLnBrk="0" hangingPunct="1">
-              <a:defRPr sz="1800" kern="1200">
-                <a:solidFill>
-                  <a:schemeClr val="tx1"/>
-                </a:solidFill>
-                <a:latin typeface="+mn-lt"/>
-                <a:ea typeface="+mn-ea"/>
-                <a:cs typeface="+mn-cs"/>
-              </a:defRPr>
-            </a:lvl1pPr>
-            <a:lvl2pPr marL="457200" algn="l" defTabSz="914400" rtl="0" eaLnBrk="1" latinLnBrk="0" hangingPunct="1">
-              <a:defRPr sz="1800" kern="1200">
-                <a:solidFill>
-                  <a:schemeClr val="tx1"/>
-                </a:solidFill>
-                <a:latin typeface="+mn-lt"/>
-                <a:ea typeface="+mn-ea"/>
-                <a:cs typeface="+mn-cs"/>
-              </a:defRPr>
-            </a:lvl2pPr>
-            <a:lvl3pPr marL="914400" algn="l" defTabSz="914400" rtl="0" eaLnBrk="1" latinLnBrk="0" hangingPunct="1">
-              <a:defRPr sz="1800" kern="1200">
-                <a:solidFill>
-                  <a:schemeClr val="tx1"/>
-                </a:solidFill>
-                <a:latin typeface="+mn-lt"/>
-                <a:ea typeface="+mn-ea"/>
-                <a:cs typeface="+mn-cs"/>
-              </a:defRPr>
-            </a:lvl3pPr>
-            <a:lvl4pPr marL="1371600" algn="l" defTabSz="914400" rtl="0" eaLnBrk="1" latinLnBrk="0" hangingPunct="1">
-              <a:defRPr sz="1800" kern="1200">
-                <a:solidFill>
-                  <a:schemeClr val="tx1"/>
-                </a:solidFill>
-                <a:latin typeface="+mn-lt"/>
-                <a:ea typeface="+mn-ea"/>
-                <a:cs typeface="+mn-cs"/>
-              </a:defRPr>
-            </a:lvl4pPr>
-            <a:lvl5pPr marL="1828800" algn="l" defTabSz="914400" rtl="0" eaLnBrk="1" latinLnBrk="0" hangingPunct="1">
-              <a:defRPr sz="1800" kern="1200">
-                <a:solidFill>
-                  <a:schemeClr val="tx1"/>
-                </a:solidFill>
-                <a:latin typeface="+mn-lt"/>
-                <a:ea typeface="+mn-ea"/>
-                <a:cs typeface="+mn-cs"/>
-              </a:defRPr>
-            </a:lvl5pPr>
-            <a:lvl6pPr marL="2286000" algn="l" defTabSz="914400" rtl="0" eaLnBrk="1" latinLnBrk="0" hangingPunct="1">
-              <a:defRPr sz="1800" kern="1200">
-                <a:solidFill>
-                  <a:schemeClr val="tx1"/>
-                </a:solidFill>
-                <a:latin typeface="+mn-lt"/>
-                <a:ea typeface="+mn-ea"/>
-                <a:cs typeface="+mn-cs"/>
-              </a:defRPr>
-            </a:lvl6pPr>
-            <a:lvl7pPr marL="2743200" algn="l" defTabSz="914400" rtl="0" eaLnBrk="1" latinLnBrk="0" hangingPunct="1">
-              <a:defRPr sz="1800" kern="1200">
-                <a:solidFill>
-                  <a:schemeClr val="tx1"/>
-                </a:solidFill>
-                <a:latin typeface="+mn-lt"/>
-                <a:ea typeface="+mn-ea"/>
-                <a:cs typeface="+mn-cs"/>
-              </a:defRPr>
-            </a:lvl7pPr>
-            <a:lvl8pPr marL="3200400" algn="l" defTabSz="914400" rtl="0" eaLnBrk="1" latinLnBrk="0" hangingPunct="1">
-              <a:defRPr sz="1800" kern="1200">
-                <a:solidFill>
-                  <a:schemeClr val="tx1"/>
-                </a:solidFill>
-                <a:latin typeface="+mn-lt"/>
-                <a:ea typeface="+mn-ea"/>
-                <a:cs typeface="+mn-cs"/>
-              </a:defRPr>
-            </a:lvl8pPr>
-            <a:lvl9pPr marL="3657600" algn="l" defTabSz="914400" rtl="0" eaLnBrk="1" latinLnBrk="0" hangingPunct="1">
-              <a:defRPr sz="1800" kern="1200">
-                <a:solidFill>
-                  <a:schemeClr val="tx1"/>
-                </a:solidFill>
-                <a:latin typeface="+mn-lt"/>
-                <a:ea typeface="+mn-ea"/>
-                <a:cs typeface="+mn-cs"/>
-              </a:defRPr>
-            </a:lvl9pPr>
-          </a:lstStyle>
-          <a:p>
-            <a:pPr marL="38100">
-              <a:lnSpc>
-                <a:spcPts val="3970"/>
-              </a:lnSpc>
-            </a:pPr>
-            <a:fld id="{81D60167-4931-47E6-BA6A-407CBD079E47}" type="slidenum">
-              <a:rPr lang="ru-RU" sz="4000" smtClean="0">
-                <a:solidFill>
-                  <a:schemeClr val="bg1"/>
-                </a:solidFill>
-                <a:latin typeface="Times New Roman" panose="02020603050405020304" pitchFamily="18" charset="0"/>
-                <a:cs typeface="Times New Roman" panose="02020603050405020304" pitchFamily="18" charset="0"/>
-              </a:rPr>
-              <a:pPr marL="38100">
-                <a:lnSpc>
-                  <a:spcPts val="3970"/>
-                </a:lnSpc>
-              </a:pPr>
-              <a:t>5</a:t>
             </a:fld>
             <a:endParaRPr lang="ru-RU" sz="4000" dirty="0">
               <a:solidFill>
@@ -11887,7 +11483,7 @@
         <p:spPr>
           <a:xfrm>
             <a:off x="495300" y="1062335"/>
-            <a:ext cx="5000625" cy="1477328"/>
+            <a:ext cx="5502088" cy="1323439"/>
           </a:xfrm>
           <a:prstGeom prst="rect">
             <a:avLst/>
@@ -11905,14 +11501,14 @@
               <a:buChar char="•"/>
             </a:pPr>
             <a:r>
-              <a:rPr lang="ru-RU" sz="1800" dirty="0">
+              <a:rPr lang="ru-RU" sz="2000" dirty="0">
                 <a:effectLst/>
                 <a:latin typeface="Times New Roman" panose="02020603050405020304" pitchFamily="18" charset="0"/>
                 <a:ea typeface="Times New Roman" panose="02020603050405020304" pitchFamily="18" charset="0"/>
               </a:rPr>
               <a:t>Выборка необходимых документов и данных</a:t>
             </a:r>
-            <a:endParaRPr lang="en-US" sz="1800" dirty="0">
+            <a:endParaRPr lang="en-US" sz="2000" dirty="0">
               <a:effectLst/>
               <a:latin typeface="Times New Roman" panose="02020603050405020304" pitchFamily="18" charset="0"/>
               <a:ea typeface="Times New Roman" panose="02020603050405020304" pitchFamily="18" charset="0"/>
@@ -11924,36 +11520,17 @@
               <a:buChar char="•"/>
             </a:pPr>
             <a:r>
-              <a:rPr lang="ru-RU" sz="1800" dirty="0">
+              <a:rPr lang="ru-RU" sz="2000" dirty="0">
+                <a:solidFill>
+                  <a:srgbClr val="FF0000"/>
+                </a:solidFill>
                 <a:effectLst/>
                 <a:latin typeface="Times New Roman" panose="02020603050405020304" pitchFamily="18" charset="0"/>
                 <a:ea typeface="Times New Roman" panose="02020603050405020304" pitchFamily="18" charset="0"/>
               </a:rPr>
-              <a:t>Развитие векторного представления слов</a:t>
-            </a:r>
-            <a:endParaRPr lang="en-US" sz="1800" dirty="0">
-              <a:effectLst/>
-              <a:latin typeface="Times New Roman" panose="02020603050405020304" pitchFamily="18" charset="0"/>
-              <a:ea typeface="Times New Roman" panose="02020603050405020304" pitchFamily="18" charset="0"/>
-            </a:endParaRPr>
-          </a:p>
-          <a:p>
-            <a:pPr marL="285750" indent="-285750">
-              <a:buFont typeface="Arial" panose="020B0604020202020204" pitchFamily="34" charset="0"/>
-              <a:buChar char="•"/>
-            </a:pPr>
-            <a:r>
-              <a:rPr lang="ru-RU" sz="1800" dirty="0">
-                <a:solidFill>
-                  <a:srgbClr val="FF0000"/>
-                </a:solidFill>
-                <a:effectLst/>
-                <a:latin typeface="Times New Roman" panose="02020603050405020304" pitchFamily="18" charset="0"/>
-                <a:ea typeface="Times New Roman" panose="02020603050405020304" pitchFamily="18" charset="0"/>
-              </a:rPr>
               <a:t>Виды языковых моделей</a:t>
             </a:r>
-            <a:endParaRPr lang="ru-RU" dirty="0">
+            <a:endParaRPr lang="ru-RU" sz="2000" dirty="0">
               <a:solidFill>
                 <a:srgbClr val="FF0000"/>
               </a:solidFill>
@@ -11962,7 +11539,7 @@
             </a:endParaRPr>
           </a:p>
           <a:p>
-            <a:endParaRPr lang="ru-RU" sz="1800" dirty="0">
+            <a:endParaRPr lang="ru-RU" sz="2000" dirty="0">
               <a:effectLst/>
               <a:latin typeface="Times New Roman" panose="02020603050405020304" pitchFamily="18" charset="0"/>
               <a:ea typeface="Times New Roman" panose="02020603050405020304" pitchFamily="18" charset="0"/>
@@ -11973,7 +11550,7 @@
               <a:buFont typeface="Arial" panose="020B0604020202020204" pitchFamily="34" charset="0"/>
               <a:buChar char="•"/>
             </a:pPr>
-            <a:endParaRPr lang="ru-RU" dirty="0">
+            <a:endParaRPr lang="ru-RU" sz="2000" dirty="0">
               <a:solidFill>
                 <a:srgbClr val="FF0000"/>
               </a:solidFill>
@@ -11994,7 +11571,7 @@
 </p:sld>
 </file>
 
-<file path=ppt/slides/slide6.xml><?xml version="1.0" encoding="utf-8"?>
+<file path=ppt/slides/slide5.xml><?xml version="1.0" encoding="utf-8"?>
 <p:sld xmlns:a="http://schemas.openxmlformats.org/drawingml/2006/main" xmlns:r="http://schemas.openxmlformats.org/officeDocument/2006/relationships" xmlns:p="http://schemas.openxmlformats.org/presentationml/2006/main">
   <p:cSld>
     <p:spTree>
@@ -12310,7 +11887,7 @@
                   <a:spcPts val="3970"/>
                 </a:lnSpc>
               </a:pPr>
-              <a:t>6</a:t>
+              <a:t>5</a:t>
             </a:fld>
             <a:endParaRPr lang="ru-RU" sz="4000" dirty="0">
               <a:solidFill>
@@ -12599,7 +12176,7 @@
 </p:sld>
 </file>
 
-<file path=ppt/slides/slide7.xml><?xml version="1.0" encoding="utf-8"?>
+<file path=ppt/slides/slide6.xml><?xml version="1.0" encoding="utf-8"?>
 <p:sld xmlns:a="http://schemas.openxmlformats.org/drawingml/2006/main" xmlns:r="http://schemas.openxmlformats.org/officeDocument/2006/relationships" xmlns:p="http://schemas.openxmlformats.org/presentationml/2006/main">
   <p:cSld>
     <p:spTree>
@@ -12917,7 +12494,7 @@
                   <a:spcPts val="3970"/>
                 </a:lnSpc>
               </a:pPr>
-              <a:t>7</a:t>
+              <a:t>6</a:t>
             </a:fld>
             <a:endParaRPr lang="ru-RU" sz="4000" dirty="0">
               <a:solidFill>
@@ -13014,7 +12591,7 @@
 </p:sld>
 </file>
 
-<file path=ppt/slides/slide8.xml><?xml version="1.0" encoding="utf-8"?>
+<file path=ppt/slides/slide7.xml><?xml version="1.0" encoding="utf-8"?>
 <p:sld xmlns:a="http://schemas.openxmlformats.org/drawingml/2006/main" xmlns:r="http://schemas.openxmlformats.org/officeDocument/2006/relationships" xmlns:p="http://schemas.openxmlformats.org/presentationml/2006/main">
   <p:cSld>
     <p:spTree>
@@ -13444,7 +13021,7 @@
                   <a:spcPts val="3970"/>
                 </a:lnSpc>
               </a:pPr>
-              <a:t>8</a:t>
+              <a:t>7</a:t>
             </a:fld>
             <a:endParaRPr lang="ru-RU" sz="4000" dirty="0">
               <a:solidFill>
@@ -14057,7 +13634,7 @@
 </p:sld>
 </file>
 
-<file path=ppt/slides/slide9.xml><?xml version="1.0" encoding="utf-8"?>
+<file path=ppt/slides/slide8.xml><?xml version="1.0" encoding="utf-8"?>
 <p:sld xmlns:a="http://schemas.openxmlformats.org/drawingml/2006/main" xmlns:r="http://schemas.openxmlformats.org/officeDocument/2006/relationships" xmlns:p="http://schemas.openxmlformats.org/presentationml/2006/main">
   <p:cSld>
     <p:spTree>
@@ -14375,7 +13952,7 @@
                   <a:spcPts val="3970"/>
                 </a:lnSpc>
               </a:pPr>
-              <a:t>9</a:t>
+              <a:t>8</a:t>
             </a:fld>
             <a:endParaRPr lang="ru-RU" sz="4000" dirty="0">
               <a:solidFill>
@@ -14419,6 +13996,405 @@
     <p:extLst>
       <p:ext uri="{BB962C8B-B14F-4D97-AF65-F5344CB8AC3E}">
         <p14:creationId xmlns:p14="http://schemas.microsoft.com/office/powerpoint/2010/main" val="2971326667"/>
+      </p:ext>
+    </p:extLst>
+  </p:cSld>
+  <p:clrMapOvr>
+    <a:masterClrMapping/>
+  </p:clrMapOvr>
+</p:sld>
+</file>
+
+<file path=ppt/slides/slide9.xml><?xml version="1.0" encoding="utf-8"?>
+<p:sld xmlns:a="http://schemas.openxmlformats.org/drawingml/2006/main" xmlns:r="http://schemas.openxmlformats.org/officeDocument/2006/relationships" xmlns:p="http://schemas.openxmlformats.org/presentationml/2006/main">
+  <p:cSld>
+    <p:spTree>
+      <p:nvGrpSpPr>
+        <p:cNvPr id="1" name=""/>
+        <p:cNvGrpSpPr/>
+        <p:nvPr/>
+      </p:nvGrpSpPr>
+      <p:grpSpPr>
+        <a:xfrm>
+          <a:off x="0" y="0"/>
+          <a:ext cx="0" cy="0"/>
+          <a:chOff x="0" y="0"/>
+          <a:chExt cx="0" cy="0"/>
+        </a:xfrm>
+      </p:grpSpPr>
+      <p:sp>
+        <p:nvSpPr>
+          <p:cNvPr id="4" name="Заголовок 3">
+            <a:extLst>
+              <a:ext uri="{FF2B5EF4-FFF2-40B4-BE49-F238E27FC236}">
+                <a16:creationId xmlns:a16="http://schemas.microsoft.com/office/drawing/2014/main" id="{50A4DD60-3A2E-4A3E-90CA-082C44663A86}"/>
+              </a:ext>
+            </a:extLst>
+          </p:cNvPr>
+          <p:cNvSpPr>
+            <a:spLocks noGrp="1"/>
+          </p:cNvSpPr>
+          <p:nvPr>
+            <p:ph type="title"/>
+          </p:nvPr>
+        </p:nvSpPr>
+        <p:spPr>
+          <a:xfrm>
+            <a:off x="609599" y="381001"/>
+            <a:ext cx="6600825" cy="634119"/>
+          </a:xfrm>
+        </p:spPr>
+        <p:txBody>
+          <a:bodyPr>
+            <a:noAutofit/>
+          </a:bodyPr>
+          <a:lstStyle/>
+          <a:p>
+            <a:r>
+              <a:rPr lang="ru-RU" sz="3600" b="1" spc="-5" dirty="0">
+                <a:latin typeface="Times New Roman" panose="02020603050405020304" pitchFamily="18" charset="0"/>
+                <a:cs typeface="Times New Roman" panose="02020603050405020304" pitchFamily="18" charset="0"/>
+              </a:rPr>
+              <a:t>Проектирование</a:t>
+            </a:r>
+            <a:br>
+              <a:rPr lang="ru-RU" sz="3600" b="1" spc="-5" dirty="0">
+                <a:latin typeface="Times New Roman" panose="02020603050405020304" pitchFamily="18" charset="0"/>
+                <a:cs typeface="Times New Roman" panose="02020603050405020304" pitchFamily="18" charset="0"/>
+              </a:rPr>
+            </a:br>
+            <a:r>
+              <a:rPr lang="ru-RU" sz="2400" b="1" spc="15" dirty="0">
+                <a:solidFill>
+                  <a:srgbClr val="92D050"/>
+                </a:solidFill>
+                <a:latin typeface="Times New Roman" panose="02020603050405020304" pitchFamily="18" charset="0"/>
+                <a:cs typeface="Times New Roman" panose="02020603050405020304" pitchFamily="18" charset="0"/>
+              </a:rPr>
+              <a:t>Диаграмма последовательности</a:t>
+            </a:r>
+            <a:endParaRPr lang="ru-RU" sz="2400" b="1" dirty="0"/>
+          </a:p>
+        </p:txBody>
+      </p:sp>
+      <p:grpSp>
+        <p:nvGrpSpPr>
+          <p:cNvPr id="10" name="object 2">
+            <a:extLst>
+              <a:ext uri="{FF2B5EF4-FFF2-40B4-BE49-F238E27FC236}">
+                <a16:creationId xmlns:a16="http://schemas.microsoft.com/office/drawing/2014/main" id="{801F69FD-FD2B-4FE3-8525-E2760ED7B1B5}"/>
+              </a:ext>
+            </a:extLst>
+          </p:cNvPr>
+          <p:cNvGrpSpPr/>
+          <p:nvPr/>
+        </p:nvGrpSpPr>
+        <p:grpSpPr>
+          <a:xfrm>
+            <a:off x="10955850" y="6147124"/>
+            <a:ext cx="1236343" cy="488315"/>
+            <a:chOff x="10955850" y="6147124"/>
+            <a:chExt cx="1236343" cy="488315"/>
+          </a:xfrm>
+        </p:grpSpPr>
+        <p:pic>
+          <p:nvPicPr>
+            <p:cNvPr id="11" name="object 5">
+              <a:extLst>
+                <a:ext uri="{FF2B5EF4-FFF2-40B4-BE49-F238E27FC236}">
+                  <a16:creationId xmlns:a16="http://schemas.microsoft.com/office/drawing/2014/main" id="{ACD1142E-2D23-4826-A26B-8656EA3F8DAA}"/>
+                </a:ext>
+              </a:extLst>
+            </p:cNvPr>
+            <p:cNvPicPr/>
+            <p:nvPr/>
+          </p:nvPicPr>
+          <p:blipFill>
+            <a:blip r:embed="rId2" cstate="print"/>
+            <a:stretch>
+              <a:fillRect/>
+            </a:stretch>
+          </p:blipFill>
+          <p:spPr>
+            <a:xfrm>
+              <a:off x="10955850" y="6147125"/>
+              <a:ext cx="1008800" cy="487775"/>
+            </a:xfrm>
+            <a:prstGeom prst="rect">
+              <a:avLst/>
+            </a:prstGeom>
+          </p:spPr>
+        </p:pic>
+        <p:sp>
+          <p:nvSpPr>
+            <p:cNvPr id="12" name="object 6">
+              <a:extLst>
+                <a:ext uri="{FF2B5EF4-FFF2-40B4-BE49-F238E27FC236}">
+                  <a16:creationId xmlns:a16="http://schemas.microsoft.com/office/drawing/2014/main" id="{B6FEB8CD-C6F7-4ADB-A2D6-8A9C09029397}"/>
+                </a:ext>
+              </a:extLst>
+            </p:cNvPr>
+            <p:cNvSpPr/>
+            <p:nvPr/>
+          </p:nvSpPr>
+          <p:spPr>
+            <a:xfrm>
+              <a:off x="11193974" y="6147124"/>
+              <a:ext cx="998219" cy="488315"/>
+            </a:xfrm>
+            <a:custGeom>
+              <a:avLst/>
+              <a:gdLst/>
+              <a:ahLst/>
+              <a:cxnLst/>
+              <a:rect l="l" t="t" r="r" b="b"/>
+              <a:pathLst>
+                <a:path w="998220" h="488315">
+                  <a:moveTo>
+                    <a:pt x="998024" y="487774"/>
+                  </a:moveTo>
+                  <a:lnTo>
+                    <a:pt x="0" y="487774"/>
+                  </a:lnTo>
+                  <a:lnTo>
+                    <a:pt x="201759" y="0"/>
+                  </a:lnTo>
+                  <a:lnTo>
+                    <a:pt x="998024" y="0"/>
+                  </a:lnTo>
+                  <a:lnTo>
+                    <a:pt x="998024" y="487774"/>
+                  </a:lnTo>
+                  <a:close/>
+                </a:path>
+              </a:pathLst>
+            </a:custGeom>
+            <a:solidFill>
+              <a:srgbClr val="3C378D"/>
+            </a:solidFill>
+          </p:spPr>
+          <p:txBody>
+            <a:bodyPr wrap="square" lIns="0" tIns="0" rIns="0" bIns="0" rtlCol="0"/>
+            <a:lstStyle/>
+            <a:p>
+              <a:endParaRPr dirty="0"/>
+            </a:p>
+          </p:txBody>
+        </p:sp>
+      </p:grpSp>
+      <p:sp>
+        <p:nvSpPr>
+          <p:cNvPr id="16" name="object 8">
+            <a:extLst>
+              <a:ext uri="{FF2B5EF4-FFF2-40B4-BE49-F238E27FC236}">
+                <a16:creationId xmlns:a16="http://schemas.microsoft.com/office/drawing/2014/main" id="{B0C0F2A2-66F1-4C9D-A3CB-666040B4F36E}"/>
+              </a:ext>
+            </a:extLst>
+          </p:cNvPr>
+          <p:cNvSpPr txBox="1">
+            <a:spLocks/>
+          </p:cNvSpPr>
+          <p:nvPr/>
+        </p:nvSpPr>
+        <p:spPr>
+          <a:xfrm>
+            <a:off x="11488994" y="6135939"/>
+            <a:ext cx="570865" cy="520142"/>
+          </a:xfrm>
+          <a:prstGeom prst="rect">
+            <a:avLst/>
+          </a:prstGeom>
+        </p:spPr>
+        <p:txBody>
+          <a:bodyPr vert="horz" wrap="square" lIns="0" tIns="0" rIns="0" bIns="0" rtlCol="0">
+            <a:spAutoFit/>
+          </a:bodyPr>
+          <a:lstStyle>
+            <a:defPPr>
+              <a:defRPr lang="ru-RU"/>
+            </a:defPPr>
+            <a:lvl1pPr marL="0" algn="l" defTabSz="914400" rtl="0" eaLnBrk="1" latinLnBrk="0" hangingPunct="1">
+              <a:defRPr sz="1800" kern="1200">
+                <a:solidFill>
+                  <a:schemeClr val="tx1"/>
+                </a:solidFill>
+                <a:latin typeface="+mn-lt"/>
+                <a:ea typeface="+mn-ea"/>
+                <a:cs typeface="+mn-cs"/>
+              </a:defRPr>
+            </a:lvl1pPr>
+            <a:lvl2pPr marL="457200" algn="l" defTabSz="914400" rtl="0" eaLnBrk="1" latinLnBrk="0" hangingPunct="1">
+              <a:defRPr sz="1800" kern="1200">
+                <a:solidFill>
+                  <a:schemeClr val="tx1"/>
+                </a:solidFill>
+                <a:latin typeface="+mn-lt"/>
+                <a:ea typeface="+mn-ea"/>
+                <a:cs typeface="+mn-cs"/>
+              </a:defRPr>
+            </a:lvl2pPr>
+            <a:lvl3pPr marL="914400" algn="l" defTabSz="914400" rtl="0" eaLnBrk="1" latinLnBrk="0" hangingPunct="1">
+              <a:defRPr sz="1800" kern="1200">
+                <a:solidFill>
+                  <a:schemeClr val="tx1"/>
+                </a:solidFill>
+                <a:latin typeface="+mn-lt"/>
+                <a:ea typeface="+mn-ea"/>
+                <a:cs typeface="+mn-cs"/>
+              </a:defRPr>
+            </a:lvl3pPr>
+            <a:lvl4pPr marL="1371600" algn="l" defTabSz="914400" rtl="0" eaLnBrk="1" latinLnBrk="0" hangingPunct="1">
+              <a:defRPr sz="1800" kern="1200">
+                <a:solidFill>
+                  <a:schemeClr val="tx1"/>
+                </a:solidFill>
+                <a:latin typeface="+mn-lt"/>
+                <a:ea typeface="+mn-ea"/>
+                <a:cs typeface="+mn-cs"/>
+              </a:defRPr>
+            </a:lvl4pPr>
+            <a:lvl5pPr marL="1828800" algn="l" defTabSz="914400" rtl="0" eaLnBrk="1" latinLnBrk="0" hangingPunct="1">
+              <a:defRPr sz="1800" kern="1200">
+                <a:solidFill>
+                  <a:schemeClr val="tx1"/>
+                </a:solidFill>
+                <a:latin typeface="+mn-lt"/>
+                <a:ea typeface="+mn-ea"/>
+                <a:cs typeface="+mn-cs"/>
+              </a:defRPr>
+            </a:lvl5pPr>
+            <a:lvl6pPr marL="2286000" algn="l" defTabSz="914400" rtl="0" eaLnBrk="1" latinLnBrk="0" hangingPunct="1">
+              <a:defRPr sz="1800" kern="1200">
+                <a:solidFill>
+                  <a:schemeClr val="tx1"/>
+                </a:solidFill>
+                <a:latin typeface="+mn-lt"/>
+                <a:ea typeface="+mn-ea"/>
+                <a:cs typeface="+mn-cs"/>
+              </a:defRPr>
+            </a:lvl6pPr>
+            <a:lvl7pPr marL="2743200" algn="l" defTabSz="914400" rtl="0" eaLnBrk="1" latinLnBrk="0" hangingPunct="1">
+              <a:defRPr sz="1800" kern="1200">
+                <a:solidFill>
+                  <a:schemeClr val="tx1"/>
+                </a:solidFill>
+                <a:latin typeface="+mn-lt"/>
+                <a:ea typeface="+mn-ea"/>
+                <a:cs typeface="+mn-cs"/>
+              </a:defRPr>
+            </a:lvl7pPr>
+            <a:lvl8pPr marL="3200400" algn="l" defTabSz="914400" rtl="0" eaLnBrk="1" latinLnBrk="0" hangingPunct="1">
+              <a:defRPr sz="1800" kern="1200">
+                <a:solidFill>
+                  <a:schemeClr val="tx1"/>
+                </a:solidFill>
+                <a:latin typeface="+mn-lt"/>
+                <a:ea typeface="+mn-ea"/>
+                <a:cs typeface="+mn-cs"/>
+              </a:defRPr>
+            </a:lvl8pPr>
+            <a:lvl9pPr marL="3657600" algn="l" defTabSz="914400" rtl="0" eaLnBrk="1" latinLnBrk="0" hangingPunct="1">
+              <a:defRPr sz="1800" kern="1200">
+                <a:solidFill>
+                  <a:schemeClr val="tx1"/>
+                </a:solidFill>
+                <a:latin typeface="+mn-lt"/>
+                <a:ea typeface="+mn-ea"/>
+                <a:cs typeface="+mn-cs"/>
+              </a:defRPr>
+            </a:lvl9pPr>
+          </a:lstStyle>
+          <a:p>
+            <a:pPr marL="38100">
+              <a:lnSpc>
+                <a:spcPts val="3970"/>
+              </a:lnSpc>
+            </a:pPr>
+            <a:fld id="{81D60167-4931-47E6-BA6A-407CBD079E47}" type="slidenum">
+              <a:rPr lang="ru-RU" sz="4000" smtClean="0">
+                <a:solidFill>
+                  <a:schemeClr val="bg1"/>
+                </a:solidFill>
+                <a:latin typeface="Times New Roman" panose="02020603050405020304" pitchFamily="18" charset="0"/>
+                <a:cs typeface="Times New Roman" panose="02020603050405020304" pitchFamily="18" charset="0"/>
+              </a:rPr>
+              <a:pPr marL="38100">
+                <a:lnSpc>
+                  <a:spcPts val="3970"/>
+                </a:lnSpc>
+              </a:pPr>
+              <a:t>9</a:t>
+            </a:fld>
+            <a:endParaRPr lang="ru-RU" sz="4000" dirty="0">
+              <a:solidFill>
+                <a:schemeClr val="bg1"/>
+              </a:solidFill>
+              <a:latin typeface="Times New Roman" panose="02020603050405020304" pitchFamily="18" charset="0"/>
+              <a:cs typeface="Times New Roman" panose="02020603050405020304" pitchFamily="18" charset="0"/>
+            </a:endParaRPr>
+          </a:p>
+        </p:txBody>
+      </p:sp>
+      <p:pic>
+        <p:nvPicPr>
+          <p:cNvPr id="9" name="Рисунок 8">
+            <a:extLst>
+              <a:ext uri="{FF2B5EF4-FFF2-40B4-BE49-F238E27FC236}">
+                <a16:creationId xmlns:a16="http://schemas.microsoft.com/office/drawing/2014/main" id="{B0E0ED56-C924-4D95-98DA-3BF4D08BA323}"/>
+              </a:ext>
+            </a:extLst>
+          </p:cNvPr>
+          <p:cNvPicPr/>
+          <p:nvPr/>
+        </p:nvPicPr>
+        <p:blipFill>
+          <a:blip r:embed="rId3"/>
+          <a:stretch>
+            <a:fillRect/>
+          </a:stretch>
+        </p:blipFill>
+        <p:spPr>
+          <a:xfrm>
+            <a:off x="7210424" y="1525893"/>
+            <a:ext cx="3430379" cy="4951106"/>
+          </a:xfrm>
+          <a:prstGeom prst="rect">
+            <a:avLst/>
+          </a:prstGeom>
+        </p:spPr>
+      </p:pic>
+      <p:pic>
+        <p:nvPicPr>
+          <p:cNvPr id="13" name="Рисунок 12">
+            <a:extLst>
+              <a:ext uri="{FF2B5EF4-FFF2-40B4-BE49-F238E27FC236}">
+                <a16:creationId xmlns:a16="http://schemas.microsoft.com/office/drawing/2014/main" id="{EC5D7735-9641-45B1-BD27-5E69B5D41B3B}"/>
+              </a:ext>
+            </a:extLst>
+          </p:cNvPr>
+          <p:cNvPicPr/>
+          <p:nvPr/>
+        </p:nvPicPr>
+        <p:blipFill>
+          <a:blip r:embed="rId4"/>
+          <a:stretch>
+            <a:fillRect/>
+          </a:stretch>
+        </p:blipFill>
+        <p:spPr>
+          <a:xfrm>
+            <a:off x="1371600" y="1525893"/>
+            <a:ext cx="3886200" cy="4951106"/>
+          </a:xfrm>
+          <a:prstGeom prst="rect">
+            <a:avLst/>
+          </a:prstGeom>
+        </p:spPr>
+      </p:pic>
+    </p:spTree>
+    <p:extLst>
+      <p:ext uri="{BB962C8B-B14F-4D97-AF65-F5344CB8AC3E}">
+        <p14:creationId xmlns:p14="http://schemas.microsoft.com/office/powerpoint/2010/main" val="3760270214"/>
       </p:ext>
     </p:extLst>
   </p:cSld>
